--- a/misc/ProjectReports-In progress/TermProject.pptx
+++ b/misc/ProjectReports-In progress/TermProject.pptx
@@ -4,15 +4,21 @@
   <p:sldMasterIdLst>
     <p:sldMasterId id="2147483648" r:id="rId1"/>
   </p:sldMasterIdLst>
+  <p:notesMasterIdLst>
+    <p:notesMasterId r:id="rId13"/>
+  </p:notesMasterIdLst>
   <p:sldIdLst>
     <p:sldId id="256" r:id="rId2"/>
     <p:sldId id="258" r:id="rId3"/>
-    <p:sldId id="259" r:id="rId4"/>
-    <p:sldId id="260" r:id="rId5"/>
-    <p:sldId id="261" r:id="rId6"/>
-    <p:sldId id="263" r:id="rId7"/>
-    <p:sldId id="262" r:id="rId8"/>
-    <p:sldId id="257" r:id="rId9"/>
+    <p:sldId id="265" r:id="rId4"/>
+    <p:sldId id="266" r:id="rId5"/>
+    <p:sldId id="267" r:id="rId6"/>
+    <p:sldId id="259" r:id="rId7"/>
+    <p:sldId id="260" r:id="rId8"/>
+    <p:sldId id="261" r:id="rId9"/>
+    <p:sldId id="263" r:id="rId10"/>
+    <p:sldId id="262" r:id="rId11"/>
+    <p:sldId id="257" r:id="rId12"/>
   </p:sldIdLst>
   <p:sldSz cx="12192000" cy="6858000"/>
   <p:notesSz cx="6858000" cy="9144000"/>
@@ -111,7 +117,533 @@
       </a:defRPr>
     </a:lvl9pPr>
   </p:defaultTextStyle>
+  <p:extLst>
+    <p:ext uri="{EFAFB233-063F-42B5-8137-9DF3F51BA10A}">
+      <p15:sldGuideLst xmlns:p15="http://schemas.microsoft.com/office/powerpoint/2012/main"/>
+    </p:ext>
+  </p:extLst>
 </p:presentation>
+</file>
+
+<file path=ppt/notesMasters/notesMaster1.xml><?xml version="1.0" encoding="utf-8"?>
+<p:notesMaster xmlns:a="http://schemas.openxmlformats.org/drawingml/2006/main" xmlns:r="http://schemas.openxmlformats.org/officeDocument/2006/relationships" xmlns:p="http://schemas.openxmlformats.org/presentationml/2006/main">
+  <p:cSld>
+    <p:bg>
+      <p:bgRef idx="1001">
+        <a:schemeClr val="bg1"/>
+      </p:bgRef>
+    </p:bg>
+    <p:spTree>
+      <p:nvGrpSpPr>
+        <p:cNvPr id="1" name=""/>
+        <p:cNvGrpSpPr/>
+        <p:nvPr/>
+      </p:nvGrpSpPr>
+      <p:grpSpPr>
+        <a:xfrm>
+          <a:off x="0" y="0"/>
+          <a:ext cx="0" cy="0"/>
+          <a:chOff x="0" y="0"/>
+          <a:chExt cx="0" cy="0"/>
+        </a:xfrm>
+      </p:grpSpPr>
+      <p:sp>
+        <p:nvSpPr>
+          <p:cNvPr id="2" name="Header Placeholder 1"/>
+          <p:cNvSpPr>
+            <a:spLocks noGrp="1"/>
+          </p:cNvSpPr>
+          <p:nvPr>
+            <p:ph type="hdr" sz="quarter"/>
+          </p:nvPr>
+        </p:nvSpPr>
+        <p:spPr>
+          <a:xfrm>
+            <a:off x="0" y="0"/>
+            <a:ext cx="2971800" cy="458788"/>
+          </a:xfrm>
+          <a:prstGeom prst="rect">
+            <a:avLst/>
+          </a:prstGeom>
+        </p:spPr>
+        <p:txBody>
+          <a:bodyPr vert="horz" lIns="91440" tIns="45720" rIns="91440" bIns="45720" rtlCol="0"/>
+          <a:lstStyle>
+            <a:lvl1pPr algn="l">
+              <a:defRPr sz="1200"/>
+            </a:lvl1pPr>
+          </a:lstStyle>
+          <a:p>
+            <a:endParaRPr lang="en-US"/>
+          </a:p>
+        </p:txBody>
+      </p:sp>
+      <p:sp>
+        <p:nvSpPr>
+          <p:cNvPr id="3" name="Date Placeholder 2"/>
+          <p:cNvSpPr>
+            <a:spLocks noGrp="1"/>
+          </p:cNvSpPr>
+          <p:nvPr>
+            <p:ph type="dt" idx="1"/>
+          </p:nvPr>
+        </p:nvSpPr>
+        <p:spPr>
+          <a:xfrm>
+            <a:off x="3884613" y="0"/>
+            <a:ext cx="2971800" cy="458788"/>
+          </a:xfrm>
+          <a:prstGeom prst="rect">
+            <a:avLst/>
+          </a:prstGeom>
+        </p:spPr>
+        <p:txBody>
+          <a:bodyPr vert="horz" lIns="91440" tIns="45720" rIns="91440" bIns="45720" rtlCol="0"/>
+          <a:lstStyle>
+            <a:lvl1pPr algn="r">
+              <a:defRPr sz="1200"/>
+            </a:lvl1pPr>
+          </a:lstStyle>
+          <a:p>
+            <a:fld id="{8FA2BE9F-DAE6-48F5-9E72-C32827DA6BA0}" type="datetimeFigureOut">
+              <a:rPr lang="en-US" smtClean="0"/>
+              <a:t>3/29/2023</a:t>
+            </a:fld>
+            <a:endParaRPr lang="en-US"/>
+          </a:p>
+        </p:txBody>
+      </p:sp>
+      <p:sp>
+        <p:nvSpPr>
+          <p:cNvPr id="4" name="Slide Image Placeholder 3"/>
+          <p:cNvSpPr>
+            <a:spLocks noGrp="1" noRot="1" noChangeAspect="1"/>
+          </p:cNvSpPr>
+          <p:nvPr>
+            <p:ph type="sldImg" idx="2"/>
+          </p:nvPr>
+        </p:nvSpPr>
+        <p:spPr>
+          <a:xfrm>
+            <a:off x="685800" y="1143000"/>
+            <a:ext cx="5486400" cy="3086100"/>
+          </a:xfrm>
+          <a:prstGeom prst="rect">
+            <a:avLst/>
+          </a:prstGeom>
+          <a:noFill/>
+          <a:ln w="12700">
+            <a:solidFill>
+              <a:prstClr val="black"/>
+            </a:solidFill>
+          </a:ln>
+        </p:spPr>
+        <p:txBody>
+          <a:bodyPr vert="horz" lIns="91440" tIns="45720" rIns="91440" bIns="45720" rtlCol="0" anchor="ctr"/>
+          <a:lstStyle/>
+          <a:p>
+            <a:endParaRPr lang="en-US"/>
+          </a:p>
+        </p:txBody>
+      </p:sp>
+      <p:sp>
+        <p:nvSpPr>
+          <p:cNvPr id="5" name="Notes Placeholder 4"/>
+          <p:cNvSpPr>
+            <a:spLocks noGrp="1"/>
+          </p:cNvSpPr>
+          <p:nvPr>
+            <p:ph type="body" sz="quarter" idx="3"/>
+          </p:nvPr>
+        </p:nvSpPr>
+        <p:spPr>
+          <a:xfrm>
+            <a:off x="685800" y="4400550"/>
+            <a:ext cx="5486400" cy="3600450"/>
+          </a:xfrm>
+          <a:prstGeom prst="rect">
+            <a:avLst/>
+          </a:prstGeom>
+        </p:spPr>
+        <p:txBody>
+          <a:bodyPr vert="horz" lIns="91440" tIns="45720" rIns="91440" bIns="45720" rtlCol="0"/>
+          <a:lstStyle/>
+          <a:p>
+            <a:pPr lvl="0"/>
+            <a:r>
+              <a:rPr lang="en-US"/>
+              <a:t>Click to edit Master text styles</a:t>
+            </a:r>
+          </a:p>
+          <a:p>
+            <a:pPr lvl="1"/>
+            <a:r>
+              <a:rPr lang="en-US"/>
+              <a:t>Second level</a:t>
+            </a:r>
+          </a:p>
+          <a:p>
+            <a:pPr lvl="2"/>
+            <a:r>
+              <a:rPr lang="en-US"/>
+              <a:t>Third level</a:t>
+            </a:r>
+          </a:p>
+          <a:p>
+            <a:pPr lvl="3"/>
+            <a:r>
+              <a:rPr lang="en-US"/>
+              <a:t>Fourth level</a:t>
+            </a:r>
+          </a:p>
+          <a:p>
+            <a:pPr lvl="4"/>
+            <a:r>
+              <a:rPr lang="en-US"/>
+              <a:t>Fifth level</a:t>
+            </a:r>
+          </a:p>
+        </p:txBody>
+      </p:sp>
+      <p:sp>
+        <p:nvSpPr>
+          <p:cNvPr id="6" name="Footer Placeholder 5"/>
+          <p:cNvSpPr>
+            <a:spLocks noGrp="1"/>
+          </p:cNvSpPr>
+          <p:nvPr>
+            <p:ph type="ftr" sz="quarter" idx="4"/>
+          </p:nvPr>
+        </p:nvSpPr>
+        <p:spPr>
+          <a:xfrm>
+            <a:off x="0" y="8685213"/>
+            <a:ext cx="2971800" cy="458787"/>
+          </a:xfrm>
+          <a:prstGeom prst="rect">
+            <a:avLst/>
+          </a:prstGeom>
+        </p:spPr>
+        <p:txBody>
+          <a:bodyPr vert="horz" lIns="91440" tIns="45720" rIns="91440" bIns="45720" rtlCol="0" anchor="b"/>
+          <a:lstStyle>
+            <a:lvl1pPr algn="l">
+              <a:defRPr sz="1200"/>
+            </a:lvl1pPr>
+          </a:lstStyle>
+          <a:p>
+            <a:endParaRPr lang="en-US"/>
+          </a:p>
+        </p:txBody>
+      </p:sp>
+      <p:sp>
+        <p:nvSpPr>
+          <p:cNvPr id="7" name="Slide Number Placeholder 6"/>
+          <p:cNvSpPr>
+            <a:spLocks noGrp="1"/>
+          </p:cNvSpPr>
+          <p:nvPr>
+            <p:ph type="sldNum" sz="quarter" idx="5"/>
+          </p:nvPr>
+        </p:nvSpPr>
+        <p:spPr>
+          <a:xfrm>
+            <a:off x="3884613" y="8685213"/>
+            <a:ext cx="2971800" cy="458787"/>
+          </a:xfrm>
+          <a:prstGeom prst="rect">
+            <a:avLst/>
+          </a:prstGeom>
+        </p:spPr>
+        <p:txBody>
+          <a:bodyPr vert="horz" lIns="91440" tIns="45720" rIns="91440" bIns="45720" rtlCol="0" anchor="b"/>
+          <a:lstStyle>
+            <a:lvl1pPr algn="r">
+              <a:defRPr sz="1200"/>
+            </a:lvl1pPr>
+          </a:lstStyle>
+          <a:p>
+            <a:fld id="{C9266774-C4F8-4CB9-8AF6-5B9C8DAC2892}" type="slidenum">
+              <a:rPr lang="en-US" smtClean="0"/>
+              <a:t>‹#›</a:t>
+            </a:fld>
+            <a:endParaRPr lang="en-US"/>
+          </a:p>
+        </p:txBody>
+      </p:sp>
+    </p:spTree>
+    <p:extLst>
+      <p:ext uri="{BB962C8B-B14F-4D97-AF65-F5344CB8AC3E}">
+        <p14:creationId xmlns:p14="http://schemas.microsoft.com/office/powerpoint/2010/main" val="1716077159"/>
+      </p:ext>
+    </p:extLst>
+  </p:cSld>
+  <p:clrMap bg1="lt1" tx1="dk1" bg2="lt2" tx2="dk2" accent1="accent1" accent2="accent2" accent3="accent3" accent4="accent4" accent5="accent5" accent6="accent6" hlink="hlink" folHlink="folHlink"/>
+  <p:notesStyle>
+    <a:lvl1pPr marL="0" algn="l" defTabSz="914400" rtl="0" eaLnBrk="1" latinLnBrk="0" hangingPunct="1">
+      <a:defRPr sz="1200" kern="1200">
+        <a:solidFill>
+          <a:schemeClr val="tx1"/>
+        </a:solidFill>
+        <a:latin typeface="+mn-lt"/>
+        <a:ea typeface="+mn-ea"/>
+        <a:cs typeface="+mn-cs"/>
+      </a:defRPr>
+    </a:lvl1pPr>
+    <a:lvl2pPr marL="457200" algn="l" defTabSz="914400" rtl="0" eaLnBrk="1" latinLnBrk="0" hangingPunct="1">
+      <a:defRPr sz="1200" kern="1200">
+        <a:solidFill>
+          <a:schemeClr val="tx1"/>
+        </a:solidFill>
+        <a:latin typeface="+mn-lt"/>
+        <a:ea typeface="+mn-ea"/>
+        <a:cs typeface="+mn-cs"/>
+      </a:defRPr>
+    </a:lvl2pPr>
+    <a:lvl3pPr marL="914400" algn="l" defTabSz="914400" rtl="0" eaLnBrk="1" latinLnBrk="0" hangingPunct="1">
+      <a:defRPr sz="1200" kern="1200">
+        <a:solidFill>
+          <a:schemeClr val="tx1"/>
+        </a:solidFill>
+        <a:latin typeface="+mn-lt"/>
+        <a:ea typeface="+mn-ea"/>
+        <a:cs typeface="+mn-cs"/>
+      </a:defRPr>
+    </a:lvl3pPr>
+    <a:lvl4pPr marL="1371600" algn="l" defTabSz="914400" rtl="0" eaLnBrk="1" latinLnBrk="0" hangingPunct="1">
+      <a:defRPr sz="1200" kern="1200">
+        <a:solidFill>
+          <a:schemeClr val="tx1"/>
+        </a:solidFill>
+        <a:latin typeface="+mn-lt"/>
+        <a:ea typeface="+mn-ea"/>
+        <a:cs typeface="+mn-cs"/>
+      </a:defRPr>
+    </a:lvl4pPr>
+    <a:lvl5pPr marL="1828800" algn="l" defTabSz="914400" rtl="0" eaLnBrk="1" latinLnBrk="0" hangingPunct="1">
+      <a:defRPr sz="1200" kern="1200">
+        <a:solidFill>
+          <a:schemeClr val="tx1"/>
+        </a:solidFill>
+        <a:latin typeface="+mn-lt"/>
+        <a:ea typeface="+mn-ea"/>
+        <a:cs typeface="+mn-cs"/>
+      </a:defRPr>
+    </a:lvl5pPr>
+    <a:lvl6pPr marL="2286000" algn="l" defTabSz="914400" rtl="0" eaLnBrk="1" latinLnBrk="0" hangingPunct="1">
+      <a:defRPr sz="1200" kern="1200">
+        <a:solidFill>
+          <a:schemeClr val="tx1"/>
+        </a:solidFill>
+        <a:latin typeface="+mn-lt"/>
+        <a:ea typeface="+mn-ea"/>
+        <a:cs typeface="+mn-cs"/>
+      </a:defRPr>
+    </a:lvl6pPr>
+    <a:lvl7pPr marL="2743200" algn="l" defTabSz="914400" rtl="0" eaLnBrk="1" latinLnBrk="0" hangingPunct="1">
+      <a:defRPr sz="1200" kern="1200">
+        <a:solidFill>
+          <a:schemeClr val="tx1"/>
+        </a:solidFill>
+        <a:latin typeface="+mn-lt"/>
+        <a:ea typeface="+mn-ea"/>
+        <a:cs typeface="+mn-cs"/>
+      </a:defRPr>
+    </a:lvl7pPr>
+    <a:lvl8pPr marL="3200400" algn="l" defTabSz="914400" rtl="0" eaLnBrk="1" latinLnBrk="0" hangingPunct="1">
+      <a:defRPr sz="1200" kern="1200">
+        <a:solidFill>
+          <a:schemeClr val="tx1"/>
+        </a:solidFill>
+        <a:latin typeface="+mn-lt"/>
+        <a:ea typeface="+mn-ea"/>
+        <a:cs typeface="+mn-cs"/>
+      </a:defRPr>
+    </a:lvl8pPr>
+    <a:lvl9pPr marL="3657600" algn="l" defTabSz="914400" rtl="0" eaLnBrk="1" latinLnBrk="0" hangingPunct="1">
+      <a:defRPr sz="1200" kern="1200">
+        <a:solidFill>
+          <a:schemeClr val="tx1"/>
+        </a:solidFill>
+        <a:latin typeface="+mn-lt"/>
+        <a:ea typeface="+mn-ea"/>
+        <a:cs typeface="+mn-cs"/>
+      </a:defRPr>
+    </a:lvl9pPr>
+  </p:notesStyle>
+</p:notesMaster>
+</file>
+
+<file path=ppt/notesSlides/notesSlide1.xml><?xml version="1.0" encoding="utf-8"?>
+<p:notes xmlns:a="http://schemas.openxmlformats.org/drawingml/2006/main" xmlns:r="http://schemas.openxmlformats.org/officeDocument/2006/relationships" xmlns:p="http://schemas.openxmlformats.org/presentationml/2006/main">
+  <p:cSld>
+    <p:spTree>
+      <p:nvGrpSpPr>
+        <p:cNvPr id="1" name=""/>
+        <p:cNvGrpSpPr/>
+        <p:nvPr/>
+      </p:nvGrpSpPr>
+      <p:grpSpPr>
+        <a:xfrm>
+          <a:off x="0" y="0"/>
+          <a:ext cx="0" cy="0"/>
+          <a:chOff x="0" y="0"/>
+          <a:chExt cx="0" cy="0"/>
+        </a:xfrm>
+      </p:grpSpPr>
+      <p:sp>
+        <p:nvSpPr>
+          <p:cNvPr id="2" name="Slide Image Placeholder 1"/>
+          <p:cNvSpPr>
+            <a:spLocks noGrp="1" noRot="1" noChangeAspect="1"/>
+          </p:cNvSpPr>
+          <p:nvPr>
+            <p:ph type="sldImg"/>
+          </p:nvPr>
+        </p:nvSpPr>
+        <p:spPr/>
+      </p:sp>
+      <p:sp>
+        <p:nvSpPr>
+          <p:cNvPr id="3" name="Notes Placeholder 2"/>
+          <p:cNvSpPr>
+            <a:spLocks noGrp="1"/>
+          </p:cNvSpPr>
+          <p:nvPr>
+            <p:ph type="body" idx="1"/>
+          </p:nvPr>
+        </p:nvSpPr>
+        <p:spPr/>
+        <p:txBody>
+          <a:bodyPr/>
+          <a:lstStyle/>
+          <a:p>
+            <a:pPr marL="0" marR="0">
+              <a:lnSpc>
+                <a:spcPct val="107000"/>
+              </a:lnSpc>
+              <a:spcBef>
+                <a:spcPts val="0"/>
+              </a:spcBef>
+              <a:spcAft>
+                <a:spcPts val="800"/>
+              </a:spcAft>
+            </a:pPr>
+            <a:r>
+              <a:rPr lang="en-US" sz="1200" dirty="0">
+                <a:effectLst/>
+                <a:latin typeface="Calibri" panose="020F0502020204030204" pitchFamily="34" charset="0"/>
+                <a:ea typeface="Calibri" panose="020F0502020204030204" pitchFamily="34" charset="0"/>
+                <a:cs typeface="Times New Roman" panose="02020603050405020304" pitchFamily="18" charset="0"/>
+              </a:rPr>
+              <a:t>Big data processing has become increasingly important in various industries, from finance to healthcare to retail. </a:t>
+            </a:r>
+          </a:p>
+          <a:p>
+            <a:pPr marL="0" marR="0">
+              <a:lnSpc>
+                <a:spcPct val="107000"/>
+              </a:lnSpc>
+              <a:spcBef>
+                <a:spcPts val="0"/>
+              </a:spcBef>
+              <a:spcAft>
+                <a:spcPts val="800"/>
+              </a:spcAft>
+            </a:pPr>
+            <a:r>
+              <a:rPr lang="en-US" sz="1200" dirty="0">
+                <a:effectLst/>
+                <a:latin typeface="Calibri" panose="020F0502020204030204" pitchFamily="34" charset="0"/>
+                <a:ea typeface="Calibri" panose="020F0502020204030204" pitchFamily="34" charset="0"/>
+                <a:cs typeface="Times New Roman" panose="02020603050405020304" pitchFamily="18" charset="0"/>
+              </a:rPr>
+              <a:t>Setting up a reliable and efficient Spark cluster can be a daunting task, especially for small or medium-sized enterprises that do not have dedicated IT infrastructure. </a:t>
+            </a:r>
+          </a:p>
+          <a:p>
+            <a:pPr marL="0" marR="0">
+              <a:lnSpc>
+                <a:spcPct val="107000"/>
+              </a:lnSpc>
+              <a:spcBef>
+                <a:spcPts val="0"/>
+              </a:spcBef>
+              <a:spcAft>
+                <a:spcPts val="800"/>
+              </a:spcAft>
+            </a:pPr>
+            <a:r>
+              <a:rPr lang="en-US" sz="1200" dirty="0">
+                <a:effectLst/>
+                <a:latin typeface="Calibri" panose="020F0502020204030204" pitchFamily="34" charset="0"/>
+                <a:ea typeface="Calibri" panose="020F0502020204030204" pitchFamily="34" charset="0"/>
+                <a:cs typeface="Times New Roman" panose="02020603050405020304" pitchFamily="18" charset="0"/>
+              </a:rPr>
+              <a:t>Deploying a Spark cluster on different environments, such as local machines or cloud providers, can be challenging due to dependencies and configuration issues. </a:t>
+            </a:r>
+          </a:p>
+          <a:p>
+            <a:pPr marL="0" marR="0">
+              <a:lnSpc>
+                <a:spcPct val="107000"/>
+              </a:lnSpc>
+              <a:spcBef>
+                <a:spcPts val="0"/>
+              </a:spcBef>
+              <a:spcAft>
+                <a:spcPts val="800"/>
+              </a:spcAft>
+            </a:pPr>
+            <a:r>
+              <a:rPr lang="en-US" sz="1200" dirty="0">
+                <a:effectLst/>
+                <a:latin typeface="Calibri" panose="020F0502020204030204" pitchFamily="34" charset="0"/>
+                <a:ea typeface="Calibri" panose="020F0502020204030204" pitchFamily="34" charset="0"/>
+                <a:cs typeface="Times New Roman" panose="02020603050405020304" pitchFamily="18" charset="0"/>
+              </a:rPr>
+              <a:t>Therefore, we wanted to provide a solution that simplifies the process of creating and deploying a Spark cluster, while also ensuring high performance and scalability.</a:t>
+            </a:r>
+          </a:p>
+          <a:p>
+            <a:endParaRPr lang="en-US" dirty="0"/>
+          </a:p>
+        </p:txBody>
+      </p:sp>
+      <p:sp>
+        <p:nvSpPr>
+          <p:cNvPr id="4" name="Slide Number Placeholder 3"/>
+          <p:cNvSpPr>
+            <a:spLocks noGrp="1"/>
+          </p:cNvSpPr>
+          <p:nvPr>
+            <p:ph type="sldNum" sz="quarter" idx="5"/>
+          </p:nvPr>
+        </p:nvSpPr>
+        <p:spPr/>
+        <p:txBody>
+          <a:bodyPr/>
+          <a:lstStyle/>
+          <a:p>
+            <a:fld id="{C9266774-C4F8-4CB9-8AF6-5B9C8DAC2892}" type="slidenum">
+              <a:rPr lang="en-US" smtClean="0"/>
+              <a:t>6</a:t>
+            </a:fld>
+            <a:endParaRPr lang="en-US"/>
+          </a:p>
+        </p:txBody>
+      </p:sp>
+    </p:spTree>
+    <p:extLst>
+      <p:ext uri="{BB962C8B-B14F-4D97-AF65-F5344CB8AC3E}">
+        <p14:creationId xmlns:p14="http://schemas.microsoft.com/office/powerpoint/2010/main" val="3117904371"/>
+      </p:ext>
+    </p:extLst>
+  </p:cSld>
+  <p:clrMapOvr>
+    <a:masterClrMapping/>
+  </p:clrMapOvr>
+</p:notes>
 </file>
 
 <file path=ppt/slideLayouts/slideLayout1.xml><?xml version="1.0" encoding="utf-8"?>
@@ -261,7 +793,7 @@
           <a:p>
             <a:fld id="{1A3DC9A9-B6E5-4E50-9F75-EF86E7D5F96E}" type="datetimeFigureOut">
               <a:rPr lang="en-US" smtClean="0"/>
-              <a:t>3/28/2023</a:t>
+              <a:t>3/29/2023</a:t>
             </a:fld>
             <a:endParaRPr lang="en-US"/>
           </a:p>
@@ -459,7 +991,7 @@
           <a:p>
             <a:fld id="{1A3DC9A9-B6E5-4E50-9F75-EF86E7D5F96E}" type="datetimeFigureOut">
               <a:rPr lang="en-US" smtClean="0"/>
-              <a:t>3/28/2023</a:t>
+              <a:t>3/29/2023</a:t>
             </a:fld>
             <a:endParaRPr lang="en-US"/>
           </a:p>
@@ -667,7 +1199,7 @@
           <a:p>
             <a:fld id="{1A3DC9A9-B6E5-4E50-9F75-EF86E7D5F96E}" type="datetimeFigureOut">
               <a:rPr lang="en-US" smtClean="0"/>
-              <a:t>3/28/2023</a:t>
+              <a:t>3/29/2023</a:t>
             </a:fld>
             <a:endParaRPr lang="en-US"/>
           </a:p>
@@ -865,7 +1397,7 @@
           <a:p>
             <a:fld id="{1A3DC9A9-B6E5-4E50-9F75-EF86E7D5F96E}" type="datetimeFigureOut">
               <a:rPr lang="en-US" smtClean="0"/>
-              <a:t>3/28/2023</a:t>
+              <a:t>3/29/2023</a:t>
             </a:fld>
             <a:endParaRPr lang="en-US"/>
           </a:p>
@@ -1140,7 +1672,7 @@
           <a:p>
             <a:fld id="{1A3DC9A9-B6E5-4E50-9F75-EF86E7D5F96E}" type="datetimeFigureOut">
               <a:rPr lang="en-US" smtClean="0"/>
-              <a:t>3/28/2023</a:t>
+              <a:t>3/29/2023</a:t>
             </a:fld>
             <a:endParaRPr lang="en-US"/>
           </a:p>
@@ -1405,7 +1937,7 @@
           <a:p>
             <a:fld id="{1A3DC9A9-B6E5-4E50-9F75-EF86E7D5F96E}" type="datetimeFigureOut">
               <a:rPr lang="en-US" smtClean="0"/>
-              <a:t>3/28/2023</a:t>
+              <a:t>3/29/2023</a:t>
             </a:fld>
             <a:endParaRPr lang="en-US"/>
           </a:p>
@@ -1817,7 +2349,7 @@
           <a:p>
             <a:fld id="{1A3DC9A9-B6E5-4E50-9F75-EF86E7D5F96E}" type="datetimeFigureOut">
               <a:rPr lang="en-US" smtClean="0"/>
-              <a:t>3/28/2023</a:t>
+              <a:t>3/29/2023</a:t>
             </a:fld>
             <a:endParaRPr lang="en-US"/>
           </a:p>
@@ -1958,7 +2490,7 @@
           <a:p>
             <a:fld id="{1A3DC9A9-B6E5-4E50-9F75-EF86E7D5F96E}" type="datetimeFigureOut">
               <a:rPr lang="en-US" smtClean="0"/>
-              <a:t>3/28/2023</a:t>
+              <a:t>3/29/2023</a:t>
             </a:fld>
             <a:endParaRPr lang="en-US"/>
           </a:p>
@@ -2071,7 +2603,7 @@
           <a:p>
             <a:fld id="{1A3DC9A9-B6E5-4E50-9F75-EF86E7D5F96E}" type="datetimeFigureOut">
               <a:rPr lang="en-US" smtClean="0"/>
-              <a:t>3/28/2023</a:t>
+              <a:t>3/29/2023</a:t>
             </a:fld>
             <a:endParaRPr lang="en-US"/>
           </a:p>
@@ -2382,7 +2914,7 @@
           <a:p>
             <a:fld id="{1A3DC9A9-B6E5-4E50-9F75-EF86E7D5F96E}" type="datetimeFigureOut">
               <a:rPr lang="en-US" smtClean="0"/>
-              <a:t>3/28/2023</a:t>
+              <a:t>3/29/2023</a:t>
             </a:fld>
             <a:endParaRPr lang="en-US"/>
           </a:p>
@@ -2670,7 +3202,7 @@
           <a:p>
             <a:fld id="{1A3DC9A9-B6E5-4E50-9F75-EF86E7D5F96E}" type="datetimeFigureOut">
               <a:rPr lang="en-US" smtClean="0"/>
-              <a:t>3/28/2023</a:t>
+              <a:t>3/29/2023</a:t>
             </a:fld>
             <a:endParaRPr lang="en-US"/>
           </a:p>
@@ -2911,7 +3443,7 @@
           <a:p>
             <a:fld id="{1A3DC9A9-B6E5-4E50-9F75-EF86E7D5F96E}" type="datetimeFigureOut">
               <a:rPr lang="en-US" smtClean="0"/>
-              <a:t>3/28/2023</a:t>
+              <a:t>3/29/2023</a:t>
             </a:fld>
             <a:endParaRPr lang="en-US"/>
           </a:p>
@@ -3378,6 +3910,197 @@
 </p:sld>
 </file>
 
+<file path=ppt/slides/slide10.xml><?xml version="1.0" encoding="utf-8"?>
+<p:sld xmlns:a="http://schemas.openxmlformats.org/drawingml/2006/main" xmlns:r="http://schemas.openxmlformats.org/officeDocument/2006/relationships" xmlns:p="http://schemas.openxmlformats.org/presentationml/2006/main">
+  <p:cSld>
+    <p:spTree>
+      <p:nvGrpSpPr>
+        <p:cNvPr id="1" name=""/>
+        <p:cNvGrpSpPr/>
+        <p:nvPr/>
+      </p:nvGrpSpPr>
+      <p:grpSpPr>
+        <a:xfrm>
+          <a:off x="0" y="0"/>
+          <a:ext cx="0" cy="0"/>
+          <a:chOff x="0" y="0"/>
+          <a:chExt cx="0" cy="0"/>
+        </a:xfrm>
+      </p:grpSpPr>
+      <p:sp>
+        <p:nvSpPr>
+          <p:cNvPr id="2" name="Title 1">
+            <a:extLst>
+              <a:ext uri="{FF2B5EF4-FFF2-40B4-BE49-F238E27FC236}">
+                <a16:creationId xmlns:a16="http://schemas.microsoft.com/office/drawing/2014/main" id="{182F6BDD-3DA5-A4BA-1823-18E524097C14}"/>
+              </a:ext>
+            </a:extLst>
+          </p:cNvPr>
+          <p:cNvSpPr>
+            <a:spLocks noGrp="1"/>
+          </p:cNvSpPr>
+          <p:nvPr>
+            <p:ph type="title"/>
+          </p:nvPr>
+        </p:nvSpPr>
+        <p:spPr/>
+        <p:txBody>
+          <a:bodyPr/>
+          <a:lstStyle/>
+          <a:p>
+            <a:r>
+              <a:rPr lang="en-US" dirty="0"/>
+              <a:t>Conclusion	</a:t>
+            </a:r>
+          </a:p>
+        </p:txBody>
+      </p:sp>
+      <p:sp>
+        <p:nvSpPr>
+          <p:cNvPr id="3" name="Content Placeholder 2">
+            <a:extLst>
+              <a:ext uri="{FF2B5EF4-FFF2-40B4-BE49-F238E27FC236}">
+                <a16:creationId xmlns:a16="http://schemas.microsoft.com/office/drawing/2014/main" id="{DB6D87E6-C3D2-F85C-4F7D-E00266D475F0}"/>
+              </a:ext>
+            </a:extLst>
+          </p:cNvPr>
+          <p:cNvSpPr>
+            <a:spLocks noGrp="1"/>
+          </p:cNvSpPr>
+          <p:nvPr>
+            <p:ph idx="1"/>
+          </p:nvPr>
+        </p:nvSpPr>
+        <p:spPr/>
+        <p:txBody>
+          <a:bodyPr vert="horz" lIns="91440" tIns="45720" rIns="91440" bIns="45720" rtlCol="0">
+            <a:normAutofit fontScale="70000" lnSpcReduction="20000"/>
+          </a:bodyPr>
+          <a:lstStyle/>
+          <a:p>
+            <a:r>
+              <a:rPr lang="en-US" dirty="0"/>
+              <a:t>We have successfully created an Apache Spark cluster using Docker containers, which can be easily deployed and scaled on different environments. </a:t>
+            </a:r>
+          </a:p>
+          <a:p>
+            <a:endParaRPr lang="en-US" dirty="0"/>
+          </a:p>
+          <a:p>
+            <a:r>
+              <a:rPr lang="en-US" dirty="0"/>
+              <a:t>We have also automated the creation of the Spark cluster by fine-tuning docker files, images, services and shell scripts. </a:t>
+            </a:r>
+          </a:p>
+          <a:p>
+            <a:endParaRPr lang="en-US" dirty="0"/>
+          </a:p>
+          <a:p>
+            <a:r>
+              <a:rPr lang="en-US" dirty="0"/>
+              <a:t>We successfully configured the resource utilization such as CPU usages by managers and workers of the cluster.</a:t>
+            </a:r>
+          </a:p>
+          <a:p>
+            <a:pPr marL="0" indent="0">
+              <a:buNone/>
+            </a:pPr>
+            <a:endParaRPr lang="en-US" dirty="0"/>
+          </a:p>
+          <a:p>
+            <a:r>
+              <a:rPr lang="en-US" dirty="0"/>
+              <a:t>Finally, we have provided a comprehensive documentation and examples that demonstrate how to use the Spark cluster for different use cases, such as data processing, machine learning, and data visualization. </a:t>
+            </a:r>
+          </a:p>
+          <a:p>
+            <a:endParaRPr lang="en-US" dirty="0"/>
+          </a:p>
+          <a:p>
+            <a:r>
+              <a:rPr lang="en-US" dirty="0"/>
+              <a:t>We believe that this project can be useful for anyone who needs to process big data using Spark, without the need for dedicated infrastructure or complex setups.</a:t>
+            </a:r>
+          </a:p>
+          <a:p>
+            <a:endParaRPr lang="en-US" dirty="0"/>
+          </a:p>
+        </p:txBody>
+      </p:sp>
+    </p:spTree>
+    <p:extLst>
+      <p:ext uri="{BB962C8B-B14F-4D97-AF65-F5344CB8AC3E}">
+        <p14:creationId xmlns:p14="http://schemas.microsoft.com/office/powerpoint/2010/main" val="3034444072"/>
+      </p:ext>
+    </p:extLst>
+  </p:cSld>
+  <p:clrMapOvr>
+    <a:masterClrMapping/>
+  </p:clrMapOvr>
+</p:sld>
+</file>
+
+<file path=ppt/slides/slide11.xml><?xml version="1.0" encoding="utf-8"?>
+<p:sld xmlns:a="http://schemas.openxmlformats.org/drawingml/2006/main" xmlns:r="http://schemas.openxmlformats.org/officeDocument/2006/relationships" xmlns:p="http://schemas.openxmlformats.org/presentationml/2006/main">
+  <p:cSld>
+    <p:spTree>
+      <p:nvGrpSpPr>
+        <p:cNvPr id="1" name=""/>
+        <p:cNvGrpSpPr/>
+        <p:nvPr/>
+      </p:nvGrpSpPr>
+      <p:grpSpPr>
+        <a:xfrm>
+          <a:off x="0" y="0"/>
+          <a:ext cx="0" cy="0"/>
+          <a:chOff x="0" y="0"/>
+          <a:chExt cx="0" cy="0"/>
+        </a:xfrm>
+      </p:grpSpPr>
+      <p:sp>
+        <p:nvSpPr>
+          <p:cNvPr id="2" name="Title 1">
+            <a:extLst>
+              <a:ext uri="{FF2B5EF4-FFF2-40B4-BE49-F238E27FC236}">
+                <a16:creationId xmlns:a16="http://schemas.microsoft.com/office/drawing/2014/main" id="{F74B9DCF-A0CB-2AB3-21F2-539C06229AAA}"/>
+              </a:ext>
+            </a:extLst>
+          </p:cNvPr>
+          <p:cNvSpPr>
+            <a:spLocks noGrp="1"/>
+          </p:cNvSpPr>
+          <p:nvPr>
+            <p:ph type="ctrTitle"/>
+          </p:nvPr>
+        </p:nvSpPr>
+        <p:spPr/>
+        <p:txBody>
+          <a:bodyPr>
+            <a:noAutofit/>
+          </a:bodyPr>
+          <a:lstStyle/>
+          <a:p>
+            <a:r>
+              <a:rPr lang="en-US" sz="4000" dirty="0"/>
+              <a:t>Thank you</a:t>
+            </a:r>
+            <a:endParaRPr lang="en-US" sz="2800" dirty="0"/>
+          </a:p>
+        </p:txBody>
+      </p:sp>
+    </p:spTree>
+    <p:extLst>
+      <p:ext uri="{BB962C8B-B14F-4D97-AF65-F5344CB8AC3E}">
+        <p14:creationId xmlns:p14="http://schemas.microsoft.com/office/powerpoint/2010/main" val="2678080752"/>
+      </p:ext>
+    </p:extLst>
+  </p:cSld>
+  <p:clrMapOvr>
+    <a:masterClrMapping/>
+  </p:clrMapOvr>
+</p:sld>
+</file>
+
 <file path=ppt/slides/slide2.xml><?xml version="1.0" encoding="utf-8"?>
 <p:sld xmlns:a="http://schemas.openxmlformats.org/drawingml/2006/main" xmlns:r="http://schemas.openxmlformats.org/officeDocument/2006/relationships" xmlns:p="http://schemas.openxmlformats.org/presentationml/2006/main">
   <p:cSld>
@@ -3418,7 +4141,7 @@
           <a:p>
             <a:r>
               <a:rPr lang="en-US" dirty="0"/>
-              <a:t>Objective</a:t>
+              <a:t>Agenda</a:t>
             </a:r>
           </a:p>
         </p:txBody>
@@ -3445,47 +4168,54 @@
           <a:lstStyle/>
           <a:p>
             <a:r>
-              <a:rPr lang="en-US" sz="1800" dirty="0">
-                <a:effectLst/>
-                <a:latin typeface="Calibri" panose="020F0502020204030204" pitchFamily="34" charset="0"/>
-                <a:ea typeface="Calibri" panose="020F0502020204030204" pitchFamily="34" charset="0"/>
-                <a:cs typeface="Times New Roman" panose="02020603050405020304" pitchFamily="18" charset="0"/>
-              </a:rPr>
-              <a:t>The goal of this project was to create an Apache Spark cluster using Docker containers. </a:t>
-            </a:r>
-          </a:p>
-          <a:p>
-            <a:r>
-              <a:rPr lang="en-US" sz="1800" dirty="0">
-                <a:effectLst/>
-                <a:latin typeface="Calibri" panose="020F0502020204030204" pitchFamily="34" charset="0"/>
-                <a:ea typeface="Calibri" panose="020F0502020204030204" pitchFamily="34" charset="0"/>
-                <a:cs typeface="Times New Roman" panose="02020603050405020304" pitchFamily="18" charset="0"/>
-              </a:rPr>
-              <a:t>Apache Spark is a distributed computing framework that enables processing of large datasets in parallel across multiple machines.</a:t>
-            </a:r>
-          </a:p>
-          <a:p>
-            <a:r>
-              <a:rPr lang="en-US" sz="1800" dirty="0">
-                <a:effectLst/>
-                <a:latin typeface="Calibri" panose="020F0502020204030204" pitchFamily="34" charset="0"/>
-                <a:ea typeface="Calibri" panose="020F0502020204030204" pitchFamily="34" charset="0"/>
-                <a:cs typeface="Times New Roman" panose="02020603050405020304" pitchFamily="18" charset="0"/>
-              </a:rPr>
-              <a:t>Docker is a popular platform for building, shipping, and running applications in containers. </a:t>
-            </a:r>
-          </a:p>
-          <a:p>
-            <a:r>
-              <a:rPr lang="en-US" sz="1800" dirty="0">
-                <a:effectLst/>
-                <a:latin typeface="Calibri" panose="020F0502020204030204" pitchFamily="34" charset="0"/>
-                <a:ea typeface="Calibri" panose="020F0502020204030204" pitchFamily="34" charset="0"/>
-                <a:cs typeface="Times New Roman" panose="02020603050405020304" pitchFamily="18" charset="0"/>
-              </a:rPr>
-              <a:t>By combining these technologies, we aimed to create a scalable and portable Spark cluster that can be easily deployed on different environments.</a:t>
-            </a:r>
+              <a:rPr lang="en-US" dirty="0"/>
+              <a:t>Project summary</a:t>
+            </a:r>
+          </a:p>
+          <a:p>
+            <a:r>
+              <a:rPr lang="en-US" dirty="0"/>
+              <a:t>About Spark</a:t>
+            </a:r>
+          </a:p>
+          <a:p>
+            <a:r>
+              <a:rPr lang="en-US" dirty="0"/>
+              <a:t>About Docker</a:t>
+            </a:r>
+          </a:p>
+          <a:p>
+            <a:r>
+              <a:rPr lang="en-US" dirty="0"/>
+              <a:t>Problem statement</a:t>
+            </a:r>
+          </a:p>
+          <a:p>
+            <a:r>
+              <a:rPr lang="en-US" dirty="0"/>
+              <a:t>Goals</a:t>
+            </a:r>
+          </a:p>
+          <a:p>
+            <a:r>
+              <a:rPr lang="en-US" dirty="0"/>
+              <a:t>Implementation steps</a:t>
+            </a:r>
+          </a:p>
+          <a:p>
+            <a:r>
+              <a:rPr lang="en-US" dirty="0"/>
+              <a:t>Results</a:t>
+            </a:r>
+          </a:p>
+          <a:p>
+            <a:r>
+              <a:rPr lang="en-US" dirty="0"/>
+              <a:t>Conclusion</a:t>
+            </a:r>
+          </a:p>
+          <a:p>
+            <a:endParaRPr lang="en-US" dirty="0"/>
           </a:p>
           <a:p>
             <a:endParaRPr lang="en-US" dirty="0"/>
@@ -3545,7 +4275,7 @@
           <a:p>
             <a:r>
               <a:rPr lang="en-US" dirty="0"/>
-              <a:t>Why?</a:t>
+              <a:t>Project summary</a:t>
             </a:r>
           </a:p>
         </p:txBody>
@@ -3568,94 +4298,53 @@
         </p:nvSpPr>
         <p:spPr/>
         <p:txBody>
-          <a:bodyPr/>
-          <a:lstStyle/>
-          <a:p>
-            <a:pPr marL="0" marR="0">
-              <a:lnSpc>
-                <a:spcPct val="107000"/>
-              </a:lnSpc>
-              <a:spcBef>
-                <a:spcPts val="0"/>
-              </a:spcBef>
-              <a:spcAft>
-                <a:spcPts val="800"/>
-              </a:spcAft>
+          <a:bodyPr vert="horz" lIns="91440" tIns="45720" rIns="91440" bIns="45720" rtlCol="0">
+            <a:normAutofit fontScale="85000" lnSpcReduction="10000"/>
+          </a:bodyPr>
+          <a:lstStyle/>
+          <a:p>
+            <a:endParaRPr lang="en-US" dirty="0"/>
+          </a:p>
+          <a:p>
+            <a:r>
+              <a:rPr lang="en-US" dirty="0"/>
+              <a:t>To create an Apache Spark cluster using Docker containers and visualize big data</a:t>
+            </a:r>
+          </a:p>
+          <a:p>
+            <a:pPr marL="0" indent="0">
+              <a:buNone/>
             </a:pPr>
-            <a:r>
-              <a:rPr lang="en-US" sz="1800" dirty="0">
-                <a:effectLst/>
-                <a:latin typeface="Calibri" panose="020F0502020204030204" pitchFamily="34" charset="0"/>
-                <a:ea typeface="Calibri" panose="020F0502020204030204" pitchFamily="34" charset="0"/>
-                <a:cs typeface="Times New Roman" panose="02020603050405020304" pitchFamily="18" charset="0"/>
-              </a:rPr>
-              <a:t>Big data processing has become increasingly important in various industries, from finance to healthcare to retail. </a:t>
-            </a:r>
-          </a:p>
-          <a:p>
-            <a:pPr marL="0" marR="0">
-              <a:lnSpc>
-                <a:spcPct val="107000"/>
-              </a:lnSpc>
-              <a:spcBef>
-                <a:spcPts val="0"/>
-              </a:spcBef>
-              <a:spcAft>
-                <a:spcPts val="800"/>
-              </a:spcAft>
+            <a:endParaRPr lang="en-US" dirty="0"/>
+          </a:p>
+          <a:p>
+            <a:r>
+              <a:rPr lang="en-US" dirty="0"/>
+              <a:t>Apache Spark is a distributed computing framework that enables processing of large datasets in parallel across multiple machines.</a:t>
+            </a:r>
+          </a:p>
+          <a:p>
+            <a:pPr marL="0" indent="0">
+              <a:buNone/>
             </a:pPr>
-            <a:r>
-              <a:rPr lang="en-US" sz="1800" dirty="0">
-                <a:effectLst/>
-                <a:latin typeface="Calibri" panose="020F0502020204030204" pitchFamily="34" charset="0"/>
-                <a:ea typeface="Calibri" panose="020F0502020204030204" pitchFamily="34" charset="0"/>
-                <a:cs typeface="Times New Roman" panose="02020603050405020304" pitchFamily="18" charset="0"/>
-              </a:rPr>
-              <a:t>However, setting up a reliable and efficient Spark cluster can be a daunting task, especially for small or medium-sized enterprises that do not have dedicated IT infrastructure. </a:t>
-            </a:r>
-          </a:p>
-          <a:p>
-            <a:pPr marL="0" marR="0">
-              <a:lnSpc>
-                <a:spcPct val="107000"/>
-              </a:lnSpc>
-              <a:spcBef>
-                <a:spcPts val="0"/>
-              </a:spcBef>
-              <a:spcAft>
-                <a:spcPts val="800"/>
-              </a:spcAft>
+            <a:endParaRPr lang="en-US" dirty="0"/>
+          </a:p>
+          <a:p>
+            <a:r>
+              <a:rPr lang="en-US" dirty="0"/>
+              <a:t>Docker is a popular platform for building, shipping, and running applications in containers. </a:t>
+            </a:r>
+          </a:p>
+          <a:p>
+            <a:pPr marL="0" indent="0">
+              <a:buNone/>
             </a:pPr>
-            <a:r>
-              <a:rPr lang="en-US" sz="1800" dirty="0">
-                <a:effectLst/>
-                <a:latin typeface="Calibri" panose="020F0502020204030204" pitchFamily="34" charset="0"/>
-                <a:ea typeface="Calibri" panose="020F0502020204030204" pitchFamily="34" charset="0"/>
-                <a:cs typeface="Times New Roman" panose="02020603050405020304" pitchFamily="18" charset="0"/>
-              </a:rPr>
-              <a:t>Moreover, deploying a Spark cluster on different environments, such as local machines or cloud providers, can be challenging due to dependencies and configuration issues. </a:t>
-            </a:r>
-          </a:p>
-          <a:p>
-            <a:pPr marL="0" marR="0">
-              <a:lnSpc>
-                <a:spcPct val="107000"/>
-              </a:lnSpc>
-              <a:spcBef>
-                <a:spcPts val="0"/>
-              </a:spcBef>
-              <a:spcAft>
-                <a:spcPts val="800"/>
-              </a:spcAft>
-            </a:pPr>
-            <a:r>
-              <a:rPr lang="en-US" sz="1800" dirty="0">
-                <a:effectLst/>
-                <a:latin typeface="Calibri" panose="020F0502020204030204" pitchFamily="34" charset="0"/>
-                <a:ea typeface="Calibri" panose="020F0502020204030204" pitchFamily="34" charset="0"/>
-                <a:cs typeface="Times New Roman" panose="02020603050405020304" pitchFamily="18" charset="0"/>
-              </a:rPr>
-              <a:t>Therefore, we wanted to provide a solution that simplifies the process of creating and deploying a Spark cluster, while also ensuring high performance and scalability.</a:t>
+            <a:endParaRPr lang="en-US" dirty="0"/>
+          </a:p>
+          <a:p>
+            <a:r>
+              <a:rPr lang="en-US" dirty="0"/>
+              <a:t>By combining these technologies, we aimed to create a scalable and portable Spark cluster that can be easily deployed on different environments.</a:t>
             </a:r>
           </a:p>
           <a:p>
@@ -3666,7 +4355,7 @@
     </p:spTree>
     <p:extLst>
       <p:ext uri="{BB962C8B-B14F-4D97-AF65-F5344CB8AC3E}">
-        <p14:creationId xmlns:p14="http://schemas.microsoft.com/office/powerpoint/2010/main" val="2514716187"/>
+        <p14:creationId xmlns:p14="http://schemas.microsoft.com/office/powerpoint/2010/main" val="3895390029"/>
       </p:ext>
     </p:extLst>
   </p:cSld>
@@ -3716,7 +4405,7 @@
           <a:p>
             <a:r>
               <a:rPr lang="en-US" dirty="0"/>
-              <a:t>Goals</a:t>
+              <a:t>About Apache Spark</a:t>
             </a:r>
           </a:p>
         </p:txBody>
@@ -3742,75 +4431,21 @@
           <a:bodyPr/>
           <a:lstStyle/>
           <a:p>
-            <a:pPr marL="0" marR="0">
-              <a:lnSpc>
-                <a:spcPct val="107000"/>
-              </a:lnSpc>
-              <a:spcBef>
-                <a:spcPts val="0"/>
-              </a:spcBef>
-              <a:spcAft>
-                <a:spcPts val="800"/>
-              </a:spcAft>
-            </a:pPr>
-            <a:r>
-              <a:rPr lang="en-US" sz="1800" dirty="0">
-                <a:effectLst/>
-                <a:latin typeface="Calibri" panose="020F0502020204030204" pitchFamily="34" charset="0"/>
-                <a:ea typeface="Calibri" panose="020F0502020204030204" pitchFamily="34" charset="0"/>
-                <a:cs typeface="Times New Roman" panose="02020603050405020304" pitchFamily="18" charset="0"/>
-              </a:rPr>
-              <a:t>To create a Spark cluster using Docker containers, with a focus on modularity, scalability, and ease of use.</a:t>
-            </a:r>
-          </a:p>
-          <a:p>
-            <a:pPr marL="0" marR="0">
-              <a:lnSpc>
-                <a:spcPct val="107000"/>
-              </a:lnSpc>
-              <a:spcBef>
-                <a:spcPts val="0"/>
-              </a:spcBef>
-              <a:spcAft>
-                <a:spcPts val="800"/>
-              </a:spcAft>
-            </a:pPr>
-            <a:r>
-              <a:rPr lang="en-US" sz="1800" dirty="0">
-                <a:effectLst/>
-                <a:highlight>
-                  <a:srgbClr val="FFFF00"/>
-                </a:highlight>
-                <a:latin typeface="Calibri" panose="020F0502020204030204" pitchFamily="34" charset="0"/>
-                <a:ea typeface="Calibri" panose="020F0502020204030204" pitchFamily="34" charset="0"/>
-                <a:cs typeface="Times New Roman" panose="02020603050405020304" pitchFamily="18" charset="0"/>
-              </a:rPr>
-              <a:t>To optimize the performance of the Spark cluster by fine-tuning the Spark configurations and the Docker settings.</a:t>
-            </a:r>
-          </a:p>
-          <a:p>
-            <a:pPr marL="0" marR="0">
-              <a:lnSpc>
-                <a:spcPct val="107000"/>
-              </a:lnSpc>
-              <a:spcBef>
-                <a:spcPts val="0"/>
-              </a:spcBef>
-              <a:spcAft>
-                <a:spcPts val="800"/>
-              </a:spcAft>
-            </a:pPr>
-            <a:r>
-              <a:rPr lang="en-US" sz="1800" dirty="0">
-                <a:effectLst/>
-                <a:highlight>
-                  <a:srgbClr val="FFFF00"/>
-                </a:highlight>
-                <a:latin typeface="Calibri" panose="020F0502020204030204" pitchFamily="34" charset="0"/>
-                <a:ea typeface="Calibri" panose="020F0502020204030204" pitchFamily="34" charset="0"/>
-                <a:cs typeface="Times New Roman" panose="02020603050405020304" pitchFamily="18" charset="0"/>
-              </a:rPr>
-              <a:t>To provide a comprehensive documentation and examples that demonstrate how to use the Spark cluster for different use cases, such as data processing, machine learning, and streaming.</a:t>
+            <a:r>
+              <a:rPr lang="en-US" dirty="0"/>
+              <a:t>What is Apache Spark</a:t>
+            </a:r>
+          </a:p>
+          <a:p>
+            <a:r>
+              <a:rPr lang="en-US" dirty="0"/>
+              <a:t>Why we use it?</a:t>
+            </a:r>
+          </a:p>
+          <a:p>
+            <a:r>
+              <a:rPr lang="en-US" dirty="0"/>
+              <a:t>Advantages over traditional big data processing framework such as Hadoop</a:t>
             </a:r>
           </a:p>
         </p:txBody>
@@ -3818,7 +4453,7 @@
     </p:spTree>
     <p:extLst>
       <p:ext uri="{BB962C8B-B14F-4D97-AF65-F5344CB8AC3E}">
-        <p14:creationId xmlns:p14="http://schemas.microsoft.com/office/powerpoint/2010/main" val="2081076565"/>
+        <p14:creationId xmlns:p14="http://schemas.microsoft.com/office/powerpoint/2010/main" val="285299259"/>
       </p:ext>
     </p:extLst>
   </p:cSld>
@@ -3868,7 +4503,7 @@
           <a:p>
             <a:r>
               <a:rPr lang="en-US" dirty="0"/>
-              <a:t>Implementation steps</a:t>
+              <a:t>About Docker</a:t>
             </a:r>
           </a:p>
         </p:txBody>
@@ -3894,138 +4529,29 @@
           <a:bodyPr/>
           <a:lstStyle/>
           <a:p>
-            <a:pPr marL="0" marR="0">
-              <a:lnSpc>
-                <a:spcPct val="107000"/>
-              </a:lnSpc>
-              <a:spcBef>
-                <a:spcPts val="0"/>
-              </a:spcBef>
-              <a:spcAft>
-                <a:spcPts val="800"/>
-              </a:spcAft>
-            </a:pPr>
-            <a:r>
-              <a:rPr lang="en-US" sz="1800" dirty="0">
-                <a:effectLst/>
-                <a:highlight>
-                  <a:srgbClr val="FFFF00"/>
-                </a:highlight>
-                <a:latin typeface="Calibri" panose="020F0502020204030204" pitchFamily="34" charset="0"/>
-                <a:ea typeface="Calibri" panose="020F0502020204030204" pitchFamily="34" charset="0"/>
-                <a:cs typeface="Times New Roman" panose="02020603050405020304" pitchFamily="18" charset="0"/>
-              </a:rPr>
-              <a:t>Steps to implement the project</a:t>
-            </a:r>
-          </a:p>
-          <a:p>
-            <a:pPr marL="0" marR="0">
-              <a:lnSpc>
-                <a:spcPct val="107000"/>
-              </a:lnSpc>
-              <a:spcBef>
-                <a:spcPts val="0"/>
-              </a:spcBef>
-              <a:spcAft>
-                <a:spcPts val="800"/>
-              </a:spcAft>
-            </a:pPr>
-            <a:r>
-              <a:rPr lang="en-US" sz="1800" dirty="0" err="1">
-                <a:highlight>
-                  <a:srgbClr val="FFFF00"/>
-                </a:highlight>
-                <a:latin typeface="Calibri" panose="020F0502020204030204" pitchFamily="34" charset="0"/>
-                <a:ea typeface="Calibri" panose="020F0502020204030204" pitchFamily="34" charset="0"/>
-                <a:cs typeface="Times New Roman" panose="02020603050405020304" pitchFamily="18" charset="0"/>
-              </a:rPr>
-              <a:t>Screnshots</a:t>
-            </a:r>
-            <a:r>
-              <a:rPr lang="en-US" sz="1800" dirty="0">
-                <a:highlight>
-                  <a:srgbClr val="FFFF00"/>
-                </a:highlight>
-                <a:latin typeface="Calibri" panose="020F0502020204030204" pitchFamily="34" charset="0"/>
-                <a:ea typeface="Calibri" panose="020F0502020204030204" pitchFamily="34" charset="0"/>
-                <a:cs typeface="Times New Roman" panose="02020603050405020304" pitchFamily="18" charset="0"/>
-              </a:rPr>
-              <a:t> at various steps</a:t>
-            </a:r>
-            <a:endParaRPr lang="en-US" sz="1800" dirty="0">
-              <a:effectLst/>
-              <a:highlight>
-                <a:srgbClr val="FFFF00"/>
-              </a:highlight>
-              <a:latin typeface="Calibri" panose="020F0502020204030204" pitchFamily="34" charset="0"/>
-              <a:ea typeface="Calibri" panose="020F0502020204030204" pitchFamily="34" charset="0"/>
-              <a:cs typeface="Times New Roman" panose="02020603050405020304" pitchFamily="18" charset="0"/>
-            </a:endParaRPr>
-          </a:p>
-          <a:p>
-            <a:pPr marL="0" marR="0">
-              <a:lnSpc>
-                <a:spcPct val="107000"/>
-              </a:lnSpc>
-              <a:spcBef>
-                <a:spcPts val="0"/>
-              </a:spcBef>
-              <a:spcAft>
-                <a:spcPts val="800"/>
-              </a:spcAft>
-            </a:pPr>
-            <a:r>
-              <a:rPr lang="en-US" sz="1800" dirty="0">
-                <a:effectLst/>
-                <a:highlight>
-                  <a:srgbClr val="FFFF00"/>
-                </a:highlight>
-                <a:latin typeface="Calibri" panose="020F0502020204030204" pitchFamily="34" charset="0"/>
-                <a:ea typeface="Calibri" panose="020F0502020204030204" pitchFamily="34" charset="0"/>
-                <a:cs typeface="Times New Roman" panose="02020603050405020304" pitchFamily="18" charset="0"/>
-              </a:rPr>
-              <a:t>Architecture ( Typical Apache Spark)</a:t>
-            </a:r>
-          </a:p>
-          <a:p>
-            <a:pPr marL="0" marR="0">
-              <a:lnSpc>
-                <a:spcPct val="107000"/>
-              </a:lnSpc>
-              <a:spcBef>
-                <a:spcPts val="0"/>
-              </a:spcBef>
-              <a:spcAft>
-                <a:spcPts val="800"/>
-              </a:spcAft>
-            </a:pPr>
-            <a:r>
-              <a:rPr lang="en-US" sz="1800" dirty="0">
-                <a:highlight>
-                  <a:srgbClr val="FFFF00"/>
-                </a:highlight>
-                <a:latin typeface="Calibri" panose="020F0502020204030204" pitchFamily="34" charset="0"/>
-                <a:ea typeface="Calibri" panose="020F0502020204030204" pitchFamily="34" charset="0"/>
-                <a:cs typeface="Times New Roman" panose="02020603050405020304" pitchFamily="18" charset="0"/>
-              </a:rPr>
-              <a:t>Architecture ( Implemented in the project</a:t>
-            </a:r>
-            <a:endParaRPr lang="en-US" sz="1800" dirty="0">
-              <a:effectLst/>
-              <a:highlight>
-                <a:srgbClr val="FFFF00"/>
-              </a:highlight>
-              <a:latin typeface="Calibri" panose="020F0502020204030204" pitchFamily="34" charset="0"/>
-              <a:ea typeface="Calibri" panose="020F0502020204030204" pitchFamily="34" charset="0"/>
-              <a:cs typeface="Times New Roman" panose="02020603050405020304" pitchFamily="18" charset="0"/>
-            </a:endParaRPr>
+            <a:r>
+              <a:rPr lang="en-US" dirty="0"/>
+              <a:t>What?</a:t>
+            </a:r>
+          </a:p>
+          <a:p>
+            <a:r>
+              <a:rPr lang="en-US" dirty="0"/>
+              <a:t>Why?</a:t>
+            </a:r>
+          </a:p>
+          <a:p>
+            <a:r>
+              <a:rPr lang="en-US" dirty="0"/>
+              <a:t>Advantages</a:t>
+            </a:r>
           </a:p>
         </p:txBody>
       </p:sp>
     </p:spTree>
     <p:extLst>
       <p:ext uri="{BB962C8B-B14F-4D97-AF65-F5344CB8AC3E}">
-        <p14:creationId xmlns:p14="http://schemas.microsoft.com/office/powerpoint/2010/main" val="497707828"/>
+        <p14:creationId xmlns:p14="http://schemas.microsoft.com/office/powerpoint/2010/main" val="2686128176"/>
       </p:ext>
     </p:extLst>
   </p:cSld>
@@ -4075,7 +4601,7 @@
           <a:p>
             <a:r>
               <a:rPr lang="en-US" dirty="0"/>
-              <a:t>Results/Screenshots</a:t>
+              <a:t>Problem Statement</a:t>
             </a:r>
           </a:p>
         </p:txBody>
@@ -4098,72 +4624,58 @@
         </p:nvSpPr>
         <p:spPr/>
         <p:txBody>
-          <a:bodyPr/>
-          <a:lstStyle/>
-          <a:p>
-            <a:pPr marL="0" marR="0">
-              <a:lnSpc>
-                <a:spcPct val="107000"/>
-              </a:lnSpc>
-              <a:spcBef>
-                <a:spcPts val="0"/>
-              </a:spcBef>
-              <a:spcAft>
-                <a:spcPts val="800"/>
-              </a:spcAft>
+          <a:bodyPr vert="horz" lIns="91440" tIns="45720" rIns="91440" bIns="45720" rtlCol="0">
+            <a:normAutofit/>
+          </a:bodyPr>
+          <a:lstStyle/>
+          <a:p>
+            <a:r>
+              <a:rPr lang="en-US" dirty="0"/>
+              <a:t>Big data processing has become increasingly important in various industries</a:t>
+            </a:r>
+          </a:p>
+          <a:p>
+            <a:pPr marL="0" indent="0">
+              <a:buNone/>
             </a:pPr>
-            <a:r>
-              <a:rPr lang="en-US" sz="1800" dirty="0">
-                <a:effectLst/>
-                <a:highlight>
-                  <a:srgbClr val="FFFF00"/>
-                </a:highlight>
-                <a:latin typeface="Calibri" panose="020F0502020204030204" pitchFamily="34" charset="0"/>
-                <a:ea typeface="Calibri" panose="020F0502020204030204" pitchFamily="34" charset="0"/>
-                <a:cs typeface="Times New Roman" panose="02020603050405020304" pitchFamily="18" charset="0"/>
-              </a:rPr>
-              <a:t>Architecture ( Typical Apache Spark)</a:t>
-            </a:r>
-          </a:p>
-          <a:p>
-            <a:pPr marL="0" marR="0">
-              <a:lnSpc>
-                <a:spcPct val="107000"/>
-              </a:lnSpc>
-              <a:spcBef>
-                <a:spcPts val="0"/>
-              </a:spcBef>
-              <a:spcAft>
-                <a:spcPts val="800"/>
-              </a:spcAft>
+            <a:endParaRPr lang="en-US" dirty="0"/>
+          </a:p>
+          <a:p>
+            <a:r>
+              <a:rPr lang="en-US" dirty="0"/>
+              <a:t>Setting up a reliable and efficient Spark cluster can be a daunting task</a:t>
+            </a:r>
+          </a:p>
+          <a:p>
+            <a:pPr marL="0" indent="0">
+              <a:buNone/>
             </a:pPr>
-            <a:r>
-              <a:rPr lang="en-US" sz="1800" dirty="0">
-                <a:highlight>
-                  <a:srgbClr val="FFFF00"/>
-                </a:highlight>
-                <a:latin typeface="Calibri" panose="020F0502020204030204" pitchFamily="34" charset="0"/>
-                <a:ea typeface="Calibri" panose="020F0502020204030204" pitchFamily="34" charset="0"/>
-                <a:cs typeface="Times New Roman" panose="02020603050405020304" pitchFamily="18" charset="0"/>
-              </a:rPr>
-              <a:t>Architecture ( Implemented in the project</a:t>
-            </a:r>
-            <a:endParaRPr lang="en-US" sz="1800" dirty="0">
-              <a:effectLst/>
-              <a:highlight>
-                <a:srgbClr val="FFFF00"/>
-              </a:highlight>
-              <a:latin typeface="Calibri" panose="020F0502020204030204" pitchFamily="34" charset="0"/>
-              <a:ea typeface="Calibri" panose="020F0502020204030204" pitchFamily="34" charset="0"/>
-              <a:cs typeface="Times New Roman" panose="02020603050405020304" pitchFamily="18" charset="0"/>
-            </a:endParaRPr>
+            <a:endParaRPr lang="en-US" dirty="0"/>
+          </a:p>
+          <a:p>
+            <a:r>
+              <a:rPr lang="en-US" dirty="0"/>
+              <a:t>Deploying a Spark cluster on different environments can be challenging due to dependencies and configuration issues. </a:t>
+            </a:r>
+          </a:p>
+          <a:p>
+            <a:pPr marL="0" indent="0">
+              <a:buNone/>
+            </a:pPr>
+            <a:endParaRPr lang="en-US" dirty="0"/>
+          </a:p>
+          <a:p>
+            <a:r>
+              <a:rPr lang="en-US" dirty="0"/>
+              <a:t>Scalability challenges</a:t>
+            </a:r>
           </a:p>
         </p:txBody>
       </p:sp>
     </p:spTree>
     <p:extLst>
       <p:ext uri="{BB962C8B-B14F-4D97-AF65-F5344CB8AC3E}">
-        <p14:creationId xmlns:p14="http://schemas.microsoft.com/office/powerpoint/2010/main" val="1687381793"/>
+        <p14:creationId xmlns:p14="http://schemas.microsoft.com/office/powerpoint/2010/main" val="2514716187"/>
       </p:ext>
     </p:extLst>
   </p:cSld>
@@ -4213,7 +4725,7 @@
           <a:p>
             <a:r>
               <a:rPr lang="en-US" dirty="0"/>
-              <a:t>Conclusion	</a:t>
+              <a:t>Goals</a:t>
             </a:r>
           </a:p>
         </p:txBody>
@@ -4236,124 +4748,61 @@
         </p:nvSpPr>
         <p:spPr/>
         <p:txBody>
-          <a:bodyPr/>
-          <a:lstStyle/>
-          <a:p>
-            <a:pPr marL="0">
-              <a:lnSpc>
-                <a:spcPct val="107000"/>
-              </a:lnSpc>
-              <a:spcBef>
-                <a:spcPts val="0"/>
-              </a:spcBef>
-              <a:spcAft>
-                <a:spcPts val="800"/>
-              </a:spcAft>
+          <a:bodyPr vert="horz" lIns="91440" tIns="45720" rIns="91440" bIns="45720" rtlCol="0">
+            <a:normAutofit/>
+          </a:bodyPr>
+          <a:lstStyle/>
+          <a:p>
+            <a:r>
+              <a:rPr lang="en-US" dirty="0"/>
+              <a:t>To create a Spark cluster using Docker containers, with a focus on modularity, scalability, and ease of use.</a:t>
+            </a:r>
+          </a:p>
+          <a:p>
+            <a:pPr marL="0" indent="0">
+              <a:buNone/>
             </a:pPr>
-            <a:r>
-              <a:rPr lang="en-US" sz="1800" dirty="0">
-                <a:effectLst/>
-                <a:latin typeface="Calibri" panose="020F0502020204030204" pitchFamily="34" charset="0"/>
-                <a:ea typeface="Calibri" panose="020F0502020204030204" pitchFamily="34" charset="0"/>
-                <a:cs typeface="Times New Roman" panose="02020603050405020304" pitchFamily="18" charset="0"/>
-              </a:rPr>
-              <a:t>In conclusion, we have successfully created an Apache Spark cluster using Docker containers, which can be easily deployed and scaled on different environments. </a:t>
-            </a:r>
-          </a:p>
-          <a:p>
-            <a:pPr marL="0">
-              <a:lnSpc>
-                <a:spcPct val="107000"/>
-              </a:lnSpc>
-              <a:spcBef>
-                <a:spcPts val="0"/>
-              </a:spcBef>
-              <a:spcAft>
-                <a:spcPts val="800"/>
-              </a:spcAft>
+            <a:endParaRPr lang="en-US" dirty="0"/>
+          </a:p>
+          <a:p>
+            <a:r>
+              <a:rPr lang="en-US" dirty="0"/>
+              <a:t>To automate the creation of the Spark cluster by docker files ,images ,containers and services</a:t>
+            </a:r>
+          </a:p>
+          <a:p>
+            <a:pPr marL="0" indent="0">
+              <a:buNone/>
             </a:pPr>
-            <a:r>
-              <a:rPr lang="en-US" sz="1800" dirty="0">
-                <a:effectLst/>
-                <a:latin typeface="Calibri" panose="020F0502020204030204" pitchFamily="34" charset="0"/>
-                <a:ea typeface="Calibri" panose="020F0502020204030204" pitchFamily="34" charset="0"/>
-                <a:cs typeface="Times New Roman" panose="02020603050405020304" pitchFamily="18" charset="0"/>
-              </a:rPr>
-              <a:t>We have also optimized the performance of the Spark cluster by fine-tuning the Spark configurations and the Docker settings. </a:t>
-            </a:r>
-          </a:p>
-          <a:p>
-            <a:pPr marL="0">
-              <a:lnSpc>
-                <a:spcPct val="107000"/>
-              </a:lnSpc>
-              <a:spcBef>
-                <a:spcPts val="0"/>
-              </a:spcBef>
-              <a:spcAft>
-                <a:spcPts val="800"/>
-              </a:spcAft>
+            <a:endParaRPr lang="en-US" dirty="0"/>
+          </a:p>
+          <a:p>
+            <a:r>
+              <a:rPr lang="en-US" dirty="0"/>
+              <a:t>To provide a comprehensive documentation and examples that demonstrate how to use the Spark cluster for different use cases, such as data processing, machine learning, and data visualization.</a:t>
+            </a:r>
+          </a:p>
+          <a:p>
+            <a:pPr marL="0" indent="0">
+              <a:buNone/>
             </a:pPr>
-            <a:r>
-              <a:rPr lang="en-US" sz="1800" dirty="0">
-                <a:effectLst/>
-                <a:latin typeface="Calibri" panose="020F0502020204030204" pitchFamily="34" charset="0"/>
-                <a:ea typeface="Calibri" panose="020F0502020204030204" pitchFamily="34" charset="0"/>
-                <a:cs typeface="Times New Roman" panose="02020603050405020304" pitchFamily="18" charset="0"/>
-              </a:rPr>
-              <a:t>Finally, we have provided a comprehensive documentation and examples that demonstrate how to use the Spark cluster for different use cases, such as data processing, machine learning, and streaming. </a:t>
-            </a:r>
-          </a:p>
-          <a:p>
-            <a:pPr marL="0">
-              <a:lnSpc>
-                <a:spcPct val="107000"/>
-              </a:lnSpc>
-              <a:spcBef>
-                <a:spcPts val="0"/>
-              </a:spcBef>
-              <a:spcAft>
-                <a:spcPts val="800"/>
-              </a:spcAft>
+            <a:endParaRPr lang="en-US" dirty="0"/>
+          </a:p>
+          <a:p>
+            <a:endParaRPr lang="en-US" dirty="0"/>
+          </a:p>
+          <a:p>
+            <a:pPr marL="0" indent="0">
+              <a:buNone/>
             </a:pPr>
-            <a:r>
-              <a:rPr lang="en-US" sz="1800" dirty="0">
-                <a:effectLst/>
-                <a:latin typeface="Calibri" panose="020F0502020204030204" pitchFamily="34" charset="0"/>
-                <a:ea typeface="Calibri" panose="020F0502020204030204" pitchFamily="34" charset="0"/>
-                <a:cs typeface="Times New Roman" panose="02020603050405020304" pitchFamily="18" charset="0"/>
-              </a:rPr>
-              <a:t>We believe that this project can be useful for anyone who needs to process big data using Spark, without the need for dedicated infrastructure or complex setups.</a:t>
-            </a:r>
-          </a:p>
-          <a:p>
-            <a:pPr marL="0" marR="0">
-              <a:lnSpc>
-                <a:spcPct val="107000"/>
-              </a:lnSpc>
-              <a:spcBef>
-                <a:spcPts val="0"/>
-              </a:spcBef>
-              <a:spcAft>
-                <a:spcPts val="800"/>
-              </a:spcAft>
-            </a:pPr>
-            <a:endParaRPr lang="en-US" sz="1800" dirty="0">
-              <a:effectLst/>
-              <a:highlight>
-                <a:srgbClr val="FFFF00"/>
-              </a:highlight>
-              <a:latin typeface="Calibri" panose="020F0502020204030204" pitchFamily="34" charset="0"/>
-              <a:ea typeface="Calibri" panose="020F0502020204030204" pitchFamily="34" charset="0"/>
-              <a:cs typeface="Times New Roman" panose="02020603050405020304" pitchFamily="18" charset="0"/>
-            </a:endParaRPr>
+            <a:endParaRPr lang="en-US" dirty="0"/>
           </a:p>
         </p:txBody>
       </p:sp>
     </p:spTree>
     <p:extLst>
       <p:ext uri="{BB962C8B-B14F-4D97-AF65-F5344CB8AC3E}">
-        <p14:creationId xmlns:p14="http://schemas.microsoft.com/office/powerpoint/2010/main" val="3034444072"/>
+        <p14:creationId xmlns:p14="http://schemas.microsoft.com/office/powerpoint/2010/main" val="2081076565"/>
       </p:ext>
     </p:extLst>
   </p:cSld>
@@ -4385,36 +4834,320 @@
           <p:cNvPr id="2" name="Title 1">
             <a:extLst>
               <a:ext uri="{FF2B5EF4-FFF2-40B4-BE49-F238E27FC236}">
-                <a16:creationId xmlns:a16="http://schemas.microsoft.com/office/drawing/2014/main" id="{F74B9DCF-A0CB-2AB3-21F2-539C06229AAA}"/>
-              </a:ext>
-            </a:extLst>
-          </p:cNvPr>
-          <p:cNvSpPr>
-            <a:spLocks noGrp="1"/>
-          </p:cNvSpPr>
-          <p:nvPr>
-            <p:ph type="ctrTitle"/>
-          </p:nvPr>
-        </p:nvSpPr>
-        <p:spPr/>
-        <p:txBody>
-          <a:bodyPr>
-            <a:noAutofit/>
-          </a:bodyPr>
-          <a:lstStyle/>
-          <a:p>
-            <a:r>
-              <a:rPr lang="en-US" sz="4000" dirty="0"/>
-              <a:t>Thank you</a:t>
-            </a:r>
-            <a:endParaRPr lang="en-US" sz="2800" dirty="0"/>
+                <a16:creationId xmlns:a16="http://schemas.microsoft.com/office/drawing/2014/main" id="{182F6BDD-3DA5-A4BA-1823-18E524097C14}"/>
+              </a:ext>
+            </a:extLst>
+          </p:cNvPr>
+          <p:cNvSpPr>
+            <a:spLocks noGrp="1"/>
+          </p:cNvSpPr>
+          <p:nvPr>
+            <p:ph type="title"/>
+          </p:nvPr>
+        </p:nvSpPr>
+        <p:spPr/>
+        <p:txBody>
+          <a:bodyPr/>
+          <a:lstStyle/>
+          <a:p>
+            <a:r>
+              <a:rPr lang="en-US" dirty="0"/>
+              <a:t>Implementation steps</a:t>
+            </a:r>
+          </a:p>
+        </p:txBody>
+      </p:sp>
+      <p:sp>
+        <p:nvSpPr>
+          <p:cNvPr id="3" name="Content Placeholder 2">
+            <a:extLst>
+              <a:ext uri="{FF2B5EF4-FFF2-40B4-BE49-F238E27FC236}">
+                <a16:creationId xmlns:a16="http://schemas.microsoft.com/office/drawing/2014/main" id="{DB6D87E6-C3D2-F85C-4F7D-E00266D475F0}"/>
+              </a:ext>
+            </a:extLst>
+          </p:cNvPr>
+          <p:cNvSpPr>
+            <a:spLocks noGrp="1"/>
+          </p:cNvSpPr>
+          <p:nvPr>
+            <p:ph idx="1"/>
+          </p:nvPr>
+        </p:nvSpPr>
+        <p:spPr/>
+        <p:txBody>
+          <a:bodyPr/>
+          <a:lstStyle/>
+          <a:p>
+            <a:pPr marL="0" marR="0">
+              <a:lnSpc>
+                <a:spcPct val="107000"/>
+              </a:lnSpc>
+              <a:spcBef>
+                <a:spcPts val="0"/>
+              </a:spcBef>
+              <a:spcAft>
+                <a:spcPts val="800"/>
+              </a:spcAft>
+            </a:pPr>
+            <a:r>
+              <a:rPr lang="en-US" sz="1800" dirty="0">
+                <a:effectLst/>
+                <a:highlight>
+                  <a:srgbClr val="FFFF00"/>
+                </a:highlight>
+                <a:latin typeface="Calibri" panose="020F0502020204030204" pitchFamily="34" charset="0"/>
+                <a:ea typeface="Calibri" panose="020F0502020204030204" pitchFamily="34" charset="0"/>
+                <a:cs typeface="Times New Roman" panose="02020603050405020304" pitchFamily="18" charset="0"/>
+              </a:rPr>
+              <a:t>Steps to implement the project</a:t>
+            </a:r>
+          </a:p>
+          <a:p>
+            <a:pPr marL="0" marR="0">
+              <a:lnSpc>
+                <a:spcPct val="107000"/>
+              </a:lnSpc>
+              <a:spcBef>
+                <a:spcPts val="0"/>
+              </a:spcBef>
+              <a:spcAft>
+                <a:spcPts val="800"/>
+              </a:spcAft>
+            </a:pPr>
+            <a:r>
+              <a:rPr lang="en-US" sz="1800" dirty="0" err="1">
+                <a:highlight>
+                  <a:srgbClr val="FFFF00"/>
+                </a:highlight>
+                <a:latin typeface="Calibri" panose="020F0502020204030204" pitchFamily="34" charset="0"/>
+                <a:ea typeface="Calibri" panose="020F0502020204030204" pitchFamily="34" charset="0"/>
+                <a:cs typeface="Times New Roman" panose="02020603050405020304" pitchFamily="18" charset="0"/>
+              </a:rPr>
+              <a:t>Screnshots</a:t>
+            </a:r>
+            <a:r>
+              <a:rPr lang="en-US" sz="1800" dirty="0">
+                <a:highlight>
+                  <a:srgbClr val="FFFF00"/>
+                </a:highlight>
+                <a:latin typeface="Calibri" panose="020F0502020204030204" pitchFamily="34" charset="0"/>
+                <a:ea typeface="Calibri" panose="020F0502020204030204" pitchFamily="34" charset="0"/>
+                <a:cs typeface="Times New Roman" panose="02020603050405020304" pitchFamily="18" charset="0"/>
+              </a:rPr>
+              <a:t> at various steps</a:t>
+            </a:r>
+            <a:endParaRPr lang="en-US" sz="1800" dirty="0">
+              <a:effectLst/>
+              <a:highlight>
+                <a:srgbClr val="FFFF00"/>
+              </a:highlight>
+              <a:latin typeface="Calibri" panose="020F0502020204030204" pitchFamily="34" charset="0"/>
+              <a:ea typeface="Calibri" panose="020F0502020204030204" pitchFamily="34" charset="0"/>
+              <a:cs typeface="Times New Roman" panose="02020603050405020304" pitchFamily="18" charset="0"/>
+            </a:endParaRPr>
+          </a:p>
+          <a:p>
+            <a:pPr marL="0" marR="0">
+              <a:lnSpc>
+                <a:spcPct val="107000"/>
+              </a:lnSpc>
+              <a:spcBef>
+                <a:spcPts val="0"/>
+              </a:spcBef>
+              <a:spcAft>
+                <a:spcPts val="800"/>
+              </a:spcAft>
+            </a:pPr>
+            <a:r>
+              <a:rPr lang="en-US" sz="1800" dirty="0">
+                <a:effectLst/>
+                <a:highlight>
+                  <a:srgbClr val="FFFF00"/>
+                </a:highlight>
+                <a:latin typeface="Calibri" panose="020F0502020204030204" pitchFamily="34" charset="0"/>
+                <a:ea typeface="Calibri" panose="020F0502020204030204" pitchFamily="34" charset="0"/>
+                <a:cs typeface="Times New Roman" panose="02020603050405020304" pitchFamily="18" charset="0"/>
+              </a:rPr>
+              <a:t>Architecture ( Typical Apache Spark)</a:t>
+            </a:r>
+          </a:p>
+          <a:p>
+            <a:pPr marL="0" marR="0">
+              <a:lnSpc>
+                <a:spcPct val="107000"/>
+              </a:lnSpc>
+              <a:spcBef>
+                <a:spcPts val="0"/>
+              </a:spcBef>
+              <a:spcAft>
+                <a:spcPts val="800"/>
+              </a:spcAft>
+            </a:pPr>
+            <a:r>
+              <a:rPr lang="en-US" sz="1800" dirty="0">
+                <a:highlight>
+                  <a:srgbClr val="FFFF00"/>
+                </a:highlight>
+                <a:latin typeface="Calibri" panose="020F0502020204030204" pitchFamily="34" charset="0"/>
+                <a:ea typeface="Calibri" panose="020F0502020204030204" pitchFamily="34" charset="0"/>
+                <a:cs typeface="Times New Roman" panose="02020603050405020304" pitchFamily="18" charset="0"/>
+              </a:rPr>
+              <a:t>Architecture ( Implemented in the project)</a:t>
+            </a:r>
+            <a:endParaRPr lang="en-US" sz="1800" dirty="0">
+              <a:effectLst/>
+              <a:highlight>
+                <a:srgbClr val="FFFF00"/>
+              </a:highlight>
+              <a:latin typeface="Calibri" panose="020F0502020204030204" pitchFamily="34" charset="0"/>
+              <a:ea typeface="Calibri" panose="020F0502020204030204" pitchFamily="34" charset="0"/>
+              <a:cs typeface="Times New Roman" panose="02020603050405020304" pitchFamily="18" charset="0"/>
+            </a:endParaRPr>
           </a:p>
         </p:txBody>
       </p:sp>
     </p:spTree>
     <p:extLst>
       <p:ext uri="{BB962C8B-B14F-4D97-AF65-F5344CB8AC3E}">
-        <p14:creationId xmlns:p14="http://schemas.microsoft.com/office/powerpoint/2010/main" val="2678080752"/>
+        <p14:creationId xmlns:p14="http://schemas.microsoft.com/office/powerpoint/2010/main" val="497707828"/>
+      </p:ext>
+    </p:extLst>
+  </p:cSld>
+  <p:clrMapOvr>
+    <a:masterClrMapping/>
+  </p:clrMapOvr>
+</p:sld>
+</file>
+
+<file path=ppt/slides/slide9.xml><?xml version="1.0" encoding="utf-8"?>
+<p:sld xmlns:a="http://schemas.openxmlformats.org/drawingml/2006/main" xmlns:r="http://schemas.openxmlformats.org/officeDocument/2006/relationships" xmlns:p="http://schemas.openxmlformats.org/presentationml/2006/main">
+  <p:cSld>
+    <p:spTree>
+      <p:nvGrpSpPr>
+        <p:cNvPr id="1" name=""/>
+        <p:cNvGrpSpPr/>
+        <p:nvPr/>
+      </p:nvGrpSpPr>
+      <p:grpSpPr>
+        <a:xfrm>
+          <a:off x="0" y="0"/>
+          <a:ext cx="0" cy="0"/>
+          <a:chOff x="0" y="0"/>
+          <a:chExt cx="0" cy="0"/>
+        </a:xfrm>
+      </p:grpSpPr>
+      <p:sp>
+        <p:nvSpPr>
+          <p:cNvPr id="2" name="Title 1">
+            <a:extLst>
+              <a:ext uri="{FF2B5EF4-FFF2-40B4-BE49-F238E27FC236}">
+                <a16:creationId xmlns:a16="http://schemas.microsoft.com/office/drawing/2014/main" id="{182F6BDD-3DA5-A4BA-1823-18E524097C14}"/>
+              </a:ext>
+            </a:extLst>
+          </p:cNvPr>
+          <p:cNvSpPr>
+            <a:spLocks noGrp="1"/>
+          </p:cNvSpPr>
+          <p:nvPr>
+            <p:ph type="title"/>
+          </p:nvPr>
+        </p:nvSpPr>
+        <p:spPr/>
+        <p:txBody>
+          <a:bodyPr/>
+          <a:lstStyle/>
+          <a:p>
+            <a:r>
+              <a:rPr lang="en-US" dirty="0"/>
+              <a:t>Results/Screenshots</a:t>
+            </a:r>
+          </a:p>
+        </p:txBody>
+      </p:sp>
+      <p:sp>
+        <p:nvSpPr>
+          <p:cNvPr id="3" name="Content Placeholder 2">
+            <a:extLst>
+              <a:ext uri="{FF2B5EF4-FFF2-40B4-BE49-F238E27FC236}">
+                <a16:creationId xmlns:a16="http://schemas.microsoft.com/office/drawing/2014/main" id="{DB6D87E6-C3D2-F85C-4F7D-E00266D475F0}"/>
+              </a:ext>
+            </a:extLst>
+          </p:cNvPr>
+          <p:cNvSpPr>
+            <a:spLocks noGrp="1"/>
+          </p:cNvSpPr>
+          <p:nvPr>
+            <p:ph idx="1"/>
+          </p:nvPr>
+        </p:nvSpPr>
+        <p:spPr/>
+        <p:txBody>
+          <a:bodyPr/>
+          <a:lstStyle/>
+          <a:p>
+            <a:pPr marL="0" marR="0">
+              <a:lnSpc>
+                <a:spcPct val="107000"/>
+              </a:lnSpc>
+              <a:spcBef>
+                <a:spcPts val="0"/>
+              </a:spcBef>
+              <a:spcAft>
+                <a:spcPts val="800"/>
+              </a:spcAft>
+            </a:pPr>
+            <a:r>
+              <a:rPr lang="en-US" sz="1800" dirty="0">
+                <a:effectLst/>
+                <a:highlight>
+                  <a:srgbClr val="FFFF00"/>
+                </a:highlight>
+                <a:latin typeface="Calibri" panose="020F0502020204030204" pitchFamily="34" charset="0"/>
+                <a:ea typeface="Calibri" panose="020F0502020204030204" pitchFamily="34" charset="0"/>
+                <a:cs typeface="Times New Roman" panose="02020603050405020304" pitchFamily="18" charset="0"/>
+              </a:rPr>
+              <a:t>Architecture ( Typical Apache Spark)</a:t>
+            </a:r>
+          </a:p>
+          <a:p>
+            <a:pPr marL="0" marR="0">
+              <a:lnSpc>
+                <a:spcPct val="107000"/>
+              </a:lnSpc>
+              <a:spcBef>
+                <a:spcPts val="0"/>
+              </a:spcBef>
+              <a:spcAft>
+                <a:spcPts val="800"/>
+              </a:spcAft>
+            </a:pPr>
+            <a:r>
+              <a:rPr lang="en-US" sz="1800" dirty="0">
+                <a:highlight>
+                  <a:srgbClr val="FFFF00"/>
+                </a:highlight>
+                <a:latin typeface="Calibri" panose="020F0502020204030204" pitchFamily="34" charset="0"/>
+                <a:ea typeface="Calibri" panose="020F0502020204030204" pitchFamily="34" charset="0"/>
+                <a:cs typeface="Times New Roman" panose="02020603050405020304" pitchFamily="18" charset="0"/>
+              </a:rPr>
+              <a:t>Architecture ( Implemented in the project</a:t>
+            </a:r>
+            <a:endParaRPr lang="en-US" sz="1800" dirty="0">
+              <a:effectLst/>
+              <a:highlight>
+                <a:srgbClr val="FFFF00"/>
+              </a:highlight>
+              <a:latin typeface="Calibri" panose="020F0502020204030204" pitchFamily="34" charset="0"/>
+              <a:ea typeface="Calibri" panose="020F0502020204030204" pitchFamily="34" charset="0"/>
+              <a:cs typeface="Times New Roman" panose="02020603050405020304" pitchFamily="18" charset="0"/>
+            </a:endParaRPr>
+          </a:p>
+        </p:txBody>
+      </p:sp>
+    </p:spTree>
+    <p:extLst>
+      <p:ext uri="{BB962C8B-B14F-4D97-AF65-F5344CB8AC3E}">
+        <p14:creationId xmlns:p14="http://schemas.microsoft.com/office/powerpoint/2010/main" val="1687381793"/>
       </p:ext>
     </p:extLst>
   </p:cSld>
@@ -4717,4 +5450,299 @@
     </a:ext>
   </a:extLst>
 </a:theme>
+</file>
+
+<file path=ppt/theme/theme2.xml><?xml version="1.0" encoding="utf-8"?>
+<a:theme xmlns:a="http://schemas.openxmlformats.org/drawingml/2006/main" name="Office Theme">
+  <a:themeElements>
+    <a:clrScheme name="Office">
+      <a:dk1>
+        <a:sysClr val="windowText" lastClr="000000"/>
+      </a:dk1>
+      <a:lt1>
+        <a:sysClr val="window" lastClr="FFFFFF"/>
+      </a:lt1>
+      <a:dk2>
+        <a:srgbClr val="44546A"/>
+      </a:dk2>
+      <a:lt2>
+        <a:srgbClr val="E7E6E6"/>
+      </a:lt2>
+      <a:accent1>
+        <a:srgbClr val="4472C4"/>
+      </a:accent1>
+      <a:accent2>
+        <a:srgbClr val="ED7D31"/>
+      </a:accent2>
+      <a:accent3>
+        <a:srgbClr val="A5A5A5"/>
+      </a:accent3>
+      <a:accent4>
+        <a:srgbClr val="FFC000"/>
+      </a:accent4>
+      <a:accent5>
+        <a:srgbClr val="5B9BD5"/>
+      </a:accent5>
+      <a:accent6>
+        <a:srgbClr val="70AD47"/>
+      </a:accent6>
+      <a:hlink>
+        <a:srgbClr val="0563C1"/>
+      </a:hlink>
+      <a:folHlink>
+        <a:srgbClr val="954F72"/>
+      </a:folHlink>
+    </a:clrScheme>
+    <a:fontScheme name="Office">
+      <a:majorFont>
+        <a:latin typeface="Calibri Light" panose="020F0302020204030204"/>
+        <a:ea typeface=""/>
+        <a:cs typeface=""/>
+        <a:font script="Jpan" typeface="游ゴシック Light"/>
+        <a:font script="Hang" typeface="맑은 고딕"/>
+        <a:font script="Hans" typeface="等线 Light"/>
+        <a:font script="Hant" typeface="新細明體"/>
+        <a:font script="Arab" typeface="Times New Roman"/>
+        <a:font script="Hebr" typeface="Times New Roman"/>
+        <a:font script="Thai" typeface="Angsana New"/>
+        <a:font script="Ethi" typeface="Nyala"/>
+        <a:font script="Beng" typeface="Vrinda"/>
+        <a:font script="Gujr" typeface="Shruti"/>
+        <a:font script="Khmr" typeface="MoolBoran"/>
+        <a:font script="Knda" typeface="Tunga"/>
+        <a:font script="Guru" typeface="Raavi"/>
+        <a:font script="Cans" typeface="Euphemia"/>
+        <a:font script="Cher" typeface="Plantagenet Cherokee"/>
+        <a:font script="Yiii" typeface="Microsoft Yi Baiti"/>
+        <a:font script="Tibt" typeface="Microsoft Himalaya"/>
+        <a:font script="Thaa" typeface="MV Boli"/>
+        <a:font script="Deva" typeface="Mangal"/>
+        <a:font script="Telu" typeface="Gautami"/>
+        <a:font script="Taml" typeface="Latha"/>
+        <a:font script="Syrc" typeface="Estrangelo Edessa"/>
+        <a:font script="Orya" typeface="Kalinga"/>
+        <a:font script="Mlym" typeface="Kartika"/>
+        <a:font script="Laoo" typeface="DokChampa"/>
+        <a:font script="Sinh" typeface="Iskoola Pota"/>
+        <a:font script="Mong" typeface="Mongolian Baiti"/>
+        <a:font script="Viet" typeface="Times New Roman"/>
+        <a:font script="Uigh" typeface="Microsoft Uighur"/>
+        <a:font script="Geor" typeface="Sylfaen"/>
+        <a:font script="Armn" typeface="Arial"/>
+        <a:font script="Bugi" typeface="Leelawadee UI"/>
+        <a:font script="Bopo" typeface="Microsoft JhengHei"/>
+        <a:font script="Java" typeface="Javanese Text"/>
+        <a:font script="Lisu" typeface="Segoe UI"/>
+        <a:font script="Mymr" typeface="Myanmar Text"/>
+        <a:font script="Nkoo" typeface="Ebrima"/>
+        <a:font script="Olck" typeface="Nirmala UI"/>
+        <a:font script="Osma" typeface="Ebrima"/>
+        <a:font script="Phag" typeface="Phagspa"/>
+        <a:font script="Syrn" typeface="Estrangelo Edessa"/>
+        <a:font script="Syrj" typeface="Estrangelo Edessa"/>
+        <a:font script="Syre" typeface="Estrangelo Edessa"/>
+        <a:font script="Sora" typeface="Nirmala UI"/>
+        <a:font script="Tale" typeface="Microsoft Tai Le"/>
+        <a:font script="Talu" typeface="Microsoft New Tai Lue"/>
+        <a:font script="Tfng" typeface="Ebrima"/>
+      </a:majorFont>
+      <a:minorFont>
+        <a:latin typeface="Calibri" panose="020F0502020204030204"/>
+        <a:ea typeface=""/>
+        <a:cs typeface=""/>
+        <a:font script="Jpan" typeface="游ゴシック"/>
+        <a:font script="Hang" typeface="맑은 고딕"/>
+        <a:font script="Hans" typeface="等线"/>
+        <a:font script="Hant" typeface="新細明體"/>
+        <a:font script="Arab" typeface="Arial"/>
+        <a:font script="Hebr" typeface="Arial"/>
+        <a:font script="Thai" typeface="Cordia New"/>
+        <a:font script="Ethi" typeface="Nyala"/>
+        <a:font script="Beng" typeface="Vrinda"/>
+        <a:font script="Gujr" typeface="Shruti"/>
+        <a:font script="Khmr" typeface="DaunPenh"/>
+        <a:font script="Knda" typeface="Tunga"/>
+        <a:font script="Guru" typeface="Raavi"/>
+        <a:font script="Cans" typeface="Euphemia"/>
+        <a:font script="Cher" typeface="Plantagenet Cherokee"/>
+        <a:font script="Yiii" typeface="Microsoft Yi Baiti"/>
+        <a:font script="Tibt" typeface="Microsoft Himalaya"/>
+        <a:font script="Thaa" typeface="MV Boli"/>
+        <a:font script="Deva" typeface="Mangal"/>
+        <a:font script="Telu" typeface="Gautami"/>
+        <a:font script="Taml" typeface="Latha"/>
+        <a:font script="Syrc" typeface="Estrangelo Edessa"/>
+        <a:font script="Orya" typeface="Kalinga"/>
+        <a:font script="Mlym" typeface="Kartika"/>
+        <a:font script="Laoo" typeface="DokChampa"/>
+        <a:font script="Sinh" typeface="Iskoola Pota"/>
+        <a:font script="Mong" typeface="Mongolian Baiti"/>
+        <a:font script="Viet" typeface="Arial"/>
+        <a:font script="Uigh" typeface="Microsoft Uighur"/>
+        <a:font script="Geor" typeface="Sylfaen"/>
+        <a:font script="Armn" typeface="Arial"/>
+        <a:font script="Bugi" typeface="Leelawadee UI"/>
+        <a:font script="Bopo" typeface="Microsoft JhengHei"/>
+        <a:font script="Java" typeface="Javanese Text"/>
+        <a:font script="Lisu" typeface="Segoe UI"/>
+        <a:font script="Mymr" typeface="Myanmar Text"/>
+        <a:font script="Nkoo" typeface="Ebrima"/>
+        <a:font script="Olck" typeface="Nirmala UI"/>
+        <a:font script="Osma" typeface="Ebrima"/>
+        <a:font script="Phag" typeface="Phagspa"/>
+        <a:font script="Syrn" typeface="Estrangelo Edessa"/>
+        <a:font script="Syrj" typeface="Estrangelo Edessa"/>
+        <a:font script="Syre" typeface="Estrangelo Edessa"/>
+        <a:font script="Sora" typeface="Nirmala UI"/>
+        <a:font script="Tale" typeface="Microsoft Tai Le"/>
+        <a:font script="Talu" typeface="Microsoft New Tai Lue"/>
+        <a:font script="Tfng" typeface="Ebrima"/>
+      </a:minorFont>
+    </a:fontScheme>
+    <a:fmtScheme name="Office">
+      <a:fillStyleLst>
+        <a:solidFill>
+          <a:schemeClr val="phClr"/>
+        </a:solidFill>
+        <a:gradFill rotWithShape="1">
+          <a:gsLst>
+            <a:gs pos="0">
+              <a:schemeClr val="phClr">
+                <a:lumMod val="110000"/>
+                <a:satMod val="105000"/>
+                <a:tint val="67000"/>
+              </a:schemeClr>
+            </a:gs>
+            <a:gs pos="50000">
+              <a:schemeClr val="phClr">
+                <a:lumMod val="105000"/>
+                <a:satMod val="103000"/>
+                <a:tint val="73000"/>
+              </a:schemeClr>
+            </a:gs>
+            <a:gs pos="100000">
+              <a:schemeClr val="phClr">
+                <a:lumMod val="105000"/>
+                <a:satMod val="109000"/>
+                <a:tint val="81000"/>
+              </a:schemeClr>
+            </a:gs>
+          </a:gsLst>
+          <a:lin ang="5400000" scaled="0"/>
+        </a:gradFill>
+        <a:gradFill rotWithShape="1">
+          <a:gsLst>
+            <a:gs pos="0">
+              <a:schemeClr val="phClr">
+                <a:satMod val="103000"/>
+                <a:lumMod val="102000"/>
+                <a:tint val="94000"/>
+              </a:schemeClr>
+            </a:gs>
+            <a:gs pos="50000">
+              <a:schemeClr val="phClr">
+                <a:satMod val="110000"/>
+                <a:lumMod val="100000"/>
+                <a:shade val="100000"/>
+              </a:schemeClr>
+            </a:gs>
+            <a:gs pos="100000">
+              <a:schemeClr val="phClr">
+                <a:lumMod val="99000"/>
+                <a:satMod val="120000"/>
+                <a:shade val="78000"/>
+              </a:schemeClr>
+            </a:gs>
+          </a:gsLst>
+          <a:lin ang="5400000" scaled="0"/>
+        </a:gradFill>
+      </a:fillStyleLst>
+      <a:lnStyleLst>
+        <a:ln w="6350" cap="flat" cmpd="sng" algn="ctr">
+          <a:solidFill>
+            <a:schemeClr val="phClr"/>
+          </a:solidFill>
+          <a:prstDash val="solid"/>
+          <a:miter lim="800000"/>
+        </a:ln>
+        <a:ln w="12700" cap="flat" cmpd="sng" algn="ctr">
+          <a:solidFill>
+            <a:schemeClr val="phClr"/>
+          </a:solidFill>
+          <a:prstDash val="solid"/>
+          <a:miter lim="800000"/>
+        </a:ln>
+        <a:ln w="19050" cap="flat" cmpd="sng" algn="ctr">
+          <a:solidFill>
+            <a:schemeClr val="phClr"/>
+          </a:solidFill>
+          <a:prstDash val="solid"/>
+          <a:miter lim="800000"/>
+        </a:ln>
+      </a:lnStyleLst>
+      <a:effectStyleLst>
+        <a:effectStyle>
+          <a:effectLst/>
+        </a:effectStyle>
+        <a:effectStyle>
+          <a:effectLst/>
+        </a:effectStyle>
+        <a:effectStyle>
+          <a:effectLst>
+            <a:outerShdw blurRad="57150" dist="19050" dir="5400000" algn="ctr" rotWithShape="0">
+              <a:srgbClr val="000000">
+                <a:alpha val="63000"/>
+              </a:srgbClr>
+            </a:outerShdw>
+          </a:effectLst>
+        </a:effectStyle>
+      </a:effectStyleLst>
+      <a:bgFillStyleLst>
+        <a:solidFill>
+          <a:schemeClr val="phClr"/>
+        </a:solidFill>
+        <a:solidFill>
+          <a:schemeClr val="phClr">
+            <a:tint val="95000"/>
+            <a:satMod val="170000"/>
+          </a:schemeClr>
+        </a:solidFill>
+        <a:gradFill rotWithShape="1">
+          <a:gsLst>
+            <a:gs pos="0">
+              <a:schemeClr val="phClr">
+                <a:tint val="93000"/>
+                <a:satMod val="150000"/>
+                <a:shade val="98000"/>
+                <a:lumMod val="102000"/>
+              </a:schemeClr>
+            </a:gs>
+            <a:gs pos="50000">
+              <a:schemeClr val="phClr">
+                <a:tint val="98000"/>
+                <a:satMod val="130000"/>
+                <a:shade val="90000"/>
+                <a:lumMod val="103000"/>
+              </a:schemeClr>
+            </a:gs>
+            <a:gs pos="100000">
+              <a:schemeClr val="phClr">
+                <a:shade val="63000"/>
+                <a:satMod val="120000"/>
+              </a:schemeClr>
+            </a:gs>
+          </a:gsLst>
+          <a:lin ang="5400000" scaled="0"/>
+        </a:gradFill>
+      </a:bgFillStyleLst>
+    </a:fmtScheme>
+  </a:themeElements>
+  <a:objectDefaults/>
+  <a:extraClrSchemeLst/>
+  <a:extLst>
+    <a:ext uri="{05A4C25C-085E-4340-85A3-A5531E510DB2}">
+      <thm15:themeFamily xmlns:thm15="http://schemas.microsoft.com/office/thememl/2012/main" name="Office Theme" id="{62F939B6-93AF-4DB8-9C6B-D6C7DFDC589F}" vid="{4A3C46E8-61CC-4603-A589-7422A47A8E4A}"/>
+    </a:ext>
+  </a:extLst>
+</a:theme>
 </file>
--- a/misc/ProjectReports-In progress/TermProject.pptx
+++ b/misc/ProjectReports-In progress/TermProject.pptx
@@ -5,7 +5,7 @@
     <p:sldMasterId id="2147483648" r:id="rId1"/>
   </p:sldMasterIdLst>
   <p:notesMasterIdLst>
-    <p:notesMasterId r:id="rId13"/>
+    <p:notesMasterId r:id="rId23"/>
   </p:notesMasterIdLst>
   <p:sldIdLst>
     <p:sldId id="256" r:id="rId2"/>
@@ -15,10 +15,20 @@
     <p:sldId id="267" r:id="rId6"/>
     <p:sldId id="259" r:id="rId7"/>
     <p:sldId id="260" r:id="rId8"/>
-    <p:sldId id="261" r:id="rId9"/>
-    <p:sldId id="263" r:id="rId10"/>
-    <p:sldId id="262" r:id="rId11"/>
-    <p:sldId id="257" r:id="rId12"/>
+    <p:sldId id="269" r:id="rId9"/>
+    <p:sldId id="270" r:id="rId10"/>
+    <p:sldId id="271" r:id="rId11"/>
+    <p:sldId id="261" r:id="rId12"/>
+    <p:sldId id="263" r:id="rId13"/>
+    <p:sldId id="273" r:id="rId14"/>
+    <p:sldId id="274" r:id="rId15"/>
+    <p:sldId id="277" r:id="rId16"/>
+    <p:sldId id="275" r:id="rId17"/>
+    <p:sldId id="276" r:id="rId18"/>
+    <p:sldId id="268" r:id="rId19"/>
+    <p:sldId id="278" r:id="rId20"/>
+    <p:sldId id="262" r:id="rId21"/>
+    <p:sldId id="257" r:id="rId22"/>
   </p:sldIdLst>
   <p:sldSz cx="12192000" cy="6858000"/>
   <p:notesSz cx="6858000" cy="9144000"/>
@@ -3876,7 +3886,12 @@
             <p:ph type="ctrTitle"/>
           </p:nvPr>
         </p:nvSpPr>
-        <p:spPr/>
+        <p:spPr>
+          <a:xfrm>
+            <a:off x="1524000" y="1122363"/>
+            <a:ext cx="9144000" cy="1874044"/>
+          </a:xfrm>
+        </p:spPr>
         <p:txBody>
           <a:bodyPr>
             <a:noAutofit/>
@@ -3887,13 +3902,158 @@
               <a:rPr lang="en-US" sz="4000" dirty="0"/>
               <a:t>Exploratory Big Data visualization</a:t>
             </a:r>
-            <a:br>
-              <a:rPr lang="en-US" sz="4000" dirty="0"/>
-            </a:br>
+            <a:endParaRPr lang="en-US" sz="2800" dirty="0"/>
+          </a:p>
+        </p:txBody>
+      </p:sp>
+      <p:sp>
+        <p:nvSpPr>
+          <p:cNvPr id="3" name="Title 1">
+            <a:extLst>
+              <a:ext uri="{FF2B5EF4-FFF2-40B4-BE49-F238E27FC236}">
+                <a16:creationId xmlns:a16="http://schemas.microsoft.com/office/drawing/2014/main" id="{33964098-01A4-4EFF-2F30-DC1315541ECE}"/>
+              </a:ext>
+            </a:extLst>
+          </p:cNvPr>
+          <p:cNvSpPr txBox="1">
+            <a:spLocks/>
+          </p:cNvSpPr>
+          <p:nvPr/>
+        </p:nvSpPr>
+        <p:spPr>
+          <a:xfrm>
+            <a:off x="1524000" y="2922110"/>
+            <a:ext cx="9144000" cy="2387600"/>
+          </a:xfrm>
+          <a:prstGeom prst="rect">
+            <a:avLst/>
+          </a:prstGeom>
+        </p:spPr>
+        <p:txBody>
+          <a:bodyPr vert="horz" lIns="91440" tIns="45720" rIns="91440" bIns="45720" rtlCol="0" anchor="b">
+            <a:noAutofit/>
+          </a:bodyPr>
+          <a:lstStyle>
+            <a:lvl1pPr algn="ctr" defTabSz="914400" rtl="0" eaLnBrk="1" latinLnBrk="0" hangingPunct="1">
+              <a:lnSpc>
+                <a:spcPct val="90000"/>
+              </a:lnSpc>
+              <a:spcBef>
+                <a:spcPct val="0"/>
+              </a:spcBef>
+              <a:buNone/>
+              <a:defRPr sz="6000" kern="1200">
+                <a:solidFill>
+                  <a:schemeClr val="tx1"/>
+                </a:solidFill>
+                <a:latin typeface="+mj-lt"/>
+                <a:ea typeface="+mj-ea"/>
+                <a:cs typeface="+mj-cs"/>
+              </a:defRPr>
+            </a:lvl1pPr>
+          </a:lstStyle>
+          <a:p>
             <a:r>
               <a:rPr lang="en-US" sz="2800" dirty="0"/>
+              <a:t>Author: Girraj Prasad</a:t>
+            </a:r>
+          </a:p>
+          <a:p>
+            <a:r>
+              <a:rPr lang="en-US" sz="2800" dirty="0"/>
+              <a:t>Advisor: Dr. Feng Yu</a:t>
+            </a:r>
+          </a:p>
+        </p:txBody>
+      </p:sp>
+      <p:pic>
+        <p:nvPicPr>
+          <p:cNvPr id="6" name="Picture 5" descr="A picture containing graphical user interface&#10;&#10;Description automatically generated">
+            <a:extLst>
+              <a:ext uri="{FF2B5EF4-FFF2-40B4-BE49-F238E27FC236}">
+                <a16:creationId xmlns:a16="http://schemas.microsoft.com/office/drawing/2014/main" id="{37CFE584-B2DA-2111-54FA-2B785C67B0D5}"/>
+              </a:ext>
+            </a:extLst>
+          </p:cNvPr>
+          <p:cNvPicPr>
+            <a:picLocks noChangeAspect="1"/>
+          </p:cNvPicPr>
+          <p:nvPr/>
+        </p:nvPicPr>
+        <p:blipFill>
+          <a:blip r:embed="rId2">
+            <a:extLst>
+              <a:ext uri="{837473B0-CC2E-450A-ABE3-18F120FF3D39}">
+                <a1611:picAttrSrcUrl xmlns:a1611="http://schemas.microsoft.com/office/drawing/2016/11/main" r:id="rId3"/>
+              </a:ext>
+            </a:extLst>
+          </a:blip>
+          <a:stretch>
+            <a:fillRect/>
+          </a:stretch>
+        </p:blipFill>
+        <p:spPr>
+          <a:xfrm>
+            <a:off x="182707" y="6114836"/>
+            <a:ext cx="1341293" cy="382065"/>
+          </a:xfrm>
+          <a:prstGeom prst="rect">
+            <a:avLst/>
+          </a:prstGeom>
+        </p:spPr>
+      </p:pic>
+      <p:sp>
+        <p:nvSpPr>
+          <p:cNvPr id="8" name="Title 1">
+            <a:extLst>
+              <a:ext uri="{FF2B5EF4-FFF2-40B4-BE49-F238E27FC236}">
+                <a16:creationId xmlns:a16="http://schemas.microsoft.com/office/drawing/2014/main" id="{872D3D61-F472-84B7-2F6D-13FEE34991BF}"/>
+              </a:ext>
+            </a:extLst>
+          </p:cNvPr>
+          <p:cNvSpPr txBox="1">
+            <a:spLocks/>
+          </p:cNvSpPr>
+          <p:nvPr/>
+        </p:nvSpPr>
+        <p:spPr>
+          <a:xfrm>
+            <a:off x="1524000" y="2937350"/>
+            <a:ext cx="9144000" cy="491650"/>
+          </a:xfrm>
+          <a:prstGeom prst="rect">
+            <a:avLst/>
+          </a:prstGeom>
+        </p:spPr>
+        <p:txBody>
+          <a:bodyPr vert="horz" lIns="91440" tIns="45720" rIns="91440" bIns="45720" rtlCol="0" anchor="b">
+            <a:noAutofit/>
+          </a:bodyPr>
+          <a:lstStyle>
+            <a:lvl1pPr algn="ctr" defTabSz="914400" rtl="0" eaLnBrk="1" latinLnBrk="0" hangingPunct="1">
+              <a:lnSpc>
+                <a:spcPct val="90000"/>
+              </a:lnSpc>
+              <a:spcBef>
+                <a:spcPct val="0"/>
+              </a:spcBef>
+              <a:buNone/>
+              <a:defRPr sz="6000" kern="1200">
+                <a:solidFill>
+                  <a:schemeClr val="tx1"/>
+                </a:solidFill>
+                <a:latin typeface="+mj-lt"/>
+                <a:ea typeface="+mj-ea"/>
+                <a:cs typeface="+mj-cs"/>
+              </a:defRPr>
+            </a:lvl1pPr>
+          </a:lstStyle>
+          <a:p>
+            <a:r>
+              <a:rPr lang="en-US" sz="2800"/>
               <a:t>Using an automated containerized Spark cluster</a:t>
             </a:r>
+            <a:endParaRPr lang="en-US" sz="2800" dirty="0"/>
           </a:p>
         </p:txBody>
       </p:sp>
@@ -3950,7 +4110,7 @@
           <a:p>
             <a:r>
               <a:rPr lang="en-US" dirty="0"/>
-              <a:t>Conclusion	</a:t>
+              <a:t>Development Strategy</a:t>
             </a:r>
           </a:p>
         </p:txBody>
@@ -3974,63 +4134,139 @@
         <p:spPr/>
         <p:txBody>
           <a:bodyPr vert="horz" lIns="91440" tIns="45720" rIns="91440" bIns="45720" rtlCol="0">
-            <a:normAutofit fontScale="70000" lnSpcReduction="20000"/>
+            <a:normAutofit fontScale="62500" lnSpcReduction="20000"/>
           </a:bodyPr>
           <a:lstStyle/>
           <a:p>
-            <a:r>
-              <a:rPr lang="en-US" dirty="0"/>
-              <a:t>We have successfully created an Apache Spark cluster using Docker containers, which can be easily deployed and scaled on different environments. </a:t>
-            </a:r>
-          </a:p>
-          <a:p>
-            <a:endParaRPr lang="en-US" dirty="0"/>
-          </a:p>
-          <a:p>
-            <a:r>
-              <a:rPr lang="en-US" dirty="0"/>
-              <a:t>We have also automated the creation of the Spark cluster by fine-tuning docker files, images, services and shell scripts. </a:t>
-            </a:r>
-          </a:p>
-          <a:p>
-            <a:endParaRPr lang="en-US" dirty="0"/>
-          </a:p>
-          <a:p>
-            <a:r>
-              <a:rPr lang="en-US" dirty="0"/>
-              <a:t>We successfully configured the resource utilization such as CPU usages by managers and workers of the cluster.</a:t>
-            </a:r>
-          </a:p>
-          <a:p>
-            <a:pPr marL="0" indent="0">
+            <a:pPr>
+              <a:buFont typeface="Wingdings" panose="05000000000000000000" pitchFamily="2" charset="2"/>
+              <a:buChar char="§"/>
+            </a:pPr>
+            <a:r>
+              <a:rPr lang="en-US" dirty="0"/>
+              <a:t>Executed in 3 iterations</a:t>
+            </a:r>
+          </a:p>
+          <a:p>
+            <a:pPr>
+              <a:buFont typeface="Wingdings" panose="05000000000000000000" pitchFamily="2" charset="2"/>
+              <a:buChar char="§"/>
+            </a:pPr>
+            <a:r>
+              <a:rPr lang="en-US" dirty="0"/>
+              <a:t>Iteration 1: Manual execution</a:t>
+            </a:r>
+          </a:p>
+          <a:p>
+            <a:pPr lvl="1"/>
+            <a:r>
+              <a:rPr lang="en-US" dirty="0"/>
+              <a:t>Manually created containers in all host machines</a:t>
+            </a:r>
+          </a:p>
+          <a:p>
+            <a:pPr lvl="1"/>
+            <a:r>
+              <a:rPr lang="en-US" dirty="0"/>
+              <a:t>Manually performed configuration on containers</a:t>
+            </a:r>
+          </a:p>
+          <a:p>
+            <a:pPr lvl="1"/>
+            <a:r>
+              <a:rPr lang="en-US" dirty="0"/>
+              <a:t>Built fully functional Spark cluster</a:t>
+            </a:r>
+          </a:p>
+          <a:p>
+            <a:pPr lvl="1"/>
+            <a:r>
+              <a:rPr lang="en-US" dirty="0"/>
+              <a:t>Observed manual activities </a:t>
+            </a:r>
+          </a:p>
+          <a:p>
+            <a:pPr marL="457200" lvl="1" indent="0">
               <a:buNone/>
             </a:pPr>
             <a:endParaRPr lang="en-US" dirty="0"/>
           </a:p>
           <a:p>
-            <a:r>
-              <a:rPr lang="en-US" dirty="0"/>
-              <a:t>Finally, we have provided a comprehensive documentation and examples that demonstrate how to use the Spark cluster for different use cases, such as data processing, machine learning, and data visualization. </a:t>
-            </a:r>
-          </a:p>
-          <a:p>
+            <a:pPr>
+              <a:buFont typeface="Wingdings" panose="05000000000000000000" pitchFamily="2" charset="2"/>
+              <a:buChar char="§"/>
+            </a:pPr>
+            <a:r>
+              <a:rPr lang="en-US" dirty="0"/>
+              <a:t>Iteration 2: Partially automated</a:t>
+            </a:r>
+          </a:p>
+          <a:p>
+            <a:pPr lvl="1"/>
+            <a:r>
+              <a:rPr lang="en-US" dirty="0"/>
+              <a:t>	Automated container creation with docker compose</a:t>
+            </a:r>
+          </a:p>
+          <a:p>
+            <a:pPr lvl="1"/>
+            <a:r>
+              <a:rPr lang="en-US" dirty="0"/>
+              <a:t>	However, need to execute docker compose on each host machines</a:t>
+            </a:r>
+          </a:p>
+          <a:p>
+            <a:pPr marL="0" indent="0">
+              <a:buNone/>
+            </a:pPr>
             <a:endParaRPr lang="en-US" dirty="0"/>
           </a:p>
           <a:p>
-            <a:r>
-              <a:rPr lang="en-US" dirty="0"/>
-              <a:t>We believe that this project can be useful for anyone who needs to process big data using Spark, without the need for dedicated infrastructure or complex setups.</a:t>
-            </a:r>
-          </a:p>
-          <a:p>
-            <a:endParaRPr lang="en-US" dirty="0"/>
+            <a:pPr>
+              <a:buFont typeface="Wingdings" panose="05000000000000000000" pitchFamily="2" charset="2"/>
+              <a:buChar char="§"/>
+            </a:pPr>
+            <a:r>
+              <a:rPr lang="en-US" dirty="0"/>
+              <a:t> Iteration 3: Fully automated</a:t>
+            </a:r>
+          </a:p>
+          <a:p>
+            <a:pPr lvl="1"/>
+            <a:r>
+              <a:rPr lang="en-US" sz="2500" dirty="0"/>
+              <a:t>Automated configuration by including them at docker image level</a:t>
+            </a:r>
+          </a:p>
+          <a:p>
+            <a:pPr lvl="1"/>
+            <a:r>
+              <a:rPr lang="en-US" sz="2500" dirty="0"/>
+              <a:t>Automated containers creation across the host machines with docker stack services</a:t>
+            </a:r>
+          </a:p>
+          <a:p>
+            <a:pPr lvl="1"/>
+            <a:r>
+              <a:rPr lang="en-US" sz="2500" dirty="0"/>
+              <a:t>Goal: One command to build all the pre-configured containers and start the Spark cluster</a:t>
+            </a:r>
+          </a:p>
+          <a:p>
+            <a:pPr marL="0" indent="0">
+              <a:buNone/>
+            </a:pPr>
+            <a:r>
+              <a:rPr lang="en-US" dirty="0"/>
+              <a:t>	</a:t>
+            </a:r>
           </a:p>
         </p:txBody>
       </p:sp>
     </p:spTree>
     <p:extLst>
       <p:ext uri="{BB962C8B-B14F-4D97-AF65-F5344CB8AC3E}">
-        <p14:creationId xmlns:p14="http://schemas.microsoft.com/office/powerpoint/2010/main" val="3034444072"/>
+        <p14:creationId xmlns:p14="http://schemas.microsoft.com/office/powerpoint/2010/main" val="1306106753"/>
       </p:ext>
     </p:extLst>
   </p:cSld>
@@ -4062,36 +4298,1293 @@
           <p:cNvPr id="2" name="Title 1">
             <a:extLst>
               <a:ext uri="{FF2B5EF4-FFF2-40B4-BE49-F238E27FC236}">
-                <a16:creationId xmlns:a16="http://schemas.microsoft.com/office/drawing/2014/main" id="{F74B9DCF-A0CB-2AB3-21F2-539C06229AAA}"/>
-              </a:ext>
-            </a:extLst>
-          </p:cNvPr>
-          <p:cNvSpPr>
-            <a:spLocks noGrp="1"/>
-          </p:cNvSpPr>
-          <p:nvPr>
-            <p:ph type="ctrTitle"/>
+                <a16:creationId xmlns:a16="http://schemas.microsoft.com/office/drawing/2014/main" id="{182F6BDD-3DA5-A4BA-1823-18E524097C14}"/>
+              </a:ext>
+            </a:extLst>
+          </p:cNvPr>
+          <p:cNvSpPr>
+            <a:spLocks noGrp="1"/>
+          </p:cNvSpPr>
+          <p:nvPr>
+            <p:ph type="title"/>
           </p:nvPr>
         </p:nvSpPr>
         <p:spPr/>
         <p:txBody>
+          <a:bodyPr/>
+          <a:lstStyle/>
+          <a:p>
+            <a:r>
+              <a:rPr lang="en-US" dirty="0"/>
+              <a:t>Architecture diagram</a:t>
+            </a:r>
+          </a:p>
+        </p:txBody>
+      </p:sp>
+      <p:sp>
+        <p:nvSpPr>
+          <p:cNvPr id="3" name="Content Placeholder 2">
+            <a:extLst>
+              <a:ext uri="{FF2B5EF4-FFF2-40B4-BE49-F238E27FC236}">
+                <a16:creationId xmlns:a16="http://schemas.microsoft.com/office/drawing/2014/main" id="{DB6D87E6-C3D2-F85C-4F7D-E00266D475F0}"/>
+              </a:ext>
+            </a:extLst>
+          </p:cNvPr>
+          <p:cNvSpPr>
+            <a:spLocks noGrp="1"/>
+          </p:cNvSpPr>
+          <p:nvPr>
+            <p:ph idx="1"/>
+          </p:nvPr>
+        </p:nvSpPr>
+        <p:spPr/>
+        <p:txBody>
           <a:bodyPr>
-            <a:noAutofit/>
+            <a:normAutofit/>
           </a:bodyPr>
           <a:lstStyle/>
           <a:p>
-            <a:r>
-              <a:rPr lang="en-US" sz="4000" dirty="0"/>
-              <a:t>Thank you</a:t>
-            </a:r>
-            <a:endParaRPr lang="en-US" sz="2800" dirty="0"/>
+            <a:pPr marL="457200" lvl="1">
+              <a:lnSpc>
+                <a:spcPct val="107000"/>
+              </a:lnSpc>
+              <a:spcBef>
+                <a:spcPts val="0"/>
+              </a:spcBef>
+              <a:spcAft>
+                <a:spcPts val="800"/>
+              </a:spcAft>
+            </a:pPr>
+            <a:endParaRPr lang="en-US" sz="1400" dirty="0">
+              <a:effectLst/>
+              <a:highlight>
+                <a:srgbClr val="FFFF00"/>
+              </a:highlight>
+              <a:latin typeface="Calibri" panose="020F0502020204030204" pitchFamily="34" charset="0"/>
+              <a:ea typeface="Calibri" panose="020F0502020204030204" pitchFamily="34" charset="0"/>
+              <a:cs typeface="Times New Roman" panose="02020603050405020304" pitchFamily="18" charset="0"/>
+            </a:endParaRPr>
+          </a:p>
+          <a:p>
+            <a:pPr marL="228600" lvl="1" indent="0">
+              <a:lnSpc>
+                <a:spcPct val="107000"/>
+              </a:lnSpc>
+              <a:spcBef>
+                <a:spcPts val="0"/>
+              </a:spcBef>
+              <a:spcAft>
+                <a:spcPts val="800"/>
+              </a:spcAft>
+              <a:buNone/>
+            </a:pPr>
+            <a:endParaRPr lang="en-US" sz="1000" dirty="0">
+              <a:effectLst/>
+              <a:highlight>
+                <a:srgbClr val="FFFF00"/>
+              </a:highlight>
+              <a:latin typeface="Calibri" panose="020F0502020204030204" pitchFamily="34" charset="0"/>
+              <a:ea typeface="Calibri" panose="020F0502020204030204" pitchFamily="34" charset="0"/>
+              <a:cs typeface="Times New Roman" panose="02020603050405020304" pitchFamily="18" charset="0"/>
+            </a:endParaRPr>
+          </a:p>
+          <a:p>
+            <a:pPr marL="457200" lvl="1">
+              <a:lnSpc>
+                <a:spcPct val="107000"/>
+              </a:lnSpc>
+              <a:spcBef>
+                <a:spcPts val="0"/>
+              </a:spcBef>
+              <a:spcAft>
+                <a:spcPts val="800"/>
+              </a:spcAft>
+            </a:pPr>
+            <a:endParaRPr lang="en-US" sz="1000" dirty="0">
+              <a:effectLst/>
+              <a:highlight>
+                <a:srgbClr val="FFFF00"/>
+              </a:highlight>
+              <a:latin typeface="Calibri" panose="020F0502020204030204" pitchFamily="34" charset="0"/>
+              <a:ea typeface="Calibri" panose="020F0502020204030204" pitchFamily="34" charset="0"/>
+              <a:cs typeface="Times New Roman" panose="02020603050405020304" pitchFamily="18" charset="0"/>
+            </a:endParaRPr>
+          </a:p>
+          <a:p>
+            <a:pPr marL="0" marR="0">
+              <a:lnSpc>
+                <a:spcPct val="107000"/>
+              </a:lnSpc>
+              <a:spcBef>
+                <a:spcPts val="0"/>
+              </a:spcBef>
+              <a:spcAft>
+                <a:spcPts val="800"/>
+              </a:spcAft>
+            </a:pPr>
+            <a:endParaRPr lang="en-US" sz="1400" dirty="0">
+              <a:effectLst/>
+              <a:highlight>
+                <a:srgbClr val="FFFF00"/>
+              </a:highlight>
+              <a:latin typeface="Calibri" panose="020F0502020204030204" pitchFamily="34" charset="0"/>
+              <a:ea typeface="Calibri" panose="020F0502020204030204" pitchFamily="34" charset="0"/>
+              <a:cs typeface="Times New Roman" panose="02020603050405020304" pitchFamily="18" charset="0"/>
+            </a:endParaRPr>
+          </a:p>
+          <a:p>
+            <a:pPr marL="0" marR="0">
+              <a:lnSpc>
+                <a:spcPct val="107000"/>
+              </a:lnSpc>
+              <a:spcBef>
+                <a:spcPts val="0"/>
+              </a:spcBef>
+              <a:spcAft>
+                <a:spcPts val="800"/>
+              </a:spcAft>
+            </a:pPr>
+            <a:r>
+              <a:rPr lang="en-US" sz="1800" dirty="0">
+                <a:effectLst/>
+                <a:highlight>
+                  <a:srgbClr val="FFFF00"/>
+                </a:highlight>
+                <a:latin typeface="Calibri" panose="020F0502020204030204" pitchFamily="34" charset="0"/>
+                <a:ea typeface="Calibri" panose="020F0502020204030204" pitchFamily="34" charset="0"/>
+                <a:cs typeface="Times New Roman" panose="02020603050405020304" pitchFamily="18" charset="0"/>
+              </a:rPr>
+              <a:t>Architecture ( Typical Apache Spark)</a:t>
+            </a:r>
+          </a:p>
+          <a:p>
+            <a:pPr marL="0" marR="0">
+              <a:lnSpc>
+                <a:spcPct val="107000"/>
+              </a:lnSpc>
+              <a:spcBef>
+                <a:spcPts val="0"/>
+              </a:spcBef>
+              <a:spcAft>
+                <a:spcPts val="800"/>
+              </a:spcAft>
+            </a:pPr>
+            <a:r>
+              <a:rPr lang="en-US" sz="1800" dirty="0">
+                <a:highlight>
+                  <a:srgbClr val="FFFF00"/>
+                </a:highlight>
+                <a:latin typeface="Calibri" panose="020F0502020204030204" pitchFamily="34" charset="0"/>
+                <a:ea typeface="Calibri" panose="020F0502020204030204" pitchFamily="34" charset="0"/>
+                <a:cs typeface="Times New Roman" panose="02020603050405020304" pitchFamily="18" charset="0"/>
+              </a:rPr>
+              <a:t>Architecture ( Implemented in the project)</a:t>
+            </a:r>
+            <a:endParaRPr lang="en-US" sz="1800" dirty="0">
+              <a:effectLst/>
+              <a:highlight>
+                <a:srgbClr val="FFFF00"/>
+              </a:highlight>
+              <a:latin typeface="Calibri" panose="020F0502020204030204" pitchFamily="34" charset="0"/>
+              <a:ea typeface="Calibri" panose="020F0502020204030204" pitchFamily="34" charset="0"/>
+              <a:cs typeface="Times New Roman" panose="02020603050405020304" pitchFamily="18" charset="0"/>
+            </a:endParaRPr>
           </a:p>
         </p:txBody>
       </p:sp>
     </p:spTree>
     <p:extLst>
       <p:ext uri="{BB962C8B-B14F-4D97-AF65-F5344CB8AC3E}">
-        <p14:creationId xmlns:p14="http://schemas.microsoft.com/office/powerpoint/2010/main" val="2678080752"/>
+        <p14:creationId xmlns:p14="http://schemas.microsoft.com/office/powerpoint/2010/main" val="497707828"/>
+      </p:ext>
+    </p:extLst>
+  </p:cSld>
+  <p:clrMapOvr>
+    <a:masterClrMapping/>
+  </p:clrMapOvr>
+</p:sld>
+</file>
+
+<file path=ppt/slides/slide12.xml><?xml version="1.0" encoding="utf-8"?>
+<p:sld xmlns:a="http://schemas.openxmlformats.org/drawingml/2006/main" xmlns:r="http://schemas.openxmlformats.org/officeDocument/2006/relationships" xmlns:p="http://schemas.openxmlformats.org/presentationml/2006/main">
+  <p:cSld>
+    <p:spTree>
+      <p:nvGrpSpPr>
+        <p:cNvPr id="1" name=""/>
+        <p:cNvGrpSpPr/>
+        <p:nvPr/>
+      </p:nvGrpSpPr>
+      <p:grpSpPr>
+        <a:xfrm>
+          <a:off x="0" y="0"/>
+          <a:ext cx="0" cy="0"/>
+          <a:chOff x="0" y="0"/>
+          <a:chExt cx="0" cy="0"/>
+        </a:xfrm>
+      </p:grpSpPr>
+      <p:sp>
+        <p:nvSpPr>
+          <p:cNvPr id="2" name="Title 1">
+            <a:extLst>
+              <a:ext uri="{FF2B5EF4-FFF2-40B4-BE49-F238E27FC236}">
+                <a16:creationId xmlns:a16="http://schemas.microsoft.com/office/drawing/2014/main" id="{182F6BDD-3DA5-A4BA-1823-18E524097C14}"/>
+              </a:ext>
+            </a:extLst>
+          </p:cNvPr>
+          <p:cNvSpPr>
+            <a:spLocks noGrp="1"/>
+          </p:cNvSpPr>
+          <p:nvPr>
+            <p:ph type="title"/>
+          </p:nvPr>
+        </p:nvSpPr>
+        <p:spPr>
+          <a:xfrm>
+            <a:off x="431800" y="0"/>
+            <a:ext cx="10515600" cy="1325563"/>
+          </a:xfrm>
+        </p:spPr>
+        <p:txBody>
+          <a:bodyPr/>
+          <a:lstStyle/>
+          <a:p>
+            <a:r>
+              <a:rPr lang="en-US" dirty="0"/>
+              <a:t>Results</a:t>
+            </a:r>
+          </a:p>
+        </p:txBody>
+      </p:sp>
+      <p:pic>
+        <p:nvPicPr>
+          <p:cNvPr id="5" name="Picture 4">
+            <a:extLst>
+              <a:ext uri="{FF2B5EF4-FFF2-40B4-BE49-F238E27FC236}">
+                <a16:creationId xmlns:a16="http://schemas.microsoft.com/office/drawing/2014/main" id="{FE1A6819-69C8-23D0-4A77-4A196209BCC5}"/>
+              </a:ext>
+            </a:extLst>
+          </p:cNvPr>
+          <p:cNvPicPr>
+            <a:picLocks noChangeAspect="1"/>
+          </p:cNvPicPr>
+          <p:nvPr/>
+        </p:nvPicPr>
+        <p:blipFill>
+          <a:blip r:embed="rId2"/>
+          <a:stretch>
+            <a:fillRect/>
+          </a:stretch>
+        </p:blipFill>
+        <p:spPr>
+          <a:xfrm>
+            <a:off x="431800" y="887115"/>
+            <a:ext cx="9492977" cy="3481685"/>
+          </a:xfrm>
+          <a:prstGeom prst="rect">
+            <a:avLst/>
+          </a:prstGeom>
+        </p:spPr>
+      </p:pic>
+      <p:pic>
+        <p:nvPicPr>
+          <p:cNvPr id="9" name="Picture 8">
+            <a:extLst>
+              <a:ext uri="{FF2B5EF4-FFF2-40B4-BE49-F238E27FC236}">
+                <a16:creationId xmlns:a16="http://schemas.microsoft.com/office/drawing/2014/main" id="{8DB22542-32BB-8425-DA80-383D8F697C89}"/>
+              </a:ext>
+            </a:extLst>
+          </p:cNvPr>
+          <p:cNvPicPr>
+            <a:picLocks noChangeAspect="1"/>
+          </p:cNvPicPr>
+          <p:nvPr/>
+        </p:nvPicPr>
+        <p:blipFill>
+          <a:blip r:embed="rId3"/>
+          <a:stretch>
+            <a:fillRect/>
+          </a:stretch>
+        </p:blipFill>
+        <p:spPr>
+          <a:xfrm>
+            <a:off x="431800" y="4609025"/>
+            <a:ext cx="7632700" cy="923631"/>
+          </a:xfrm>
+          <a:prstGeom prst="rect">
+            <a:avLst/>
+          </a:prstGeom>
+        </p:spPr>
+      </p:pic>
+    </p:spTree>
+    <p:extLst>
+      <p:ext uri="{BB962C8B-B14F-4D97-AF65-F5344CB8AC3E}">
+        <p14:creationId xmlns:p14="http://schemas.microsoft.com/office/powerpoint/2010/main" val="1687381793"/>
+      </p:ext>
+    </p:extLst>
+  </p:cSld>
+  <p:clrMapOvr>
+    <a:masterClrMapping/>
+  </p:clrMapOvr>
+</p:sld>
+</file>
+
+<file path=ppt/slides/slide13.xml><?xml version="1.0" encoding="utf-8"?>
+<p:sld xmlns:a="http://schemas.openxmlformats.org/drawingml/2006/main" xmlns:r="http://schemas.openxmlformats.org/officeDocument/2006/relationships" xmlns:p="http://schemas.openxmlformats.org/presentationml/2006/main">
+  <p:cSld>
+    <p:spTree>
+      <p:nvGrpSpPr>
+        <p:cNvPr id="1" name=""/>
+        <p:cNvGrpSpPr/>
+        <p:nvPr/>
+      </p:nvGrpSpPr>
+      <p:grpSpPr>
+        <a:xfrm>
+          <a:off x="0" y="0"/>
+          <a:ext cx="0" cy="0"/>
+          <a:chOff x="0" y="0"/>
+          <a:chExt cx="0" cy="0"/>
+        </a:xfrm>
+      </p:grpSpPr>
+      <p:sp>
+        <p:nvSpPr>
+          <p:cNvPr id="2" name="Title 1">
+            <a:extLst>
+              <a:ext uri="{FF2B5EF4-FFF2-40B4-BE49-F238E27FC236}">
+                <a16:creationId xmlns:a16="http://schemas.microsoft.com/office/drawing/2014/main" id="{182F6BDD-3DA5-A4BA-1823-18E524097C14}"/>
+              </a:ext>
+            </a:extLst>
+          </p:cNvPr>
+          <p:cNvSpPr>
+            <a:spLocks noGrp="1"/>
+          </p:cNvSpPr>
+          <p:nvPr>
+            <p:ph type="title"/>
+          </p:nvPr>
+        </p:nvSpPr>
+        <p:spPr/>
+        <p:txBody>
+          <a:bodyPr/>
+          <a:lstStyle/>
+          <a:p>
+            <a:r>
+              <a:rPr lang="en-US" dirty="0"/>
+              <a:t>Spark UI</a:t>
+            </a:r>
+          </a:p>
+        </p:txBody>
+      </p:sp>
+      <p:pic>
+        <p:nvPicPr>
+          <p:cNvPr id="3" name="Picture 2">
+            <a:extLst>
+              <a:ext uri="{FF2B5EF4-FFF2-40B4-BE49-F238E27FC236}">
+                <a16:creationId xmlns:a16="http://schemas.microsoft.com/office/drawing/2014/main" id="{A6598981-2E53-AB0F-F7F9-1186689ED018}"/>
+              </a:ext>
+            </a:extLst>
+          </p:cNvPr>
+          <p:cNvPicPr>
+            <a:picLocks noChangeAspect="1"/>
+          </p:cNvPicPr>
+          <p:nvPr/>
+        </p:nvPicPr>
+        <p:blipFill>
+          <a:blip r:embed="rId2"/>
+          <a:stretch>
+            <a:fillRect/>
+          </a:stretch>
+        </p:blipFill>
+        <p:spPr>
+          <a:xfrm>
+            <a:off x="838200" y="1320006"/>
+            <a:ext cx="9211569" cy="4585494"/>
+          </a:xfrm>
+          <a:prstGeom prst="rect">
+            <a:avLst/>
+          </a:prstGeom>
+        </p:spPr>
+      </p:pic>
+    </p:spTree>
+    <p:extLst>
+      <p:ext uri="{BB962C8B-B14F-4D97-AF65-F5344CB8AC3E}">
+        <p14:creationId xmlns:p14="http://schemas.microsoft.com/office/powerpoint/2010/main" val="2682270375"/>
+      </p:ext>
+    </p:extLst>
+  </p:cSld>
+  <p:clrMapOvr>
+    <a:masterClrMapping/>
+  </p:clrMapOvr>
+</p:sld>
+</file>
+
+<file path=ppt/slides/slide14.xml><?xml version="1.0" encoding="utf-8"?>
+<p:sld xmlns:a="http://schemas.openxmlformats.org/drawingml/2006/main" xmlns:r="http://schemas.openxmlformats.org/officeDocument/2006/relationships" xmlns:p="http://schemas.openxmlformats.org/presentationml/2006/main">
+  <p:cSld>
+    <p:spTree>
+      <p:nvGrpSpPr>
+        <p:cNvPr id="1" name=""/>
+        <p:cNvGrpSpPr/>
+        <p:nvPr/>
+      </p:nvGrpSpPr>
+      <p:grpSpPr>
+        <a:xfrm>
+          <a:off x="0" y="0"/>
+          <a:ext cx="0" cy="0"/>
+          <a:chOff x="0" y="0"/>
+          <a:chExt cx="0" cy="0"/>
+        </a:xfrm>
+      </p:grpSpPr>
+      <p:sp>
+        <p:nvSpPr>
+          <p:cNvPr id="2" name="Title 1">
+            <a:extLst>
+              <a:ext uri="{FF2B5EF4-FFF2-40B4-BE49-F238E27FC236}">
+                <a16:creationId xmlns:a16="http://schemas.microsoft.com/office/drawing/2014/main" id="{182F6BDD-3DA5-A4BA-1823-18E524097C14}"/>
+              </a:ext>
+            </a:extLst>
+          </p:cNvPr>
+          <p:cNvSpPr>
+            <a:spLocks noGrp="1"/>
+          </p:cNvSpPr>
+          <p:nvPr>
+            <p:ph type="title"/>
+          </p:nvPr>
+        </p:nvSpPr>
+        <p:spPr/>
+        <p:txBody>
+          <a:bodyPr/>
+          <a:lstStyle/>
+          <a:p>
+            <a:r>
+              <a:rPr lang="en-US" dirty="0" err="1"/>
+              <a:t>Jupyter</a:t>
+            </a:r>
+            <a:endParaRPr lang="en-US" dirty="0"/>
+          </a:p>
+        </p:txBody>
+      </p:sp>
+      <p:pic>
+        <p:nvPicPr>
+          <p:cNvPr id="5" name="Picture 4">
+            <a:extLst>
+              <a:ext uri="{FF2B5EF4-FFF2-40B4-BE49-F238E27FC236}">
+                <a16:creationId xmlns:a16="http://schemas.microsoft.com/office/drawing/2014/main" id="{8B6FFB84-4D9D-7219-DD53-0FF1CA8EBED7}"/>
+              </a:ext>
+            </a:extLst>
+          </p:cNvPr>
+          <p:cNvPicPr>
+            <a:picLocks noChangeAspect="1"/>
+          </p:cNvPicPr>
+          <p:nvPr/>
+        </p:nvPicPr>
+        <p:blipFill>
+          <a:blip r:embed="rId2"/>
+          <a:stretch>
+            <a:fillRect/>
+          </a:stretch>
+        </p:blipFill>
+        <p:spPr>
+          <a:xfrm>
+            <a:off x="4546297" y="365125"/>
+            <a:ext cx="6284719" cy="3058811"/>
+          </a:xfrm>
+          <a:prstGeom prst="rect">
+            <a:avLst/>
+          </a:prstGeom>
+        </p:spPr>
+      </p:pic>
+      <p:pic>
+        <p:nvPicPr>
+          <p:cNvPr id="7" name="Picture 6">
+            <a:extLst>
+              <a:ext uri="{FF2B5EF4-FFF2-40B4-BE49-F238E27FC236}">
+                <a16:creationId xmlns:a16="http://schemas.microsoft.com/office/drawing/2014/main" id="{EDF8C378-9748-FEB8-5C5B-86C0EDCCA40C}"/>
+              </a:ext>
+            </a:extLst>
+          </p:cNvPr>
+          <p:cNvPicPr>
+            <a:picLocks noChangeAspect="1"/>
+          </p:cNvPicPr>
+          <p:nvPr/>
+        </p:nvPicPr>
+        <p:blipFill>
+          <a:blip r:embed="rId3"/>
+          <a:stretch>
+            <a:fillRect/>
+          </a:stretch>
+        </p:blipFill>
+        <p:spPr>
+          <a:xfrm>
+            <a:off x="4836314" y="3717964"/>
+            <a:ext cx="5994702" cy="2597111"/>
+          </a:xfrm>
+          <a:prstGeom prst="rect">
+            <a:avLst/>
+          </a:prstGeom>
+        </p:spPr>
+      </p:pic>
+    </p:spTree>
+    <p:extLst>
+      <p:ext uri="{BB962C8B-B14F-4D97-AF65-F5344CB8AC3E}">
+        <p14:creationId xmlns:p14="http://schemas.microsoft.com/office/powerpoint/2010/main" val="2343354849"/>
+      </p:ext>
+    </p:extLst>
+  </p:cSld>
+  <p:clrMapOvr>
+    <a:masterClrMapping/>
+  </p:clrMapOvr>
+</p:sld>
+</file>
+
+<file path=ppt/slides/slide15.xml><?xml version="1.0" encoding="utf-8"?>
+<p:sld xmlns:a="http://schemas.openxmlformats.org/drawingml/2006/main" xmlns:r="http://schemas.openxmlformats.org/officeDocument/2006/relationships" xmlns:p="http://schemas.openxmlformats.org/presentationml/2006/main">
+  <p:cSld>
+    <p:spTree>
+      <p:nvGrpSpPr>
+        <p:cNvPr id="1" name=""/>
+        <p:cNvGrpSpPr/>
+        <p:nvPr/>
+      </p:nvGrpSpPr>
+      <p:grpSpPr>
+        <a:xfrm>
+          <a:off x="0" y="0"/>
+          <a:ext cx="0" cy="0"/>
+          <a:chOff x="0" y="0"/>
+          <a:chExt cx="0" cy="0"/>
+        </a:xfrm>
+      </p:grpSpPr>
+      <p:sp>
+        <p:nvSpPr>
+          <p:cNvPr id="2" name="Title 1">
+            <a:extLst>
+              <a:ext uri="{FF2B5EF4-FFF2-40B4-BE49-F238E27FC236}">
+                <a16:creationId xmlns:a16="http://schemas.microsoft.com/office/drawing/2014/main" id="{182F6BDD-3DA5-A4BA-1823-18E524097C14}"/>
+              </a:ext>
+            </a:extLst>
+          </p:cNvPr>
+          <p:cNvSpPr>
+            <a:spLocks noGrp="1"/>
+          </p:cNvSpPr>
+          <p:nvPr>
+            <p:ph type="title"/>
+          </p:nvPr>
+        </p:nvSpPr>
+        <p:spPr>
+          <a:xfrm>
+            <a:off x="304800" y="0"/>
+            <a:ext cx="10515600" cy="1325563"/>
+          </a:xfrm>
+        </p:spPr>
+        <p:txBody>
+          <a:bodyPr/>
+          <a:lstStyle/>
+          <a:p>
+            <a:r>
+              <a:rPr lang="en-US" dirty="0"/>
+              <a:t>Big data generation: TPC-H </a:t>
+            </a:r>
+          </a:p>
+        </p:txBody>
+      </p:sp>
+      <p:sp>
+        <p:nvSpPr>
+          <p:cNvPr id="3" name="Title 1">
+            <a:extLst>
+              <a:ext uri="{FF2B5EF4-FFF2-40B4-BE49-F238E27FC236}">
+                <a16:creationId xmlns:a16="http://schemas.microsoft.com/office/drawing/2014/main" id="{7B475895-E346-AFF7-B063-94DFEB46B0C4}"/>
+              </a:ext>
+            </a:extLst>
+          </p:cNvPr>
+          <p:cNvSpPr txBox="1">
+            <a:spLocks/>
+          </p:cNvSpPr>
+          <p:nvPr/>
+        </p:nvSpPr>
+        <p:spPr>
+          <a:xfrm>
+            <a:off x="304800" y="2260600"/>
+            <a:ext cx="10515600" cy="1325563"/>
+          </a:xfrm>
+          <a:prstGeom prst="rect">
+            <a:avLst/>
+          </a:prstGeom>
+        </p:spPr>
+        <p:txBody>
+          <a:bodyPr vert="horz" lIns="91440" tIns="45720" rIns="91440" bIns="45720" rtlCol="0" anchor="ctr">
+            <a:normAutofit/>
+          </a:bodyPr>
+          <a:lstStyle>
+            <a:lvl1pPr algn="l" defTabSz="914400" rtl="0" eaLnBrk="1" latinLnBrk="0" hangingPunct="1">
+              <a:lnSpc>
+                <a:spcPct val="90000"/>
+              </a:lnSpc>
+              <a:spcBef>
+                <a:spcPct val="0"/>
+              </a:spcBef>
+              <a:buNone/>
+              <a:defRPr sz="4400" kern="1200">
+                <a:solidFill>
+                  <a:schemeClr val="tx1"/>
+                </a:solidFill>
+                <a:latin typeface="+mj-lt"/>
+                <a:ea typeface="+mj-ea"/>
+                <a:cs typeface="+mj-cs"/>
+              </a:defRPr>
+            </a:lvl1pPr>
+          </a:lstStyle>
+          <a:p>
+            <a:r>
+              <a:rPr lang="en-US" sz="2400" dirty="0"/>
+              <a:t>What is TPC-H</a:t>
+            </a:r>
+          </a:p>
+          <a:p>
+            <a:r>
+              <a:rPr lang="en-US" sz="2400" dirty="0"/>
+              <a:t>How to generate data with TPC-H ( Uniform and skewed)</a:t>
+            </a:r>
+          </a:p>
+        </p:txBody>
+      </p:sp>
+    </p:spTree>
+    <p:extLst>
+      <p:ext uri="{BB962C8B-B14F-4D97-AF65-F5344CB8AC3E}">
+        <p14:creationId xmlns:p14="http://schemas.microsoft.com/office/powerpoint/2010/main" val="3441731238"/>
+      </p:ext>
+    </p:extLst>
+  </p:cSld>
+  <p:clrMapOvr>
+    <a:masterClrMapping/>
+  </p:clrMapOvr>
+</p:sld>
+</file>
+
+<file path=ppt/slides/slide16.xml><?xml version="1.0" encoding="utf-8"?>
+<p:sld xmlns:a="http://schemas.openxmlformats.org/drawingml/2006/main" xmlns:r="http://schemas.openxmlformats.org/officeDocument/2006/relationships" xmlns:p="http://schemas.openxmlformats.org/presentationml/2006/main">
+  <p:cSld>
+    <p:spTree>
+      <p:nvGrpSpPr>
+        <p:cNvPr id="1" name=""/>
+        <p:cNvGrpSpPr/>
+        <p:nvPr/>
+      </p:nvGrpSpPr>
+      <p:grpSpPr>
+        <a:xfrm>
+          <a:off x="0" y="0"/>
+          <a:ext cx="0" cy="0"/>
+          <a:chOff x="0" y="0"/>
+          <a:chExt cx="0" cy="0"/>
+        </a:xfrm>
+      </p:grpSpPr>
+      <p:sp>
+        <p:nvSpPr>
+          <p:cNvPr id="2" name="Title 1">
+            <a:extLst>
+              <a:ext uri="{FF2B5EF4-FFF2-40B4-BE49-F238E27FC236}">
+                <a16:creationId xmlns:a16="http://schemas.microsoft.com/office/drawing/2014/main" id="{182F6BDD-3DA5-A4BA-1823-18E524097C14}"/>
+              </a:ext>
+            </a:extLst>
+          </p:cNvPr>
+          <p:cNvSpPr>
+            <a:spLocks noGrp="1"/>
+          </p:cNvSpPr>
+          <p:nvPr>
+            <p:ph type="title"/>
+          </p:nvPr>
+        </p:nvSpPr>
+        <p:spPr>
+          <a:xfrm>
+            <a:off x="304800" y="0"/>
+            <a:ext cx="10515600" cy="1325563"/>
+          </a:xfrm>
+        </p:spPr>
+        <p:txBody>
+          <a:bodyPr/>
+          <a:lstStyle/>
+          <a:p>
+            <a:r>
+              <a:rPr lang="en-US" dirty="0"/>
+              <a:t>Big data visualization: TPC-H </a:t>
+            </a:r>
+          </a:p>
+        </p:txBody>
+      </p:sp>
+      <p:pic>
+        <p:nvPicPr>
+          <p:cNvPr id="4" name="Picture 3">
+            <a:extLst>
+              <a:ext uri="{FF2B5EF4-FFF2-40B4-BE49-F238E27FC236}">
+                <a16:creationId xmlns:a16="http://schemas.microsoft.com/office/drawing/2014/main" id="{5130AF80-8B66-4552-61F4-72C8E8E4DB5E}"/>
+              </a:ext>
+            </a:extLst>
+          </p:cNvPr>
+          <p:cNvPicPr>
+            <a:picLocks noChangeAspect="1"/>
+          </p:cNvPicPr>
+          <p:nvPr/>
+        </p:nvPicPr>
+        <p:blipFill>
+          <a:blip r:embed="rId2"/>
+          <a:stretch>
+            <a:fillRect/>
+          </a:stretch>
+        </p:blipFill>
+        <p:spPr>
+          <a:xfrm>
+            <a:off x="396875" y="1506537"/>
+            <a:ext cx="3219450" cy="4200525"/>
+          </a:xfrm>
+          <a:prstGeom prst="rect">
+            <a:avLst/>
+          </a:prstGeom>
+        </p:spPr>
+      </p:pic>
+      <p:pic>
+        <p:nvPicPr>
+          <p:cNvPr id="8" name="Picture 7">
+            <a:extLst>
+              <a:ext uri="{FF2B5EF4-FFF2-40B4-BE49-F238E27FC236}">
+                <a16:creationId xmlns:a16="http://schemas.microsoft.com/office/drawing/2014/main" id="{11BA7A77-BEAC-9E1E-93F4-3D3124AC645B}"/>
+              </a:ext>
+            </a:extLst>
+          </p:cNvPr>
+          <p:cNvPicPr>
+            <a:picLocks noChangeAspect="1"/>
+          </p:cNvPicPr>
+          <p:nvPr/>
+        </p:nvPicPr>
+        <p:blipFill>
+          <a:blip r:embed="rId3"/>
+          <a:stretch>
+            <a:fillRect/>
+          </a:stretch>
+        </p:blipFill>
+        <p:spPr>
+          <a:xfrm>
+            <a:off x="3517900" y="1516062"/>
+            <a:ext cx="3276600" cy="4191000"/>
+          </a:xfrm>
+          <a:prstGeom prst="rect">
+            <a:avLst/>
+          </a:prstGeom>
+        </p:spPr>
+      </p:pic>
+      <p:pic>
+        <p:nvPicPr>
+          <p:cNvPr id="10" name="Picture 9">
+            <a:extLst>
+              <a:ext uri="{FF2B5EF4-FFF2-40B4-BE49-F238E27FC236}">
+                <a16:creationId xmlns:a16="http://schemas.microsoft.com/office/drawing/2014/main" id="{7DFD344E-46D4-5475-4621-0469737BAF6A}"/>
+              </a:ext>
+            </a:extLst>
+          </p:cNvPr>
+          <p:cNvPicPr>
+            <a:picLocks noChangeAspect="1"/>
+          </p:cNvPicPr>
+          <p:nvPr/>
+        </p:nvPicPr>
+        <p:blipFill>
+          <a:blip r:embed="rId4"/>
+          <a:stretch>
+            <a:fillRect/>
+          </a:stretch>
+        </p:blipFill>
+        <p:spPr>
+          <a:xfrm>
+            <a:off x="6910387" y="1516062"/>
+            <a:ext cx="3095625" cy="4152900"/>
+          </a:xfrm>
+          <a:prstGeom prst="rect">
+            <a:avLst/>
+          </a:prstGeom>
+        </p:spPr>
+      </p:pic>
+      <p:sp>
+        <p:nvSpPr>
+          <p:cNvPr id="11" name="TextBox 10">
+            <a:extLst>
+              <a:ext uri="{FF2B5EF4-FFF2-40B4-BE49-F238E27FC236}">
+                <a16:creationId xmlns:a16="http://schemas.microsoft.com/office/drawing/2014/main" id="{F55E360D-2CC5-CFED-A0B8-5B66B9E31FF3}"/>
+              </a:ext>
+            </a:extLst>
+          </p:cNvPr>
+          <p:cNvSpPr txBox="1"/>
+          <p:nvPr/>
+        </p:nvSpPr>
+        <p:spPr>
+          <a:xfrm>
+            <a:off x="396875" y="1046718"/>
+            <a:ext cx="3452355" cy="369332"/>
+          </a:xfrm>
+          <a:prstGeom prst="rect">
+            <a:avLst/>
+          </a:prstGeom>
+          <a:noFill/>
+        </p:spPr>
+        <p:txBody>
+          <a:bodyPr wrap="none" rtlCol="0">
+            <a:spAutoFit/>
+          </a:bodyPr>
+          <a:lstStyle/>
+          <a:p>
+            <a:r>
+              <a:rPr lang="en-US" dirty="0"/>
+              <a:t>Uniform distributed: </a:t>
+            </a:r>
+            <a:r>
+              <a:rPr lang="en-US" dirty="0" err="1"/>
+              <a:t>lineitem</a:t>
+            </a:r>
+            <a:r>
+              <a:rPr lang="en-US" dirty="0"/>
+              <a:t> table</a:t>
+            </a:r>
+          </a:p>
+        </p:txBody>
+      </p:sp>
+    </p:spTree>
+    <p:extLst>
+      <p:ext uri="{BB962C8B-B14F-4D97-AF65-F5344CB8AC3E}">
+        <p14:creationId xmlns:p14="http://schemas.microsoft.com/office/powerpoint/2010/main" val="2854730229"/>
+      </p:ext>
+    </p:extLst>
+  </p:cSld>
+  <p:clrMapOvr>
+    <a:masterClrMapping/>
+  </p:clrMapOvr>
+</p:sld>
+</file>
+
+<file path=ppt/slides/slide17.xml><?xml version="1.0" encoding="utf-8"?>
+<p:sld xmlns:a="http://schemas.openxmlformats.org/drawingml/2006/main" xmlns:r="http://schemas.openxmlformats.org/officeDocument/2006/relationships" xmlns:p="http://schemas.openxmlformats.org/presentationml/2006/main">
+  <p:cSld>
+    <p:spTree>
+      <p:nvGrpSpPr>
+        <p:cNvPr id="1" name=""/>
+        <p:cNvGrpSpPr/>
+        <p:nvPr/>
+      </p:nvGrpSpPr>
+      <p:grpSpPr>
+        <a:xfrm>
+          <a:off x="0" y="0"/>
+          <a:ext cx="0" cy="0"/>
+          <a:chOff x="0" y="0"/>
+          <a:chExt cx="0" cy="0"/>
+        </a:xfrm>
+      </p:grpSpPr>
+      <p:sp>
+        <p:nvSpPr>
+          <p:cNvPr id="2" name="Title 1">
+            <a:extLst>
+              <a:ext uri="{FF2B5EF4-FFF2-40B4-BE49-F238E27FC236}">
+                <a16:creationId xmlns:a16="http://schemas.microsoft.com/office/drawing/2014/main" id="{182F6BDD-3DA5-A4BA-1823-18E524097C14}"/>
+              </a:ext>
+            </a:extLst>
+          </p:cNvPr>
+          <p:cNvSpPr>
+            <a:spLocks noGrp="1"/>
+          </p:cNvSpPr>
+          <p:nvPr>
+            <p:ph type="title"/>
+          </p:nvPr>
+        </p:nvSpPr>
+        <p:spPr>
+          <a:xfrm>
+            <a:off x="304800" y="0"/>
+            <a:ext cx="10515600" cy="1325563"/>
+          </a:xfrm>
+        </p:spPr>
+        <p:txBody>
+          <a:bodyPr/>
+          <a:lstStyle/>
+          <a:p>
+            <a:r>
+              <a:rPr lang="en-US" dirty="0"/>
+              <a:t>Big data visualization: TPC-H </a:t>
+            </a:r>
+          </a:p>
+        </p:txBody>
+      </p:sp>
+      <p:sp>
+        <p:nvSpPr>
+          <p:cNvPr id="11" name="TextBox 10">
+            <a:extLst>
+              <a:ext uri="{FF2B5EF4-FFF2-40B4-BE49-F238E27FC236}">
+                <a16:creationId xmlns:a16="http://schemas.microsoft.com/office/drawing/2014/main" id="{F55E360D-2CC5-CFED-A0B8-5B66B9E31FF3}"/>
+              </a:ext>
+            </a:extLst>
+          </p:cNvPr>
+          <p:cNvSpPr txBox="1"/>
+          <p:nvPr/>
+        </p:nvSpPr>
+        <p:spPr>
+          <a:xfrm>
+            <a:off x="396875" y="1046718"/>
+            <a:ext cx="3457100" cy="369332"/>
+          </a:xfrm>
+          <a:prstGeom prst="rect">
+            <a:avLst/>
+          </a:prstGeom>
+          <a:noFill/>
+        </p:spPr>
+        <p:txBody>
+          <a:bodyPr wrap="none" rtlCol="0">
+            <a:spAutoFit/>
+          </a:bodyPr>
+          <a:lstStyle/>
+          <a:p>
+            <a:r>
+              <a:rPr lang="en-US" dirty="0"/>
+              <a:t>Skewed distribution: </a:t>
+            </a:r>
+            <a:r>
+              <a:rPr lang="en-US" dirty="0" err="1"/>
+              <a:t>lineitem</a:t>
+            </a:r>
+            <a:r>
+              <a:rPr lang="en-US" dirty="0"/>
+              <a:t> table</a:t>
+            </a:r>
+          </a:p>
+        </p:txBody>
+      </p:sp>
+      <p:pic>
+        <p:nvPicPr>
+          <p:cNvPr id="5" name="Picture 4">
+            <a:extLst>
+              <a:ext uri="{FF2B5EF4-FFF2-40B4-BE49-F238E27FC236}">
+                <a16:creationId xmlns:a16="http://schemas.microsoft.com/office/drawing/2014/main" id="{9EAFF7ED-C075-BB14-E62A-DD502E22C130}"/>
+              </a:ext>
+            </a:extLst>
+          </p:cNvPr>
+          <p:cNvPicPr>
+            <a:picLocks noChangeAspect="1"/>
+          </p:cNvPicPr>
+          <p:nvPr/>
+        </p:nvPicPr>
+        <p:blipFill>
+          <a:blip r:embed="rId2"/>
+          <a:stretch>
+            <a:fillRect/>
+          </a:stretch>
+        </p:blipFill>
+        <p:spPr>
+          <a:xfrm>
+            <a:off x="596662" y="1601232"/>
+            <a:ext cx="3057525" cy="4210050"/>
+          </a:xfrm>
+          <a:prstGeom prst="rect">
+            <a:avLst/>
+          </a:prstGeom>
+        </p:spPr>
+      </p:pic>
+      <p:pic>
+        <p:nvPicPr>
+          <p:cNvPr id="7" name="Picture 6">
+            <a:extLst>
+              <a:ext uri="{FF2B5EF4-FFF2-40B4-BE49-F238E27FC236}">
+                <a16:creationId xmlns:a16="http://schemas.microsoft.com/office/drawing/2014/main" id="{58D2A798-F635-8F61-46B4-B977E6F4DE93}"/>
+              </a:ext>
+            </a:extLst>
+          </p:cNvPr>
+          <p:cNvPicPr>
+            <a:picLocks noChangeAspect="1"/>
+          </p:cNvPicPr>
+          <p:nvPr/>
+        </p:nvPicPr>
+        <p:blipFill>
+          <a:blip r:embed="rId3"/>
+          <a:stretch>
+            <a:fillRect/>
+          </a:stretch>
+        </p:blipFill>
+        <p:spPr>
+          <a:xfrm>
+            <a:off x="4019550" y="1601232"/>
+            <a:ext cx="3086100" cy="4248150"/>
+          </a:xfrm>
+          <a:prstGeom prst="rect">
+            <a:avLst/>
+          </a:prstGeom>
+        </p:spPr>
+      </p:pic>
+      <p:pic>
+        <p:nvPicPr>
+          <p:cNvPr id="12" name="Picture 11">
+            <a:extLst>
+              <a:ext uri="{FF2B5EF4-FFF2-40B4-BE49-F238E27FC236}">
+                <a16:creationId xmlns:a16="http://schemas.microsoft.com/office/drawing/2014/main" id="{D31E53CC-1BB9-7C5E-997F-44E57E167104}"/>
+              </a:ext>
+            </a:extLst>
+          </p:cNvPr>
+          <p:cNvPicPr>
+            <a:picLocks noChangeAspect="1"/>
+          </p:cNvPicPr>
+          <p:nvPr/>
+        </p:nvPicPr>
+        <p:blipFill>
+          <a:blip r:embed="rId4"/>
+          <a:stretch>
+            <a:fillRect/>
+          </a:stretch>
+        </p:blipFill>
+        <p:spPr>
+          <a:xfrm>
+            <a:off x="7471013" y="1591707"/>
+            <a:ext cx="3152775" cy="4219575"/>
+          </a:xfrm>
+          <a:prstGeom prst="rect">
+            <a:avLst/>
+          </a:prstGeom>
+        </p:spPr>
+      </p:pic>
+    </p:spTree>
+    <p:extLst>
+      <p:ext uri="{BB962C8B-B14F-4D97-AF65-F5344CB8AC3E}">
+        <p14:creationId xmlns:p14="http://schemas.microsoft.com/office/powerpoint/2010/main" val="3574088400"/>
+      </p:ext>
+    </p:extLst>
+  </p:cSld>
+  <p:clrMapOvr>
+    <a:masterClrMapping/>
+  </p:clrMapOvr>
+</p:sld>
+</file>
+
+<file path=ppt/slides/slide18.xml><?xml version="1.0" encoding="utf-8"?>
+<p:sld xmlns:a="http://schemas.openxmlformats.org/drawingml/2006/main" xmlns:r="http://schemas.openxmlformats.org/officeDocument/2006/relationships" xmlns:p="http://schemas.openxmlformats.org/presentationml/2006/main">
+  <p:cSld>
+    <p:spTree>
+      <p:nvGrpSpPr>
+        <p:cNvPr id="1" name=""/>
+        <p:cNvGrpSpPr/>
+        <p:nvPr/>
+      </p:nvGrpSpPr>
+      <p:grpSpPr>
+        <a:xfrm>
+          <a:off x="0" y="0"/>
+          <a:ext cx="0" cy="0"/>
+          <a:chOff x="0" y="0"/>
+          <a:chExt cx="0" cy="0"/>
+        </a:xfrm>
+      </p:grpSpPr>
+      <p:sp>
+        <p:nvSpPr>
+          <p:cNvPr id="2" name="Title 1">
+            <a:extLst>
+              <a:ext uri="{FF2B5EF4-FFF2-40B4-BE49-F238E27FC236}">
+                <a16:creationId xmlns:a16="http://schemas.microsoft.com/office/drawing/2014/main" id="{182F6BDD-3DA5-A4BA-1823-18E524097C14}"/>
+              </a:ext>
+            </a:extLst>
+          </p:cNvPr>
+          <p:cNvSpPr>
+            <a:spLocks noGrp="1"/>
+          </p:cNvSpPr>
+          <p:nvPr>
+            <p:ph type="title"/>
+          </p:nvPr>
+        </p:nvSpPr>
+        <p:spPr/>
+        <p:txBody>
+          <a:bodyPr/>
+          <a:lstStyle/>
+          <a:p>
+            <a:r>
+              <a:rPr lang="en-US" dirty="0"/>
+              <a:t>Git repository</a:t>
+            </a:r>
+          </a:p>
+        </p:txBody>
+      </p:sp>
+      <p:sp>
+        <p:nvSpPr>
+          <p:cNvPr id="3" name="Content Placeholder 2">
+            <a:extLst>
+              <a:ext uri="{FF2B5EF4-FFF2-40B4-BE49-F238E27FC236}">
+                <a16:creationId xmlns:a16="http://schemas.microsoft.com/office/drawing/2014/main" id="{DB6D87E6-C3D2-F85C-4F7D-E00266D475F0}"/>
+              </a:ext>
+            </a:extLst>
+          </p:cNvPr>
+          <p:cNvSpPr>
+            <a:spLocks noGrp="1"/>
+          </p:cNvSpPr>
+          <p:nvPr>
+            <p:ph idx="1"/>
+          </p:nvPr>
+        </p:nvSpPr>
+        <p:spPr>
+          <a:xfrm>
+            <a:off x="838200" y="1457325"/>
+            <a:ext cx="10515600" cy="4351338"/>
+          </a:xfrm>
+        </p:spPr>
+        <p:txBody>
+          <a:bodyPr/>
+          <a:lstStyle/>
+          <a:p>
+            <a:pPr marL="0" marR="0">
+              <a:lnSpc>
+                <a:spcPct val="107000"/>
+              </a:lnSpc>
+              <a:spcBef>
+                <a:spcPts val="0"/>
+              </a:spcBef>
+              <a:spcAft>
+                <a:spcPts val="800"/>
+              </a:spcAft>
+            </a:pPr>
+            <a:r>
+              <a:rPr lang="en-US" sz="1800" dirty="0">
+                <a:effectLst/>
+                <a:highlight>
+                  <a:srgbClr val="FFFF00"/>
+                </a:highlight>
+                <a:latin typeface="Calibri" panose="020F0502020204030204" pitchFamily="34" charset="0"/>
+                <a:ea typeface="Calibri" panose="020F0502020204030204" pitchFamily="34" charset="0"/>
+                <a:cs typeface="Times New Roman" panose="02020603050405020304" pitchFamily="18" charset="0"/>
+                <a:hlinkClick r:id="rId2"/>
+              </a:rPr>
+              <a:t>https://github.com/gprasad09/Apache-Spark-Cluster-Project</a:t>
+            </a:r>
+            <a:endParaRPr lang="en-US" sz="1800" dirty="0">
+              <a:effectLst/>
+              <a:highlight>
+                <a:srgbClr val="FFFF00"/>
+              </a:highlight>
+              <a:latin typeface="Calibri" panose="020F0502020204030204" pitchFamily="34" charset="0"/>
+              <a:ea typeface="Calibri" panose="020F0502020204030204" pitchFamily="34" charset="0"/>
+              <a:cs typeface="Times New Roman" panose="02020603050405020304" pitchFamily="18" charset="0"/>
+            </a:endParaRPr>
+          </a:p>
+          <a:p>
+            <a:pPr marL="0" marR="0">
+              <a:lnSpc>
+                <a:spcPct val="107000"/>
+              </a:lnSpc>
+              <a:spcBef>
+                <a:spcPts val="0"/>
+              </a:spcBef>
+              <a:spcAft>
+                <a:spcPts val="800"/>
+              </a:spcAft>
+            </a:pPr>
+            <a:endParaRPr lang="en-US" sz="1800" dirty="0">
+              <a:effectLst/>
+              <a:highlight>
+                <a:srgbClr val="FFFF00"/>
+              </a:highlight>
+              <a:latin typeface="Calibri" panose="020F0502020204030204" pitchFamily="34" charset="0"/>
+              <a:ea typeface="Calibri" panose="020F0502020204030204" pitchFamily="34" charset="0"/>
+              <a:cs typeface="Times New Roman" panose="02020603050405020304" pitchFamily="18" charset="0"/>
+            </a:endParaRPr>
+          </a:p>
+        </p:txBody>
+      </p:sp>
+    </p:spTree>
+    <p:extLst>
+      <p:ext uri="{BB962C8B-B14F-4D97-AF65-F5344CB8AC3E}">
+        <p14:creationId xmlns:p14="http://schemas.microsoft.com/office/powerpoint/2010/main" val="1245715603"/>
+      </p:ext>
+    </p:extLst>
+  </p:cSld>
+  <p:clrMapOvr>
+    <a:masterClrMapping/>
+  </p:clrMapOvr>
+</p:sld>
+</file>
+
+<file path=ppt/slides/slide19.xml><?xml version="1.0" encoding="utf-8"?>
+<p:sld xmlns:a="http://schemas.openxmlformats.org/drawingml/2006/main" xmlns:r="http://schemas.openxmlformats.org/officeDocument/2006/relationships" xmlns:p="http://schemas.openxmlformats.org/presentationml/2006/main">
+  <p:cSld>
+    <p:spTree>
+      <p:nvGrpSpPr>
+        <p:cNvPr id="1" name=""/>
+        <p:cNvGrpSpPr/>
+        <p:nvPr/>
+      </p:nvGrpSpPr>
+      <p:grpSpPr>
+        <a:xfrm>
+          <a:off x="0" y="0"/>
+          <a:ext cx="0" cy="0"/>
+          <a:chOff x="0" y="0"/>
+          <a:chExt cx="0" cy="0"/>
+        </a:xfrm>
+      </p:grpSpPr>
+      <p:sp>
+        <p:nvSpPr>
+          <p:cNvPr id="2" name="Title 1">
+            <a:extLst>
+              <a:ext uri="{FF2B5EF4-FFF2-40B4-BE49-F238E27FC236}">
+                <a16:creationId xmlns:a16="http://schemas.microsoft.com/office/drawing/2014/main" id="{182F6BDD-3DA5-A4BA-1823-18E524097C14}"/>
+              </a:ext>
+            </a:extLst>
+          </p:cNvPr>
+          <p:cNvSpPr>
+            <a:spLocks noGrp="1"/>
+          </p:cNvSpPr>
+          <p:nvPr>
+            <p:ph type="title"/>
+          </p:nvPr>
+        </p:nvSpPr>
+        <p:spPr/>
+        <p:txBody>
+          <a:bodyPr/>
+          <a:lstStyle/>
+          <a:p>
+            <a:r>
+              <a:rPr lang="en-US" dirty="0"/>
+              <a:t>Challenges</a:t>
+            </a:r>
+          </a:p>
+        </p:txBody>
+      </p:sp>
+      <p:sp>
+        <p:nvSpPr>
+          <p:cNvPr id="3" name="Content Placeholder 2">
+            <a:extLst>
+              <a:ext uri="{FF2B5EF4-FFF2-40B4-BE49-F238E27FC236}">
+                <a16:creationId xmlns:a16="http://schemas.microsoft.com/office/drawing/2014/main" id="{DB6D87E6-C3D2-F85C-4F7D-E00266D475F0}"/>
+              </a:ext>
+            </a:extLst>
+          </p:cNvPr>
+          <p:cNvSpPr>
+            <a:spLocks noGrp="1"/>
+          </p:cNvSpPr>
+          <p:nvPr>
+            <p:ph idx="1"/>
+          </p:nvPr>
+        </p:nvSpPr>
+        <p:spPr/>
+        <p:txBody>
+          <a:bodyPr/>
+          <a:lstStyle/>
+          <a:p>
+            <a:pPr marL="0" marR="0">
+              <a:lnSpc>
+                <a:spcPct val="107000"/>
+              </a:lnSpc>
+              <a:spcBef>
+                <a:spcPts val="0"/>
+              </a:spcBef>
+              <a:spcAft>
+                <a:spcPts val="800"/>
+              </a:spcAft>
+            </a:pPr>
+            <a:endParaRPr lang="en-US" sz="1800" dirty="0">
+              <a:effectLst/>
+              <a:highlight>
+                <a:srgbClr val="FFFF00"/>
+              </a:highlight>
+              <a:latin typeface="Calibri" panose="020F0502020204030204" pitchFamily="34" charset="0"/>
+              <a:ea typeface="Calibri" panose="020F0502020204030204" pitchFamily="34" charset="0"/>
+              <a:cs typeface="Times New Roman" panose="02020603050405020304" pitchFamily="18" charset="0"/>
+            </a:endParaRPr>
+          </a:p>
+        </p:txBody>
+      </p:sp>
+    </p:spTree>
+    <p:extLst>
+      <p:ext uri="{BB962C8B-B14F-4D97-AF65-F5344CB8AC3E}">
+        <p14:creationId xmlns:p14="http://schemas.microsoft.com/office/powerpoint/2010/main" val="2376337768"/>
       </p:ext>
     </p:extLst>
   </p:cSld>
@@ -4226,6 +5719,197 @@
     <p:extLst>
       <p:ext uri="{BB962C8B-B14F-4D97-AF65-F5344CB8AC3E}">
         <p14:creationId xmlns:p14="http://schemas.microsoft.com/office/powerpoint/2010/main" val="1661911319"/>
+      </p:ext>
+    </p:extLst>
+  </p:cSld>
+  <p:clrMapOvr>
+    <a:masterClrMapping/>
+  </p:clrMapOvr>
+</p:sld>
+</file>
+
+<file path=ppt/slides/slide20.xml><?xml version="1.0" encoding="utf-8"?>
+<p:sld xmlns:a="http://schemas.openxmlformats.org/drawingml/2006/main" xmlns:r="http://schemas.openxmlformats.org/officeDocument/2006/relationships" xmlns:p="http://schemas.openxmlformats.org/presentationml/2006/main">
+  <p:cSld>
+    <p:spTree>
+      <p:nvGrpSpPr>
+        <p:cNvPr id="1" name=""/>
+        <p:cNvGrpSpPr/>
+        <p:nvPr/>
+      </p:nvGrpSpPr>
+      <p:grpSpPr>
+        <a:xfrm>
+          <a:off x="0" y="0"/>
+          <a:ext cx="0" cy="0"/>
+          <a:chOff x="0" y="0"/>
+          <a:chExt cx="0" cy="0"/>
+        </a:xfrm>
+      </p:grpSpPr>
+      <p:sp>
+        <p:nvSpPr>
+          <p:cNvPr id="2" name="Title 1">
+            <a:extLst>
+              <a:ext uri="{FF2B5EF4-FFF2-40B4-BE49-F238E27FC236}">
+                <a16:creationId xmlns:a16="http://schemas.microsoft.com/office/drawing/2014/main" id="{182F6BDD-3DA5-A4BA-1823-18E524097C14}"/>
+              </a:ext>
+            </a:extLst>
+          </p:cNvPr>
+          <p:cNvSpPr>
+            <a:spLocks noGrp="1"/>
+          </p:cNvSpPr>
+          <p:nvPr>
+            <p:ph type="title"/>
+          </p:nvPr>
+        </p:nvSpPr>
+        <p:spPr/>
+        <p:txBody>
+          <a:bodyPr/>
+          <a:lstStyle/>
+          <a:p>
+            <a:r>
+              <a:rPr lang="en-US" dirty="0"/>
+              <a:t>Conclusion	</a:t>
+            </a:r>
+          </a:p>
+        </p:txBody>
+      </p:sp>
+      <p:sp>
+        <p:nvSpPr>
+          <p:cNvPr id="3" name="Content Placeholder 2">
+            <a:extLst>
+              <a:ext uri="{FF2B5EF4-FFF2-40B4-BE49-F238E27FC236}">
+                <a16:creationId xmlns:a16="http://schemas.microsoft.com/office/drawing/2014/main" id="{DB6D87E6-C3D2-F85C-4F7D-E00266D475F0}"/>
+              </a:ext>
+            </a:extLst>
+          </p:cNvPr>
+          <p:cNvSpPr>
+            <a:spLocks noGrp="1"/>
+          </p:cNvSpPr>
+          <p:nvPr>
+            <p:ph idx="1"/>
+          </p:nvPr>
+        </p:nvSpPr>
+        <p:spPr/>
+        <p:txBody>
+          <a:bodyPr vert="horz" lIns="91440" tIns="45720" rIns="91440" bIns="45720" rtlCol="0">
+            <a:normAutofit fontScale="70000" lnSpcReduction="20000"/>
+          </a:bodyPr>
+          <a:lstStyle/>
+          <a:p>
+            <a:r>
+              <a:rPr lang="en-US" dirty="0"/>
+              <a:t>We have successfully created an Apache Spark cluster using Docker containers, which can be easily deployed and scaled on different environments. </a:t>
+            </a:r>
+          </a:p>
+          <a:p>
+            <a:endParaRPr lang="en-US" dirty="0"/>
+          </a:p>
+          <a:p>
+            <a:r>
+              <a:rPr lang="en-US" dirty="0"/>
+              <a:t>We have also automated the creation of the Spark cluster by fine-tuning docker files, images, services and shell scripts. </a:t>
+            </a:r>
+          </a:p>
+          <a:p>
+            <a:endParaRPr lang="en-US" dirty="0"/>
+          </a:p>
+          <a:p>
+            <a:r>
+              <a:rPr lang="en-US" dirty="0"/>
+              <a:t>We successfully configured the resource utilization such as CPU usages by managers and workers of the cluster.</a:t>
+            </a:r>
+          </a:p>
+          <a:p>
+            <a:pPr marL="0" indent="0">
+              <a:buNone/>
+            </a:pPr>
+            <a:endParaRPr lang="en-US" dirty="0"/>
+          </a:p>
+          <a:p>
+            <a:r>
+              <a:rPr lang="en-US" dirty="0"/>
+              <a:t>Finally, we have provided a comprehensive documentation and examples that demonstrate how to use the Spark cluster for different use cases, such as data processing, machine learning, and data visualization. </a:t>
+            </a:r>
+          </a:p>
+          <a:p>
+            <a:endParaRPr lang="en-US" dirty="0"/>
+          </a:p>
+          <a:p>
+            <a:r>
+              <a:rPr lang="en-US" dirty="0"/>
+              <a:t>We believe that this project can be useful for anyone who needs to process big data using Spark, without the need for dedicated infrastructure or complex setups.</a:t>
+            </a:r>
+          </a:p>
+          <a:p>
+            <a:endParaRPr lang="en-US" dirty="0"/>
+          </a:p>
+        </p:txBody>
+      </p:sp>
+    </p:spTree>
+    <p:extLst>
+      <p:ext uri="{BB962C8B-B14F-4D97-AF65-F5344CB8AC3E}">
+        <p14:creationId xmlns:p14="http://schemas.microsoft.com/office/powerpoint/2010/main" val="3034444072"/>
+      </p:ext>
+    </p:extLst>
+  </p:cSld>
+  <p:clrMapOvr>
+    <a:masterClrMapping/>
+  </p:clrMapOvr>
+</p:sld>
+</file>
+
+<file path=ppt/slides/slide21.xml><?xml version="1.0" encoding="utf-8"?>
+<p:sld xmlns:a="http://schemas.openxmlformats.org/drawingml/2006/main" xmlns:r="http://schemas.openxmlformats.org/officeDocument/2006/relationships" xmlns:p="http://schemas.openxmlformats.org/presentationml/2006/main">
+  <p:cSld>
+    <p:spTree>
+      <p:nvGrpSpPr>
+        <p:cNvPr id="1" name=""/>
+        <p:cNvGrpSpPr/>
+        <p:nvPr/>
+      </p:nvGrpSpPr>
+      <p:grpSpPr>
+        <a:xfrm>
+          <a:off x="0" y="0"/>
+          <a:ext cx="0" cy="0"/>
+          <a:chOff x="0" y="0"/>
+          <a:chExt cx="0" cy="0"/>
+        </a:xfrm>
+      </p:grpSpPr>
+      <p:sp>
+        <p:nvSpPr>
+          <p:cNvPr id="2" name="Title 1">
+            <a:extLst>
+              <a:ext uri="{FF2B5EF4-FFF2-40B4-BE49-F238E27FC236}">
+                <a16:creationId xmlns:a16="http://schemas.microsoft.com/office/drawing/2014/main" id="{F74B9DCF-A0CB-2AB3-21F2-539C06229AAA}"/>
+              </a:ext>
+            </a:extLst>
+          </p:cNvPr>
+          <p:cNvSpPr>
+            <a:spLocks noGrp="1"/>
+          </p:cNvSpPr>
+          <p:nvPr>
+            <p:ph type="ctrTitle"/>
+          </p:nvPr>
+        </p:nvSpPr>
+        <p:spPr/>
+        <p:txBody>
+          <a:bodyPr>
+            <a:noAutofit/>
+          </a:bodyPr>
+          <a:lstStyle/>
+          <a:p>
+            <a:r>
+              <a:rPr lang="en-US" sz="4000" dirty="0"/>
+              <a:t>Thank you</a:t>
+            </a:r>
+            <a:endParaRPr lang="en-US" sz="2800" dirty="0"/>
+          </a:p>
+        </p:txBody>
+      </p:sp>
+    </p:spTree>
+    <p:extLst>
+      <p:ext uri="{BB962C8B-B14F-4D97-AF65-F5344CB8AC3E}">
+        <p14:creationId xmlns:p14="http://schemas.microsoft.com/office/powerpoint/2010/main" val="2678080752"/>
       </p:ext>
     </p:extLst>
   </p:cSld>
@@ -4875,10 +6559,75 @@
         </p:nvSpPr>
         <p:spPr/>
         <p:txBody>
-          <a:bodyPr/>
-          <a:lstStyle/>
-          <a:p>
-            <a:pPr marL="0" marR="0">
+          <a:bodyPr vert="horz" lIns="91440" tIns="45720" rIns="91440" bIns="45720" rtlCol="0">
+            <a:normAutofit fontScale="92500" lnSpcReduction="20000"/>
+          </a:bodyPr>
+          <a:lstStyle/>
+          <a:p>
+            <a:pPr>
+              <a:buFont typeface="Wingdings" panose="05000000000000000000" pitchFamily="2" charset="2"/>
+              <a:buChar char="§"/>
+            </a:pPr>
+            <a:r>
+              <a:rPr lang="en-US" dirty="0"/>
+              <a:t>Create docker images</a:t>
+            </a:r>
+          </a:p>
+          <a:p>
+            <a:pPr lvl="1"/>
+            <a:r>
+              <a:rPr lang="en-US" dirty="0"/>
+              <a:t>Docker files</a:t>
+            </a:r>
+          </a:p>
+          <a:p>
+            <a:pPr lvl="1"/>
+            <a:r>
+              <a:rPr lang="en-US" dirty="0"/>
+              <a:t>Build docker images ( Base images, manager image, worker images)</a:t>
+            </a:r>
+          </a:p>
+          <a:p>
+            <a:pPr lvl="1"/>
+            <a:r>
+              <a:rPr lang="en-US" dirty="0"/>
+              <a:t>Config preparation</a:t>
+            </a:r>
+          </a:p>
+          <a:p>
+            <a:pPr lvl="1"/>
+            <a:r>
+              <a:rPr lang="en-US" dirty="0"/>
+              <a:t>Push build images to docker hub</a:t>
+            </a:r>
+          </a:p>
+          <a:p>
+            <a:pPr marL="457200" lvl="1" indent="0">
+              <a:buNone/>
+            </a:pPr>
+            <a:endParaRPr lang="en-US" dirty="0"/>
+          </a:p>
+          <a:p>
+            <a:pPr>
+              <a:lnSpc>
+                <a:spcPct val="107000"/>
+              </a:lnSpc>
+              <a:spcBef>
+                <a:spcPts val="0"/>
+              </a:spcBef>
+              <a:spcAft>
+                <a:spcPts val="800"/>
+              </a:spcAft>
+              <a:buFont typeface="Wingdings" panose="05000000000000000000" pitchFamily="2" charset="2"/>
+              <a:buChar char="§"/>
+            </a:pPr>
+            <a:r>
+              <a:rPr lang="en-US" dirty="0"/>
+              <a:t>Create docker compose file</a:t>
+            </a:r>
+          </a:p>
+          <a:p>
+            <a:pPr marL="457200" lvl="1">
               <a:lnSpc>
                 <a:spcPct val="107000"/>
               </a:lnSpc>
@@ -4890,20 +6639,12 @@
               </a:spcAft>
             </a:pPr>
             <a:r>
-              <a:rPr lang="en-US" sz="1800" dirty="0">
-                <a:effectLst/>
-                <a:highlight>
-                  <a:srgbClr val="FFFF00"/>
-                </a:highlight>
-                <a:latin typeface="Calibri" panose="020F0502020204030204" pitchFamily="34" charset="0"/>
-                <a:ea typeface="Calibri" panose="020F0502020204030204" pitchFamily="34" charset="0"/>
-                <a:cs typeface="Times New Roman" panose="02020603050405020304" pitchFamily="18" charset="0"/>
-              </a:rPr>
-              <a:t>Steps to implement the project</a:t>
-            </a:r>
-          </a:p>
-          <a:p>
-            <a:pPr marL="0" marR="0">
+              <a:rPr lang="en-US" dirty="0"/>
+              <a:t>Manager and Worker container configuration</a:t>
+            </a:r>
+          </a:p>
+          <a:p>
+            <a:pPr marL="457200" lvl="1">
               <a:lnSpc>
                 <a:spcPct val="107000"/>
               </a:lnSpc>
@@ -4915,39 +6656,12 @@
               </a:spcAft>
             </a:pPr>
             <a:r>
-              <a:rPr lang="en-US" sz="1800" dirty="0" err="1">
-                <a:highlight>
-                  <a:srgbClr val="FFFF00"/>
-                </a:highlight>
-                <a:latin typeface="Calibri" panose="020F0502020204030204" pitchFamily="34" charset="0"/>
-                <a:ea typeface="Calibri" panose="020F0502020204030204" pitchFamily="34" charset="0"/>
-                <a:cs typeface="Times New Roman" panose="02020603050405020304" pitchFamily="18" charset="0"/>
-              </a:rPr>
-              <a:t>Screnshots</a:t>
-            </a:r>
-            <a:r>
-              <a:rPr lang="en-US" sz="1800" dirty="0">
-                <a:highlight>
-                  <a:srgbClr val="FFFF00"/>
-                </a:highlight>
-                <a:latin typeface="Calibri" panose="020F0502020204030204" pitchFamily="34" charset="0"/>
-                <a:ea typeface="Calibri" panose="020F0502020204030204" pitchFamily="34" charset="0"/>
-                <a:cs typeface="Times New Roman" panose="02020603050405020304" pitchFamily="18" charset="0"/>
-              </a:rPr>
-              <a:t> at various steps</a:t>
-            </a:r>
-            <a:endParaRPr lang="en-US" sz="1800" dirty="0">
-              <a:effectLst/>
-              <a:highlight>
-                <a:srgbClr val="FFFF00"/>
-              </a:highlight>
-              <a:latin typeface="Calibri" panose="020F0502020204030204" pitchFamily="34" charset="0"/>
-              <a:ea typeface="Calibri" panose="020F0502020204030204" pitchFamily="34" charset="0"/>
-              <a:cs typeface="Times New Roman" panose="02020603050405020304" pitchFamily="18" charset="0"/>
-            </a:endParaRPr>
-          </a:p>
-          <a:p>
-            <a:pPr marL="0" marR="0">
+              <a:rPr lang="en-US" dirty="0"/>
+              <a:t>Hostname configuration</a:t>
+            </a:r>
+          </a:p>
+          <a:p>
+            <a:pPr marL="457200" lvl="1">
               <a:lnSpc>
                 <a:spcPct val="107000"/>
               </a:lnSpc>
@@ -4959,20 +6673,12 @@
               </a:spcAft>
             </a:pPr>
             <a:r>
-              <a:rPr lang="en-US" sz="1800" dirty="0">
-                <a:effectLst/>
-                <a:highlight>
-                  <a:srgbClr val="FFFF00"/>
-                </a:highlight>
-                <a:latin typeface="Calibri" panose="020F0502020204030204" pitchFamily="34" charset="0"/>
-                <a:ea typeface="Calibri" panose="020F0502020204030204" pitchFamily="34" charset="0"/>
-                <a:cs typeface="Times New Roman" panose="02020603050405020304" pitchFamily="18" charset="0"/>
-              </a:rPr>
-              <a:t>Architecture ( Typical Apache Spark)</a:t>
-            </a:r>
-          </a:p>
-          <a:p>
-            <a:pPr marL="0" marR="0">
+              <a:rPr lang="en-US" dirty="0"/>
+              <a:t>Resource utilization (No of CPUs)</a:t>
+            </a:r>
+          </a:p>
+          <a:p>
+            <a:pPr marL="457200" lvl="1">
               <a:lnSpc>
                 <a:spcPct val="107000"/>
               </a:lnSpc>
@@ -4984,32 +6690,36 @@
               </a:spcAft>
             </a:pPr>
             <a:r>
-              <a:rPr lang="en-US" sz="1800" dirty="0">
-                <a:highlight>
-                  <a:srgbClr val="FFFF00"/>
-                </a:highlight>
-                <a:latin typeface="Calibri" panose="020F0502020204030204" pitchFamily="34" charset="0"/>
-                <a:ea typeface="Calibri" panose="020F0502020204030204" pitchFamily="34" charset="0"/>
-                <a:cs typeface="Times New Roman" panose="02020603050405020304" pitchFamily="18" charset="0"/>
-              </a:rPr>
-              <a:t>Architecture ( Implemented in the project)</a:t>
-            </a:r>
-            <a:endParaRPr lang="en-US" sz="1800" dirty="0">
-              <a:effectLst/>
-              <a:highlight>
-                <a:srgbClr val="FFFF00"/>
-              </a:highlight>
-              <a:latin typeface="Calibri" panose="020F0502020204030204" pitchFamily="34" charset="0"/>
-              <a:ea typeface="Calibri" panose="020F0502020204030204" pitchFamily="34" charset="0"/>
-              <a:cs typeface="Times New Roman" panose="02020603050405020304" pitchFamily="18" charset="0"/>
-            </a:endParaRPr>
+              <a:rPr lang="en-US" dirty="0"/>
+              <a:t>Port configuration</a:t>
+            </a:r>
+          </a:p>
+          <a:p>
+            <a:pPr marL="457200" lvl="1">
+              <a:lnSpc>
+                <a:spcPct val="107000"/>
+              </a:lnSpc>
+              <a:spcBef>
+                <a:spcPts val="0"/>
+              </a:spcBef>
+              <a:spcAft>
+                <a:spcPts val="800"/>
+              </a:spcAft>
+            </a:pPr>
+            <a:r>
+              <a:rPr lang="en-US" dirty="0"/>
+              <a:t>Data volume mapping</a:t>
+            </a:r>
+          </a:p>
+          <a:p>
+            <a:endParaRPr lang="en-US" dirty="0"/>
           </a:p>
         </p:txBody>
       </p:sp>
     </p:spTree>
     <p:extLst>
       <p:ext uri="{BB962C8B-B14F-4D97-AF65-F5344CB8AC3E}">
-        <p14:creationId xmlns:p14="http://schemas.microsoft.com/office/powerpoint/2010/main" val="497707828"/>
+        <p14:creationId xmlns:p14="http://schemas.microsoft.com/office/powerpoint/2010/main" val="4022542401"/>
       </p:ext>
     </p:extLst>
   </p:cSld>
@@ -5059,7 +6769,7 @@
           <a:p>
             <a:r>
               <a:rPr lang="en-US" dirty="0"/>
-              <a:t>Results/Screenshots</a:t>
+              <a:t>Implementation steps: Continue</a:t>
             </a:r>
           </a:p>
         </p:txBody>
@@ -5082,72 +6792,120 @@
         </p:nvSpPr>
         <p:spPr/>
         <p:txBody>
-          <a:bodyPr/>
-          <a:lstStyle/>
-          <a:p>
-            <a:pPr marL="0" marR="0">
-              <a:lnSpc>
-                <a:spcPct val="107000"/>
-              </a:lnSpc>
-              <a:spcBef>
-                <a:spcPts val="0"/>
-              </a:spcBef>
-              <a:spcAft>
-                <a:spcPts val="800"/>
-              </a:spcAft>
+          <a:bodyPr vert="horz" lIns="91440" tIns="45720" rIns="91440" bIns="45720" rtlCol="0">
+            <a:normAutofit fontScale="92500" lnSpcReduction="20000"/>
+          </a:bodyPr>
+          <a:lstStyle/>
+          <a:p>
+            <a:pPr>
+              <a:buFont typeface="Wingdings" panose="05000000000000000000" pitchFamily="2" charset="2"/>
+              <a:buChar char="§"/>
             </a:pPr>
             <a:r>
-              <a:rPr lang="en-US" sz="1800" dirty="0">
-                <a:effectLst/>
-                <a:highlight>
-                  <a:srgbClr val="FFFF00"/>
-                </a:highlight>
-                <a:latin typeface="Calibri" panose="020F0502020204030204" pitchFamily="34" charset="0"/>
-                <a:ea typeface="Calibri" panose="020F0502020204030204" pitchFamily="34" charset="0"/>
-                <a:cs typeface="Times New Roman" panose="02020603050405020304" pitchFamily="18" charset="0"/>
-              </a:rPr>
-              <a:t>Architecture ( Typical Apache Spark)</a:t>
-            </a:r>
-          </a:p>
-          <a:p>
-            <a:pPr marL="0" marR="0">
-              <a:lnSpc>
-                <a:spcPct val="107000"/>
-              </a:lnSpc>
-              <a:spcBef>
-                <a:spcPts val="0"/>
-              </a:spcBef>
-              <a:spcAft>
-                <a:spcPts val="800"/>
-              </a:spcAft>
+              <a:rPr lang="en-US" dirty="0"/>
+              <a:t> Build manager and worker containers</a:t>
+            </a:r>
+          </a:p>
+          <a:p>
+            <a:pPr lvl="1"/>
+            <a:r>
+              <a:rPr lang="en-US" dirty="0"/>
+              <a:t>Docker swarm network</a:t>
+            </a:r>
+          </a:p>
+          <a:p>
+            <a:pPr lvl="1"/>
+            <a:r>
+              <a:rPr lang="en-US" dirty="0"/>
+              <a:t>Create manager and worker containers on Swarm network</a:t>
+            </a:r>
+          </a:p>
+          <a:p>
+            <a:pPr lvl="1"/>
+            <a:endParaRPr lang="en-US" dirty="0"/>
+          </a:p>
+          <a:p>
+            <a:pPr>
+              <a:buFont typeface="Wingdings" panose="05000000000000000000" pitchFamily="2" charset="2"/>
+              <a:buChar char="§"/>
             </a:pPr>
             <a:r>
-              <a:rPr lang="en-US" sz="1800" dirty="0">
-                <a:highlight>
-                  <a:srgbClr val="FFFF00"/>
-                </a:highlight>
-                <a:latin typeface="Calibri" panose="020F0502020204030204" pitchFamily="34" charset="0"/>
-                <a:ea typeface="Calibri" panose="020F0502020204030204" pitchFamily="34" charset="0"/>
-                <a:cs typeface="Times New Roman" panose="02020603050405020304" pitchFamily="18" charset="0"/>
-              </a:rPr>
-              <a:t>Architecture ( Implemented in the project</a:t>
-            </a:r>
-            <a:endParaRPr lang="en-US" sz="1800" dirty="0">
-              <a:effectLst/>
-              <a:highlight>
-                <a:srgbClr val="FFFF00"/>
-              </a:highlight>
-              <a:latin typeface="Calibri" panose="020F0502020204030204" pitchFamily="34" charset="0"/>
-              <a:ea typeface="Calibri" panose="020F0502020204030204" pitchFamily="34" charset="0"/>
-              <a:cs typeface="Times New Roman" panose="02020603050405020304" pitchFamily="18" charset="0"/>
-            </a:endParaRPr>
+              <a:rPr lang="en-US" dirty="0"/>
+              <a:t> Configuration post containers creation</a:t>
+            </a:r>
+          </a:p>
+          <a:p>
+            <a:pPr lvl="1"/>
+            <a:r>
+              <a:rPr lang="en-US" dirty="0"/>
+              <a:t>Master container configuration ( Slaves list, Spark path)</a:t>
+            </a:r>
+          </a:p>
+          <a:p>
+            <a:pPr lvl="1"/>
+            <a:r>
+              <a:rPr lang="en-US" dirty="0"/>
+              <a:t>Library and tools installation such as </a:t>
+            </a:r>
+            <a:r>
+              <a:rPr lang="en-US" dirty="0" err="1"/>
+              <a:t>Jupyter</a:t>
+            </a:r>
+            <a:r>
+              <a:rPr lang="en-US" dirty="0"/>
+              <a:t>, matplotlib etc.</a:t>
+            </a:r>
+          </a:p>
+          <a:p>
+            <a:pPr lvl="1"/>
+            <a:endParaRPr lang="en-US" dirty="0"/>
+          </a:p>
+          <a:p>
+            <a:pPr>
+              <a:buFont typeface="Wingdings" panose="05000000000000000000" pitchFamily="2" charset="2"/>
+              <a:buChar char="§"/>
+            </a:pPr>
+            <a:r>
+              <a:rPr lang="en-US" dirty="0"/>
+              <a:t>Start Spark cluster</a:t>
+            </a:r>
+          </a:p>
+          <a:p>
+            <a:pPr>
+              <a:buFont typeface="Wingdings" panose="05000000000000000000" pitchFamily="2" charset="2"/>
+              <a:buChar char="§"/>
+            </a:pPr>
+            <a:r>
+              <a:rPr lang="en-US" dirty="0"/>
+              <a:t>Automate cluster creation tasks</a:t>
+            </a:r>
+          </a:p>
+          <a:p>
+            <a:pPr lvl="1">
+              <a:buFont typeface="Wingdings" panose="05000000000000000000" pitchFamily="2" charset="2"/>
+              <a:buChar char="§"/>
+            </a:pPr>
+            <a:r>
+              <a:rPr lang="en-US" dirty="0"/>
+              <a:t> Manager and workers as docker services with docker stack</a:t>
+            </a:r>
+          </a:p>
+          <a:p>
+            <a:pPr lvl="1">
+              <a:buFont typeface="Wingdings" panose="05000000000000000000" pitchFamily="2" charset="2"/>
+              <a:buChar char="§"/>
+            </a:pPr>
+            <a:r>
+              <a:rPr lang="en-US" dirty="0"/>
+              <a:t>Automate configuration with shell scripts, docker images/compose</a:t>
+            </a:r>
           </a:p>
         </p:txBody>
       </p:sp>
     </p:spTree>
     <p:extLst>
       <p:ext uri="{BB962C8B-B14F-4D97-AF65-F5344CB8AC3E}">
-        <p14:creationId xmlns:p14="http://schemas.microsoft.com/office/powerpoint/2010/main" val="1687381793"/>
+        <p14:creationId xmlns:p14="http://schemas.microsoft.com/office/powerpoint/2010/main" val="1815147930"/>
       </p:ext>
     </p:extLst>
   </p:cSld>

--- a/misc/ProjectReports-In progress/TermProject.pptx
+++ b/misc/ProjectReports-In progress/TermProject.pptx
@@ -5,7 +5,7 @@
     <p:sldMasterId id="2147483648" r:id="rId1"/>
   </p:sldMasterIdLst>
   <p:notesMasterIdLst>
-    <p:notesMasterId r:id="rId23"/>
+    <p:notesMasterId r:id="rId24"/>
   </p:notesMasterIdLst>
   <p:sldIdLst>
     <p:sldId id="256" r:id="rId2"/>
@@ -28,7 +28,8 @@
     <p:sldId id="268" r:id="rId19"/>
     <p:sldId id="278" r:id="rId20"/>
     <p:sldId id="262" r:id="rId21"/>
-    <p:sldId id="257" r:id="rId22"/>
+    <p:sldId id="279" r:id="rId22"/>
+    <p:sldId id="257" r:id="rId23"/>
   </p:sldIdLst>
   <p:sldSz cx="12192000" cy="6858000"/>
   <p:notesSz cx="6858000" cy="9144000"/>
@@ -217,7 +218,7 @@
           <a:p>
             <a:fld id="{8FA2BE9F-DAE6-48F5-9E72-C32827DA6BA0}" type="datetimeFigureOut">
               <a:rPr lang="en-US" smtClean="0"/>
-              <a:t>3/29/2023</a:t>
+              <a:t>4/2/2023</a:t>
             </a:fld>
             <a:endParaRPr lang="en-US"/>
           </a:p>
@@ -528,6 +529,258 @@
           <a:bodyPr/>
           <a:lstStyle/>
           <a:p>
+            <a:pPr marL="0" marR="0" lvl="0" indent="0" algn="l" defTabSz="914400" rtl="0" eaLnBrk="1" fontAlgn="auto" latinLnBrk="0" hangingPunct="1">
+              <a:lnSpc>
+                <a:spcPct val="100000"/>
+              </a:lnSpc>
+              <a:spcBef>
+                <a:spcPts val="0"/>
+              </a:spcBef>
+              <a:spcAft>
+                <a:spcPts val="0"/>
+              </a:spcAft>
+              <a:buClrTx/>
+              <a:buSzTx/>
+              <a:buFontTx/>
+              <a:buNone/>
+              <a:tabLst/>
+              <a:defRPr/>
+            </a:pPr>
+            <a:r>
+              <a:rPr lang="en-US" sz="1800" dirty="0">
+                <a:effectLst/>
+                <a:latin typeface="Calibri" panose="020F0502020204030204" pitchFamily="34" charset="0"/>
+                <a:ea typeface="Calibri" panose="020F0502020204030204" pitchFamily="34" charset="0"/>
+                <a:cs typeface="Times New Roman" panose="02020603050405020304" pitchFamily="18" charset="0"/>
+              </a:rPr>
+              <a:t>Apache Spark is a distributed computing framework designed to process large datasets in parallel across multiple computers in a cluster. It is an open-source project developed by the Apache Software Foundation and is written in Scala, Java, and Python.</a:t>
+            </a:r>
+          </a:p>
+          <a:p>
+            <a:pPr marL="0" marR="0" lvl="0" indent="0" algn="l" defTabSz="914400" rtl="0" eaLnBrk="1" fontAlgn="auto" latinLnBrk="0" hangingPunct="1">
+              <a:lnSpc>
+                <a:spcPct val="100000"/>
+              </a:lnSpc>
+              <a:spcBef>
+                <a:spcPts val="0"/>
+              </a:spcBef>
+              <a:spcAft>
+                <a:spcPts val="0"/>
+              </a:spcAft>
+              <a:buClrTx/>
+              <a:buSzTx/>
+              <a:buFontTx/>
+              <a:buNone/>
+              <a:tabLst/>
+              <a:defRPr/>
+            </a:pPr>
+            <a:r>
+              <a:rPr lang="en-US" sz="1800" dirty="0">
+                <a:effectLst/>
+                <a:latin typeface="Calibri" panose="020F0502020204030204" pitchFamily="34" charset="0"/>
+                <a:ea typeface="Calibri" panose="020F0502020204030204" pitchFamily="34" charset="0"/>
+                <a:cs typeface="Times New Roman" panose="02020603050405020304" pitchFamily="18" charset="0"/>
+              </a:rPr>
+              <a:t>There are several reasons why we use Apache Spark. One of the primary reasons is its ability to handle large datasets efficiently. Spark's in-memory processing model enables it to perform much faster than traditional big data processing frameworks like Hadoop, especially when dealing with iterative algorithms and machine learning workloads. Spark also provides a rich set of libraries, such as Spark SQL, Spark Streaming, and </a:t>
+            </a:r>
+            <a:r>
+              <a:rPr lang="en-US" sz="1800" dirty="0" err="1">
+                <a:effectLst/>
+                <a:latin typeface="Calibri" panose="020F0502020204030204" pitchFamily="34" charset="0"/>
+                <a:ea typeface="Calibri" panose="020F0502020204030204" pitchFamily="34" charset="0"/>
+                <a:cs typeface="Times New Roman" panose="02020603050405020304" pitchFamily="18" charset="0"/>
+              </a:rPr>
+              <a:t>MLlib</a:t>
+            </a:r>
+            <a:r>
+              <a:rPr lang="en-US" sz="1800" dirty="0">
+                <a:effectLst/>
+                <a:latin typeface="Calibri" panose="020F0502020204030204" pitchFamily="34" charset="0"/>
+                <a:ea typeface="Calibri" panose="020F0502020204030204" pitchFamily="34" charset="0"/>
+                <a:cs typeface="Times New Roman" panose="02020603050405020304" pitchFamily="18" charset="0"/>
+              </a:rPr>
+              <a:t>, which make it easier to work with different types of data and perform complex data processing tasks</a:t>
+            </a:r>
+          </a:p>
+          <a:p>
+            <a:endParaRPr lang="en-US" dirty="0"/>
+          </a:p>
+        </p:txBody>
+      </p:sp>
+      <p:sp>
+        <p:nvSpPr>
+          <p:cNvPr id="4" name="Slide Number Placeholder 3"/>
+          <p:cNvSpPr>
+            <a:spLocks noGrp="1"/>
+          </p:cNvSpPr>
+          <p:nvPr>
+            <p:ph type="sldNum" sz="quarter" idx="5"/>
+          </p:nvPr>
+        </p:nvSpPr>
+        <p:spPr/>
+        <p:txBody>
+          <a:bodyPr/>
+          <a:lstStyle/>
+          <a:p>
+            <a:fld id="{C9266774-C4F8-4CB9-8AF6-5B9C8DAC2892}" type="slidenum">
+              <a:rPr lang="en-US" smtClean="0"/>
+              <a:t>4</a:t>
+            </a:fld>
+            <a:endParaRPr lang="en-US"/>
+          </a:p>
+        </p:txBody>
+      </p:sp>
+    </p:spTree>
+    <p:extLst>
+      <p:ext uri="{BB962C8B-B14F-4D97-AF65-F5344CB8AC3E}">
+        <p14:creationId xmlns:p14="http://schemas.microsoft.com/office/powerpoint/2010/main" val="3082548588"/>
+      </p:ext>
+    </p:extLst>
+  </p:cSld>
+  <p:clrMapOvr>
+    <a:masterClrMapping/>
+  </p:clrMapOvr>
+</p:notes>
+</file>
+
+<file path=ppt/notesSlides/notesSlide2.xml><?xml version="1.0" encoding="utf-8"?>
+<p:notes xmlns:a="http://schemas.openxmlformats.org/drawingml/2006/main" xmlns:r="http://schemas.openxmlformats.org/officeDocument/2006/relationships" xmlns:p="http://schemas.openxmlformats.org/presentationml/2006/main">
+  <p:cSld>
+    <p:spTree>
+      <p:nvGrpSpPr>
+        <p:cNvPr id="1" name=""/>
+        <p:cNvGrpSpPr/>
+        <p:nvPr/>
+      </p:nvGrpSpPr>
+      <p:grpSpPr>
+        <a:xfrm>
+          <a:off x="0" y="0"/>
+          <a:ext cx="0" cy="0"/>
+          <a:chOff x="0" y="0"/>
+          <a:chExt cx="0" cy="0"/>
+        </a:xfrm>
+      </p:grpSpPr>
+      <p:sp>
+        <p:nvSpPr>
+          <p:cNvPr id="2" name="Slide Image Placeholder 1"/>
+          <p:cNvSpPr>
+            <a:spLocks noGrp="1" noRot="1" noChangeAspect="1"/>
+          </p:cNvSpPr>
+          <p:nvPr>
+            <p:ph type="sldImg"/>
+          </p:nvPr>
+        </p:nvSpPr>
+        <p:spPr/>
+      </p:sp>
+      <p:sp>
+        <p:nvSpPr>
+          <p:cNvPr id="3" name="Notes Placeholder 2"/>
+          <p:cNvSpPr>
+            <a:spLocks noGrp="1"/>
+          </p:cNvSpPr>
+          <p:nvPr>
+            <p:ph type="body" idx="1"/>
+          </p:nvPr>
+        </p:nvSpPr>
+        <p:spPr/>
+        <p:txBody>
+          <a:bodyPr/>
+          <a:lstStyle/>
+          <a:p>
+            <a:r>
+              <a:rPr lang="en-US" b="0" i="0" dirty="0">
+                <a:solidFill>
+                  <a:srgbClr val="D1D5DB"/>
+                </a:solidFill>
+                <a:effectLst/>
+                <a:latin typeface="Söhne"/>
+              </a:rPr>
+              <a:t>Docker is a popular platform for developing, shipping, and running applications using containerization technology. It allows developers to create a self-contained environment for their applications, where all the necessary dependencies and configurations are included in the container. This means that the application can be easily deployed and run on any machine that has Docker installed, without worrying about compatibility issues or dependencies. Docker also makes it easy to scale your application horizontally by spinning up multiple containers on different machines. Docker containers are lightweight and use fewer resources than traditional virtual machines, which means you can run more containers on a single machine.</a:t>
+            </a:r>
+            <a:endParaRPr lang="en-US" dirty="0"/>
+          </a:p>
+        </p:txBody>
+      </p:sp>
+      <p:sp>
+        <p:nvSpPr>
+          <p:cNvPr id="4" name="Slide Number Placeholder 3"/>
+          <p:cNvSpPr>
+            <a:spLocks noGrp="1"/>
+          </p:cNvSpPr>
+          <p:nvPr>
+            <p:ph type="sldNum" sz="quarter" idx="5"/>
+          </p:nvPr>
+        </p:nvSpPr>
+        <p:spPr/>
+        <p:txBody>
+          <a:bodyPr/>
+          <a:lstStyle/>
+          <a:p>
+            <a:fld id="{C9266774-C4F8-4CB9-8AF6-5B9C8DAC2892}" type="slidenum">
+              <a:rPr lang="en-US" smtClean="0"/>
+              <a:t>5</a:t>
+            </a:fld>
+            <a:endParaRPr lang="en-US"/>
+          </a:p>
+        </p:txBody>
+      </p:sp>
+    </p:spTree>
+    <p:extLst>
+      <p:ext uri="{BB962C8B-B14F-4D97-AF65-F5344CB8AC3E}">
+        <p14:creationId xmlns:p14="http://schemas.microsoft.com/office/powerpoint/2010/main" val="2927164699"/>
+      </p:ext>
+    </p:extLst>
+  </p:cSld>
+  <p:clrMapOvr>
+    <a:masterClrMapping/>
+  </p:clrMapOvr>
+</p:notes>
+</file>
+
+<file path=ppt/notesSlides/notesSlide3.xml><?xml version="1.0" encoding="utf-8"?>
+<p:notes xmlns:a="http://schemas.openxmlformats.org/drawingml/2006/main" xmlns:r="http://schemas.openxmlformats.org/officeDocument/2006/relationships" xmlns:p="http://schemas.openxmlformats.org/presentationml/2006/main">
+  <p:cSld>
+    <p:spTree>
+      <p:nvGrpSpPr>
+        <p:cNvPr id="1" name=""/>
+        <p:cNvGrpSpPr/>
+        <p:nvPr/>
+      </p:nvGrpSpPr>
+      <p:grpSpPr>
+        <a:xfrm>
+          <a:off x="0" y="0"/>
+          <a:ext cx="0" cy="0"/>
+          <a:chOff x="0" y="0"/>
+          <a:chExt cx="0" cy="0"/>
+        </a:xfrm>
+      </p:grpSpPr>
+      <p:sp>
+        <p:nvSpPr>
+          <p:cNvPr id="2" name="Slide Image Placeholder 1"/>
+          <p:cNvSpPr>
+            <a:spLocks noGrp="1" noRot="1" noChangeAspect="1"/>
+          </p:cNvSpPr>
+          <p:nvPr>
+            <p:ph type="sldImg"/>
+          </p:nvPr>
+        </p:nvSpPr>
+        <p:spPr/>
+      </p:sp>
+      <p:sp>
+        <p:nvSpPr>
+          <p:cNvPr id="3" name="Notes Placeholder 2"/>
+          <p:cNvSpPr>
+            <a:spLocks noGrp="1"/>
+          </p:cNvSpPr>
+          <p:nvPr>
+            <p:ph type="body" idx="1"/>
+          </p:nvPr>
+        </p:nvSpPr>
+        <p:spPr/>
+        <p:txBody>
+          <a:bodyPr/>
+          <a:lstStyle/>
+          <a:p>
             <a:pPr marL="0" marR="0">
               <a:lnSpc>
                 <a:spcPct val="107000"/>
@@ -803,7 +1056,7 @@
           <a:p>
             <a:fld id="{1A3DC9A9-B6E5-4E50-9F75-EF86E7D5F96E}" type="datetimeFigureOut">
               <a:rPr lang="en-US" smtClean="0"/>
-              <a:t>3/29/2023</a:t>
+              <a:t>4/2/2023</a:t>
             </a:fld>
             <a:endParaRPr lang="en-US"/>
           </a:p>
@@ -1001,7 +1254,7 @@
           <a:p>
             <a:fld id="{1A3DC9A9-B6E5-4E50-9F75-EF86E7D5F96E}" type="datetimeFigureOut">
               <a:rPr lang="en-US" smtClean="0"/>
-              <a:t>3/29/2023</a:t>
+              <a:t>4/2/2023</a:t>
             </a:fld>
             <a:endParaRPr lang="en-US"/>
           </a:p>
@@ -1209,7 +1462,7 @@
           <a:p>
             <a:fld id="{1A3DC9A9-B6E5-4E50-9F75-EF86E7D5F96E}" type="datetimeFigureOut">
               <a:rPr lang="en-US" smtClean="0"/>
-              <a:t>3/29/2023</a:t>
+              <a:t>4/2/2023</a:t>
             </a:fld>
             <a:endParaRPr lang="en-US"/>
           </a:p>
@@ -1407,7 +1660,7 @@
           <a:p>
             <a:fld id="{1A3DC9A9-B6E5-4E50-9F75-EF86E7D5F96E}" type="datetimeFigureOut">
               <a:rPr lang="en-US" smtClean="0"/>
-              <a:t>3/29/2023</a:t>
+              <a:t>4/2/2023</a:t>
             </a:fld>
             <a:endParaRPr lang="en-US"/>
           </a:p>
@@ -1682,7 +1935,7 @@
           <a:p>
             <a:fld id="{1A3DC9A9-B6E5-4E50-9F75-EF86E7D5F96E}" type="datetimeFigureOut">
               <a:rPr lang="en-US" smtClean="0"/>
-              <a:t>3/29/2023</a:t>
+              <a:t>4/2/2023</a:t>
             </a:fld>
             <a:endParaRPr lang="en-US"/>
           </a:p>
@@ -1947,7 +2200,7 @@
           <a:p>
             <a:fld id="{1A3DC9A9-B6E5-4E50-9F75-EF86E7D5F96E}" type="datetimeFigureOut">
               <a:rPr lang="en-US" smtClean="0"/>
-              <a:t>3/29/2023</a:t>
+              <a:t>4/2/2023</a:t>
             </a:fld>
             <a:endParaRPr lang="en-US"/>
           </a:p>
@@ -2359,7 +2612,7 @@
           <a:p>
             <a:fld id="{1A3DC9A9-B6E5-4E50-9F75-EF86E7D5F96E}" type="datetimeFigureOut">
               <a:rPr lang="en-US" smtClean="0"/>
-              <a:t>3/29/2023</a:t>
+              <a:t>4/2/2023</a:t>
             </a:fld>
             <a:endParaRPr lang="en-US"/>
           </a:p>
@@ -2500,7 +2753,7 @@
           <a:p>
             <a:fld id="{1A3DC9A9-B6E5-4E50-9F75-EF86E7D5F96E}" type="datetimeFigureOut">
               <a:rPr lang="en-US" smtClean="0"/>
-              <a:t>3/29/2023</a:t>
+              <a:t>4/2/2023</a:t>
             </a:fld>
             <a:endParaRPr lang="en-US"/>
           </a:p>
@@ -2613,7 +2866,7 @@
           <a:p>
             <a:fld id="{1A3DC9A9-B6E5-4E50-9F75-EF86E7D5F96E}" type="datetimeFigureOut">
               <a:rPr lang="en-US" smtClean="0"/>
-              <a:t>3/29/2023</a:t>
+              <a:t>4/2/2023</a:t>
             </a:fld>
             <a:endParaRPr lang="en-US"/>
           </a:p>
@@ -2924,7 +3177,7 @@
           <a:p>
             <a:fld id="{1A3DC9A9-B6E5-4E50-9F75-EF86E7D5F96E}" type="datetimeFigureOut">
               <a:rPr lang="en-US" smtClean="0"/>
-              <a:t>3/29/2023</a:t>
+              <a:t>4/2/2023</a:t>
             </a:fld>
             <a:endParaRPr lang="en-US"/>
           </a:p>
@@ -3212,7 +3465,7 @@
           <a:p>
             <a:fld id="{1A3DC9A9-B6E5-4E50-9F75-EF86E7D5F96E}" type="datetimeFigureOut">
               <a:rPr lang="en-US" smtClean="0"/>
-              <a:t>3/29/2023</a:t>
+              <a:t>4/2/2023</a:t>
             </a:fld>
             <a:endParaRPr lang="en-US"/>
           </a:p>
@@ -3453,7 +3706,7 @@
           <a:p>
             <a:fld id="{1A3DC9A9-B6E5-4E50-9F75-EF86E7D5F96E}" type="datetimeFigureOut">
               <a:rPr lang="en-US" smtClean="0"/>
-              <a:t>3/29/2023</a:t>
+              <a:t>4/2/2023</a:t>
             </a:fld>
             <a:endParaRPr lang="en-US"/>
           </a:p>
@@ -5219,7 +5472,7 @@
         <p:spPr>
           <a:xfrm>
             <a:off x="396875" y="1046718"/>
-            <a:ext cx="3457100" cy="369332"/>
+            <a:ext cx="6923242" cy="646331"/>
           </a:xfrm>
           <a:prstGeom prst="rect">
             <a:avLst/>
@@ -5244,6 +5497,25 @@
               <a:rPr lang="en-US" dirty="0"/>
               <a:t> table</a:t>
             </a:r>
+          </a:p>
+          <a:p>
+            <a:r>
+              <a:rPr lang="en-US" dirty="0"/>
+              <a:t>3 fields quantity, discount , </a:t>
+            </a:r>
+            <a:r>
+              <a:rPr lang="en-US" dirty="0" err="1"/>
+              <a:t>commitdat</a:t>
+            </a:r>
+            <a:r>
+              <a:rPr lang="en-US" dirty="0"/>
+              <a:t> … slide for </a:t>
+            </a:r>
+            <a:r>
+              <a:rPr lang="en-US"/>
+              <a:t>each field…z=0 , 0.5 ,1 </a:t>
+            </a:r>
+            <a:endParaRPr lang="en-US" dirty="0"/>
           </a:p>
         </p:txBody>
       </p:sp>
@@ -5390,7 +5662,7 @@
           <a:p>
             <a:r>
               <a:rPr lang="en-US" dirty="0"/>
-              <a:t>Git repository</a:t>
+              <a:t>Git repository &amp; hub.docker.com links</a:t>
             </a:r>
           </a:p>
         </p:txBody>
@@ -5880,6 +6152,92 @@
           <p:cNvPr id="2" name="Title 1">
             <a:extLst>
               <a:ext uri="{FF2B5EF4-FFF2-40B4-BE49-F238E27FC236}">
+                <a16:creationId xmlns:a16="http://schemas.microsoft.com/office/drawing/2014/main" id="{182F6BDD-3DA5-A4BA-1823-18E524097C14}"/>
+              </a:ext>
+            </a:extLst>
+          </p:cNvPr>
+          <p:cNvSpPr>
+            <a:spLocks noGrp="1"/>
+          </p:cNvSpPr>
+          <p:nvPr>
+            <p:ph type="title"/>
+          </p:nvPr>
+        </p:nvSpPr>
+        <p:spPr/>
+        <p:txBody>
+          <a:bodyPr/>
+          <a:lstStyle/>
+          <a:p>
+            <a:r>
+              <a:rPr lang="en-US"/>
+              <a:t>References</a:t>
+            </a:r>
+            <a:endParaRPr lang="en-US" dirty="0"/>
+          </a:p>
+        </p:txBody>
+      </p:sp>
+      <p:sp>
+        <p:nvSpPr>
+          <p:cNvPr id="3" name="Content Placeholder 2">
+            <a:extLst>
+              <a:ext uri="{FF2B5EF4-FFF2-40B4-BE49-F238E27FC236}">
+                <a16:creationId xmlns:a16="http://schemas.microsoft.com/office/drawing/2014/main" id="{DB6D87E6-C3D2-F85C-4F7D-E00266D475F0}"/>
+              </a:ext>
+            </a:extLst>
+          </p:cNvPr>
+          <p:cNvSpPr>
+            <a:spLocks noGrp="1"/>
+          </p:cNvSpPr>
+          <p:nvPr>
+            <p:ph idx="1"/>
+          </p:nvPr>
+        </p:nvSpPr>
+        <p:spPr/>
+        <p:txBody>
+          <a:bodyPr vert="horz" lIns="91440" tIns="45720" rIns="91440" bIns="45720" rtlCol="0">
+            <a:normAutofit/>
+          </a:bodyPr>
+          <a:lstStyle/>
+          <a:p>
+            <a:endParaRPr lang="en-US" dirty="0"/>
+          </a:p>
+        </p:txBody>
+      </p:sp>
+    </p:spTree>
+    <p:extLst>
+      <p:ext uri="{BB962C8B-B14F-4D97-AF65-F5344CB8AC3E}">
+        <p14:creationId xmlns:p14="http://schemas.microsoft.com/office/powerpoint/2010/main" val="3319634625"/>
+      </p:ext>
+    </p:extLst>
+  </p:cSld>
+  <p:clrMapOvr>
+    <a:masterClrMapping/>
+  </p:clrMapOvr>
+</p:sld>
+</file>
+
+<file path=ppt/slides/slide22.xml><?xml version="1.0" encoding="utf-8"?>
+<p:sld xmlns:a="http://schemas.openxmlformats.org/drawingml/2006/main" xmlns:r="http://schemas.openxmlformats.org/officeDocument/2006/relationships" xmlns:p="http://schemas.openxmlformats.org/presentationml/2006/main">
+  <p:cSld>
+    <p:spTree>
+      <p:nvGrpSpPr>
+        <p:cNvPr id="1" name=""/>
+        <p:cNvGrpSpPr/>
+        <p:nvPr/>
+      </p:nvGrpSpPr>
+      <p:grpSpPr>
+        <a:xfrm>
+          <a:off x="0" y="0"/>
+          <a:ext cx="0" cy="0"/>
+          <a:chOff x="0" y="0"/>
+          <a:chExt cx="0" cy="0"/>
+        </a:xfrm>
+      </p:grpSpPr>
+      <p:sp>
+        <p:nvSpPr>
+          <p:cNvPr id="2" name="Title 1">
+            <a:extLst>
+              <a:ext uri="{FF2B5EF4-FFF2-40B4-BE49-F238E27FC236}">
                 <a16:creationId xmlns:a16="http://schemas.microsoft.com/office/drawing/2014/main" id="{F74B9DCF-A0CB-2AB3-21F2-539C06229AAA}"/>
               </a:ext>
             </a:extLst>
@@ -5952,7 +6310,12 @@
             <p:ph type="title"/>
           </p:nvPr>
         </p:nvSpPr>
-        <p:spPr/>
+        <p:spPr>
+          <a:xfrm>
+            <a:off x="838200" y="368903"/>
+            <a:ext cx="10515600" cy="1325563"/>
+          </a:xfrm>
+        </p:spPr>
         <p:txBody>
           <a:bodyPr/>
           <a:lstStyle/>
@@ -5980,10 +6343,15 @@
             <p:ph idx="1"/>
           </p:nvPr>
         </p:nvSpPr>
-        <p:spPr/>
+        <p:spPr>
+          <a:xfrm>
+            <a:off x="575307" y="1361622"/>
+            <a:ext cx="6872578" cy="4835879"/>
+          </a:xfrm>
+        </p:spPr>
         <p:txBody>
           <a:bodyPr vert="horz" lIns="91440" tIns="45720" rIns="91440" bIns="45720" rtlCol="0">
-            <a:normAutofit fontScale="85000" lnSpcReduction="10000"/>
+            <a:normAutofit fontScale="85000" lnSpcReduction="20000"/>
           </a:bodyPr>
           <a:lstStyle/>
           <a:p>
@@ -5992,7 +6360,7 @@
           <a:p>
             <a:r>
               <a:rPr lang="en-US" dirty="0"/>
-              <a:t>To create an Apache Spark cluster using Docker containers and visualize big data</a:t>
+              <a:t>Objective: To create an Apache Spark cluster using Docker containers and visualize big data</a:t>
             </a:r>
           </a:p>
           <a:p>
@@ -6036,6 +6404,145 @@
           </a:p>
         </p:txBody>
       </p:sp>
+      <p:grpSp>
+        <p:nvGrpSpPr>
+          <p:cNvPr id="15" name="Group 14">
+            <a:extLst>
+              <a:ext uri="{FF2B5EF4-FFF2-40B4-BE49-F238E27FC236}">
+                <a16:creationId xmlns:a16="http://schemas.microsoft.com/office/drawing/2014/main" id="{78543285-8AF0-04FC-AAF0-E9AE1BFCE40D}"/>
+              </a:ext>
+            </a:extLst>
+          </p:cNvPr>
+          <p:cNvGrpSpPr/>
+          <p:nvPr/>
+        </p:nvGrpSpPr>
+        <p:grpSpPr>
+          <a:xfrm>
+            <a:off x="8475452" y="2492296"/>
+            <a:ext cx="2308161" cy="2574530"/>
+            <a:chOff x="9531742" y="2286821"/>
+            <a:chExt cx="1822058" cy="2200310"/>
+          </a:xfrm>
+        </p:grpSpPr>
+        <p:pic>
+          <p:nvPicPr>
+            <p:cNvPr id="6" name="Picture 5">
+              <a:extLst>
+                <a:ext uri="{FF2B5EF4-FFF2-40B4-BE49-F238E27FC236}">
+                  <a16:creationId xmlns:a16="http://schemas.microsoft.com/office/drawing/2014/main" id="{C358424B-2E67-4A4C-1C76-5B59E22FD488}"/>
+                </a:ext>
+              </a:extLst>
+            </p:cNvPr>
+            <p:cNvPicPr>
+              <a:picLocks noChangeAspect="1"/>
+            </p:cNvPicPr>
+            <p:nvPr/>
+          </p:nvPicPr>
+          <p:blipFill>
+            <a:blip r:embed="rId2"/>
+            <a:stretch>
+              <a:fillRect/>
+            </a:stretch>
+          </p:blipFill>
+          <p:spPr>
+            <a:xfrm>
+              <a:off x="9531742" y="2286821"/>
+              <a:ext cx="1733861" cy="839789"/>
+            </a:xfrm>
+            <a:prstGeom prst="rect">
+              <a:avLst/>
+            </a:prstGeom>
+          </p:spPr>
+        </p:pic>
+        <p:sp>
+          <p:nvSpPr>
+            <p:cNvPr id="11" name="Plus Sign 10">
+              <a:extLst>
+                <a:ext uri="{FF2B5EF4-FFF2-40B4-BE49-F238E27FC236}">
+                  <a16:creationId xmlns:a16="http://schemas.microsoft.com/office/drawing/2014/main" id="{22EC4082-42AB-8AB1-952C-5BFA9BF5F13E}"/>
+                </a:ext>
+              </a:extLst>
+            </p:cNvPr>
+            <p:cNvSpPr/>
+            <p:nvPr/>
+          </p:nvSpPr>
+          <p:spPr>
+            <a:xfrm>
+              <a:off x="10217369" y="3326524"/>
+              <a:ext cx="451941" cy="427750"/>
+            </a:xfrm>
+            <a:prstGeom prst="mathPlus">
+              <a:avLst/>
+            </a:prstGeom>
+            <a:solidFill>
+              <a:schemeClr val="accent5"/>
+            </a:solidFill>
+            <a:ln>
+              <a:solidFill>
+                <a:schemeClr val="bg1"/>
+              </a:solidFill>
+            </a:ln>
+          </p:spPr>
+          <p:style>
+            <a:lnRef idx="2">
+              <a:schemeClr val="accent1">
+                <a:shade val="50000"/>
+              </a:schemeClr>
+            </a:lnRef>
+            <a:fillRef idx="1">
+              <a:schemeClr val="accent1"/>
+            </a:fillRef>
+            <a:effectRef idx="0">
+              <a:schemeClr val="accent1"/>
+            </a:effectRef>
+            <a:fontRef idx="minor">
+              <a:schemeClr val="lt1"/>
+            </a:fontRef>
+          </p:style>
+          <p:txBody>
+            <a:bodyPr rtlCol="0" anchor="ctr"/>
+            <a:lstStyle/>
+            <a:p>
+              <a:pPr algn="ctr"/>
+              <a:endParaRPr lang="en-US" dirty="0">
+                <a:solidFill>
+                  <a:srgbClr val="FF0000"/>
+                </a:solidFill>
+              </a:endParaRPr>
+            </a:p>
+          </p:txBody>
+        </p:sp>
+        <p:pic>
+          <p:nvPicPr>
+            <p:cNvPr id="14" name="Picture 13">
+              <a:extLst>
+                <a:ext uri="{FF2B5EF4-FFF2-40B4-BE49-F238E27FC236}">
+                  <a16:creationId xmlns:a16="http://schemas.microsoft.com/office/drawing/2014/main" id="{1ED5A6EC-4D3C-CC87-3EC2-F8B6149D18AF}"/>
+                </a:ext>
+              </a:extLst>
+            </p:cNvPr>
+            <p:cNvPicPr>
+              <a:picLocks noChangeAspect="1"/>
+            </p:cNvPicPr>
+            <p:nvPr/>
+          </p:nvPicPr>
+          <p:blipFill>
+            <a:blip r:embed="rId3"/>
+            <a:stretch>
+              <a:fillRect/>
+            </a:stretch>
+          </p:blipFill>
+          <p:spPr>
+            <a:xfrm>
+              <a:off x="9531742" y="3754274"/>
+              <a:ext cx="1822058" cy="732857"/>
+            </a:xfrm>
+            <a:prstGeom prst="rect">
+              <a:avLst/>
+            </a:prstGeom>
+          </p:spPr>
+        </p:pic>
+      </p:grpSp>
     </p:spTree>
     <p:extLst>
       <p:ext uri="{BB962C8B-B14F-4D97-AF65-F5344CB8AC3E}">
@@ -6110,30 +6617,173 @@
             <p:ph idx="1"/>
           </p:nvPr>
         </p:nvSpPr>
-        <p:spPr/>
-        <p:txBody>
-          <a:bodyPr/>
-          <a:lstStyle/>
-          <a:p>
-            <a:r>
-              <a:rPr lang="en-US" dirty="0"/>
-              <a:t>What is Apache Spark</a:t>
-            </a:r>
-          </a:p>
-          <a:p>
-            <a:r>
-              <a:rPr lang="en-US" dirty="0"/>
-              <a:t>Why we use it?</a:t>
-            </a:r>
-          </a:p>
-          <a:p>
-            <a:r>
-              <a:rPr lang="en-US" dirty="0"/>
-              <a:t>Advantages over traditional big data processing framework such as Hadoop</a:t>
-            </a:r>
-          </a:p>
-        </p:txBody>
-      </p:sp>
+        <p:spPr>
+          <a:xfrm>
+            <a:off x="320040" y="1690688"/>
+            <a:ext cx="5775960" cy="4351338"/>
+          </a:xfrm>
+        </p:spPr>
+        <p:txBody>
+          <a:bodyPr>
+            <a:normAutofit/>
+          </a:bodyPr>
+          <a:lstStyle/>
+          <a:p>
+            <a:r>
+              <a:rPr lang="en-US" sz="2400" dirty="0"/>
+              <a:t>A distributed computing framework designed to process large datasets </a:t>
+            </a:r>
+          </a:p>
+          <a:p>
+            <a:pPr marL="0" indent="0">
+              <a:buNone/>
+            </a:pPr>
+            <a:endParaRPr lang="en-US" sz="2400" dirty="0"/>
+          </a:p>
+          <a:p>
+            <a:r>
+              <a:rPr lang="en-US" sz="2400" dirty="0"/>
+              <a:t>Provides API for well-known languages </a:t>
+            </a:r>
+          </a:p>
+          <a:p>
+            <a:pPr marL="0" indent="0">
+              <a:buNone/>
+            </a:pPr>
+            <a:r>
+              <a:rPr lang="en-US" sz="2400" dirty="0"/>
+              <a:t> ( Java, R, Python, Scala ,SQL)</a:t>
+            </a:r>
+          </a:p>
+          <a:p>
+            <a:pPr marL="0" indent="0">
+              <a:buNone/>
+            </a:pPr>
+            <a:endParaRPr lang="en-US" sz="2400" dirty="0"/>
+          </a:p>
+          <a:p>
+            <a:r>
+              <a:rPr lang="en-US" sz="2400" dirty="0"/>
+              <a:t>In-memory processing model</a:t>
+            </a:r>
+          </a:p>
+          <a:p>
+            <a:pPr marL="0" indent="0">
+              <a:buNone/>
+            </a:pPr>
+            <a:endParaRPr lang="en-US" sz="2400" dirty="0"/>
+          </a:p>
+          <a:p>
+            <a:r>
+              <a:rPr lang="en-US" sz="2400" dirty="0"/>
+              <a:t>Much faster (100X) than traditional big data processing frameworks like Hadoop</a:t>
+            </a:r>
+          </a:p>
+        </p:txBody>
+      </p:sp>
+      <p:grpSp>
+        <p:nvGrpSpPr>
+          <p:cNvPr id="5" name="Group 4">
+            <a:extLst>
+              <a:ext uri="{FF2B5EF4-FFF2-40B4-BE49-F238E27FC236}">
+                <a16:creationId xmlns:a16="http://schemas.microsoft.com/office/drawing/2014/main" id="{81A6DBC8-02B8-C844-C9D5-0B30D395771F}"/>
+              </a:ext>
+            </a:extLst>
+          </p:cNvPr>
+          <p:cNvGrpSpPr/>
+          <p:nvPr/>
+        </p:nvGrpSpPr>
+        <p:grpSpPr>
+          <a:xfrm>
+            <a:off x="6371090" y="2124739"/>
+            <a:ext cx="5574796" cy="3038467"/>
+            <a:chOff x="6470333" y="2120865"/>
+            <a:chExt cx="5574796" cy="3038467"/>
+          </a:xfrm>
+        </p:grpSpPr>
+        <p:pic>
+          <p:nvPicPr>
+            <p:cNvPr id="1026" name="Picture 2" descr=" ">
+              <a:extLst>
+                <a:ext uri="{FF2B5EF4-FFF2-40B4-BE49-F238E27FC236}">
+                  <a16:creationId xmlns:a16="http://schemas.microsoft.com/office/drawing/2014/main" id="{B73B9A65-0CD6-AE2F-A8D3-8889A35FC9BF}"/>
+                </a:ext>
+              </a:extLst>
+            </p:cNvPr>
+            <p:cNvPicPr>
+              <a:picLocks noChangeAspect="1" noChangeArrowheads="1"/>
+            </p:cNvPicPr>
+            <p:nvPr/>
+          </p:nvPicPr>
+          <p:blipFill>
+            <a:blip r:embed="rId3">
+              <a:extLst>
+                <a:ext uri="{28A0092B-C50C-407E-A947-70E740481C1C}">
+                  <a14:useLocalDpi xmlns:a14="http://schemas.microsoft.com/office/drawing/2010/main" val="0"/>
+                </a:ext>
+              </a:extLst>
+            </a:blip>
+            <a:srcRect/>
+            <a:stretch>
+              <a:fillRect/>
+            </a:stretch>
+          </p:blipFill>
+          <p:spPr bwMode="auto">
+            <a:xfrm>
+              <a:off x="6470333" y="2120865"/>
+              <a:ext cx="5508307" cy="2616269"/>
+            </a:xfrm>
+            <a:prstGeom prst="rect">
+              <a:avLst/>
+            </a:prstGeom>
+            <a:noFill/>
+            <a:extLst>
+              <a:ext uri="{909E8E84-426E-40DD-AFC4-6F175D3DCCD1}">
+                <a14:hiddenFill xmlns:a14="http://schemas.microsoft.com/office/drawing/2010/main">
+                  <a:solidFill>
+                    <a:srgbClr val="FFFFFF"/>
+                  </a:solidFill>
+                </a14:hiddenFill>
+              </a:ext>
+            </a:extLst>
+          </p:spPr>
+        </p:pic>
+        <p:sp>
+          <p:nvSpPr>
+            <p:cNvPr id="4" name="TextBox 3">
+              <a:extLst>
+                <a:ext uri="{FF2B5EF4-FFF2-40B4-BE49-F238E27FC236}">
+                  <a16:creationId xmlns:a16="http://schemas.microsoft.com/office/drawing/2014/main" id="{4FC4FC83-365F-72DD-E74F-22F0B5513B6F}"/>
+                </a:ext>
+              </a:extLst>
+            </p:cNvPr>
+            <p:cNvSpPr txBox="1"/>
+            <p:nvPr/>
+          </p:nvSpPr>
+          <p:spPr>
+            <a:xfrm>
+              <a:off x="6730854" y="4905416"/>
+              <a:ext cx="5314275" cy="253916"/>
+            </a:xfrm>
+            <a:prstGeom prst="rect">
+              <a:avLst/>
+            </a:prstGeom>
+            <a:noFill/>
+          </p:spPr>
+          <p:txBody>
+            <a:bodyPr wrap="none" rtlCol="0">
+              <a:spAutoFit/>
+            </a:bodyPr>
+            <a:lstStyle/>
+            <a:p>
+              <a:r>
+                <a:rPr lang="en-US" sz="1050" i="1" dirty="0"/>
+                <a:t>Image Source: http://restanalytics.com/2018-11-27-Introduction-To-Spark-A-Pyspark-Tutorial/</a:t>
+              </a:r>
+            </a:p>
+          </p:txBody>
+        </p:sp>
+      </p:grpSp>
     </p:spTree>
     <p:extLst>
       <p:ext uri="{BB962C8B-B14F-4D97-AF65-F5344CB8AC3E}">
@@ -6208,30 +6858,259 @@
             <p:ph idx="1"/>
           </p:nvPr>
         </p:nvSpPr>
-        <p:spPr/>
-        <p:txBody>
-          <a:bodyPr/>
-          <a:lstStyle/>
-          <a:p>
-            <a:r>
-              <a:rPr lang="en-US" dirty="0"/>
-              <a:t>What?</a:t>
-            </a:r>
-          </a:p>
-          <a:p>
-            <a:r>
-              <a:rPr lang="en-US" dirty="0"/>
-              <a:t>Why?</a:t>
-            </a:r>
-          </a:p>
-          <a:p>
-            <a:r>
-              <a:rPr lang="en-US" dirty="0"/>
-              <a:t>Advantages</a:t>
-            </a:r>
-          </a:p>
-        </p:txBody>
-      </p:sp>
+        <p:spPr>
+          <a:xfrm>
+            <a:off x="838200" y="1825625"/>
+            <a:ext cx="5909441" cy="4351338"/>
+          </a:xfrm>
+        </p:spPr>
+        <p:txBody>
+          <a:bodyPr>
+            <a:normAutofit fontScale="70000" lnSpcReduction="20000"/>
+          </a:bodyPr>
+          <a:lstStyle/>
+          <a:p>
+            <a:r>
+              <a:rPr lang="en-US" dirty="0"/>
+              <a:t>Platform for developing, deploy, and running applications using containerization technology</a:t>
+            </a:r>
+          </a:p>
+          <a:p>
+            <a:endParaRPr lang="en-US" dirty="0"/>
+          </a:p>
+          <a:p>
+            <a:r>
+              <a:rPr lang="en-US" dirty="0"/>
+              <a:t>Enables to create self-contained environment with all dependencies and configurations</a:t>
+            </a:r>
+          </a:p>
+          <a:p>
+            <a:pPr marL="0" indent="0">
+              <a:buNone/>
+            </a:pPr>
+            <a:endParaRPr lang="en-US" dirty="0"/>
+          </a:p>
+          <a:p>
+            <a:r>
+              <a:rPr lang="en-US" dirty="0"/>
+              <a:t>Fast and easy deployment without any compatibility issues. </a:t>
+            </a:r>
+          </a:p>
+          <a:p>
+            <a:pPr marL="0" indent="0">
+              <a:buNone/>
+            </a:pPr>
+            <a:endParaRPr lang="en-US" dirty="0"/>
+          </a:p>
+          <a:p>
+            <a:r>
+              <a:rPr lang="en-US" dirty="0"/>
+              <a:t>Easy to scale application horizontally by spinning up multiple containers on different machines</a:t>
+            </a:r>
+          </a:p>
+          <a:p>
+            <a:endParaRPr lang="en-US" dirty="0"/>
+          </a:p>
+          <a:p>
+            <a:r>
+              <a:rPr lang="en-US" dirty="0"/>
+              <a:t>Lightweight and minimal use of resources compared to virtual machines</a:t>
+            </a:r>
+          </a:p>
+          <a:p>
+            <a:endParaRPr lang="en-US" dirty="0"/>
+          </a:p>
+        </p:txBody>
+      </p:sp>
+      <p:grpSp>
+        <p:nvGrpSpPr>
+          <p:cNvPr id="7" name="Group 6">
+            <a:extLst>
+              <a:ext uri="{FF2B5EF4-FFF2-40B4-BE49-F238E27FC236}">
+                <a16:creationId xmlns:a16="http://schemas.microsoft.com/office/drawing/2014/main" id="{77D547D1-AB6F-1F91-F8F3-4DF31C4081A7}"/>
+              </a:ext>
+            </a:extLst>
+          </p:cNvPr>
+          <p:cNvGrpSpPr/>
+          <p:nvPr/>
+        </p:nvGrpSpPr>
+        <p:grpSpPr>
+          <a:xfrm>
+            <a:off x="7316850" y="1432160"/>
+            <a:ext cx="4214648" cy="2073191"/>
+            <a:chOff x="7659206" y="750806"/>
+            <a:chExt cx="4214648" cy="2073191"/>
+          </a:xfrm>
+        </p:grpSpPr>
+        <p:sp>
+          <p:nvSpPr>
+            <p:cNvPr id="4" name="TextBox 3">
+              <a:extLst>
+                <a:ext uri="{FF2B5EF4-FFF2-40B4-BE49-F238E27FC236}">
+                  <a16:creationId xmlns:a16="http://schemas.microsoft.com/office/drawing/2014/main" id="{71537023-0586-7326-CC38-54F4E7B4D635}"/>
+                </a:ext>
+              </a:extLst>
+            </p:cNvPr>
+            <p:cNvSpPr txBox="1"/>
+            <p:nvPr/>
+          </p:nvSpPr>
+          <p:spPr>
+            <a:xfrm>
+              <a:off x="7659206" y="2570081"/>
+              <a:ext cx="4214648" cy="253916"/>
+            </a:xfrm>
+            <a:prstGeom prst="rect">
+              <a:avLst/>
+            </a:prstGeom>
+            <a:noFill/>
+          </p:spPr>
+          <p:txBody>
+            <a:bodyPr wrap="square" rtlCol="0">
+              <a:spAutoFit/>
+            </a:bodyPr>
+            <a:lstStyle/>
+            <a:p>
+              <a:r>
+                <a:rPr lang="en-US" sz="1050" i="1" dirty="0"/>
+                <a:t>Image source: https://www.wernjie.com/wp-content/uploads</a:t>
+              </a:r>
+            </a:p>
+          </p:txBody>
+        </p:sp>
+        <p:pic>
+          <p:nvPicPr>
+            <p:cNvPr id="6" name="Picture 5">
+              <a:extLst>
+                <a:ext uri="{FF2B5EF4-FFF2-40B4-BE49-F238E27FC236}">
+                  <a16:creationId xmlns:a16="http://schemas.microsoft.com/office/drawing/2014/main" id="{C9DB3BF5-F674-0944-8440-E9031F745C9A}"/>
+                </a:ext>
+              </a:extLst>
+            </p:cNvPr>
+            <p:cNvPicPr>
+              <a:picLocks noChangeAspect="1"/>
+            </p:cNvPicPr>
+            <p:nvPr/>
+          </p:nvPicPr>
+          <p:blipFill>
+            <a:blip r:embed="rId3"/>
+            <a:stretch>
+              <a:fillRect/>
+            </a:stretch>
+          </p:blipFill>
+          <p:spPr>
+            <a:xfrm>
+              <a:off x="7659206" y="750806"/>
+              <a:ext cx="2524125" cy="1819275"/>
+            </a:xfrm>
+            <a:prstGeom prst="rect">
+              <a:avLst/>
+            </a:prstGeom>
+          </p:spPr>
+        </p:pic>
+      </p:grpSp>
+      <p:grpSp>
+        <p:nvGrpSpPr>
+          <p:cNvPr id="9" name="Group 8">
+            <a:extLst>
+              <a:ext uri="{FF2B5EF4-FFF2-40B4-BE49-F238E27FC236}">
+                <a16:creationId xmlns:a16="http://schemas.microsoft.com/office/drawing/2014/main" id="{1567C7D8-8019-51F9-6836-B7D84778CCE9}"/>
+              </a:ext>
+            </a:extLst>
+          </p:cNvPr>
+          <p:cNvGrpSpPr/>
+          <p:nvPr/>
+        </p:nvGrpSpPr>
+        <p:grpSpPr>
+          <a:xfrm>
+            <a:off x="6747641" y="3663567"/>
+            <a:ext cx="5353067" cy="2422975"/>
+            <a:chOff x="6714917" y="4196858"/>
+            <a:chExt cx="5353067" cy="2422975"/>
+          </a:xfrm>
+        </p:grpSpPr>
+        <p:pic>
+          <p:nvPicPr>
+            <p:cNvPr id="2052" name="Picture 4">
+              <a:extLst>
+                <a:ext uri="{FF2B5EF4-FFF2-40B4-BE49-F238E27FC236}">
+                  <a16:creationId xmlns:a16="http://schemas.microsoft.com/office/drawing/2014/main" id="{8932511D-56FF-CA4C-7E03-34DD82EBB5BB}"/>
+                </a:ext>
+              </a:extLst>
+            </p:cNvPr>
+            <p:cNvPicPr>
+              <a:picLocks noChangeAspect="1" noChangeArrowheads="1"/>
+            </p:cNvPicPr>
+            <p:nvPr/>
+          </p:nvPicPr>
+          <p:blipFill>
+            <a:blip r:embed="rId4">
+              <a:extLst>
+                <a:ext uri="{28A0092B-C50C-407E-A947-70E740481C1C}">
+                  <a14:useLocalDpi xmlns:a14="http://schemas.microsoft.com/office/drawing/2010/main" val="0"/>
+                </a:ext>
+              </a:extLst>
+            </a:blip>
+            <a:srcRect/>
+            <a:stretch>
+              <a:fillRect/>
+            </a:stretch>
+          </p:blipFill>
+          <p:spPr bwMode="auto">
+            <a:xfrm>
+              <a:off x="6714917" y="4196858"/>
+              <a:ext cx="5353067" cy="2264759"/>
+            </a:xfrm>
+            <a:prstGeom prst="rect">
+              <a:avLst/>
+            </a:prstGeom>
+            <a:noFill/>
+            <a:extLst>
+              <a:ext uri="{909E8E84-426E-40DD-AFC4-6F175D3DCCD1}">
+                <a14:hiddenFill xmlns:a14="http://schemas.microsoft.com/office/drawing/2010/main">
+                  <a:solidFill>
+                    <a:srgbClr val="FFFFFF"/>
+                  </a:solidFill>
+                </a14:hiddenFill>
+              </a:ext>
+            </a:extLst>
+          </p:spPr>
+        </p:pic>
+        <p:sp>
+          <p:nvSpPr>
+            <p:cNvPr id="8" name="TextBox 7">
+              <a:extLst>
+                <a:ext uri="{FF2B5EF4-FFF2-40B4-BE49-F238E27FC236}">
+                  <a16:creationId xmlns:a16="http://schemas.microsoft.com/office/drawing/2014/main" id="{269F2862-34B3-ED2E-6E71-ED84687553E3}"/>
+                </a:ext>
+              </a:extLst>
+            </p:cNvPr>
+            <p:cNvSpPr txBox="1"/>
+            <p:nvPr/>
+          </p:nvSpPr>
+          <p:spPr>
+            <a:xfrm>
+              <a:off x="6935634" y="6365917"/>
+              <a:ext cx="4214648" cy="253916"/>
+            </a:xfrm>
+            <a:prstGeom prst="rect">
+              <a:avLst/>
+            </a:prstGeom>
+            <a:noFill/>
+          </p:spPr>
+          <p:txBody>
+            <a:bodyPr wrap="square" rtlCol="0">
+              <a:spAutoFit/>
+            </a:bodyPr>
+            <a:lstStyle/>
+            <a:p>
+              <a:r>
+                <a:rPr lang="en-US" sz="1050" i="1" dirty="0"/>
+                <a:t>Image source: https://cloudacademy.com/</a:t>
+              </a:r>
+            </a:p>
+          </p:txBody>
+        </p:sp>
+      </p:grpSp>
     </p:spTree>
     <p:extLst>
       <p:ext uri="{BB962C8B-B14F-4D97-AF65-F5344CB8AC3E}">

--- a/misc/ProjectReports-In progress/TermProject.pptx
+++ b/misc/ProjectReports-In progress/TermProject.pptx
@@ -5,7 +5,7 @@
     <p:sldMasterId id="2147483648" r:id="rId1"/>
   </p:sldMasterIdLst>
   <p:notesMasterIdLst>
-    <p:notesMasterId r:id="rId24"/>
+    <p:notesMasterId r:id="rId25"/>
   </p:notesMasterIdLst>
   <p:sldIdLst>
     <p:sldId id="256" r:id="rId2"/>
@@ -16,20 +16,21 @@
     <p:sldId id="259" r:id="rId7"/>
     <p:sldId id="260" r:id="rId8"/>
     <p:sldId id="269" r:id="rId9"/>
-    <p:sldId id="270" r:id="rId10"/>
-    <p:sldId id="271" r:id="rId11"/>
-    <p:sldId id="261" r:id="rId12"/>
-    <p:sldId id="263" r:id="rId13"/>
-    <p:sldId id="273" r:id="rId14"/>
-    <p:sldId id="274" r:id="rId15"/>
-    <p:sldId id="277" r:id="rId16"/>
-    <p:sldId id="275" r:id="rId17"/>
-    <p:sldId id="276" r:id="rId18"/>
-    <p:sldId id="268" r:id="rId19"/>
-    <p:sldId id="278" r:id="rId20"/>
-    <p:sldId id="262" r:id="rId21"/>
-    <p:sldId id="279" r:id="rId22"/>
-    <p:sldId id="257" r:id="rId23"/>
+    <p:sldId id="280" r:id="rId10"/>
+    <p:sldId id="270" r:id="rId11"/>
+    <p:sldId id="271" r:id="rId12"/>
+    <p:sldId id="261" r:id="rId13"/>
+    <p:sldId id="281" r:id="rId14"/>
+    <p:sldId id="263" r:id="rId15"/>
+    <p:sldId id="273" r:id="rId16"/>
+    <p:sldId id="274" r:id="rId17"/>
+    <p:sldId id="277" r:id="rId18"/>
+    <p:sldId id="275" r:id="rId19"/>
+    <p:sldId id="276" r:id="rId20"/>
+    <p:sldId id="268" r:id="rId21"/>
+    <p:sldId id="278" r:id="rId22"/>
+    <p:sldId id="262" r:id="rId23"/>
+    <p:sldId id="279" r:id="rId24"/>
   </p:sldIdLst>
   <p:sldSz cx="12192000" cy="6858000"/>
   <p:notesSz cx="6858000" cy="9144000"/>
@@ -218,7 +219,7 @@
           <a:p>
             <a:fld id="{8FA2BE9F-DAE6-48F5-9E72-C32827DA6BA0}" type="datetimeFigureOut">
               <a:rPr lang="en-US" smtClean="0"/>
-              <a:t>4/2/2023</a:t>
+              <a:t>4/3/2023</a:t>
             </a:fld>
             <a:endParaRPr lang="en-US"/>
           </a:p>
@@ -1056,7 +1057,7 @@
           <a:p>
             <a:fld id="{1A3DC9A9-B6E5-4E50-9F75-EF86E7D5F96E}" type="datetimeFigureOut">
               <a:rPr lang="en-US" smtClean="0"/>
-              <a:t>4/2/2023</a:t>
+              <a:t>4/3/2023</a:t>
             </a:fld>
             <a:endParaRPr lang="en-US"/>
           </a:p>
@@ -1254,7 +1255,7 @@
           <a:p>
             <a:fld id="{1A3DC9A9-B6E5-4E50-9F75-EF86E7D5F96E}" type="datetimeFigureOut">
               <a:rPr lang="en-US" smtClean="0"/>
-              <a:t>4/2/2023</a:t>
+              <a:t>4/3/2023</a:t>
             </a:fld>
             <a:endParaRPr lang="en-US"/>
           </a:p>
@@ -1462,7 +1463,7 @@
           <a:p>
             <a:fld id="{1A3DC9A9-B6E5-4E50-9F75-EF86E7D5F96E}" type="datetimeFigureOut">
               <a:rPr lang="en-US" smtClean="0"/>
-              <a:t>4/2/2023</a:t>
+              <a:t>4/3/2023</a:t>
             </a:fld>
             <a:endParaRPr lang="en-US"/>
           </a:p>
@@ -1660,7 +1661,7 @@
           <a:p>
             <a:fld id="{1A3DC9A9-B6E5-4E50-9F75-EF86E7D5F96E}" type="datetimeFigureOut">
               <a:rPr lang="en-US" smtClean="0"/>
-              <a:t>4/2/2023</a:t>
+              <a:t>4/3/2023</a:t>
             </a:fld>
             <a:endParaRPr lang="en-US"/>
           </a:p>
@@ -1935,7 +1936,7 @@
           <a:p>
             <a:fld id="{1A3DC9A9-B6E5-4E50-9F75-EF86E7D5F96E}" type="datetimeFigureOut">
               <a:rPr lang="en-US" smtClean="0"/>
-              <a:t>4/2/2023</a:t>
+              <a:t>4/3/2023</a:t>
             </a:fld>
             <a:endParaRPr lang="en-US"/>
           </a:p>
@@ -2200,7 +2201,7 @@
           <a:p>
             <a:fld id="{1A3DC9A9-B6E5-4E50-9F75-EF86E7D5F96E}" type="datetimeFigureOut">
               <a:rPr lang="en-US" smtClean="0"/>
-              <a:t>4/2/2023</a:t>
+              <a:t>4/3/2023</a:t>
             </a:fld>
             <a:endParaRPr lang="en-US"/>
           </a:p>
@@ -2612,7 +2613,7 @@
           <a:p>
             <a:fld id="{1A3DC9A9-B6E5-4E50-9F75-EF86E7D5F96E}" type="datetimeFigureOut">
               <a:rPr lang="en-US" smtClean="0"/>
-              <a:t>4/2/2023</a:t>
+              <a:t>4/3/2023</a:t>
             </a:fld>
             <a:endParaRPr lang="en-US"/>
           </a:p>
@@ -2753,7 +2754,7 @@
           <a:p>
             <a:fld id="{1A3DC9A9-B6E5-4E50-9F75-EF86E7D5F96E}" type="datetimeFigureOut">
               <a:rPr lang="en-US" smtClean="0"/>
-              <a:t>4/2/2023</a:t>
+              <a:t>4/3/2023</a:t>
             </a:fld>
             <a:endParaRPr lang="en-US"/>
           </a:p>
@@ -2866,7 +2867,7 @@
           <a:p>
             <a:fld id="{1A3DC9A9-B6E5-4E50-9F75-EF86E7D5F96E}" type="datetimeFigureOut">
               <a:rPr lang="en-US" smtClean="0"/>
-              <a:t>4/2/2023</a:t>
+              <a:t>4/3/2023</a:t>
             </a:fld>
             <a:endParaRPr lang="en-US"/>
           </a:p>
@@ -3177,7 +3178,7 @@
           <a:p>
             <a:fld id="{1A3DC9A9-B6E5-4E50-9F75-EF86E7D5F96E}" type="datetimeFigureOut">
               <a:rPr lang="en-US" smtClean="0"/>
-              <a:t>4/2/2023</a:t>
+              <a:t>4/3/2023</a:t>
             </a:fld>
             <a:endParaRPr lang="en-US"/>
           </a:p>
@@ -3465,7 +3466,7 @@
           <a:p>
             <a:fld id="{1A3DC9A9-B6E5-4E50-9F75-EF86E7D5F96E}" type="datetimeFigureOut">
               <a:rPr lang="en-US" smtClean="0"/>
-              <a:t>4/2/2023</a:t>
+              <a:t>4/3/2023</a:t>
             </a:fld>
             <a:endParaRPr lang="en-US"/>
           </a:p>
@@ -3706,7 +3707,7 @@
           <a:p>
             <a:fld id="{1A3DC9A9-B6E5-4E50-9F75-EF86E7D5F96E}" type="datetimeFigureOut">
               <a:rPr lang="en-US" smtClean="0"/>
-              <a:t>4/2/2023</a:t>
+              <a:t>4/3/2023</a:t>
             </a:fld>
             <a:endParaRPr lang="en-US"/>
           </a:p>
@@ -4356,14 +4357,19 @@
             <p:ph type="title"/>
           </p:nvPr>
         </p:nvSpPr>
-        <p:spPr/>
+        <p:spPr>
+          <a:xfrm>
+            <a:off x="630621" y="77568"/>
+            <a:ext cx="10515600" cy="1325563"/>
+          </a:xfrm>
+        </p:spPr>
         <p:txBody>
           <a:bodyPr/>
           <a:lstStyle/>
           <a:p>
             <a:r>
               <a:rPr lang="en-US" dirty="0"/>
-              <a:t>Development Strategy</a:t>
+              <a:t>Implementation steps: Continue</a:t>
             </a:r>
           </a:p>
         </p:txBody>
@@ -4384,10 +4390,15 @@
             <p:ph idx="1"/>
           </p:nvPr>
         </p:nvSpPr>
-        <p:spPr/>
+        <p:spPr>
+          <a:xfrm>
+            <a:off x="630622" y="1403131"/>
+            <a:ext cx="6148550" cy="5013435"/>
+          </a:xfrm>
+        </p:spPr>
         <p:txBody>
           <a:bodyPr vert="horz" lIns="91440" tIns="45720" rIns="91440" bIns="45720" rtlCol="0">
-            <a:normAutofit fontScale="62500" lnSpcReduction="20000"/>
+            <a:normAutofit fontScale="92500" lnSpcReduction="20000"/>
           </a:bodyPr>
           <a:lstStyle/>
           <a:p>
@@ -4397,8 +4408,26 @@
             </a:pPr>
             <a:r>
               <a:rPr lang="en-US" dirty="0"/>
-              <a:t>Executed in 3 iterations</a:t>
-            </a:r>
+              <a:t> Build manager and worker containers</a:t>
+            </a:r>
+          </a:p>
+          <a:p>
+            <a:pPr lvl="1"/>
+            <a:r>
+              <a:rPr lang="en-US" dirty="0"/>
+              <a:t>Docker swarm network</a:t>
+            </a:r>
+          </a:p>
+          <a:p>
+            <a:pPr lvl="1"/>
+            <a:r>
+              <a:rPr lang="en-US" dirty="0"/>
+              <a:t>Create manager and worker containers on Swarm network</a:t>
+            </a:r>
+          </a:p>
+          <a:p>
+            <a:pPr lvl="1"/>
+            <a:endParaRPr lang="en-US" dirty="0"/>
           </a:p>
           <a:p>
             <a:pPr>
@@ -4407,41 +4436,32 @@
             </a:pPr>
             <a:r>
               <a:rPr lang="en-US" dirty="0"/>
-              <a:t>Iteration 1: Manual execution</a:t>
+              <a:t> Configuration post containers creation</a:t>
             </a:r>
           </a:p>
           <a:p>
             <a:pPr lvl="1"/>
             <a:r>
               <a:rPr lang="en-US" dirty="0"/>
-              <a:t>Manually created containers in all host machines</a:t>
+              <a:t>Master container configuration </a:t>
+            </a:r>
+          </a:p>
+          <a:p>
+            <a:pPr lvl="2"/>
+            <a:r>
+              <a:rPr lang="en-US" dirty="0"/>
+              <a:t>Slaves list, Spark path</a:t>
             </a:r>
           </a:p>
           <a:p>
             <a:pPr lvl="1"/>
             <a:r>
               <a:rPr lang="en-US" dirty="0"/>
-              <a:t>Manually performed configuration on containers</a:t>
+              <a:t>Library and tools installation such as Jupyter, matplotlib etc.</a:t>
             </a:r>
           </a:p>
           <a:p>
             <a:pPr lvl="1"/>
-            <a:r>
-              <a:rPr lang="en-US" dirty="0"/>
-              <a:t>Built fully functional Spark cluster</a:t>
-            </a:r>
-          </a:p>
-          <a:p>
-            <a:pPr lvl="1"/>
-            <a:r>
-              <a:rPr lang="en-US" dirty="0"/>
-              <a:t>Observed manual activities </a:t>
-            </a:r>
-          </a:p>
-          <a:p>
-            <a:pPr marL="457200" lvl="1" indent="0">
-              <a:buNone/>
-            </a:pPr>
             <a:endParaRPr lang="en-US" dirty="0"/>
           </a:p>
           <a:p>
@@ -4451,75 +4471,89 @@
             </a:pPr>
             <a:r>
               <a:rPr lang="en-US" dirty="0"/>
-              <a:t>Iteration 2: Partially automated</a:t>
+              <a:t>Automate cluster creation tasks</a:t>
             </a:r>
           </a:p>
           <a:p>
             <a:pPr lvl="1"/>
             <a:r>
               <a:rPr lang="en-US" dirty="0"/>
-              <a:t>	Automated container creation with docker compose</a:t>
+              <a:t>Manager and workers as docker services with docker stack</a:t>
             </a:r>
           </a:p>
           <a:p>
             <a:pPr lvl="1"/>
             <a:r>
               <a:rPr lang="en-US" dirty="0"/>
-              <a:t>	However, need to execute docker compose on each host machines</a:t>
-            </a:r>
-          </a:p>
-          <a:p>
-            <a:pPr marL="0" indent="0">
-              <a:buNone/>
-            </a:pPr>
-            <a:endParaRPr lang="en-US" dirty="0"/>
-          </a:p>
-          <a:p>
-            <a:pPr>
-              <a:buFont typeface="Wingdings" panose="05000000000000000000" pitchFamily="2" charset="2"/>
-              <a:buChar char="§"/>
-            </a:pPr>
-            <a:r>
-              <a:rPr lang="en-US" dirty="0"/>
-              <a:t> Iteration 3: Fully automated</a:t>
-            </a:r>
-          </a:p>
-          <a:p>
-            <a:pPr lvl="1"/>
-            <a:r>
-              <a:rPr lang="en-US" sz="2500" dirty="0"/>
-              <a:t>Automated configuration by including them at docker image level</a:t>
-            </a:r>
-          </a:p>
-          <a:p>
-            <a:pPr lvl="1"/>
-            <a:r>
-              <a:rPr lang="en-US" sz="2500" dirty="0"/>
-              <a:t>Automated containers creation across the host machines with docker stack services</a:t>
-            </a:r>
-          </a:p>
-          <a:p>
-            <a:pPr lvl="1"/>
-            <a:r>
-              <a:rPr lang="en-US" sz="2500" dirty="0"/>
-              <a:t>Goal: One command to build all the pre-configured containers and start the Spark cluster</a:t>
-            </a:r>
-          </a:p>
-          <a:p>
-            <a:pPr marL="0" indent="0">
-              <a:buNone/>
-            </a:pPr>
-            <a:r>
-              <a:rPr lang="en-US" dirty="0"/>
-              <a:t>	</a:t>
-            </a:r>
-          </a:p>
-        </p:txBody>
-      </p:sp>
+              <a:t>Automate configuration with shell scripts, docker images/compose</a:t>
+            </a:r>
+          </a:p>
+        </p:txBody>
+      </p:sp>
+      <p:pic>
+        <p:nvPicPr>
+          <p:cNvPr id="13" name="Picture 12">
+            <a:extLst>
+              <a:ext uri="{FF2B5EF4-FFF2-40B4-BE49-F238E27FC236}">
+                <a16:creationId xmlns:a16="http://schemas.microsoft.com/office/drawing/2014/main" id="{7C471CC6-78BE-F49D-14BD-726FB8DA825A}"/>
+              </a:ext>
+            </a:extLst>
+          </p:cNvPr>
+          <p:cNvPicPr>
+            <a:picLocks noChangeAspect="1"/>
+          </p:cNvPicPr>
+          <p:nvPr/>
+        </p:nvPicPr>
+        <p:blipFill>
+          <a:blip r:embed="rId2"/>
+          <a:stretch>
+            <a:fillRect/>
+          </a:stretch>
+        </p:blipFill>
+        <p:spPr>
+          <a:xfrm>
+            <a:off x="6951115" y="1679685"/>
+            <a:ext cx="4105275" cy="723900"/>
+          </a:xfrm>
+          <a:prstGeom prst="rect">
+            <a:avLst/>
+          </a:prstGeom>
+        </p:spPr>
+      </p:pic>
+      <p:pic>
+        <p:nvPicPr>
+          <p:cNvPr id="15" name="Picture 14">
+            <a:extLst>
+              <a:ext uri="{FF2B5EF4-FFF2-40B4-BE49-F238E27FC236}">
+                <a16:creationId xmlns:a16="http://schemas.microsoft.com/office/drawing/2014/main" id="{D50CC109-A3EA-C912-669D-0DFA64575E80}"/>
+              </a:ext>
+            </a:extLst>
+          </p:cNvPr>
+          <p:cNvPicPr>
+            <a:picLocks noChangeAspect="1"/>
+          </p:cNvPicPr>
+          <p:nvPr/>
+        </p:nvPicPr>
+        <p:blipFill>
+          <a:blip r:embed="rId3"/>
+          <a:stretch>
+            <a:fillRect/>
+          </a:stretch>
+        </p:blipFill>
+        <p:spPr>
+          <a:xfrm>
+            <a:off x="7006368" y="3207872"/>
+            <a:ext cx="3912656" cy="1142970"/>
+          </a:xfrm>
+          <a:prstGeom prst="rect">
+            <a:avLst/>
+          </a:prstGeom>
+        </p:spPr>
+      </p:pic>
     </p:spTree>
     <p:extLst>
       <p:ext uri="{BB962C8B-B14F-4D97-AF65-F5344CB8AC3E}">
-        <p14:creationId xmlns:p14="http://schemas.microsoft.com/office/powerpoint/2010/main" val="1306106753"/>
+        <p14:creationId xmlns:p14="http://schemas.microsoft.com/office/powerpoint/2010/main" val="1815147930"/>
       </p:ext>
     </p:extLst>
   </p:cSld>
@@ -4569,7 +4603,7 @@
           <a:p>
             <a:r>
               <a:rPr lang="en-US" dirty="0"/>
-              <a:t>Architecture diagram</a:t>
+              <a:t>Development Strategy</a:t>
             </a:r>
           </a:p>
         </p:txBody>
@@ -4590,165 +4624,147 @@
             <p:ph idx="1"/>
           </p:nvPr>
         </p:nvSpPr>
-        <p:spPr/>
-        <p:txBody>
-          <a:bodyPr>
-            <a:normAutofit/>
+        <p:spPr>
+          <a:xfrm>
+            <a:off x="838200" y="1434662"/>
+            <a:ext cx="10515600" cy="4821129"/>
+          </a:xfrm>
+        </p:spPr>
+        <p:txBody>
+          <a:bodyPr vert="horz" lIns="91440" tIns="45720" rIns="91440" bIns="45720" rtlCol="0">
+            <a:normAutofit fontScale="70000" lnSpcReduction="20000"/>
           </a:bodyPr>
           <a:lstStyle/>
           <a:p>
-            <a:pPr marL="457200" lvl="1">
-              <a:lnSpc>
-                <a:spcPct val="107000"/>
-              </a:lnSpc>
-              <a:spcBef>
-                <a:spcPts val="0"/>
-              </a:spcBef>
-              <a:spcAft>
-                <a:spcPts val="800"/>
-              </a:spcAft>
+            <a:pPr>
+              <a:buFont typeface="Wingdings" panose="05000000000000000000" pitchFamily="2" charset="2"/>
+              <a:buChar char="§"/>
             </a:pPr>
-            <a:endParaRPr lang="en-US" sz="1400" dirty="0">
-              <a:effectLst/>
-              <a:highlight>
-                <a:srgbClr val="FFFF00"/>
-              </a:highlight>
-              <a:latin typeface="Calibri" panose="020F0502020204030204" pitchFamily="34" charset="0"/>
-              <a:ea typeface="Calibri" panose="020F0502020204030204" pitchFamily="34" charset="0"/>
-              <a:cs typeface="Times New Roman" panose="02020603050405020304" pitchFamily="18" charset="0"/>
-            </a:endParaRPr>
-          </a:p>
-          <a:p>
-            <a:pPr marL="228600" lvl="1" indent="0">
-              <a:lnSpc>
-                <a:spcPct val="107000"/>
-              </a:lnSpc>
-              <a:spcBef>
-                <a:spcPts val="0"/>
-              </a:spcBef>
-              <a:spcAft>
-                <a:spcPts val="800"/>
-              </a:spcAft>
+            <a:r>
+              <a:rPr lang="en-US" dirty="0"/>
+              <a:t>Executed in 3 iterations</a:t>
+            </a:r>
+          </a:p>
+          <a:p>
+            <a:pPr>
+              <a:buFont typeface="Wingdings" panose="05000000000000000000" pitchFamily="2" charset="2"/>
+              <a:buChar char="§"/>
+            </a:pPr>
+            <a:r>
+              <a:rPr lang="en-US" dirty="0"/>
+              <a:t>Iteration 1: Manual execution</a:t>
+            </a:r>
+          </a:p>
+          <a:p>
+            <a:pPr lvl="1"/>
+            <a:r>
+              <a:rPr lang="en-US" sz="2900" dirty="0"/>
+              <a:t>Manually created containers in all host machines</a:t>
+            </a:r>
+          </a:p>
+          <a:p>
+            <a:pPr lvl="1"/>
+            <a:r>
+              <a:rPr lang="en-US" sz="2900" dirty="0"/>
+              <a:t>Manually performed configuration on containers</a:t>
+            </a:r>
+          </a:p>
+          <a:p>
+            <a:pPr lvl="1"/>
+            <a:r>
+              <a:rPr lang="en-US" sz="2900" dirty="0"/>
+              <a:t>Built fully functional Spark cluster</a:t>
+            </a:r>
+          </a:p>
+          <a:p>
+            <a:pPr lvl="1"/>
+            <a:r>
+              <a:rPr lang="en-US" sz="2900" dirty="0"/>
+              <a:t>Observed manual activities </a:t>
+            </a:r>
+          </a:p>
+          <a:p>
+            <a:pPr marL="457200" lvl="1" indent="0">
               <a:buNone/>
             </a:pPr>
-            <a:endParaRPr lang="en-US" sz="1000" dirty="0">
-              <a:effectLst/>
-              <a:highlight>
-                <a:srgbClr val="FFFF00"/>
-              </a:highlight>
-              <a:latin typeface="Calibri" panose="020F0502020204030204" pitchFamily="34" charset="0"/>
-              <a:ea typeface="Calibri" panose="020F0502020204030204" pitchFamily="34" charset="0"/>
-              <a:cs typeface="Times New Roman" panose="02020603050405020304" pitchFamily="18" charset="0"/>
-            </a:endParaRPr>
-          </a:p>
-          <a:p>
-            <a:pPr marL="457200" lvl="1">
-              <a:lnSpc>
-                <a:spcPct val="107000"/>
-              </a:lnSpc>
-              <a:spcBef>
-                <a:spcPts val="0"/>
-              </a:spcBef>
-              <a:spcAft>
-                <a:spcPts val="800"/>
-              </a:spcAft>
+            <a:endParaRPr lang="en-US" dirty="0"/>
+          </a:p>
+          <a:p>
+            <a:pPr>
+              <a:buFont typeface="Wingdings" panose="05000000000000000000" pitchFamily="2" charset="2"/>
+              <a:buChar char="§"/>
             </a:pPr>
-            <a:endParaRPr lang="en-US" sz="1000" dirty="0">
-              <a:effectLst/>
-              <a:highlight>
-                <a:srgbClr val="FFFF00"/>
-              </a:highlight>
-              <a:latin typeface="Calibri" panose="020F0502020204030204" pitchFamily="34" charset="0"/>
-              <a:ea typeface="Calibri" panose="020F0502020204030204" pitchFamily="34" charset="0"/>
-              <a:cs typeface="Times New Roman" panose="02020603050405020304" pitchFamily="18" charset="0"/>
-            </a:endParaRPr>
-          </a:p>
-          <a:p>
-            <a:pPr marL="0" marR="0">
-              <a:lnSpc>
-                <a:spcPct val="107000"/>
-              </a:lnSpc>
-              <a:spcBef>
-                <a:spcPts val="0"/>
-              </a:spcBef>
-              <a:spcAft>
-                <a:spcPts val="800"/>
-              </a:spcAft>
+            <a:r>
+              <a:rPr lang="en-US" dirty="0"/>
+              <a:t>Iteration 2: Partially automated</a:t>
+            </a:r>
+          </a:p>
+          <a:p>
+            <a:pPr lvl="1"/>
+            <a:r>
+              <a:rPr lang="en-US" sz="2900" dirty="0"/>
+              <a:t>	Automated container creation with docker compose</a:t>
+            </a:r>
+          </a:p>
+          <a:p>
+            <a:pPr lvl="1"/>
+            <a:r>
+              <a:rPr lang="en-US" sz="2900" dirty="0"/>
+              <a:t>	However, need to execute docker compose on each host machines</a:t>
+            </a:r>
+          </a:p>
+          <a:p>
+            <a:pPr marL="0" indent="0">
+              <a:buNone/>
             </a:pPr>
-            <a:endParaRPr lang="en-US" sz="1400" dirty="0">
-              <a:effectLst/>
-              <a:highlight>
-                <a:srgbClr val="FFFF00"/>
-              </a:highlight>
-              <a:latin typeface="Calibri" panose="020F0502020204030204" pitchFamily="34" charset="0"/>
-              <a:ea typeface="Calibri" panose="020F0502020204030204" pitchFamily="34" charset="0"/>
-              <a:cs typeface="Times New Roman" panose="02020603050405020304" pitchFamily="18" charset="0"/>
-            </a:endParaRPr>
-          </a:p>
-          <a:p>
-            <a:pPr marL="0" marR="0">
-              <a:lnSpc>
-                <a:spcPct val="107000"/>
-              </a:lnSpc>
-              <a:spcBef>
-                <a:spcPts val="0"/>
-              </a:spcBef>
-              <a:spcAft>
-                <a:spcPts val="800"/>
-              </a:spcAft>
+            <a:endParaRPr lang="en-US" dirty="0"/>
+          </a:p>
+          <a:p>
+            <a:pPr>
+              <a:buFont typeface="Wingdings" panose="05000000000000000000" pitchFamily="2" charset="2"/>
+              <a:buChar char="§"/>
             </a:pPr>
             <a:r>
-              <a:rPr lang="en-US" sz="1800" dirty="0">
-                <a:effectLst/>
-                <a:highlight>
-                  <a:srgbClr val="FFFF00"/>
-                </a:highlight>
-                <a:latin typeface="Calibri" panose="020F0502020204030204" pitchFamily="34" charset="0"/>
-                <a:ea typeface="Calibri" panose="020F0502020204030204" pitchFamily="34" charset="0"/>
-                <a:cs typeface="Times New Roman" panose="02020603050405020304" pitchFamily="18" charset="0"/>
-              </a:rPr>
-              <a:t>Architecture ( Typical Apache Spark)</a:t>
-            </a:r>
-          </a:p>
-          <a:p>
-            <a:pPr marL="0" marR="0">
-              <a:lnSpc>
-                <a:spcPct val="107000"/>
-              </a:lnSpc>
-              <a:spcBef>
-                <a:spcPts val="0"/>
-              </a:spcBef>
-              <a:spcAft>
-                <a:spcPts val="800"/>
-              </a:spcAft>
+              <a:rPr lang="en-US" dirty="0"/>
+              <a:t> Iteration 3: Fully automated</a:t>
+            </a:r>
+          </a:p>
+          <a:p>
+            <a:pPr lvl="1"/>
+            <a:r>
+              <a:rPr lang="en-US" sz="2900" dirty="0"/>
+              <a:t>Automated configuration by including them at docker image level</a:t>
+            </a:r>
+          </a:p>
+          <a:p>
+            <a:pPr lvl="1"/>
+            <a:r>
+              <a:rPr lang="en-US" sz="2900" dirty="0"/>
+              <a:t>Automated containers creation across the host machines with docker stack services</a:t>
+            </a:r>
+          </a:p>
+          <a:p>
+            <a:pPr lvl="1"/>
+            <a:r>
+              <a:rPr lang="en-US" sz="2900" dirty="0"/>
+              <a:t>Goal: One command to build all the pre-configured containers and start the Spark cluster</a:t>
+            </a:r>
+          </a:p>
+          <a:p>
+            <a:pPr marL="0" indent="0">
+              <a:buNone/>
             </a:pPr>
             <a:r>
-              <a:rPr lang="en-US" sz="1800" dirty="0">
-                <a:highlight>
-                  <a:srgbClr val="FFFF00"/>
-                </a:highlight>
-                <a:latin typeface="Calibri" panose="020F0502020204030204" pitchFamily="34" charset="0"/>
-                <a:ea typeface="Calibri" panose="020F0502020204030204" pitchFamily="34" charset="0"/>
-                <a:cs typeface="Times New Roman" panose="02020603050405020304" pitchFamily="18" charset="0"/>
-              </a:rPr>
-              <a:t>Architecture ( Implemented in the project)</a:t>
-            </a:r>
-            <a:endParaRPr lang="en-US" sz="1800" dirty="0">
-              <a:effectLst/>
-              <a:highlight>
-                <a:srgbClr val="FFFF00"/>
-              </a:highlight>
-              <a:latin typeface="Calibri" panose="020F0502020204030204" pitchFamily="34" charset="0"/>
-              <a:ea typeface="Calibri" panose="020F0502020204030204" pitchFamily="34" charset="0"/>
-              <a:cs typeface="Times New Roman" panose="02020603050405020304" pitchFamily="18" charset="0"/>
-            </a:endParaRPr>
+              <a:rPr lang="en-US" dirty="0"/>
+              <a:t>	</a:t>
+            </a:r>
           </a:p>
         </p:txBody>
       </p:sp>
     </p:spTree>
     <p:extLst>
       <p:ext uri="{BB962C8B-B14F-4D97-AF65-F5344CB8AC3E}">
-        <p14:creationId xmlns:p14="http://schemas.microsoft.com/office/powerpoint/2010/main" val="497707828"/>
+        <p14:creationId xmlns:p14="http://schemas.microsoft.com/office/powerpoint/2010/main" val="1306106753"/>
       </p:ext>
     </p:extLst>
   </p:cSld>
@@ -4793,7 +4809,7 @@
         </p:nvSpPr>
         <p:spPr>
           <a:xfrm>
-            <a:off x="431800" y="0"/>
+            <a:off x="754103" y="79156"/>
             <a:ext cx="10515600" cy="1325563"/>
           </a:xfrm>
         </p:spPr>
@@ -4803,75 +4819,1720 @@
           <a:p>
             <a:r>
               <a:rPr lang="en-US" dirty="0"/>
-              <a:t>Results</a:t>
-            </a:r>
-          </a:p>
-        </p:txBody>
-      </p:sp>
-      <p:pic>
-        <p:nvPicPr>
-          <p:cNvPr id="5" name="Picture 4">
-            <a:extLst>
-              <a:ext uri="{FF2B5EF4-FFF2-40B4-BE49-F238E27FC236}">
-                <a16:creationId xmlns:a16="http://schemas.microsoft.com/office/drawing/2014/main" id="{FE1A6819-69C8-23D0-4A77-4A196209BCC5}"/>
-              </a:ext>
-            </a:extLst>
-          </p:cNvPr>
-          <p:cNvPicPr>
-            <a:picLocks noChangeAspect="1"/>
-          </p:cNvPicPr>
+              <a:t>Architecture diagram</a:t>
+            </a:r>
+          </a:p>
+        </p:txBody>
+      </p:sp>
+      <p:grpSp>
+        <p:nvGrpSpPr>
+          <p:cNvPr id="15" name="Group 14">
+            <a:extLst>
+              <a:ext uri="{FF2B5EF4-FFF2-40B4-BE49-F238E27FC236}">
+                <a16:creationId xmlns:a16="http://schemas.microsoft.com/office/drawing/2014/main" id="{04F415B7-7A94-8328-81F1-E1081403461A}"/>
+              </a:ext>
+            </a:extLst>
+          </p:cNvPr>
+          <p:cNvGrpSpPr/>
           <p:nvPr/>
-        </p:nvPicPr>
-        <p:blipFill>
-          <a:blip r:embed="rId2"/>
-          <a:stretch>
-            <a:fillRect/>
-          </a:stretch>
-        </p:blipFill>
+        </p:nvGrpSpPr>
+        <p:grpSpPr>
+          <a:xfrm>
+            <a:off x="1590336" y="2000915"/>
+            <a:ext cx="2031126" cy="2185800"/>
+            <a:chOff x="633246" y="1424503"/>
+            <a:chExt cx="2031126" cy="2185800"/>
+          </a:xfrm>
+        </p:grpSpPr>
+        <p:sp>
+          <p:nvSpPr>
+            <p:cNvPr id="12" name="Rectangle 11">
+              <a:extLst>
+                <a:ext uri="{FF2B5EF4-FFF2-40B4-BE49-F238E27FC236}">
+                  <a16:creationId xmlns:a16="http://schemas.microsoft.com/office/drawing/2014/main" id="{DC006951-7628-00B6-9677-4D00A5872639}"/>
+                </a:ext>
+              </a:extLst>
+            </p:cNvPr>
+            <p:cNvSpPr/>
+            <p:nvPr/>
+          </p:nvSpPr>
+          <p:spPr>
+            <a:xfrm>
+              <a:off x="633246" y="1424503"/>
+              <a:ext cx="2031126" cy="2185800"/>
+            </a:xfrm>
+            <a:prstGeom prst="rect">
+              <a:avLst/>
+            </a:prstGeom>
+            <a:solidFill>
+              <a:schemeClr val="accent2">
+                <a:lumMod val="75000"/>
+              </a:schemeClr>
+            </a:solidFill>
+            <a:ln>
+              <a:noFill/>
+            </a:ln>
+          </p:spPr>
+          <p:style>
+            <a:lnRef idx="2">
+              <a:schemeClr val="accent1">
+                <a:shade val="50000"/>
+              </a:schemeClr>
+            </a:lnRef>
+            <a:fillRef idx="1">
+              <a:schemeClr val="accent1"/>
+            </a:fillRef>
+            <a:effectRef idx="0">
+              <a:schemeClr val="accent1"/>
+            </a:effectRef>
+            <a:fontRef idx="minor">
+              <a:schemeClr val="lt1"/>
+            </a:fontRef>
+          </p:style>
+          <p:txBody>
+            <a:bodyPr rtlCol="0" anchor="ctr"/>
+            <a:lstStyle/>
+            <a:p>
+              <a:endParaRPr lang="en-US" dirty="0"/>
+            </a:p>
+          </p:txBody>
+        </p:sp>
+        <p:sp>
+          <p:nvSpPr>
+            <p:cNvPr id="9" name="Rectangle 8">
+              <a:extLst>
+                <a:ext uri="{FF2B5EF4-FFF2-40B4-BE49-F238E27FC236}">
+                  <a16:creationId xmlns:a16="http://schemas.microsoft.com/office/drawing/2014/main" id="{D536B429-76DF-297E-045E-31F32A4F36EA}"/>
+                </a:ext>
+              </a:extLst>
+            </p:cNvPr>
+            <p:cNvSpPr/>
+            <p:nvPr/>
+          </p:nvSpPr>
+          <p:spPr>
+            <a:xfrm>
+              <a:off x="765938" y="2053620"/>
+              <a:ext cx="1778877" cy="1150884"/>
+            </a:xfrm>
+            <a:prstGeom prst="rect">
+              <a:avLst/>
+            </a:prstGeom>
+            <a:solidFill>
+              <a:schemeClr val="accent4">
+                <a:lumMod val="40000"/>
+                <a:lumOff val="60000"/>
+              </a:schemeClr>
+            </a:solidFill>
+            <a:ln>
+              <a:noFill/>
+            </a:ln>
+          </p:spPr>
+          <p:style>
+            <a:lnRef idx="2">
+              <a:schemeClr val="accent1">
+                <a:shade val="50000"/>
+              </a:schemeClr>
+            </a:lnRef>
+            <a:fillRef idx="1">
+              <a:schemeClr val="accent1"/>
+            </a:fillRef>
+            <a:effectRef idx="0">
+              <a:schemeClr val="accent1"/>
+            </a:effectRef>
+            <a:fontRef idx="minor">
+              <a:schemeClr val="lt1"/>
+            </a:fontRef>
+          </p:style>
+          <p:txBody>
+            <a:bodyPr rtlCol="0" anchor="ctr"/>
+            <a:lstStyle/>
+            <a:p>
+              <a:endParaRPr lang="en-US" dirty="0"/>
+            </a:p>
+          </p:txBody>
+        </p:sp>
+        <p:sp>
+          <p:nvSpPr>
+            <p:cNvPr id="6" name="Rectangle 5">
+              <a:extLst>
+                <a:ext uri="{FF2B5EF4-FFF2-40B4-BE49-F238E27FC236}">
+                  <a16:creationId xmlns:a16="http://schemas.microsoft.com/office/drawing/2014/main" id="{F0FA0FC4-61EE-1B5F-A57D-88600390B000}"/>
+                </a:ext>
+              </a:extLst>
+            </p:cNvPr>
+            <p:cNvSpPr/>
+            <p:nvPr/>
+          </p:nvSpPr>
+          <p:spPr>
+            <a:xfrm>
+              <a:off x="1655378" y="2308313"/>
+              <a:ext cx="756745" cy="271794"/>
+            </a:xfrm>
+            <a:prstGeom prst="rect">
+              <a:avLst/>
+            </a:prstGeom>
+            <a:solidFill>
+              <a:schemeClr val="accent6">
+                <a:lumMod val="40000"/>
+                <a:lumOff val="60000"/>
+              </a:schemeClr>
+            </a:solidFill>
+            <a:ln>
+              <a:noFill/>
+            </a:ln>
+          </p:spPr>
+          <p:style>
+            <a:lnRef idx="2">
+              <a:schemeClr val="accent1">
+                <a:shade val="50000"/>
+              </a:schemeClr>
+            </a:lnRef>
+            <a:fillRef idx="1">
+              <a:schemeClr val="accent1"/>
+            </a:fillRef>
+            <a:effectRef idx="0">
+              <a:schemeClr val="accent1"/>
+            </a:effectRef>
+            <a:fontRef idx="minor">
+              <a:schemeClr val="lt1"/>
+            </a:fontRef>
+          </p:style>
+          <p:txBody>
+            <a:bodyPr rtlCol="0" anchor="ctr"/>
+            <a:lstStyle/>
+            <a:p>
+              <a:pPr algn="ctr"/>
+              <a:r>
+                <a:rPr lang="en-US" sz="1600" dirty="0"/>
+                <a:t>Cache</a:t>
+              </a:r>
+            </a:p>
+          </p:txBody>
+        </p:sp>
+        <p:sp>
+          <p:nvSpPr>
+            <p:cNvPr id="8" name="Rectangle 7">
+              <a:extLst>
+                <a:ext uri="{FF2B5EF4-FFF2-40B4-BE49-F238E27FC236}">
+                  <a16:creationId xmlns:a16="http://schemas.microsoft.com/office/drawing/2014/main" id="{A0063EA4-20FB-1017-A4B9-D5F4489B7FB5}"/>
+                </a:ext>
+              </a:extLst>
+            </p:cNvPr>
+            <p:cNvSpPr/>
+            <p:nvPr/>
+          </p:nvSpPr>
+          <p:spPr>
+            <a:xfrm>
+              <a:off x="1655378" y="2629063"/>
+              <a:ext cx="756745" cy="504497"/>
+            </a:xfrm>
+            <a:prstGeom prst="rect">
+              <a:avLst/>
+            </a:prstGeom>
+            <a:solidFill>
+              <a:schemeClr val="bg1">
+                <a:lumMod val="75000"/>
+              </a:schemeClr>
+            </a:solidFill>
+            <a:ln>
+              <a:noFill/>
+            </a:ln>
+          </p:spPr>
+          <p:style>
+            <a:lnRef idx="2">
+              <a:schemeClr val="accent1">
+                <a:shade val="50000"/>
+              </a:schemeClr>
+            </a:lnRef>
+            <a:fillRef idx="1">
+              <a:schemeClr val="accent1"/>
+            </a:fillRef>
+            <a:effectRef idx="0">
+              <a:schemeClr val="accent1"/>
+            </a:effectRef>
+            <a:fontRef idx="minor">
+              <a:schemeClr val="lt1"/>
+            </a:fontRef>
+          </p:style>
+          <p:txBody>
+            <a:bodyPr rtlCol="0" anchor="ctr"/>
+            <a:lstStyle/>
+            <a:p>
+              <a:pPr algn="ctr"/>
+              <a:r>
+                <a:rPr lang="en-US" dirty="0"/>
+                <a:t>Task</a:t>
+              </a:r>
+            </a:p>
+          </p:txBody>
+        </p:sp>
+        <p:sp>
+          <p:nvSpPr>
+            <p:cNvPr id="10" name="Rectangle 9">
+              <a:extLst>
+                <a:ext uri="{FF2B5EF4-FFF2-40B4-BE49-F238E27FC236}">
+                  <a16:creationId xmlns:a16="http://schemas.microsoft.com/office/drawing/2014/main" id="{0BA22508-B264-FE75-9BF4-47BE711F83CD}"/>
+                </a:ext>
+              </a:extLst>
+            </p:cNvPr>
+            <p:cNvSpPr/>
+            <p:nvPr/>
+          </p:nvSpPr>
+          <p:spPr>
+            <a:xfrm>
+              <a:off x="835567" y="2629062"/>
+              <a:ext cx="756745" cy="504497"/>
+            </a:xfrm>
+            <a:prstGeom prst="rect">
+              <a:avLst/>
+            </a:prstGeom>
+            <a:solidFill>
+              <a:schemeClr val="bg1">
+                <a:lumMod val="75000"/>
+              </a:schemeClr>
+            </a:solidFill>
+            <a:ln>
+              <a:noFill/>
+            </a:ln>
+          </p:spPr>
+          <p:style>
+            <a:lnRef idx="2">
+              <a:schemeClr val="accent1">
+                <a:shade val="50000"/>
+              </a:schemeClr>
+            </a:lnRef>
+            <a:fillRef idx="1">
+              <a:schemeClr val="accent1"/>
+            </a:fillRef>
+            <a:effectRef idx="0">
+              <a:schemeClr val="accent1"/>
+            </a:effectRef>
+            <a:fontRef idx="minor">
+              <a:schemeClr val="lt1"/>
+            </a:fontRef>
+          </p:style>
+          <p:txBody>
+            <a:bodyPr rtlCol="0" anchor="ctr"/>
+            <a:lstStyle/>
+            <a:p>
+              <a:pPr algn="ctr"/>
+              <a:r>
+                <a:rPr lang="en-US" dirty="0"/>
+                <a:t>Task</a:t>
+              </a:r>
+            </a:p>
+          </p:txBody>
+        </p:sp>
+        <p:sp>
+          <p:nvSpPr>
+            <p:cNvPr id="11" name="TextBox 10">
+              <a:extLst>
+                <a:ext uri="{FF2B5EF4-FFF2-40B4-BE49-F238E27FC236}">
+                  <a16:creationId xmlns:a16="http://schemas.microsoft.com/office/drawing/2014/main" id="{D61DFFE9-D263-35AD-4F4C-8CCD87F1EE63}"/>
+                </a:ext>
+              </a:extLst>
+            </p:cNvPr>
+            <p:cNvSpPr txBox="1"/>
+            <p:nvPr/>
+          </p:nvSpPr>
+          <p:spPr>
+            <a:xfrm>
+              <a:off x="734406" y="2016889"/>
+              <a:ext cx="1119357" cy="369332"/>
+            </a:xfrm>
+            <a:prstGeom prst="rect">
+              <a:avLst/>
+            </a:prstGeom>
+            <a:noFill/>
+          </p:spPr>
+          <p:txBody>
+            <a:bodyPr wrap="square" rtlCol="0">
+              <a:spAutoFit/>
+            </a:bodyPr>
+            <a:lstStyle/>
+            <a:p>
+              <a:r>
+                <a:rPr lang="en-US" dirty="0">
+                  <a:solidFill>
+                    <a:schemeClr val="lt1"/>
+                  </a:solidFill>
+                </a:rPr>
+                <a:t>Executor</a:t>
+              </a:r>
+            </a:p>
+          </p:txBody>
+        </p:sp>
+        <p:sp>
+          <p:nvSpPr>
+            <p:cNvPr id="13" name="TextBox 12">
+              <a:extLst>
+                <a:ext uri="{FF2B5EF4-FFF2-40B4-BE49-F238E27FC236}">
+                  <a16:creationId xmlns:a16="http://schemas.microsoft.com/office/drawing/2014/main" id="{81D04B57-1B3E-7362-1897-F7E4E80B8730}"/>
+                </a:ext>
+              </a:extLst>
+            </p:cNvPr>
+            <p:cNvSpPr txBox="1"/>
+            <p:nvPr/>
+          </p:nvSpPr>
+          <p:spPr>
+            <a:xfrm>
+              <a:off x="1089131" y="1463155"/>
+              <a:ext cx="1119357" cy="369332"/>
+            </a:xfrm>
+            <a:prstGeom prst="rect">
+              <a:avLst/>
+            </a:prstGeom>
+            <a:noFill/>
+          </p:spPr>
+          <p:txBody>
+            <a:bodyPr wrap="square" rtlCol="0">
+              <a:spAutoFit/>
+            </a:bodyPr>
+            <a:lstStyle/>
+            <a:p>
+              <a:r>
+                <a:rPr lang="en-US" dirty="0">
+                  <a:solidFill>
+                    <a:schemeClr val="lt1"/>
+                  </a:solidFill>
+                </a:rPr>
+                <a:t>Worker1</a:t>
+              </a:r>
+            </a:p>
+          </p:txBody>
+        </p:sp>
+        <p:sp>
+          <p:nvSpPr>
+            <p:cNvPr id="14" name="TextBox 13">
+              <a:extLst>
+                <a:ext uri="{FF2B5EF4-FFF2-40B4-BE49-F238E27FC236}">
+                  <a16:creationId xmlns:a16="http://schemas.microsoft.com/office/drawing/2014/main" id="{91DE3759-AE22-54ED-B033-E04854FE6E6E}"/>
+                </a:ext>
+              </a:extLst>
+            </p:cNvPr>
+            <p:cNvSpPr txBox="1"/>
+            <p:nvPr/>
+          </p:nvSpPr>
+          <p:spPr>
+            <a:xfrm>
+              <a:off x="914393" y="3207551"/>
+              <a:ext cx="1630422" cy="369332"/>
+            </a:xfrm>
+            <a:prstGeom prst="rect">
+              <a:avLst/>
+            </a:prstGeom>
+            <a:noFill/>
+          </p:spPr>
+          <p:txBody>
+            <a:bodyPr wrap="square" rtlCol="0">
+              <a:spAutoFit/>
+            </a:bodyPr>
+            <a:lstStyle/>
+            <a:p>
+              <a:pPr algn="ctr"/>
+              <a:r>
+                <a:rPr lang="en-US" dirty="0">
+                  <a:solidFill>
+                    <a:schemeClr val="lt1"/>
+                  </a:solidFill>
+                </a:rPr>
+                <a:t>Host 1</a:t>
+              </a:r>
+            </a:p>
+          </p:txBody>
+        </p:sp>
+      </p:grpSp>
+      <p:grpSp>
+        <p:nvGrpSpPr>
+          <p:cNvPr id="16" name="Group 15">
+            <a:extLst>
+              <a:ext uri="{FF2B5EF4-FFF2-40B4-BE49-F238E27FC236}">
+                <a16:creationId xmlns:a16="http://schemas.microsoft.com/office/drawing/2014/main" id="{606859BE-253A-A6B7-B85D-727CEE25C39D}"/>
+              </a:ext>
+            </a:extLst>
+          </p:cNvPr>
+          <p:cNvGrpSpPr/>
+          <p:nvPr/>
+        </p:nvGrpSpPr>
+        <p:grpSpPr>
+          <a:xfrm>
+            <a:off x="8347835" y="2000915"/>
+            <a:ext cx="2031126" cy="2185800"/>
+            <a:chOff x="633246" y="1424503"/>
+            <a:chExt cx="2031126" cy="2185800"/>
+          </a:xfrm>
+        </p:grpSpPr>
+        <p:sp>
+          <p:nvSpPr>
+            <p:cNvPr id="17" name="Rectangle 16">
+              <a:extLst>
+                <a:ext uri="{FF2B5EF4-FFF2-40B4-BE49-F238E27FC236}">
+                  <a16:creationId xmlns:a16="http://schemas.microsoft.com/office/drawing/2014/main" id="{B9909FAF-1867-5AF5-AB20-14C03C17EA63}"/>
+                </a:ext>
+              </a:extLst>
+            </p:cNvPr>
+            <p:cNvSpPr/>
+            <p:nvPr/>
+          </p:nvSpPr>
+          <p:spPr>
+            <a:xfrm>
+              <a:off x="633246" y="1424503"/>
+              <a:ext cx="2031126" cy="2185800"/>
+            </a:xfrm>
+            <a:prstGeom prst="rect">
+              <a:avLst/>
+            </a:prstGeom>
+            <a:solidFill>
+              <a:schemeClr val="accent2">
+                <a:lumMod val="75000"/>
+              </a:schemeClr>
+            </a:solidFill>
+            <a:ln>
+              <a:noFill/>
+            </a:ln>
+          </p:spPr>
+          <p:style>
+            <a:lnRef idx="2">
+              <a:schemeClr val="accent1">
+                <a:shade val="50000"/>
+              </a:schemeClr>
+            </a:lnRef>
+            <a:fillRef idx="1">
+              <a:schemeClr val="accent1"/>
+            </a:fillRef>
+            <a:effectRef idx="0">
+              <a:schemeClr val="accent1"/>
+            </a:effectRef>
+            <a:fontRef idx="minor">
+              <a:schemeClr val="lt1"/>
+            </a:fontRef>
+          </p:style>
+          <p:txBody>
+            <a:bodyPr rtlCol="0" anchor="ctr"/>
+            <a:lstStyle/>
+            <a:p>
+              <a:endParaRPr lang="en-US" dirty="0"/>
+            </a:p>
+          </p:txBody>
+        </p:sp>
+        <p:sp>
+          <p:nvSpPr>
+            <p:cNvPr id="18" name="Rectangle 17">
+              <a:extLst>
+                <a:ext uri="{FF2B5EF4-FFF2-40B4-BE49-F238E27FC236}">
+                  <a16:creationId xmlns:a16="http://schemas.microsoft.com/office/drawing/2014/main" id="{7C9B4530-5C7B-1029-D073-69CC36815470}"/>
+                </a:ext>
+              </a:extLst>
+            </p:cNvPr>
+            <p:cNvSpPr/>
+            <p:nvPr/>
+          </p:nvSpPr>
+          <p:spPr>
+            <a:xfrm>
+              <a:off x="765938" y="2053620"/>
+              <a:ext cx="1778877" cy="1150884"/>
+            </a:xfrm>
+            <a:prstGeom prst="rect">
+              <a:avLst/>
+            </a:prstGeom>
+            <a:solidFill>
+              <a:schemeClr val="accent4">
+                <a:lumMod val="40000"/>
+                <a:lumOff val="60000"/>
+              </a:schemeClr>
+            </a:solidFill>
+            <a:ln>
+              <a:noFill/>
+            </a:ln>
+          </p:spPr>
+          <p:style>
+            <a:lnRef idx="2">
+              <a:schemeClr val="accent1">
+                <a:shade val="50000"/>
+              </a:schemeClr>
+            </a:lnRef>
+            <a:fillRef idx="1">
+              <a:schemeClr val="accent1"/>
+            </a:fillRef>
+            <a:effectRef idx="0">
+              <a:schemeClr val="accent1"/>
+            </a:effectRef>
+            <a:fontRef idx="minor">
+              <a:schemeClr val="lt1"/>
+            </a:fontRef>
+          </p:style>
+          <p:txBody>
+            <a:bodyPr rtlCol="0" anchor="ctr"/>
+            <a:lstStyle/>
+            <a:p>
+              <a:endParaRPr lang="en-US" dirty="0"/>
+            </a:p>
+          </p:txBody>
+        </p:sp>
+        <p:sp>
+          <p:nvSpPr>
+            <p:cNvPr id="19" name="Rectangle 18">
+              <a:extLst>
+                <a:ext uri="{FF2B5EF4-FFF2-40B4-BE49-F238E27FC236}">
+                  <a16:creationId xmlns:a16="http://schemas.microsoft.com/office/drawing/2014/main" id="{231E4869-880D-FD8C-DCDE-ED4D84E0CD0D}"/>
+                </a:ext>
+              </a:extLst>
+            </p:cNvPr>
+            <p:cNvSpPr/>
+            <p:nvPr/>
+          </p:nvSpPr>
+          <p:spPr>
+            <a:xfrm>
+              <a:off x="1655378" y="2303684"/>
+              <a:ext cx="756745" cy="271794"/>
+            </a:xfrm>
+            <a:prstGeom prst="rect">
+              <a:avLst/>
+            </a:prstGeom>
+            <a:solidFill>
+              <a:schemeClr val="accent6">
+                <a:lumMod val="40000"/>
+                <a:lumOff val="60000"/>
+              </a:schemeClr>
+            </a:solidFill>
+            <a:ln>
+              <a:noFill/>
+            </a:ln>
+          </p:spPr>
+          <p:style>
+            <a:lnRef idx="2">
+              <a:schemeClr val="accent1">
+                <a:shade val="50000"/>
+              </a:schemeClr>
+            </a:lnRef>
+            <a:fillRef idx="1">
+              <a:schemeClr val="accent1"/>
+            </a:fillRef>
+            <a:effectRef idx="0">
+              <a:schemeClr val="accent1"/>
+            </a:effectRef>
+            <a:fontRef idx="minor">
+              <a:schemeClr val="lt1"/>
+            </a:fontRef>
+          </p:style>
+          <p:txBody>
+            <a:bodyPr rtlCol="0" anchor="ctr"/>
+            <a:lstStyle/>
+            <a:p>
+              <a:pPr algn="ctr"/>
+              <a:r>
+                <a:rPr lang="en-US" sz="1600" dirty="0"/>
+                <a:t>Cache</a:t>
+              </a:r>
+            </a:p>
+          </p:txBody>
+        </p:sp>
+        <p:sp>
+          <p:nvSpPr>
+            <p:cNvPr id="20" name="Rectangle 19">
+              <a:extLst>
+                <a:ext uri="{FF2B5EF4-FFF2-40B4-BE49-F238E27FC236}">
+                  <a16:creationId xmlns:a16="http://schemas.microsoft.com/office/drawing/2014/main" id="{A4C1FC53-7553-6C06-1DB0-7EFD7CAC3CEA}"/>
+                </a:ext>
+              </a:extLst>
+            </p:cNvPr>
+            <p:cNvSpPr/>
+            <p:nvPr/>
+          </p:nvSpPr>
+          <p:spPr>
+            <a:xfrm>
+              <a:off x="1655378" y="2629063"/>
+              <a:ext cx="756745" cy="504497"/>
+            </a:xfrm>
+            <a:prstGeom prst="rect">
+              <a:avLst/>
+            </a:prstGeom>
+            <a:solidFill>
+              <a:schemeClr val="bg1">
+                <a:lumMod val="75000"/>
+              </a:schemeClr>
+            </a:solidFill>
+            <a:ln>
+              <a:noFill/>
+            </a:ln>
+          </p:spPr>
+          <p:style>
+            <a:lnRef idx="2">
+              <a:schemeClr val="accent1">
+                <a:shade val="50000"/>
+              </a:schemeClr>
+            </a:lnRef>
+            <a:fillRef idx="1">
+              <a:schemeClr val="accent1"/>
+            </a:fillRef>
+            <a:effectRef idx="0">
+              <a:schemeClr val="accent1"/>
+            </a:effectRef>
+            <a:fontRef idx="minor">
+              <a:schemeClr val="lt1"/>
+            </a:fontRef>
+          </p:style>
+          <p:txBody>
+            <a:bodyPr rtlCol="0" anchor="ctr"/>
+            <a:lstStyle/>
+            <a:p>
+              <a:pPr algn="ctr"/>
+              <a:r>
+                <a:rPr lang="en-US" dirty="0"/>
+                <a:t>Task</a:t>
+              </a:r>
+            </a:p>
+          </p:txBody>
+        </p:sp>
+        <p:sp>
+          <p:nvSpPr>
+            <p:cNvPr id="21" name="Rectangle 20">
+              <a:extLst>
+                <a:ext uri="{FF2B5EF4-FFF2-40B4-BE49-F238E27FC236}">
+                  <a16:creationId xmlns:a16="http://schemas.microsoft.com/office/drawing/2014/main" id="{90B256A3-F752-9621-55C9-EA11F4A608F9}"/>
+                </a:ext>
+              </a:extLst>
+            </p:cNvPr>
+            <p:cNvSpPr/>
+            <p:nvPr/>
+          </p:nvSpPr>
+          <p:spPr>
+            <a:xfrm>
+              <a:off x="835567" y="2629062"/>
+              <a:ext cx="756745" cy="504497"/>
+            </a:xfrm>
+            <a:prstGeom prst="rect">
+              <a:avLst/>
+            </a:prstGeom>
+            <a:solidFill>
+              <a:schemeClr val="bg1">
+                <a:lumMod val="75000"/>
+              </a:schemeClr>
+            </a:solidFill>
+            <a:ln>
+              <a:noFill/>
+            </a:ln>
+          </p:spPr>
+          <p:style>
+            <a:lnRef idx="2">
+              <a:schemeClr val="accent1">
+                <a:shade val="50000"/>
+              </a:schemeClr>
+            </a:lnRef>
+            <a:fillRef idx="1">
+              <a:schemeClr val="accent1"/>
+            </a:fillRef>
+            <a:effectRef idx="0">
+              <a:schemeClr val="accent1"/>
+            </a:effectRef>
+            <a:fontRef idx="minor">
+              <a:schemeClr val="lt1"/>
+            </a:fontRef>
+          </p:style>
+          <p:txBody>
+            <a:bodyPr rtlCol="0" anchor="ctr"/>
+            <a:lstStyle/>
+            <a:p>
+              <a:pPr algn="ctr"/>
+              <a:r>
+                <a:rPr lang="en-US" dirty="0"/>
+                <a:t>Task</a:t>
+              </a:r>
+            </a:p>
+          </p:txBody>
+        </p:sp>
+        <p:sp>
+          <p:nvSpPr>
+            <p:cNvPr id="22" name="TextBox 21">
+              <a:extLst>
+                <a:ext uri="{FF2B5EF4-FFF2-40B4-BE49-F238E27FC236}">
+                  <a16:creationId xmlns:a16="http://schemas.microsoft.com/office/drawing/2014/main" id="{022439B9-8660-DE5A-417E-751AD830E9D1}"/>
+                </a:ext>
+              </a:extLst>
+            </p:cNvPr>
+            <p:cNvSpPr txBox="1"/>
+            <p:nvPr/>
+          </p:nvSpPr>
+          <p:spPr>
+            <a:xfrm>
+              <a:off x="734406" y="2016889"/>
+              <a:ext cx="1119357" cy="369332"/>
+            </a:xfrm>
+            <a:prstGeom prst="rect">
+              <a:avLst/>
+            </a:prstGeom>
+            <a:noFill/>
+          </p:spPr>
+          <p:txBody>
+            <a:bodyPr wrap="square" rtlCol="0">
+              <a:spAutoFit/>
+            </a:bodyPr>
+            <a:lstStyle/>
+            <a:p>
+              <a:r>
+                <a:rPr lang="en-US" dirty="0">
+                  <a:solidFill>
+                    <a:schemeClr val="lt1"/>
+                  </a:solidFill>
+                </a:rPr>
+                <a:t>Executor</a:t>
+              </a:r>
+            </a:p>
+          </p:txBody>
+        </p:sp>
+        <p:sp>
+          <p:nvSpPr>
+            <p:cNvPr id="23" name="TextBox 22">
+              <a:extLst>
+                <a:ext uri="{FF2B5EF4-FFF2-40B4-BE49-F238E27FC236}">
+                  <a16:creationId xmlns:a16="http://schemas.microsoft.com/office/drawing/2014/main" id="{4F25A1AE-A991-EF79-5E32-C271686C021E}"/>
+                </a:ext>
+              </a:extLst>
+            </p:cNvPr>
+            <p:cNvSpPr txBox="1"/>
+            <p:nvPr/>
+          </p:nvSpPr>
+          <p:spPr>
+            <a:xfrm>
+              <a:off x="1089131" y="1463155"/>
+              <a:ext cx="1119357" cy="369332"/>
+            </a:xfrm>
+            <a:prstGeom prst="rect">
+              <a:avLst/>
+            </a:prstGeom>
+            <a:noFill/>
+          </p:spPr>
+          <p:txBody>
+            <a:bodyPr wrap="square" rtlCol="0">
+              <a:spAutoFit/>
+            </a:bodyPr>
+            <a:lstStyle/>
+            <a:p>
+              <a:r>
+                <a:rPr lang="en-US" dirty="0">
+                  <a:solidFill>
+                    <a:schemeClr val="lt1"/>
+                  </a:solidFill>
+                </a:rPr>
+                <a:t>Worker n</a:t>
+              </a:r>
+            </a:p>
+          </p:txBody>
+        </p:sp>
+        <p:sp>
+          <p:nvSpPr>
+            <p:cNvPr id="24" name="TextBox 23">
+              <a:extLst>
+                <a:ext uri="{FF2B5EF4-FFF2-40B4-BE49-F238E27FC236}">
+                  <a16:creationId xmlns:a16="http://schemas.microsoft.com/office/drawing/2014/main" id="{D73545CA-C0B5-C08D-E09A-CF569AC0C0B1}"/>
+                </a:ext>
+              </a:extLst>
+            </p:cNvPr>
+            <p:cNvSpPr txBox="1"/>
+            <p:nvPr/>
+          </p:nvSpPr>
+          <p:spPr>
+            <a:xfrm>
+              <a:off x="914393" y="3207551"/>
+              <a:ext cx="1630422" cy="369332"/>
+            </a:xfrm>
+            <a:prstGeom prst="rect">
+              <a:avLst/>
+            </a:prstGeom>
+            <a:noFill/>
+          </p:spPr>
+          <p:txBody>
+            <a:bodyPr wrap="square" rtlCol="0">
+              <a:spAutoFit/>
+            </a:bodyPr>
+            <a:lstStyle/>
+            <a:p>
+              <a:pPr algn="ctr"/>
+              <a:r>
+                <a:rPr lang="en-US" dirty="0">
+                  <a:solidFill>
+                    <a:schemeClr val="lt1"/>
+                  </a:solidFill>
+                </a:rPr>
+                <a:t>Host n</a:t>
+              </a:r>
+            </a:p>
+          </p:txBody>
+        </p:sp>
+      </p:grpSp>
+      <p:grpSp>
+        <p:nvGrpSpPr>
+          <p:cNvPr id="25" name="Group 24">
+            <a:extLst>
+              <a:ext uri="{FF2B5EF4-FFF2-40B4-BE49-F238E27FC236}">
+                <a16:creationId xmlns:a16="http://schemas.microsoft.com/office/drawing/2014/main" id="{189E59EF-0C9D-38EE-6365-4501515E1510}"/>
+              </a:ext>
+            </a:extLst>
+          </p:cNvPr>
+          <p:cNvGrpSpPr/>
+          <p:nvPr/>
+        </p:nvGrpSpPr>
+        <p:grpSpPr>
+          <a:xfrm>
+            <a:off x="4903232" y="2000915"/>
+            <a:ext cx="2031126" cy="2185800"/>
+            <a:chOff x="633246" y="1424503"/>
+            <a:chExt cx="2031126" cy="2185800"/>
+          </a:xfrm>
+        </p:grpSpPr>
+        <p:sp>
+          <p:nvSpPr>
+            <p:cNvPr id="26" name="Rectangle 25">
+              <a:extLst>
+                <a:ext uri="{FF2B5EF4-FFF2-40B4-BE49-F238E27FC236}">
+                  <a16:creationId xmlns:a16="http://schemas.microsoft.com/office/drawing/2014/main" id="{BC13024D-4156-16CF-B883-FE56736296AA}"/>
+                </a:ext>
+              </a:extLst>
+            </p:cNvPr>
+            <p:cNvSpPr/>
+            <p:nvPr/>
+          </p:nvSpPr>
+          <p:spPr>
+            <a:xfrm>
+              <a:off x="633246" y="1424503"/>
+              <a:ext cx="2031126" cy="2185800"/>
+            </a:xfrm>
+            <a:prstGeom prst="rect">
+              <a:avLst/>
+            </a:prstGeom>
+            <a:solidFill>
+              <a:schemeClr val="accent2">
+                <a:lumMod val="75000"/>
+              </a:schemeClr>
+            </a:solidFill>
+            <a:ln>
+              <a:noFill/>
+            </a:ln>
+          </p:spPr>
+          <p:style>
+            <a:lnRef idx="2">
+              <a:schemeClr val="accent1">
+                <a:shade val="50000"/>
+              </a:schemeClr>
+            </a:lnRef>
+            <a:fillRef idx="1">
+              <a:schemeClr val="accent1"/>
+            </a:fillRef>
+            <a:effectRef idx="0">
+              <a:schemeClr val="accent1"/>
+            </a:effectRef>
+            <a:fontRef idx="minor">
+              <a:schemeClr val="lt1"/>
+            </a:fontRef>
+          </p:style>
+          <p:txBody>
+            <a:bodyPr rtlCol="0" anchor="ctr"/>
+            <a:lstStyle/>
+            <a:p>
+              <a:endParaRPr lang="en-US" dirty="0"/>
+            </a:p>
+          </p:txBody>
+        </p:sp>
+        <p:sp>
+          <p:nvSpPr>
+            <p:cNvPr id="27" name="Rectangle 26">
+              <a:extLst>
+                <a:ext uri="{FF2B5EF4-FFF2-40B4-BE49-F238E27FC236}">
+                  <a16:creationId xmlns:a16="http://schemas.microsoft.com/office/drawing/2014/main" id="{0A274B05-0FC2-D47B-76EC-124CE32FC1C5}"/>
+                </a:ext>
+              </a:extLst>
+            </p:cNvPr>
+            <p:cNvSpPr/>
+            <p:nvPr/>
+          </p:nvSpPr>
+          <p:spPr>
+            <a:xfrm>
+              <a:off x="765938" y="2053620"/>
+              <a:ext cx="1778877" cy="1150884"/>
+            </a:xfrm>
+            <a:prstGeom prst="rect">
+              <a:avLst/>
+            </a:prstGeom>
+            <a:solidFill>
+              <a:schemeClr val="accent4">
+                <a:lumMod val="40000"/>
+                <a:lumOff val="60000"/>
+              </a:schemeClr>
+            </a:solidFill>
+            <a:ln>
+              <a:noFill/>
+            </a:ln>
+          </p:spPr>
+          <p:style>
+            <a:lnRef idx="2">
+              <a:schemeClr val="accent1">
+                <a:shade val="50000"/>
+              </a:schemeClr>
+            </a:lnRef>
+            <a:fillRef idx="1">
+              <a:schemeClr val="accent1"/>
+            </a:fillRef>
+            <a:effectRef idx="0">
+              <a:schemeClr val="accent1"/>
+            </a:effectRef>
+            <a:fontRef idx="minor">
+              <a:schemeClr val="lt1"/>
+            </a:fontRef>
+          </p:style>
+          <p:txBody>
+            <a:bodyPr rtlCol="0" anchor="ctr"/>
+            <a:lstStyle/>
+            <a:p>
+              <a:endParaRPr lang="en-US" dirty="0"/>
+            </a:p>
+          </p:txBody>
+        </p:sp>
+        <p:sp>
+          <p:nvSpPr>
+            <p:cNvPr id="28" name="Rectangle 27">
+              <a:extLst>
+                <a:ext uri="{FF2B5EF4-FFF2-40B4-BE49-F238E27FC236}">
+                  <a16:creationId xmlns:a16="http://schemas.microsoft.com/office/drawing/2014/main" id="{97C88380-30F0-5F46-4DD6-0A121EC955F2}"/>
+                </a:ext>
+              </a:extLst>
+            </p:cNvPr>
+            <p:cNvSpPr/>
+            <p:nvPr/>
+          </p:nvSpPr>
+          <p:spPr>
+            <a:xfrm>
+              <a:off x="1655378" y="2319112"/>
+              <a:ext cx="756745" cy="271794"/>
+            </a:xfrm>
+            <a:prstGeom prst="rect">
+              <a:avLst/>
+            </a:prstGeom>
+            <a:solidFill>
+              <a:schemeClr val="accent6">
+                <a:lumMod val="40000"/>
+                <a:lumOff val="60000"/>
+              </a:schemeClr>
+            </a:solidFill>
+            <a:ln>
+              <a:noFill/>
+            </a:ln>
+          </p:spPr>
+          <p:style>
+            <a:lnRef idx="2">
+              <a:schemeClr val="accent1">
+                <a:shade val="50000"/>
+              </a:schemeClr>
+            </a:lnRef>
+            <a:fillRef idx="1">
+              <a:schemeClr val="accent1"/>
+            </a:fillRef>
+            <a:effectRef idx="0">
+              <a:schemeClr val="accent1"/>
+            </a:effectRef>
+            <a:fontRef idx="minor">
+              <a:schemeClr val="lt1"/>
+            </a:fontRef>
+          </p:style>
+          <p:txBody>
+            <a:bodyPr rtlCol="0" anchor="ctr"/>
+            <a:lstStyle/>
+            <a:p>
+              <a:pPr algn="ctr"/>
+              <a:r>
+                <a:rPr lang="en-US" sz="1600" dirty="0"/>
+                <a:t>Cache</a:t>
+              </a:r>
+            </a:p>
+          </p:txBody>
+        </p:sp>
+        <p:sp>
+          <p:nvSpPr>
+            <p:cNvPr id="29" name="Rectangle 28">
+              <a:extLst>
+                <a:ext uri="{FF2B5EF4-FFF2-40B4-BE49-F238E27FC236}">
+                  <a16:creationId xmlns:a16="http://schemas.microsoft.com/office/drawing/2014/main" id="{B5B91C72-980E-6C48-B414-5D6CFD3BD0DD}"/>
+                </a:ext>
+              </a:extLst>
+            </p:cNvPr>
+            <p:cNvSpPr/>
+            <p:nvPr/>
+          </p:nvSpPr>
+          <p:spPr>
+            <a:xfrm>
+              <a:off x="1655378" y="2629063"/>
+              <a:ext cx="756745" cy="504497"/>
+            </a:xfrm>
+            <a:prstGeom prst="rect">
+              <a:avLst/>
+            </a:prstGeom>
+            <a:solidFill>
+              <a:schemeClr val="bg1">
+                <a:lumMod val="75000"/>
+              </a:schemeClr>
+            </a:solidFill>
+            <a:ln>
+              <a:noFill/>
+            </a:ln>
+          </p:spPr>
+          <p:style>
+            <a:lnRef idx="2">
+              <a:schemeClr val="accent1">
+                <a:shade val="50000"/>
+              </a:schemeClr>
+            </a:lnRef>
+            <a:fillRef idx="1">
+              <a:schemeClr val="accent1"/>
+            </a:fillRef>
+            <a:effectRef idx="0">
+              <a:schemeClr val="accent1"/>
+            </a:effectRef>
+            <a:fontRef idx="minor">
+              <a:schemeClr val="lt1"/>
+            </a:fontRef>
+          </p:style>
+          <p:txBody>
+            <a:bodyPr rtlCol="0" anchor="ctr"/>
+            <a:lstStyle/>
+            <a:p>
+              <a:pPr algn="ctr"/>
+              <a:r>
+                <a:rPr lang="en-US" dirty="0"/>
+                <a:t>Task</a:t>
+              </a:r>
+            </a:p>
+          </p:txBody>
+        </p:sp>
+        <p:sp>
+          <p:nvSpPr>
+            <p:cNvPr id="30" name="Rectangle 29">
+              <a:extLst>
+                <a:ext uri="{FF2B5EF4-FFF2-40B4-BE49-F238E27FC236}">
+                  <a16:creationId xmlns:a16="http://schemas.microsoft.com/office/drawing/2014/main" id="{259BAA33-31D6-77AE-BB8B-AB58506BA5AB}"/>
+                </a:ext>
+              </a:extLst>
+            </p:cNvPr>
+            <p:cNvSpPr/>
+            <p:nvPr/>
+          </p:nvSpPr>
+          <p:spPr>
+            <a:xfrm>
+              <a:off x="835567" y="2629062"/>
+              <a:ext cx="756745" cy="504497"/>
+            </a:xfrm>
+            <a:prstGeom prst="rect">
+              <a:avLst/>
+            </a:prstGeom>
+            <a:solidFill>
+              <a:schemeClr val="bg1">
+                <a:lumMod val="75000"/>
+              </a:schemeClr>
+            </a:solidFill>
+            <a:ln>
+              <a:noFill/>
+            </a:ln>
+          </p:spPr>
+          <p:style>
+            <a:lnRef idx="2">
+              <a:schemeClr val="accent1">
+                <a:shade val="50000"/>
+              </a:schemeClr>
+            </a:lnRef>
+            <a:fillRef idx="1">
+              <a:schemeClr val="accent1"/>
+            </a:fillRef>
+            <a:effectRef idx="0">
+              <a:schemeClr val="accent1"/>
+            </a:effectRef>
+            <a:fontRef idx="minor">
+              <a:schemeClr val="lt1"/>
+            </a:fontRef>
+          </p:style>
+          <p:txBody>
+            <a:bodyPr rtlCol="0" anchor="ctr"/>
+            <a:lstStyle/>
+            <a:p>
+              <a:pPr algn="ctr"/>
+              <a:r>
+                <a:rPr lang="en-US" dirty="0"/>
+                <a:t>Task</a:t>
+              </a:r>
+            </a:p>
+          </p:txBody>
+        </p:sp>
+        <p:sp>
+          <p:nvSpPr>
+            <p:cNvPr id="31" name="TextBox 30">
+              <a:extLst>
+                <a:ext uri="{FF2B5EF4-FFF2-40B4-BE49-F238E27FC236}">
+                  <a16:creationId xmlns:a16="http://schemas.microsoft.com/office/drawing/2014/main" id="{EAF38A22-BB6B-D1E1-8677-BED619BEAB14}"/>
+                </a:ext>
+              </a:extLst>
+            </p:cNvPr>
+            <p:cNvSpPr txBox="1"/>
+            <p:nvPr/>
+          </p:nvSpPr>
+          <p:spPr>
+            <a:xfrm>
+              <a:off x="734406" y="2016889"/>
+              <a:ext cx="1119357" cy="369332"/>
+            </a:xfrm>
+            <a:prstGeom prst="rect">
+              <a:avLst/>
+            </a:prstGeom>
+            <a:noFill/>
+          </p:spPr>
+          <p:txBody>
+            <a:bodyPr wrap="square" rtlCol="0">
+              <a:spAutoFit/>
+            </a:bodyPr>
+            <a:lstStyle/>
+            <a:p>
+              <a:r>
+                <a:rPr lang="en-US" dirty="0">
+                  <a:solidFill>
+                    <a:schemeClr val="lt1"/>
+                  </a:solidFill>
+                </a:rPr>
+                <a:t>Executor</a:t>
+              </a:r>
+            </a:p>
+          </p:txBody>
+        </p:sp>
+        <p:sp>
+          <p:nvSpPr>
+            <p:cNvPr id="32" name="TextBox 31">
+              <a:extLst>
+                <a:ext uri="{FF2B5EF4-FFF2-40B4-BE49-F238E27FC236}">
+                  <a16:creationId xmlns:a16="http://schemas.microsoft.com/office/drawing/2014/main" id="{FACDC701-18BA-550B-440E-27EB2E0BE499}"/>
+                </a:ext>
+              </a:extLst>
+            </p:cNvPr>
+            <p:cNvSpPr txBox="1"/>
+            <p:nvPr/>
+          </p:nvSpPr>
+          <p:spPr>
+            <a:xfrm>
+              <a:off x="1089131" y="1463155"/>
+              <a:ext cx="1119357" cy="369332"/>
+            </a:xfrm>
+            <a:prstGeom prst="rect">
+              <a:avLst/>
+            </a:prstGeom>
+            <a:noFill/>
+          </p:spPr>
+          <p:txBody>
+            <a:bodyPr wrap="square" rtlCol="0">
+              <a:spAutoFit/>
+            </a:bodyPr>
+            <a:lstStyle/>
+            <a:p>
+              <a:r>
+                <a:rPr lang="en-US" dirty="0">
+                  <a:solidFill>
+                    <a:schemeClr val="lt1"/>
+                  </a:solidFill>
+                </a:rPr>
+                <a:t>Worker2</a:t>
+              </a:r>
+            </a:p>
+          </p:txBody>
+        </p:sp>
+        <p:sp>
+          <p:nvSpPr>
+            <p:cNvPr id="33" name="TextBox 32">
+              <a:extLst>
+                <a:ext uri="{FF2B5EF4-FFF2-40B4-BE49-F238E27FC236}">
+                  <a16:creationId xmlns:a16="http://schemas.microsoft.com/office/drawing/2014/main" id="{143EC31E-6BE2-6933-341E-D73AEBFC6449}"/>
+                </a:ext>
+              </a:extLst>
+            </p:cNvPr>
+            <p:cNvSpPr txBox="1"/>
+            <p:nvPr/>
+          </p:nvSpPr>
+          <p:spPr>
+            <a:xfrm>
+              <a:off x="914393" y="3207551"/>
+              <a:ext cx="1630422" cy="369332"/>
+            </a:xfrm>
+            <a:prstGeom prst="rect">
+              <a:avLst/>
+            </a:prstGeom>
+            <a:noFill/>
+          </p:spPr>
+          <p:txBody>
+            <a:bodyPr wrap="square" rtlCol="0">
+              <a:spAutoFit/>
+            </a:bodyPr>
+            <a:lstStyle/>
+            <a:p>
+              <a:pPr algn="ctr"/>
+              <a:r>
+                <a:rPr lang="en-US" dirty="0">
+                  <a:solidFill>
+                    <a:schemeClr val="lt1"/>
+                  </a:solidFill>
+                </a:rPr>
+                <a:t>Host 2</a:t>
+              </a:r>
+            </a:p>
+          </p:txBody>
+        </p:sp>
+      </p:grpSp>
+      <p:sp>
+        <p:nvSpPr>
+          <p:cNvPr id="35" name="Rectangle 34">
+            <a:extLst>
+              <a:ext uri="{FF2B5EF4-FFF2-40B4-BE49-F238E27FC236}">
+                <a16:creationId xmlns:a16="http://schemas.microsoft.com/office/drawing/2014/main" id="{E9294FC5-EE7A-87C9-8B85-5F22B34A09CB}"/>
+              </a:ext>
+            </a:extLst>
+          </p:cNvPr>
+          <p:cNvSpPr/>
+          <p:nvPr/>
+        </p:nvSpPr>
         <p:spPr>
           <a:xfrm>
-            <a:off x="431800" y="887115"/>
-            <a:ext cx="9492977" cy="3481685"/>
+            <a:off x="4903232" y="5028771"/>
+            <a:ext cx="2031126" cy="1494828"/>
           </a:xfrm>
           <a:prstGeom prst="rect">
             <a:avLst/>
           </a:prstGeom>
+          <a:solidFill>
+            <a:schemeClr val="accent1">
+              <a:lumMod val="75000"/>
+            </a:schemeClr>
+          </a:solidFill>
+          <a:ln>
+            <a:noFill/>
+          </a:ln>
         </p:spPr>
-      </p:pic>
-      <p:pic>
-        <p:nvPicPr>
-          <p:cNvPr id="9" name="Picture 8">
-            <a:extLst>
-              <a:ext uri="{FF2B5EF4-FFF2-40B4-BE49-F238E27FC236}">
-                <a16:creationId xmlns:a16="http://schemas.microsoft.com/office/drawing/2014/main" id="{8DB22542-32BB-8425-DA80-383D8F697C89}"/>
-              </a:ext>
-            </a:extLst>
-          </p:cNvPr>
-          <p:cNvPicPr>
-            <a:picLocks noChangeAspect="1"/>
-          </p:cNvPicPr>
+        <p:style>
+          <a:lnRef idx="2">
+            <a:schemeClr val="accent1">
+              <a:shade val="50000"/>
+            </a:schemeClr>
+          </a:lnRef>
+          <a:fillRef idx="1">
+            <a:schemeClr val="accent1"/>
+          </a:fillRef>
+          <a:effectRef idx="0">
+            <a:schemeClr val="accent1"/>
+          </a:effectRef>
+          <a:fontRef idx="minor">
+            <a:schemeClr val="lt1"/>
+          </a:fontRef>
+        </p:style>
+        <p:txBody>
+          <a:bodyPr rtlCol="0" anchor="ctr"/>
+          <a:lstStyle/>
+          <a:p>
+            <a:endParaRPr lang="en-US" dirty="0"/>
+          </a:p>
+        </p:txBody>
+      </p:sp>
+      <p:sp>
+        <p:nvSpPr>
+          <p:cNvPr id="41" name="TextBox 40">
+            <a:extLst>
+              <a:ext uri="{FF2B5EF4-FFF2-40B4-BE49-F238E27FC236}">
+                <a16:creationId xmlns:a16="http://schemas.microsoft.com/office/drawing/2014/main" id="{D6E68227-52BC-D1BD-7A25-B169577BEF6A}"/>
+              </a:ext>
+            </a:extLst>
+          </p:cNvPr>
+          <p:cNvSpPr txBox="1"/>
           <p:nvPr/>
-        </p:nvPicPr>
-        <p:blipFill>
-          <a:blip r:embed="rId3"/>
-          <a:stretch>
-            <a:fillRect/>
-          </a:stretch>
-        </p:blipFill>
+        </p:nvSpPr>
         <p:spPr>
           <a:xfrm>
-            <a:off x="431800" y="4609025"/>
-            <a:ext cx="7632700" cy="923631"/>
+            <a:off x="5294569" y="5036611"/>
+            <a:ext cx="1119357" cy="369332"/>
           </a:xfrm>
           <a:prstGeom prst="rect">
             <a:avLst/>
           </a:prstGeom>
+          <a:noFill/>
         </p:spPr>
-      </p:pic>
+        <p:txBody>
+          <a:bodyPr wrap="square" rtlCol="0">
+            <a:spAutoFit/>
+          </a:bodyPr>
+          <a:lstStyle/>
+          <a:p>
+            <a:pPr algn="ctr"/>
+            <a:r>
+              <a:rPr lang="en-US" dirty="0">
+                <a:solidFill>
+                  <a:schemeClr val="lt1"/>
+                </a:solidFill>
+              </a:rPr>
+              <a:t>Manager</a:t>
+            </a:r>
+          </a:p>
+        </p:txBody>
+      </p:sp>
+      <p:sp>
+        <p:nvSpPr>
+          <p:cNvPr id="42" name="TextBox 41">
+            <a:extLst>
+              <a:ext uri="{FF2B5EF4-FFF2-40B4-BE49-F238E27FC236}">
+                <a16:creationId xmlns:a16="http://schemas.microsoft.com/office/drawing/2014/main" id="{34A60359-38B9-B265-CCAE-27EC591510A8}"/>
+              </a:ext>
+            </a:extLst>
+          </p:cNvPr>
+          <p:cNvSpPr txBox="1"/>
+          <p:nvPr/>
+        </p:nvSpPr>
+        <p:spPr>
+          <a:xfrm>
+            <a:off x="5037730" y="6154266"/>
+            <a:ext cx="1630422" cy="369332"/>
+          </a:xfrm>
+          <a:prstGeom prst="rect">
+            <a:avLst/>
+          </a:prstGeom>
+          <a:noFill/>
+        </p:spPr>
+        <p:txBody>
+          <a:bodyPr wrap="square" rtlCol="0">
+            <a:spAutoFit/>
+          </a:bodyPr>
+          <a:lstStyle/>
+          <a:p>
+            <a:pPr algn="ctr"/>
+            <a:r>
+              <a:rPr lang="en-US" dirty="0">
+                <a:solidFill>
+                  <a:schemeClr val="lt1"/>
+                </a:solidFill>
+              </a:rPr>
+              <a:t>Host m </a:t>
+            </a:r>
+          </a:p>
+        </p:txBody>
+      </p:sp>
+      <p:sp>
+        <p:nvSpPr>
+          <p:cNvPr id="44" name="Rectangle 43">
+            <a:extLst>
+              <a:ext uri="{FF2B5EF4-FFF2-40B4-BE49-F238E27FC236}">
+                <a16:creationId xmlns:a16="http://schemas.microsoft.com/office/drawing/2014/main" id="{09ECB459-E7C9-A1B4-A0B8-6FC1ABEB593A}"/>
+              </a:ext>
+            </a:extLst>
+          </p:cNvPr>
+          <p:cNvSpPr/>
+          <p:nvPr/>
+        </p:nvSpPr>
+        <p:spPr>
+          <a:xfrm>
+            <a:off x="5077794" y="5642340"/>
+            <a:ext cx="1630422" cy="511926"/>
+          </a:xfrm>
+          <a:prstGeom prst="rect">
+            <a:avLst/>
+          </a:prstGeom>
+          <a:solidFill>
+            <a:schemeClr val="accent3">
+              <a:lumMod val="60000"/>
+              <a:lumOff val="40000"/>
+            </a:schemeClr>
+          </a:solidFill>
+          <a:ln>
+            <a:noFill/>
+          </a:ln>
+        </p:spPr>
+        <p:style>
+          <a:lnRef idx="2">
+            <a:schemeClr val="accent1">
+              <a:shade val="50000"/>
+            </a:schemeClr>
+          </a:lnRef>
+          <a:fillRef idx="1">
+            <a:schemeClr val="accent1"/>
+          </a:fillRef>
+          <a:effectRef idx="0">
+            <a:schemeClr val="accent1"/>
+          </a:effectRef>
+          <a:fontRef idx="minor">
+            <a:schemeClr val="lt1"/>
+          </a:fontRef>
+        </p:style>
+        <p:txBody>
+          <a:bodyPr rtlCol="0" anchor="ctr"/>
+          <a:lstStyle/>
+          <a:p>
+            <a:pPr algn="ctr"/>
+            <a:r>
+              <a:rPr lang="en-US" dirty="0"/>
+              <a:t>SparkContext</a:t>
+            </a:r>
+          </a:p>
+        </p:txBody>
+      </p:sp>
+      <p:cxnSp>
+        <p:nvCxnSpPr>
+          <p:cNvPr id="46" name="Straight Arrow Connector 45">
+            <a:extLst>
+              <a:ext uri="{FF2B5EF4-FFF2-40B4-BE49-F238E27FC236}">
+                <a16:creationId xmlns:a16="http://schemas.microsoft.com/office/drawing/2014/main" id="{33EE8B1E-152D-C675-FEC7-FDD29F458186}"/>
+              </a:ext>
+            </a:extLst>
+          </p:cNvPr>
+          <p:cNvCxnSpPr>
+            <a:stCxn id="12" idx="3"/>
+            <a:endCxn id="26" idx="1"/>
+          </p:cNvCxnSpPr>
+          <p:nvPr/>
+        </p:nvCxnSpPr>
+        <p:spPr>
+          <a:xfrm>
+            <a:off x="3621462" y="3093815"/>
+            <a:ext cx="1281770" cy="0"/>
+          </a:xfrm>
+          <a:prstGeom prst="straightConnector1">
+            <a:avLst/>
+          </a:prstGeom>
+          <a:ln>
+            <a:headEnd type="triangle"/>
+            <a:tailEnd type="triangle"/>
+          </a:ln>
+        </p:spPr>
+        <p:style>
+          <a:lnRef idx="1">
+            <a:schemeClr val="dk1"/>
+          </a:lnRef>
+          <a:fillRef idx="0">
+            <a:schemeClr val="dk1"/>
+          </a:fillRef>
+          <a:effectRef idx="0">
+            <a:schemeClr val="dk1"/>
+          </a:effectRef>
+          <a:fontRef idx="minor">
+            <a:schemeClr val="tx1"/>
+          </a:fontRef>
+        </p:style>
+      </p:cxnSp>
+      <p:cxnSp>
+        <p:nvCxnSpPr>
+          <p:cNvPr id="48" name="Straight Arrow Connector 47">
+            <a:extLst>
+              <a:ext uri="{FF2B5EF4-FFF2-40B4-BE49-F238E27FC236}">
+                <a16:creationId xmlns:a16="http://schemas.microsoft.com/office/drawing/2014/main" id="{37E7142C-D7A9-BE60-3C87-FD7534BA5873}"/>
+              </a:ext>
+            </a:extLst>
+          </p:cNvPr>
+          <p:cNvCxnSpPr>
+            <a:cxnSpLocks/>
+            <a:stCxn id="26" idx="3"/>
+            <a:endCxn id="17" idx="1"/>
+          </p:cNvCxnSpPr>
+          <p:nvPr/>
+        </p:nvCxnSpPr>
+        <p:spPr>
+          <a:xfrm>
+            <a:off x="6934358" y="3093815"/>
+            <a:ext cx="1413477" cy="0"/>
+          </a:xfrm>
+          <a:prstGeom prst="straightConnector1">
+            <a:avLst/>
+          </a:prstGeom>
+          <a:ln>
+            <a:headEnd type="triangle"/>
+            <a:tailEnd type="triangle"/>
+          </a:ln>
+        </p:spPr>
+        <p:style>
+          <a:lnRef idx="1">
+            <a:schemeClr val="dk1"/>
+          </a:lnRef>
+          <a:fillRef idx="0">
+            <a:schemeClr val="dk1"/>
+          </a:fillRef>
+          <a:effectRef idx="0">
+            <a:schemeClr val="dk1"/>
+          </a:effectRef>
+          <a:fontRef idx="minor">
+            <a:schemeClr val="tx1"/>
+          </a:fontRef>
+        </p:style>
+      </p:cxnSp>
+      <p:cxnSp>
+        <p:nvCxnSpPr>
+          <p:cNvPr id="50" name="Straight Arrow Connector 49">
+            <a:extLst>
+              <a:ext uri="{FF2B5EF4-FFF2-40B4-BE49-F238E27FC236}">
+                <a16:creationId xmlns:a16="http://schemas.microsoft.com/office/drawing/2014/main" id="{0A82BA18-A0B5-6CB4-72B8-68356FAC9428}"/>
+              </a:ext>
+            </a:extLst>
+          </p:cNvPr>
+          <p:cNvCxnSpPr>
+            <a:cxnSpLocks/>
+          </p:cNvCxnSpPr>
+          <p:nvPr/>
+        </p:nvCxnSpPr>
+        <p:spPr>
+          <a:xfrm flipH="1" flipV="1">
+            <a:off x="2810853" y="4202766"/>
+            <a:ext cx="2092379" cy="826005"/>
+          </a:xfrm>
+          <a:prstGeom prst="straightConnector1">
+            <a:avLst/>
+          </a:prstGeom>
+          <a:ln>
+            <a:headEnd type="triangle"/>
+            <a:tailEnd type="triangle"/>
+          </a:ln>
+        </p:spPr>
+        <p:style>
+          <a:lnRef idx="1">
+            <a:schemeClr val="dk1"/>
+          </a:lnRef>
+          <a:fillRef idx="0">
+            <a:schemeClr val="dk1"/>
+          </a:fillRef>
+          <a:effectRef idx="0">
+            <a:schemeClr val="dk1"/>
+          </a:effectRef>
+          <a:fontRef idx="minor">
+            <a:schemeClr val="tx1"/>
+          </a:fontRef>
+        </p:style>
+      </p:cxnSp>
+      <p:cxnSp>
+        <p:nvCxnSpPr>
+          <p:cNvPr id="52" name="Straight Arrow Connector 51">
+            <a:extLst>
+              <a:ext uri="{FF2B5EF4-FFF2-40B4-BE49-F238E27FC236}">
+                <a16:creationId xmlns:a16="http://schemas.microsoft.com/office/drawing/2014/main" id="{F59E6196-DC41-5BF9-0823-9DDE8CADD630}"/>
+              </a:ext>
+            </a:extLst>
+          </p:cNvPr>
+          <p:cNvCxnSpPr>
+            <a:cxnSpLocks/>
+            <a:stCxn id="35" idx="0"/>
+            <a:endCxn id="26" idx="2"/>
+          </p:cNvCxnSpPr>
+          <p:nvPr/>
+        </p:nvCxnSpPr>
+        <p:spPr>
+          <a:xfrm flipV="1">
+            <a:off x="5918795" y="4186715"/>
+            <a:ext cx="0" cy="842056"/>
+          </a:xfrm>
+          <a:prstGeom prst="straightConnector1">
+            <a:avLst/>
+          </a:prstGeom>
+          <a:ln>
+            <a:headEnd type="triangle"/>
+            <a:tailEnd type="triangle"/>
+          </a:ln>
+        </p:spPr>
+        <p:style>
+          <a:lnRef idx="1">
+            <a:schemeClr val="dk1"/>
+          </a:lnRef>
+          <a:fillRef idx="0">
+            <a:schemeClr val="dk1"/>
+          </a:fillRef>
+          <a:effectRef idx="0">
+            <a:schemeClr val="dk1"/>
+          </a:effectRef>
+          <a:fontRef idx="minor">
+            <a:schemeClr val="tx1"/>
+          </a:fontRef>
+        </p:style>
+      </p:cxnSp>
+      <p:cxnSp>
+        <p:nvCxnSpPr>
+          <p:cNvPr id="54" name="Straight Arrow Connector 53">
+            <a:extLst>
+              <a:ext uri="{FF2B5EF4-FFF2-40B4-BE49-F238E27FC236}">
+                <a16:creationId xmlns:a16="http://schemas.microsoft.com/office/drawing/2014/main" id="{3D2B225A-360A-FA49-A55E-BD62B5DD29C4}"/>
+              </a:ext>
+            </a:extLst>
+          </p:cNvPr>
+          <p:cNvCxnSpPr>
+            <a:cxnSpLocks/>
+          </p:cNvCxnSpPr>
+          <p:nvPr/>
+        </p:nvCxnSpPr>
+        <p:spPr>
+          <a:xfrm flipV="1">
+            <a:off x="6934358" y="4188001"/>
+            <a:ext cx="2429040" cy="848610"/>
+          </a:xfrm>
+          <a:prstGeom prst="straightConnector1">
+            <a:avLst/>
+          </a:prstGeom>
+          <a:ln>
+            <a:headEnd type="triangle"/>
+            <a:tailEnd type="triangle"/>
+          </a:ln>
+        </p:spPr>
+        <p:style>
+          <a:lnRef idx="1">
+            <a:schemeClr val="dk1"/>
+          </a:lnRef>
+          <a:fillRef idx="0">
+            <a:schemeClr val="dk1"/>
+          </a:fillRef>
+          <a:effectRef idx="0">
+            <a:schemeClr val="dk1"/>
+          </a:effectRef>
+          <a:fontRef idx="minor">
+            <a:schemeClr val="tx1"/>
+          </a:fontRef>
+        </p:style>
+      </p:cxnSp>
+      <p:cxnSp>
+        <p:nvCxnSpPr>
+          <p:cNvPr id="67" name="Connector: Curved 66">
+            <a:extLst>
+              <a:ext uri="{FF2B5EF4-FFF2-40B4-BE49-F238E27FC236}">
+                <a16:creationId xmlns:a16="http://schemas.microsoft.com/office/drawing/2014/main" id="{31E7C6F4-1081-B94B-CE74-18881764D417}"/>
+              </a:ext>
+            </a:extLst>
+          </p:cNvPr>
+          <p:cNvCxnSpPr>
+            <a:stCxn id="13" idx="0"/>
+            <a:endCxn id="23" idx="0"/>
+          </p:cNvCxnSpPr>
+          <p:nvPr/>
+        </p:nvCxnSpPr>
+        <p:spPr>
+          <a:xfrm rot="5400000" flipH="1" flipV="1">
+            <a:off x="5984649" y="-1339182"/>
+            <a:ext cx="12700" cy="6757499"/>
+          </a:xfrm>
+          <a:prstGeom prst="curvedConnector3">
+            <a:avLst>
+              <a:gd name="adj1" fmla="val 5648276"/>
+            </a:avLst>
+          </a:prstGeom>
+          <a:ln>
+            <a:headEnd type="triangle"/>
+            <a:tailEnd type="triangle"/>
+          </a:ln>
+        </p:spPr>
+        <p:style>
+          <a:lnRef idx="1">
+            <a:schemeClr val="dk1"/>
+          </a:lnRef>
+          <a:fillRef idx="0">
+            <a:schemeClr val="dk1"/>
+          </a:fillRef>
+          <a:effectRef idx="0">
+            <a:schemeClr val="dk1"/>
+          </a:effectRef>
+          <a:fontRef idx="minor">
+            <a:schemeClr val="tx1"/>
+          </a:fontRef>
+        </p:style>
+      </p:cxnSp>
     </p:spTree>
     <p:extLst>
       <p:ext uri="{BB962C8B-B14F-4D97-AF65-F5344CB8AC3E}">
-        <p14:creationId xmlns:p14="http://schemas.microsoft.com/office/powerpoint/2010/main" val="1687381793"/>
+        <p14:creationId xmlns:p14="http://schemas.microsoft.com/office/powerpoint/2010/main" val="497707828"/>
       </p:ext>
     </p:extLst>
   </p:cSld>
@@ -4900,6 +6561,59 @@
       </p:grpSpPr>
       <p:sp>
         <p:nvSpPr>
+          <p:cNvPr id="122" name="Rectangle: Rounded Corners 121">
+            <a:extLst>
+              <a:ext uri="{FF2B5EF4-FFF2-40B4-BE49-F238E27FC236}">
+                <a16:creationId xmlns:a16="http://schemas.microsoft.com/office/drawing/2014/main" id="{8DAFDC05-705C-ADAD-8E0A-8A7A653C8A88}"/>
+              </a:ext>
+            </a:extLst>
+          </p:cNvPr>
+          <p:cNvSpPr/>
+          <p:nvPr/>
+        </p:nvSpPr>
+        <p:spPr>
+          <a:xfrm>
+            <a:off x="2238703" y="1117062"/>
+            <a:ext cx="7409794" cy="5220676"/>
+          </a:xfrm>
+          <a:prstGeom prst="roundRect">
+            <a:avLst/>
+          </a:prstGeom>
+          <a:solidFill>
+            <a:srgbClr val="0070C0"/>
+          </a:solidFill>
+          <a:ln>
+            <a:noFill/>
+            <a:prstDash val="lgDashDot"/>
+          </a:ln>
+        </p:spPr>
+        <p:style>
+          <a:lnRef idx="2">
+            <a:schemeClr val="accent1">
+              <a:shade val="50000"/>
+            </a:schemeClr>
+          </a:lnRef>
+          <a:fillRef idx="1">
+            <a:schemeClr val="accent1"/>
+          </a:fillRef>
+          <a:effectRef idx="0">
+            <a:schemeClr val="accent1"/>
+          </a:effectRef>
+          <a:fontRef idx="minor">
+            <a:schemeClr val="lt1"/>
+          </a:fontRef>
+        </p:style>
+        <p:txBody>
+          <a:bodyPr rtlCol="0" anchor="ctr"/>
+          <a:lstStyle/>
+          <a:p>
+            <a:pPr algn="ctr"/>
+            <a:endParaRPr lang="en-US"/>
+          </a:p>
+        </p:txBody>
+      </p:sp>
+      <p:sp>
+        <p:nvSpPr>
           <p:cNvPr id="2" name="Title 1">
             <a:extLst>
               <a:ext uri="{FF2B5EF4-FFF2-40B4-BE49-F238E27FC236}">
@@ -4914,52 +6628,1956 @@
             <p:ph type="title"/>
           </p:nvPr>
         </p:nvSpPr>
-        <p:spPr/>
+        <p:spPr>
+          <a:xfrm>
+            <a:off x="754103" y="79156"/>
+            <a:ext cx="10515600" cy="1325563"/>
+          </a:xfrm>
+        </p:spPr>
         <p:txBody>
           <a:bodyPr/>
           <a:lstStyle/>
           <a:p>
             <a:r>
               <a:rPr lang="en-US" dirty="0"/>
-              <a:t>Spark UI</a:t>
-            </a:r>
-          </a:p>
-        </p:txBody>
-      </p:sp>
-      <p:pic>
-        <p:nvPicPr>
-          <p:cNvPr id="3" name="Picture 2">
-            <a:extLst>
-              <a:ext uri="{FF2B5EF4-FFF2-40B4-BE49-F238E27FC236}">
-                <a16:creationId xmlns:a16="http://schemas.microsoft.com/office/drawing/2014/main" id="{A6598981-2E53-AB0F-F7F9-1186689ED018}"/>
-              </a:ext>
-            </a:extLst>
-          </p:cNvPr>
-          <p:cNvPicPr>
-            <a:picLocks noChangeAspect="1"/>
-          </p:cNvPicPr>
+              <a:t>Architecture diagram</a:t>
+            </a:r>
+          </a:p>
+        </p:txBody>
+      </p:sp>
+      <p:grpSp>
+        <p:nvGrpSpPr>
+          <p:cNvPr id="74" name="Group 73">
+            <a:extLst>
+              <a:ext uri="{FF2B5EF4-FFF2-40B4-BE49-F238E27FC236}">
+                <a16:creationId xmlns:a16="http://schemas.microsoft.com/office/drawing/2014/main" id="{F4B95F8E-9385-8BA7-EAFA-4D1691A9D8AC}"/>
+              </a:ext>
+            </a:extLst>
+          </p:cNvPr>
+          <p:cNvGrpSpPr/>
           <p:nvPr/>
-        </p:nvPicPr>
-        <p:blipFill>
-          <a:blip r:embed="rId2"/>
-          <a:stretch>
-            <a:fillRect/>
-          </a:stretch>
-        </p:blipFill>
+        </p:nvGrpSpPr>
+        <p:grpSpPr>
+          <a:xfrm>
+            <a:off x="3080820" y="2340417"/>
+            <a:ext cx="2490952" cy="2982251"/>
+            <a:chOff x="4776952" y="3182606"/>
+            <a:chExt cx="2490952" cy="3170896"/>
+          </a:xfrm>
+        </p:grpSpPr>
+        <p:grpSp>
+          <p:nvGrpSpPr>
+            <p:cNvPr id="60" name="Group 59">
+              <a:extLst>
+                <a:ext uri="{FF2B5EF4-FFF2-40B4-BE49-F238E27FC236}">
+                  <a16:creationId xmlns:a16="http://schemas.microsoft.com/office/drawing/2014/main" id="{81202DAF-718E-B7BD-AF2D-B45C0C4F8F22}"/>
+                </a:ext>
+              </a:extLst>
+            </p:cNvPr>
+            <p:cNvGrpSpPr/>
+            <p:nvPr/>
+          </p:nvGrpSpPr>
+          <p:grpSpPr>
+            <a:xfrm>
+              <a:off x="4776952" y="3182606"/>
+              <a:ext cx="2490952" cy="3170896"/>
+              <a:chOff x="4776952" y="3429000"/>
+              <a:chExt cx="2490952" cy="3170896"/>
+            </a:xfrm>
+            <a:solidFill>
+              <a:schemeClr val="accent6">
+                <a:lumMod val="40000"/>
+                <a:lumOff val="60000"/>
+              </a:schemeClr>
+            </a:solidFill>
+          </p:grpSpPr>
+          <p:sp>
+            <p:nvSpPr>
+              <p:cNvPr id="57" name="Rectangle 56">
+                <a:extLst>
+                  <a:ext uri="{FF2B5EF4-FFF2-40B4-BE49-F238E27FC236}">
+                    <a16:creationId xmlns:a16="http://schemas.microsoft.com/office/drawing/2014/main" id="{F0B5B089-FDF8-476A-2F22-8546CEC8B882}"/>
+                  </a:ext>
+                </a:extLst>
+              </p:cNvPr>
+              <p:cNvSpPr/>
+              <p:nvPr/>
+            </p:nvSpPr>
+            <p:spPr>
+              <a:xfrm>
+                <a:off x="4776952" y="3429000"/>
+                <a:ext cx="2490952" cy="3170896"/>
+              </a:xfrm>
+              <a:prstGeom prst="rect">
+                <a:avLst/>
+              </a:prstGeom>
+              <a:solidFill>
+                <a:schemeClr val="bg1">
+                  <a:lumMod val="95000"/>
+                </a:schemeClr>
+              </a:solidFill>
+              <a:ln>
+                <a:noFill/>
+              </a:ln>
+            </p:spPr>
+            <p:style>
+              <a:lnRef idx="2">
+                <a:schemeClr val="accent1">
+                  <a:shade val="50000"/>
+                </a:schemeClr>
+              </a:lnRef>
+              <a:fillRef idx="1">
+                <a:schemeClr val="accent1"/>
+              </a:fillRef>
+              <a:effectRef idx="0">
+                <a:schemeClr val="accent1"/>
+              </a:effectRef>
+              <a:fontRef idx="minor">
+                <a:schemeClr val="lt1"/>
+              </a:fontRef>
+            </p:style>
+            <p:txBody>
+              <a:bodyPr rtlCol="0" anchor="ctr"/>
+              <a:lstStyle/>
+              <a:p>
+                <a:pPr algn="ctr"/>
+                <a:endParaRPr lang="en-US" dirty="0"/>
+              </a:p>
+            </p:txBody>
+          </p:sp>
+          <p:sp>
+            <p:nvSpPr>
+              <p:cNvPr id="58" name="TextBox 57">
+                <a:extLst>
+                  <a:ext uri="{FF2B5EF4-FFF2-40B4-BE49-F238E27FC236}">
+                    <a16:creationId xmlns:a16="http://schemas.microsoft.com/office/drawing/2014/main" id="{35E23F13-344B-4182-4625-287E84B0BD57}"/>
+                  </a:ext>
+                </a:extLst>
+              </p:cNvPr>
+              <p:cNvSpPr txBox="1"/>
+              <p:nvPr/>
+            </p:nvSpPr>
+            <p:spPr>
+              <a:xfrm>
+                <a:off x="5478071" y="6230564"/>
+                <a:ext cx="852156" cy="369332"/>
+              </a:xfrm>
+              <a:prstGeom prst="rect">
+                <a:avLst/>
+              </a:prstGeom>
+              <a:noFill/>
+            </p:spPr>
+            <p:txBody>
+              <a:bodyPr wrap="none" rtlCol="0">
+                <a:spAutoFit/>
+              </a:bodyPr>
+              <a:lstStyle/>
+              <a:p>
+                <a:r>
+                  <a:rPr lang="en-US" dirty="0"/>
+                  <a:t>Host m</a:t>
+                </a:r>
+              </a:p>
+            </p:txBody>
+          </p:sp>
+        </p:grpSp>
+        <p:grpSp>
+          <p:nvGrpSpPr>
+            <p:cNvPr id="61" name="Group 60">
+              <a:extLst>
+                <a:ext uri="{FF2B5EF4-FFF2-40B4-BE49-F238E27FC236}">
+                  <a16:creationId xmlns:a16="http://schemas.microsoft.com/office/drawing/2014/main" id="{1DF101F6-EE23-7A72-73BA-B7ABB08FA19B}"/>
+                </a:ext>
+              </a:extLst>
+            </p:cNvPr>
+            <p:cNvGrpSpPr/>
+            <p:nvPr/>
+          </p:nvGrpSpPr>
+          <p:grpSpPr>
+            <a:xfrm>
+              <a:off x="4897792" y="3345915"/>
+              <a:ext cx="2236027" cy="744089"/>
+              <a:chOff x="4897792" y="3345915"/>
+              <a:chExt cx="2236027" cy="744089"/>
+            </a:xfrm>
+          </p:grpSpPr>
+          <p:sp>
+            <p:nvSpPr>
+              <p:cNvPr id="3" name="Rectangle 2">
+                <a:extLst>
+                  <a:ext uri="{FF2B5EF4-FFF2-40B4-BE49-F238E27FC236}">
+                    <a16:creationId xmlns:a16="http://schemas.microsoft.com/office/drawing/2014/main" id="{92DEC80B-42CE-1471-CF8F-20BC1F8406BE}"/>
+                  </a:ext>
+                </a:extLst>
+              </p:cNvPr>
+              <p:cNvSpPr/>
+              <p:nvPr/>
+            </p:nvSpPr>
+            <p:spPr>
+              <a:xfrm>
+                <a:off x="4911037" y="3380455"/>
+                <a:ext cx="2222782" cy="709549"/>
+              </a:xfrm>
+              <a:prstGeom prst="rect">
+                <a:avLst/>
+              </a:prstGeom>
+              <a:solidFill>
+                <a:schemeClr val="accent1">
+                  <a:lumMod val="40000"/>
+                  <a:lumOff val="60000"/>
+                </a:schemeClr>
+              </a:solidFill>
+              <a:ln>
+                <a:noFill/>
+              </a:ln>
+            </p:spPr>
+            <p:style>
+              <a:lnRef idx="2">
+                <a:schemeClr val="accent1">
+                  <a:shade val="50000"/>
+                </a:schemeClr>
+              </a:lnRef>
+              <a:fillRef idx="1">
+                <a:schemeClr val="accent1"/>
+              </a:fillRef>
+              <a:effectRef idx="0">
+                <a:schemeClr val="accent1"/>
+              </a:effectRef>
+              <a:fontRef idx="minor">
+                <a:schemeClr val="lt1"/>
+              </a:fontRef>
+            </p:style>
+            <p:txBody>
+              <a:bodyPr rtlCol="0" anchor="ctr"/>
+              <a:lstStyle/>
+              <a:p>
+                <a:pPr algn="ctr"/>
+                <a:endParaRPr lang="en-US" dirty="0"/>
+              </a:p>
+            </p:txBody>
+          </p:sp>
+          <p:grpSp>
+            <p:nvGrpSpPr>
+              <p:cNvPr id="59" name="Group 58">
+                <a:extLst>
+                  <a:ext uri="{FF2B5EF4-FFF2-40B4-BE49-F238E27FC236}">
+                    <a16:creationId xmlns:a16="http://schemas.microsoft.com/office/drawing/2014/main" id="{5A4446C2-EAC4-6D76-638F-DA5BE2C96110}"/>
+                  </a:ext>
+                </a:extLst>
+              </p:cNvPr>
+              <p:cNvGrpSpPr/>
+              <p:nvPr/>
+            </p:nvGrpSpPr>
+            <p:grpSpPr>
+              <a:xfrm>
+                <a:off x="5142157" y="3632415"/>
+                <a:ext cx="1734051" cy="354913"/>
+                <a:chOff x="5223535" y="3709109"/>
+                <a:chExt cx="1734051" cy="432850"/>
+              </a:xfrm>
+            </p:grpSpPr>
+            <p:sp>
+              <p:nvSpPr>
+                <p:cNvPr id="35" name="Rectangle 34">
+                  <a:extLst>
+                    <a:ext uri="{FF2B5EF4-FFF2-40B4-BE49-F238E27FC236}">
+                      <a16:creationId xmlns:a16="http://schemas.microsoft.com/office/drawing/2014/main" id="{E9294FC5-EE7A-87C9-8B85-5F22B34A09CB}"/>
+                    </a:ext>
+                  </a:extLst>
+                </p:cNvPr>
+                <p:cNvSpPr/>
+                <p:nvPr/>
+              </p:nvSpPr>
+              <p:spPr>
+                <a:xfrm>
+                  <a:off x="5223535" y="3717956"/>
+                  <a:ext cx="1734051" cy="424003"/>
+                </a:xfrm>
+                <a:prstGeom prst="rect">
+                  <a:avLst/>
+                </a:prstGeom>
+                <a:solidFill>
+                  <a:schemeClr val="accent1">
+                    <a:lumMod val="75000"/>
+                  </a:schemeClr>
+                </a:solidFill>
+                <a:ln>
+                  <a:noFill/>
+                </a:ln>
+              </p:spPr>
+              <p:style>
+                <a:lnRef idx="2">
+                  <a:schemeClr val="accent1">
+                    <a:shade val="50000"/>
+                  </a:schemeClr>
+                </a:lnRef>
+                <a:fillRef idx="1">
+                  <a:schemeClr val="accent1"/>
+                </a:fillRef>
+                <a:effectRef idx="0">
+                  <a:schemeClr val="accent1"/>
+                </a:effectRef>
+                <a:fontRef idx="minor">
+                  <a:schemeClr val="lt1"/>
+                </a:fontRef>
+              </p:style>
+              <p:txBody>
+                <a:bodyPr rtlCol="0" anchor="ctr"/>
+                <a:lstStyle/>
+                <a:p>
+                  <a:endParaRPr lang="en-US" dirty="0"/>
+                </a:p>
+              </p:txBody>
+            </p:sp>
+            <p:sp>
+              <p:nvSpPr>
+                <p:cNvPr id="41" name="TextBox 40">
+                  <a:extLst>
+                    <a:ext uri="{FF2B5EF4-FFF2-40B4-BE49-F238E27FC236}">
+                      <a16:creationId xmlns:a16="http://schemas.microsoft.com/office/drawing/2014/main" id="{D6E68227-52BC-D1BD-7A25-B169577BEF6A}"/>
+                    </a:ext>
+                  </a:extLst>
+                </p:cNvPr>
+                <p:cNvSpPr txBox="1"/>
+                <p:nvPr/>
+              </p:nvSpPr>
+              <p:spPr>
+                <a:xfrm>
+                  <a:off x="5478071" y="3709109"/>
+                  <a:ext cx="1224979" cy="424003"/>
+                </a:xfrm>
+                <a:prstGeom prst="rect">
+                  <a:avLst/>
+                </a:prstGeom>
+                <a:noFill/>
+              </p:spPr>
+              <p:txBody>
+                <a:bodyPr wrap="square" rtlCol="0">
+                  <a:spAutoFit/>
+                </a:bodyPr>
+                <a:lstStyle/>
+                <a:p>
+                  <a:pPr algn="ctr"/>
+                  <a:r>
+                    <a:rPr lang="en-US" dirty="0">
+                      <a:solidFill>
+                        <a:schemeClr val="lt1"/>
+                      </a:solidFill>
+                    </a:rPr>
+                    <a:t>Manager</a:t>
+                  </a:r>
+                </a:p>
+              </p:txBody>
+            </p:sp>
+          </p:grpSp>
+          <p:sp>
+            <p:nvSpPr>
+              <p:cNvPr id="5" name="TextBox 4">
+                <a:extLst>
+                  <a:ext uri="{FF2B5EF4-FFF2-40B4-BE49-F238E27FC236}">
+                    <a16:creationId xmlns:a16="http://schemas.microsoft.com/office/drawing/2014/main" id="{A8F294A7-FC9C-E35C-C5B4-E57C3DB3A534}"/>
+                  </a:ext>
+                </a:extLst>
+              </p:cNvPr>
+              <p:cNvSpPr txBox="1"/>
+              <p:nvPr/>
+            </p:nvSpPr>
+            <p:spPr>
+              <a:xfrm>
+                <a:off x="4897792" y="3345915"/>
+                <a:ext cx="1510694" cy="338554"/>
+              </a:xfrm>
+              <a:prstGeom prst="rect">
+                <a:avLst/>
+              </a:prstGeom>
+              <a:noFill/>
+            </p:spPr>
+            <p:txBody>
+              <a:bodyPr wrap="square" rtlCol="0">
+                <a:spAutoFit/>
+              </a:bodyPr>
+              <a:lstStyle/>
+              <a:p>
+                <a:r>
+                  <a:rPr lang="en-US" sz="1600" dirty="0"/>
+                  <a:t>Container 1</a:t>
+                </a:r>
+              </a:p>
+            </p:txBody>
+          </p:sp>
+        </p:grpSp>
+        <p:grpSp>
+          <p:nvGrpSpPr>
+            <p:cNvPr id="62" name="Group 61">
+              <a:extLst>
+                <a:ext uri="{FF2B5EF4-FFF2-40B4-BE49-F238E27FC236}">
+                  <a16:creationId xmlns:a16="http://schemas.microsoft.com/office/drawing/2014/main" id="{1249797B-C7EE-3014-EEA3-94AF13675AE7}"/>
+                </a:ext>
+              </a:extLst>
+            </p:cNvPr>
+            <p:cNvGrpSpPr/>
+            <p:nvPr/>
+          </p:nvGrpSpPr>
+          <p:grpSpPr>
+            <a:xfrm>
+              <a:off x="4889393" y="4387111"/>
+              <a:ext cx="2236027" cy="744089"/>
+              <a:chOff x="4897792" y="3345915"/>
+              <a:chExt cx="2236027" cy="744089"/>
+            </a:xfrm>
+          </p:grpSpPr>
+          <p:sp>
+            <p:nvSpPr>
+              <p:cNvPr id="63" name="Rectangle 62">
+                <a:extLst>
+                  <a:ext uri="{FF2B5EF4-FFF2-40B4-BE49-F238E27FC236}">
+                    <a16:creationId xmlns:a16="http://schemas.microsoft.com/office/drawing/2014/main" id="{7B9243B6-151C-9DC6-BD18-52116B6CC136}"/>
+                  </a:ext>
+                </a:extLst>
+              </p:cNvPr>
+              <p:cNvSpPr/>
+              <p:nvPr/>
+            </p:nvSpPr>
+            <p:spPr>
+              <a:xfrm>
+                <a:off x="4911037" y="3380455"/>
+                <a:ext cx="2222782" cy="709549"/>
+              </a:xfrm>
+              <a:prstGeom prst="rect">
+                <a:avLst/>
+              </a:prstGeom>
+              <a:solidFill>
+                <a:schemeClr val="accent1">
+                  <a:lumMod val="40000"/>
+                  <a:lumOff val="60000"/>
+                </a:schemeClr>
+              </a:solidFill>
+              <a:ln>
+                <a:noFill/>
+              </a:ln>
+            </p:spPr>
+            <p:style>
+              <a:lnRef idx="2">
+                <a:schemeClr val="accent1">
+                  <a:shade val="50000"/>
+                </a:schemeClr>
+              </a:lnRef>
+              <a:fillRef idx="1">
+                <a:schemeClr val="accent1"/>
+              </a:fillRef>
+              <a:effectRef idx="0">
+                <a:schemeClr val="accent1"/>
+              </a:effectRef>
+              <a:fontRef idx="minor">
+                <a:schemeClr val="lt1"/>
+              </a:fontRef>
+            </p:style>
+            <p:txBody>
+              <a:bodyPr rtlCol="0" anchor="ctr"/>
+              <a:lstStyle/>
+              <a:p>
+                <a:pPr algn="ctr"/>
+                <a:endParaRPr lang="en-US" dirty="0"/>
+              </a:p>
+            </p:txBody>
+          </p:sp>
+          <p:grpSp>
+            <p:nvGrpSpPr>
+              <p:cNvPr id="64" name="Group 63">
+                <a:extLst>
+                  <a:ext uri="{FF2B5EF4-FFF2-40B4-BE49-F238E27FC236}">
+                    <a16:creationId xmlns:a16="http://schemas.microsoft.com/office/drawing/2014/main" id="{0121CDFD-242A-C1F0-F428-7DB7B1219F49}"/>
+                  </a:ext>
+                </a:extLst>
+              </p:cNvPr>
+              <p:cNvGrpSpPr/>
+              <p:nvPr/>
+            </p:nvGrpSpPr>
+            <p:grpSpPr>
+              <a:xfrm>
+                <a:off x="5142157" y="3632417"/>
+                <a:ext cx="1734051" cy="369332"/>
+                <a:chOff x="5223535" y="3709109"/>
+                <a:chExt cx="1734051" cy="450435"/>
+              </a:xfrm>
+            </p:grpSpPr>
+            <p:sp>
+              <p:nvSpPr>
+                <p:cNvPr id="66" name="Rectangle 65">
+                  <a:extLst>
+                    <a:ext uri="{FF2B5EF4-FFF2-40B4-BE49-F238E27FC236}">
+                      <a16:creationId xmlns:a16="http://schemas.microsoft.com/office/drawing/2014/main" id="{52D19DA7-47FD-4E43-7552-03FBD57713FD}"/>
+                    </a:ext>
+                  </a:extLst>
+                </p:cNvPr>
+                <p:cNvSpPr/>
+                <p:nvPr/>
+              </p:nvSpPr>
+              <p:spPr>
+                <a:xfrm>
+                  <a:off x="5223535" y="3717956"/>
+                  <a:ext cx="1734051" cy="424003"/>
+                </a:xfrm>
+                <a:prstGeom prst="rect">
+                  <a:avLst/>
+                </a:prstGeom>
+                <a:solidFill>
+                  <a:schemeClr val="accent2">
+                    <a:lumMod val="75000"/>
+                  </a:schemeClr>
+                </a:solidFill>
+                <a:ln>
+                  <a:noFill/>
+                </a:ln>
+              </p:spPr>
+              <p:style>
+                <a:lnRef idx="2">
+                  <a:schemeClr val="accent1">
+                    <a:shade val="50000"/>
+                  </a:schemeClr>
+                </a:lnRef>
+                <a:fillRef idx="1">
+                  <a:schemeClr val="accent1"/>
+                </a:fillRef>
+                <a:effectRef idx="0">
+                  <a:schemeClr val="accent1"/>
+                </a:effectRef>
+                <a:fontRef idx="minor">
+                  <a:schemeClr val="lt1"/>
+                </a:fontRef>
+              </p:style>
+              <p:txBody>
+                <a:bodyPr rtlCol="0" anchor="ctr"/>
+                <a:lstStyle/>
+                <a:p>
+                  <a:endParaRPr lang="en-US" dirty="0"/>
+                </a:p>
+              </p:txBody>
+            </p:sp>
+            <p:sp>
+              <p:nvSpPr>
+                <p:cNvPr id="67" name="TextBox 66">
+                  <a:extLst>
+                    <a:ext uri="{FF2B5EF4-FFF2-40B4-BE49-F238E27FC236}">
+                      <a16:creationId xmlns:a16="http://schemas.microsoft.com/office/drawing/2014/main" id="{B4D0CB4B-0397-5785-2EFC-2D770EE16265}"/>
+                    </a:ext>
+                  </a:extLst>
+                </p:cNvPr>
+                <p:cNvSpPr txBox="1"/>
+                <p:nvPr/>
+              </p:nvSpPr>
+              <p:spPr>
+                <a:xfrm>
+                  <a:off x="5478071" y="3709109"/>
+                  <a:ext cx="1224979" cy="450435"/>
+                </a:xfrm>
+                <a:prstGeom prst="rect">
+                  <a:avLst/>
+                </a:prstGeom>
+                <a:noFill/>
+              </p:spPr>
+              <p:txBody>
+                <a:bodyPr wrap="square" rtlCol="0">
+                  <a:spAutoFit/>
+                </a:bodyPr>
+                <a:lstStyle/>
+                <a:p>
+                  <a:pPr algn="ctr"/>
+                  <a:r>
+                    <a:rPr lang="en-US" dirty="0">
+                      <a:solidFill>
+                        <a:schemeClr val="lt1"/>
+                      </a:solidFill>
+                    </a:rPr>
+                    <a:t>Worker</a:t>
+                  </a:r>
+                </a:p>
+              </p:txBody>
+            </p:sp>
+          </p:grpSp>
+          <p:sp>
+            <p:nvSpPr>
+              <p:cNvPr id="65" name="TextBox 64">
+                <a:extLst>
+                  <a:ext uri="{FF2B5EF4-FFF2-40B4-BE49-F238E27FC236}">
+                    <a16:creationId xmlns:a16="http://schemas.microsoft.com/office/drawing/2014/main" id="{105E1D53-0B89-5210-B348-D56DB7403A05}"/>
+                  </a:ext>
+                </a:extLst>
+              </p:cNvPr>
+              <p:cNvSpPr txBox="1"/>
+              <p:nvPr/>
+            </p:nvSpPr>
+            <p:spPr>
+              <a:xfrm>
+                <a:off x="4897792" y="3345915"/>
+                <a:ext cx="1510694" cy="338554"/>
+              </a:xfrm>
+              <a:prstGeom prst="rect">
+                <a:avLst/>
+              </a:prstGeom>
+              <a:noFill/>
+            </p:spPr>
+            <p:txBody>
+              <a:bodyPr wrap="square" rtlCol="0">
+                <a:spAutoFit/>
+              </a:bodyPr>
+              <a:lstStyle/>
+              <a:p>
+                <a:r>
+                  <a:rPr lang="en-US" sz="1600" dirty="0"/>
+                  <a:t>Container 2</a:t>
+                </a:r>
+              </a:p>
+            </p:txBody>
+          </p:sp>
+        </p:grpSp>
+        <p:grpSp>
+          <p:nvGrpSpPr>
+            <p:cNvPr id="68" name="Group 67">
+              <a:extLst>
+                <a:ext uri="{FF2B5EF4-FFF2-40B4-BE49-F238E27FC236}">
+                  <a16:creationId xmlns:a16="http://schemas.microsoft.com/office/drawing/2014/main" id="{64D1A340-BE3F-73AD-D34A-DCC90CA8A8AA}"/>
+                </a:ext>
+              </a:extLst>
+            </p:cNvPr>
+            <p:cNvGrpSpPr/>
+            <p:nvPr/>
+          </p:nvGrpSpPr>
+          <p:grpSpPr>
+            <a:xfrm>
+              <a:off x="4882771" y="5206590"/>
+              <a:ext cx="2236027" cy="744089"/>
+              <a:chOff x="4897792" y="3345915"/>
+              <a:chExt cx="2236027" cy="744089"/>
+            </a:xfrm>
+          </p:grpSpPr>
+          <p:sp>
+            <p:nvSpPr>
+              <p:cNvPr id="69" name="Rectangle 68">
+                <a:extLst>
+                  <a:ext uri="{FF2B5EF4-FFF2-40B4-BE49-F238E27FC236}">
+                    <a16:creationId xmlns:a16="http://schemas.microsoft.com/office/drawing/2014/main" id="{CC22FC3A-B488-1A63-E5C9-AA476B01B75F}"/>
+                  </a:ext>
+                </a:extLst>
+              </p:cNvPr>
+              <p:cNvSpPr/>
+              <p:nvPr/>
+            </p:nvSpPr>
+            <p:spPr>
+              <a:xfrm>
+                <a:off x="4911037" y="3380455"/>
+                <a:ext cx="2222782" cy="709549"/>
+              </a:xfrm>
+              <a:prstGeom prst="rect">
+                <a:avLst/>
+              </a:prstGeom>
+              <a:solidFill>
+                <a:schemeClr val="accent1">
+                  <a:lumMod val="40000"/>
+                  <a:lumOff val="60000"/>
+                </a:schemeClr>
+              </a:solidFill>
+              <a:ln>
+                <a:noFill/>
+              </a:ln>
+            </p:spPr>
+            <p:style>
+              <a:lnRef idx="2">
+                <a:schemeClr val="accent1">
+                  <a:shade val="50000"/>
+                </a:schemeClr>
+              </a:lnRef>
+              <a:fillRef idx="1">
+                <a:schemeClr val="accent1"/>
+              </a:fillRef>
+              <a:effectRef idx="0">
+                <a:schemeClr val="accent1"/>
+              </a:effectRef>
+              <a:fontRef idx="minor">
+                <a:schemeClr val="lt1"/>
+              </a:fontRef>
+            </p:style>
+            <p:txBody>
+              <a:bodyPr rtlCol="0" anchor="ctr"/>
+              <a:lstStyle/>
+              <a:p>
+                <a:pPr algn="ctr"/>
+                <a:endParaRPr lang="en-US" dirty="0"/>
+              </a:p>
+            </p:txBody>
+          </p:sp>
+          <p:grpSp>
+            <p:nvGrpSpPr>
+              <p:cNvPr id="70" name="Group 69">
+                <a:extLst>
+                  <a:ext uri="{FF2B5EF4-FFF2-40B4-BE49-F238E27FC236}">
+                    <a16:creationId xmlns:a16="http://schemas.microsoft.com/office/drawing/2014/main" id="{F1EF9C78-9F88-247A-C64E-05DEBFC2BEA7}"/>
+                  </a:ext>
+                </a:extLst>
+              </p:cNvPr>
+              <p:cNvGrpSpPr/>
+              <p:nvPr/>
+            </p:nvGrpSpPr>
+            <p:grpSpPr>
+              <a:xfrm>
+                <a:off x="5142157" y="3632417"/>
+                <a:ext cx="1734051" cy="369332"/>
+                <a:chOff x="5223535" y="3709109"/>
+                <a:chExt cx="1734051" cy="450435"/>
+              </a:xfrm>
+            </p:grpSpPr>
+            <p:sp>
+              <p:nvSpPr>
+                <p:cNvPr id="72" name="Rectangle 71">
+                  <a:extLst>
+                    <a:ext uri="{FF2B5EF4-FFF2-40B4-BE49-F238E27FC236}">
+                      <a16:creationId xmlns:a16="http://schemas.microsoft.com/office/drawing/2014/main" id="{43A2430E-D48B-E540-DE87-95E349A80552}"/>
+                    </a:ext>
+                  </a:extLst>
+                </p:cNvPr>
+                <p:cNvSpPr/>
+                <p:nvPr/>
+              </p:nvSpPr>
+              <p:spPr>
+                <a:xfrm>
+                  <a:off x="5223535" y="3717956"/>
+                  <a:ext cx="1734051" cy="424003"/>
+                </a:xfrm>
+                <a:prstGeom prst="rect">
+                  <a:avLst/>
+                </a:prstGeom>
+                <a:solidFill>
+                  <a:schemeClr val="accent2">
+                    <a:lumMod val="75000"/>
+                  </a:schemeClr>
+                </a:solidFill>
+                <a:ln>
+                  <a:noFill/>
+                </a:ln>
+              </p:spPr>
+              <p:style>
+                <a:lnRef idx="2">
+                  <a:schemeClr val="accent1">
+                    <a:shade val="50000"/>
+                  </a:schemeClr>
+                </a:lnRef>
+                <a:fillRef idx="1">
+                  <a:schemeClr val="accent1"/>
+                </a:fillRef>
+                <a:effectRef idx="0">
+                  <a:schemeClr val="accent1"/>
+                </a:effectRef>
+                <a:fontRef idx="minor">
+                  <a:schemeClr val="lt1"/>
+                </a:fontRef>
+              </p:style>
+              <p:txBody>
+                <a:bodyPr rtlCol="0" anchor="ctr"/>
+                <a:lstStyle/>
+                <a:p>
+                  <a:endParaRPr lang="en-US" dirty="0"/>
+                </a:p>
+              </p:txBody>
+            </p:sp>
+            <p:sp>
+              <p:nvSpPr>
+                <p:cNvPr id="73" name="TextBox 72">
+                  <a:extLst>
+                    <a:ext uri="{FF2B5EF4-FFF2-40B4-BE49-F238E27FC236}">
+                      <a16:creationId xmlns:a16="http://schemas.microsoft.com/office/drawing/2014/main" id="{FF3A559E-5C12-660B-D502-5D997F4FBF1F}"/>
+                    </a:ext>
+                  </a:extLst>
+                </p:cNvPr>
+                <p:cNvSpPr txBox="1"/>
+                <p:nvPr/>
+              </p:nvSpPr>
+              <p:spPr>
+                <a:xfrm>
+                  <a:off x="5478071" y="3709109"/>
+                  <a:ext cx="1224979" cy="450435"/>
+                </a:xfrm>
+                <a:prstGeom prst="rect">
+                  <a:avLst/>
+                </a:prstGeom>
+                <a:noFill/>
+              </p:spPr>
+              <p:txBody>
+                <a:bodyPr wrap="square" rtlCol="0">
+                  <a:spAutoFit/>
+                </a:bodyPr>
+                <a:lstStyle/>
+                <a:p>
+                  <a:pPr algn="ctr"/>
+                  <a:r>
+                    <a:rPr lang="en-US" dirty="0">
+                      <a:solidFill>
+                        <a:schemeClr val="lt1"/>
+                      </a:solidFill>
+                    </a:rPr>
+                    <a:t>Worker</a:t>
+                  </a:r>
+                </a:p>
+              </p:txBody>
+            </p:sp>
+          </p:grpSp>
+          <p:sp>
+            <p:nvSpPr>
+              <p:cNvPr id="71" name="TextBox 70">
+                <a:extLst>
+                  <a:ext uri="{FF2B5EF4-FFF2-40B4-BE49-F238E27FC236}">
+                    <a16:creationId xmlns:a16="http://schemas.microsoft.com/office/drawing/2014/main" id="{2E99E81C-EAB8-154B-D587-9C0066F2E19C}"/>
+                  </a:ext>
+                </a:extLst>
+              </p:cNvPr>
+              <p:cNvSpPr txBox="1"/>
+              <p:nvPr/>
+            </p:nvSpPr>
+            <p:spPr>
+              <a:xfrm>
+                <a:off x="4897792" y="3345915"/>
+                <a:ext cx="1510694" cy="338554"/>
+              </a:xfrm>
+              <a:prstGeom prst="rect">
+                <a:avLst/>
+              </a:prstGeom>
+              <a:noFill/>
+            </p:spPr>
+            <p:txBody>
+              <a:bodyPr wrap="square" rtlCol="0">
+                <a:spAutoFit/>
+              </a:bodyPr>
+              <a:lstStyle/>
+              <a:p>
+                <a:r>
+                  <a:rPr lang="en-US" sz="1600" dirty="0"/>
+                  <a:t>Container 3</a:t>
+                </a:r>
+              </a:p>
+            </p:txBody>
+          </p:sp>
+        </p:grpSp>
+      </p:grpSp>
+      <p:grpSp>
+        <p:nvGrpSpPr>
+          <p:cNvPr id="98" name="Group 97">
+            <a:extLst>
+              <a:ext uri="{FF2B5EF4-FFF2-40B4-BE49-F238E27FC236}">
+                <a16:creationId xmlns:a16="http://schemas.microsoft.com/office/drawing/2014/main" id="{96D7ED74-FC02-5CB7-3D7D-080D7C404588}"/>
+              </a:ext>
+            </a:extLst>
+          </p:cNvPr>
+          <p:cNvGrpSpPr/>
+          <p:nvPr/>
+        </p:nvGrpSpPr>
+        <p:grpSpPr>
+          <a:xfrm>
+            <a:off x="6526170" y="1610459"/>
+            <a:ext cx="2490952" cy="1966542"/>
+            <a:chOff x="1769124" y="1404719"/>
+            <a:chExt cx="2490952" cy="1966542"/>
+          </a:xfrm>
+        </p:grpSpPr>
+        <p:sp>
+          <p:nvSpPr>
+            <p:cNvPr id="95" name="Rectangle 94">
+              <a:extLst>
+                <a:ext uri="{FF2B5EF4-FFF2-40B4-BE49-F238E27FC236}">
+                  <a16:creationId xmlns:a16="http://schemas.microsoft.com/office/drawing/2014/main" id="{59039019-0CBD-E730-6E2F-13A77E8D98CB}"/>
+                </a:ext>
+              </a:extLst>
+            </p:cNvPr>
+            <p:cNvSpPr/>
+            <p:nvPr/>
+          </p:nvSpPr>
+          <p:spPr>
+            <a:xfrm>
+              <a:off x="1769124" y="1404719"/>
+              <a:ext cx="2490952" cy="1966391"/>
+            </a:xfrm>
+            <a:prstGeom prst="rect">
+              <a:avLst/>
+            </a:prstGeom>
+            <a:solidFill>
+              <a:schemeClr val="bg1">
+                <a:lumMod val="95000"/>
+              </a:schemeClr>
+            </a:solidFill>
+            <a:ln>
+              <a:noFill/>
+            </a:ln>
+          </p:spPr>
+          <p:style>
+            <a:lnRef idx="2">
+              <a:schemeClr val="accent1">
+                <a:shade val="50000"/>
+              </a:schemeClr>
+            </a:lnRef>
+            <a:fillRef idx="1">
+              <a:schemeClr val="accent1"/>
+            </a:fillRef>
+            <a:effectRef idx="0">
+              <a:schemeClr val="accent1"/>
+            </a:effectRef>
+            <a:fontRef idx="minor">
+              <a:schemeClr val="lt1"/>
+            </a:fontRef>
+          </p:style>
+          <p:txBody>
+            <a:bodyPr rtlCol="0" anchor="ctr"/>
+            <a:lstStyle/>
+            <a:p>
+              <a:pPr algn="ctr"/>
+              <a:endParaRPr lang="en-US" dirty="0"/>
+            </a:p>
+          </p:txBody>
+        </p:sp>
+        <p:sp>
+          <p:nvSpPr>
+            <p:cNvPr id="96" name="TextBox 95">
+              <a:extLst>
+                <a:ext uri="{FF2B5EF4-FFF2-40B4-BE49-F238E27FC236}">
+                  <a16:creationId xmlns:a16="http://schemas.microsoft.com/office/drawing/2014/main" id="{F7D13FE1-5912-CA26-65B5-830C5AA6BB7F}"/>
+                </a:ext>
+              </a:extLst>
+            </p:cNvPr>
+            <p:cNvSpPr txBox="1"/>
+            <p:nvPr/>
+          </p:nvSpPr>
+          <p:spPr>
+            <a:xfrm>
+              <a:off x="2512743" y="3001929"/>
+              <a:ext cx="1347238" cy="369332"/>
+            </a:xfrm>
+            <a:prstGeom prst="rect">
+              <a:avLst/>
+            </a:prstGeom>
+            <a:noFill/>
+          </p:spPr>
+          <p:txBody>
+            <a:bodyPr wrap="square" rtlCol="0">
+              <a:spAutoFit/>
+            </a:bodyPr>
+            <a:lstStyle/>
+            <a:p>
+              <a:r>
+                <a:rPr lang="en-US" dirty="0"/>
+                <a:t>Host 2</a:t>
+              </a:r>
+            </a:p>
+          </p:txBody>
+        </p:sp>
+        <p:sp>
+          <p:nvSpPr>
+            <p:cNvPr id="85" name="Rectangle 84">
+              <a:extLst>
+                <a:ext uri="{FF2B5EF4-FFF2-40B4-BE49-F238E27FC236}">
+                  <a16:creationId xmlns:a16="http://schemas.microsoft.com/office/drawing/2014/main" id="{9285DCA1-E330-3620-BB22-860A53A54C8F}"/>
+                </a:ext>
+              </a:extLst>
+            </p:cNvPr>
+            <p:cNvSpPr/>
+            <p:nvPr/>
+          </p:nvSpPr>
+          <p:spPr>
+            <a:xfrm>
+              <a:off x="1882905" y="1549622"/>
+              <a:ext cx="2222782" cy="709549"/>
+            </a:xfrm>
+            <a:prstGeom prst="rect">
+              <a:avLst/>
+            </a:prstGeom>
+            <a:solidFill>
+              <a:schemeClr val="accent1">
+                <a:lumMod val="40000"/>
+                <a:lumOff val="60000"/>
+              </a:schemeClr>
+            </a:solidFill>
+            <a:ln>
+              <a:noFill/>
+            </a:ln>
+          </p:spPr>
+          <p:style>
+            <a:lnRef idx="2">
+              <a:schemeClr val="accent1">
+                <a:shade val="50000"/>
+              </a:schemeClr>
+            </a:lnRef>
+            <a:fillRef idx="1">
+              <a:schemeClr val="accent1"/>
+            </a:fillRef>
+            <a:effectRef idx="0">
+              <a:schemeClr val="accent1"/>
+            </a:effectRef>
+            <a:fontRef idx="minor">
+              <a:schemeClr val="lt1"/>
+            </a:fontRef>
+          </p:style>
+          <p:txBody>
+            <a:bodyPr rtlCol="0" anchor="ctr"/>
+            <a:lstStyle/>
+            <a:p>
+              <a:pPr algn="ctr"/>
+              <a:endParaRPr lang="en-US" dirty="0"/>
+            </a:p>
+          </p:txBody>
+        </p:sp>
+        <p:grpSp>
+          <p:nvGrpSpPr>
+            <p:cNvPr id="86" name="Group 85">
+              <a:extLst>
+                <a:ext uri="{FF2B5EF4-FFF2-40B4-BE49-F238E27FC236}">
+                  <a16:creationId xmlns:a16="http://schemas.microsoft.com/office/drawing/2014/main" id="{49978F99-A0F9-CCD8-A675-FD9C6B29A470}"/>
+                </a:ext>
+              </a:extLst>
+            </p:cNvPr>
+            <p:cNvGrpSpPr/>
+            <p:nvPr/>
+          </p:nvGrpSpPr>
+          <p:grpSpPr>
+            <a:xfrm>
+              <a:off x="2114025" y="1801584"/>
+              <a:ext cx="1734051" cy="369332"/>
+              <a:chOff x="5223535" y="3709109"/>
+              <a:chExt cx="1734051" cy="450435"/>
+            </a:xfrm>
+          </p:grpSpPr>
+          <p:sp>
+            <p:nvSpPr>
+              <p:cNvPr id="88" name="Rectangle 87">
+                <a:extLst>
+                  <a:ext uri="{FF2B5EF4-FFF2-40B4-BE49-F238E27FC236}">
+                    <a16:creationId xmlns:a16="http://schemas.microsoft.com/office/drawing/2014/main" id="{6EDB5AC2-7F0B-4E79-EE40-3A988ED69EDB}"/>
+                  </a:ext>
+                </a:extLst>
+              </p:cNvPr>
+              <p:cNvSpPr/>
+              <p:nvPr/>
+            </p:nvSpPr>
+            <p:spPr>
+              <a:xfrm>
+                <a:off x="5223535" y="3717956"/>
+                <a:ext cx="1734051" cy="424003"/>
+              </a:xfrm>
+              <a:prstGeom prst="rect">
+                <a:avLst/>
+              </a:prstGeom>
+              <a:solidFill>
+                <a:schemeClr val="accent2">
+                  <a:lumMod val="75000"/>
+                </a:schemeClr>
+              </a:solidFill>
+              <a:ln>
+                <a:noFill/>
+              </a:ln>
+            </p:spPr>
+            <p:style>
+              <a:lnRef idx="2">
+                <a:schemeClr val="accent1">
+                  <a:shade val="50000"/>
+                </a:schemeClr>
+              </a:lnRef>
+              <a:fillRef idx="1">
+                <a:schemeClr val="accent1"/>
+              </a:fillRef>
+              <a:effectRef idx="0">
+                <a:schemeClr val="accent1"/>
+              </a:effectRef>
+              <a:fontRef idx="minor">
+                <a:schemeClr val="lt1"/>
+              </a:fontRef>
+            </p:style>
+            <p:txBody>
+              <a:bodyPr rtlCol="0" anchor="ctr"/>
+              <a:lstStyle/>
+              <a:p>
+                <a:endParaRPr lang="en-US" dirty="0"/>
+              </a:p>
+            </p:txBody>
+          </p:sp>
+          <p:sp>
+            <p:nvSpPr>
+              <p:cNvPr id="89" name="TextBox 88">
+                <a:extLst>
+                  <a:ext uri="{FF2B5EF4-FFF2-40B4-BE49-F238E27FC236}">
+                    <a16:creationId xmlns:a16="http://schemas.microsoft.com/office/drawing/2014/main" id="{623961B1-3118-F9BC-C6B8-B872FC82450B}"/>
+                  </a:ext>
+                </a:extLst>
+              </p:cNvPr>
+              <p:cNvSpPr txBox="1"/>
+              <p:nvPr/>
+            </p:nvSpPr>
+            <p:spPr>
+              <a:xfrm>
+                <a:off x="5478071" y="3709109"/>
+                <a:ext cx="1224979" cy="450435"/>
+              </a:xfrm>
+              <a:prstGeom prst="rect">
+                <a:avLst/>
+              </a:prstGeom>
+              <a:noFill/>
+            </p:spPr>
+            <p:txBody>
+              <a:bodyPr wrap="square" rtlCol="0">
+                <a:spAutoFit/>
+              </a:bodyPr>
+              <a:lstStyle/>
+              <a:p>
+                <a:pPr algn="ctr"/>
+                <a:r>
+                  <a:rPr lang="en-US" dirty="0">
+                    <a:solidFill>
+                      <a:schemeClr val="lt1"/>
+                    </a:solidFill>
+                  </a:rPr>
+                  <a:t>Worker</a:t>
+                </a:r>
+              </a:p>
+            </p:txBody>
+          </p:sp>
+        </p:grpSp>
+        <p:sp>
+          <p:nvSpPr>
+            <p:cNvPr id="87" name="TextBox 86">
+              <a:extLst>
+                <a:ext uri="{FF2B5EF4-FFF2-40B4-BE49-F238E27FC236}">
+                  <a16:creationId xmlns:a16="http://schemas.microsoft.com/office/drawing/2014/main" id="{58BF8E4E-7EEC-625B-FF93-219E94F4B190}"/>
+                </a:ext>
+              </a:extLst>
+            </p:cNvPr>
+            <p:cNvSpPr txBox="1"/>
+            <p:nvPr/>
+          </p:nvSpPr>
+          <p:spPr>
+            <a:xfrm>
+              <a:off x="1869660" y="1515082"/>
+              <a:ext cx="1510694" cy="338554"/>
+            </a:xfrm>
+            <a:prstGeom prst="rect">
+              <a:avLst/>
+            </a:prstGeom>
+            <a:noFill/>
+          </p:spPr>
+          <p:txBody>
+            <a:bodyPr wrap="square" rtlCol="0">
+              <a:spAutoFit/>
+            </a:bodyPr>
+            <a:lstStyle/>
+            <a:p>
+              <a:r>
+                <a:rPr lang="en-US" sz="1600" dirty="0"/>
+                <a:t>Container 1</a:t>
+              </a:r>
+            </a:p>
+          </p:txBody>
+        </p:sp>
+        <p:grpSp>
+          <p:nvGrpSpPr>
+            <p:cNvPr id="97" name="Group 96">
+              <a:extLst>
+                <a:ext uri="{FF2B5EF4-FFF2-40B4-BE49-F238E27FC236}">
+                  <a16:creationId xmlns:a16="http://schemas.microsoft.com/office/drawing/2014/main" id="{2A4E31A5-0952-0D14-0B30-38861EA0B645}"/>
+                </a:ext>
+              </a:extLst>
+            </p:cNvPr>
+            <p:cNvGrpSpPr/>
+            <p:nvPr/>
+          </p:nvGrpSpPr>
+          <p:grpSpPr>
+            <a:xfrm>
+              <a:off x="1863038" y="2334561"/>
+              <a:ext cx="2236027" cy="744089"/>
+              <a:chOff x="1863038" y="2334561"/>
+              <a:chExt cx="2236027" cy="744089"/>
+            </a:xfrm>
+          </p:grpSpPr>
+          <p:sp>
+            <p:nvSpPr>
+              <p:cNvPr id="80" name="Rectangle 79">
+                <a:extLst>
+                  <a:ext uri="{FF2B5EF4-FFF2-40B4-BE49-F238E27FC236}">
+                    <a16:creationId xmlns:a16="http://schemas.microsoft.com/office/drawing/2014/main" id="{7B46E4AF-6180-1635-533F-5C92948EFFD8}"/>
+                  </a:ext>
+                </a:extLst>
+              </p:cNvPr>
+              <p:cNvSpPr/>
+              <p:nvPr/>
+            </p:nvSpPr>
+            <p:spPr>
+              <a:xfrm>
+                <a:off x="1876283" y="2369101"/>
+                <a:ext cx="2222782" cy="709549"/>
+              </a:xfrm>
+              <a:prstGeom prst="rect">
+                <a:avLst/>
+              </a:prstGeom>
+              <a:solidFill>
+                <a:schemeClr val="accent1">
+                  <a:lumMod val="40000"/>
+                  <a:lumOff val="60000"/>
+                </a:schemeClr>
+              </a:solidFill>
+              <a:ln>
+                <a:noFill/>
+              </a:ln>
+            </p:spPr>
+            <p:style>
+              <a:lnRef idx="2">
+                <a:schemeClr val="accent1">
+                  <a:shade val="50000"/>
+                </a:schemeClr>
+              </a:lnRef>
+              <a:fillRef idx="1">
+                <a:schemeClr val="accent1"/>
+              </a:fillRef>
+              <a:effectRef idx="0">
+                <a:schemeClr val="accent1"/>
+              </a:effectRef>
+              <a:fontRef idx="minor">
+                <a:schemeClr val="lt1"/>
+              </a:fontRef>
+            </p:style>
+            <p:txBody>
+              <a:bodyPr rtlCol="0" anchor="ctr"/>
+              <a:lstStyle/>
+              <a:p>
+                <a:pPr algn="ctr"/>
+                <a:endParaRPr lang="en-US" dirty="0"/>
+              </a:p>
+            </p:txBody>
+          </p:sp>
+          <p:grpSp>
+            <p:nvGrpSpPr>
+              <p:cNvPr id="81" name="Group 80">
+                <a:extLst>
+                  <a:ext uri="{FF2B5EF4-FFF2-40B4-BE49-F238E27FC236}">
+                    <a16:creationId xmlns:a16="http://schemas.microsoft.com/office/drawing/2014/main" id="{006B23BA-4B1F-1150-551F-B8266E943ED6}"/>
+                  </a:ext>
+                </a:extLst>
+              </p:cNvPr>
+              <p:cNvGrpSpPr/>
+              <p:nvPr/>
+            </p:nvGrpSpPr>
+            <p:grpSpPr>
+              <a:xfrm>
+                <a:off x="2107403" y="2621063"/>
+                <a:ext cx="1734051" cy="369332"/>
+                <a:chOff x="5223535" y="3709109"/>
+                <a:chExt cx="1734051" cy="450435"/>
+              </a:xfrm>
+            </p:grpSpPr>
+            <p:sp>
+              <p:nvSpPr>
+                <p:cNvPr id="83" name="Rectangle 82">
+                  <a:extLst>
+                    <a:ext uri="{FF2B5EF4-FFF2-40B4-BE49-F238E27FC236}">
+                      <a16:creationId xmlns:a16="http://schemas.microsoft.com/office/drawing/2014/main" id="{AE85B023-D2CD-84CD-F07A-5532390F1CEE}"/>
+                    </a:ext>
+                  </a:extLst>
+                </p:cNvPr>
+                <p:cNvSpPr/>
+                <p:nvPr/>
+              </p:nvSpPr>
+              <p:spPr>
+                <a:xfrm>
+                  <a:off x="5223535" y="3717956"/>
+                  <a:ext cx="1734051" cy="424003"/>
+                </a:xfrm>
+                <a:prstGeom prst="rect">
+                  <a:avLst/>
+                </a:prstGeom>
+                <a:solidFill>
+                  <a:schemeClr val="accent2">
+                    <a:lumMod val="75000"/>
+                  </a:schemeClr>
+                </a:solidFill>
+                <a:ln>
+                  <a:noFill/>
+                </a:ln>
+              </p:spPr>
+              <p:style>
+                <a:lnRef idx="2">
+                  <a:schemeClr val="accent1">
+                    <a:shade val="50000"/>
+                  </a:schemeClr>
+                </a:lnRef>
+                <a:fillRef idx="1">
+                  <a:schemeClr val="accent1"/>
+                </a:fillRef>
+                <a:effectRef idx="0">
+                  <a:schemeClr val="accent1"/>
+                </a:effectRef>
+                <a:fontRef idx="minor">
+                  <a:schemeClr val="lt1"/>
+                </a:fontRef>
+              </p:style>
+              <p:txBody>
+                <a:bodyPr rtlCol="0" anchor="ctr"/>
+                <a:lstStyle/>
+                <a:p>
+                  <a:endParaRPr lang="en-US" dirty="0"/>
+                </a:p>
+              </p:txBody>
+            </p:sp>
+            <p:sp>
+              <p:nvSpPr>
+                <p:cNvPr id="84" name="TextBox 83">
+                  <a:extLst>
+                    <a:ext uri="{FF2B5EF4-FFF2-40B4-BE49-F238E27FC236}">
+                      <a16:creationId xmlns:a16="http://schemas.microsoft.com/office/drawing/2014/main" id="{698BB39D-3B03-8587-706A-B5152284AC10}"/>
+                    </a:ext>
+                  </a:extLst>
+                </p:cNvPr>
+                <p:cNvSpPr txBox="1"/>
+                <p:nvPr/>
+              </p:nvSpPr>
+              <p:spPr>
+                <a:xfrm>
+                  <a:off x="5478071" y="3709109"/>
+                  <a:ext cx="1224979" cy="450435"/>
+                </a:xfrm>
+                <a:prstGeom prst="rect">
+                  <a:avLst/>
+                </a:prstGeom>
+                <a:noFill/>
+              </p:spPr>
+              <p:txBody>
+                <a:bodyPr wrap="square" rtlCol="0">
+                  <a:spAutoFit/>
+                </a:bodyPr>
+                <a:lstStyle/>
+                <a:p>
+                  <a:pPr algn="ctr"/>
+                  <a:r>
+                    <a:rPr lang="en-US" dirty="0">
+                      <a:solidFill>
+                        <a:schemeClr val="lt1"/>
+                      </a:solidFill>
+                    </a:rPr>
+                    <a:t>Worker</a:t>
+                  </a:r>
+                </a:p>
+              </p:txBody>
+            </p:sp>
+          </p:grpSp>
+          <p:sp>
+            <p:nvSpPr>
+              <p:cNvPr id="82" name="TextBox 81">
+                <a:extLst>
+                  <a:ext uri="{FF2B5EF4-FFF2-40B4-BE49-F238E27FC236}">
+                    <a16:creationId xmlns:a16="http://schemas.microsoft.com/office/drawing/2014/main" id="{E822ECBF-EA3E-8846-0225-F2634E3A1DAD}"/>
+                  </a:ext>
+                </a:extLst>
+              </p:cNvPr>
+              <p:cNvSpPr txBox="1"/>
+              <p:nvPr/>
+            </p:nvSpPr>
+            <p:spPr>
+              <a:xfrm>
+                <a:off x="1863038" y="2334561"/>
+                <a:ext cx="1510694" cy="338554"/>
+              </a:xfrm>
+              <a:prstGeom prst="rect">
+                <a:avLst/>
+              </a:prstGeom>
+              <a:noFill/>
+            </p:spPr>
+            <p:txBody>
+              <a:bodyPr wrap="square" rtlCol="0">
+                <a:spAutoFit/>
+              </a:bodyPr>
+              <a:lstStyle/>
+              <a:p>
+                <a:r>
+                  <a:rPr lang="en-US" sz="1600" dirty="0"/>
+                  <a:t>Container 2</a:t>
+                </a:r>
+              </a:p>
+            </p:txBody>
+          </p:sp>
+        </p:grpSp>
+      </p:grpSp>
+      <p:grpSp>
+        <p:nvGrpSpPr>
+          <p:cNvPr id="99" name="Group 98">
+            <a:extLst>
+              <a:ext uri="{FF2B5EF4-FFF2-40B4-BE49-F238E27FC236}">
+                <a16:creationId xmlns:a16="http://schemas.microsoft.com/office/drawing/2014/main" id="{FE4EB339-AC42-CF28-FCF7-8ED3D223834D}"/>
+              </a:ext>
+            </a:extLst>
+          </p:cNvPr>
+          <p:cNvGrpSpPr/>
+          <p:nvPr/>
+        </p:nvGrpSpPr>
+        <p:grpSpPr>
+          <a:xfrm>
+            <a:off x="6529714" y="4150765"/>
+            <a:ext cx="2490952" cy="1996446"/>
+            <a:chOff x="1769124" y="1404719"/>
+            <a:chExt cx="2490952" cy="1996446"/>
+          </a:xfrm>
+        </p:grpSpPr>
+        <p:sp>
+          <p:nvSpPr>
+            <p:cNvPr id="100" name="Rectangle 99">
+              <a:extLst>
+                <a:ext uri="{FF2B5EF4-FFF2-40B4-BE49-F238E27FC236}">
+                  <a16:creationId xmlns:a16="http://schemas.microsoft.com/office/drawing/2014/main" id="{A80D427D-661A-17DA-28AF-B133C8E44D40}"/>
+                </a:ext>
+              </a:extLst>
+            </p:cNvPr>
+            <p:cNvSpPr/>
+            <p:nvPr/>
+          </p:nvSpPr>
+          <p:spPr>
+            <a:xfrm>
+              <a:off x="1769124" y="1404719"/>
+              <a:ext cx="2490952" cy="1966391"/>
+            </a:xfrm>
+            <a:prstGeom prst="rect">
+              <a:avLst/>
+            </a:prstGeom>
+            <a:solidFill>
+              <a:schemeClr val="bg1">
+                <a:lumMod val="95000"/>
+              </a:schemeClr>
+            </a:solidFill>
+            <a:ln>
+              <a:noFill/>
+            </a:ln>
+          </p:spPr>
+          <p:style>
+            <a:lnRef idx="2">
+              <a:schemeClr val="accent1">
+                <a:shade val="50000"/>
+              </a:schemeClr>
+            </a:lnRef>
+            <a:fillRef idx="1">
+              <a:schemeClr val="accent1"/>
+            </a:fillRef>
+            <a:effectRef idx="0">
+              <a:schemeClr val="accent1"/>
+            </a:effectRef>
+            <a:fontRef idx="minor">
+              <a:schemeClr val="lt1"/>
+            </a:fontRef>
+          </p:style>
+          <p:txBody>
+            <a:bodyPr rtlCol="0" anchor="ctr"/>
+            <a:lstStyle/>
+            <a:p>
+              <a:pPr algn="ctr"/>
+              <a:endParaRPr lang="en-US"/>
+            </a:p>
+          </p:txBody>
+        </p:sp>
+        <p:sp>
+          <p:nvSpPr>
+            <p:cNvPr id="101" name="TextBox 100">
+              <a:extLst>
+                <a:ext uri="{FF2B5EF4-FFF2-40B4-BE49-F238E27FC236}">
+                  <a16:creationId xmlns:a16="http://schemas.microsoft.com/office/drawing/2014/main" id="{DA70C096-C8EE-3FF1-7271-1DAFF17E3B91}"/>
+                </a:ext>
+              </a:extLst>
+            </p:cNvPr>
+            <p:cNvSpPr txBox="1"/>
+            <p:nvPr/>
+          </p:nvSpPr>
+          <p:spPr>
+            <a:xfrm>
+              <a:off x="2618385" y="3031833"/>
+              <a:ext cx="1347238" cy="369332"/>
+            </a:xfrm>
+            <a:prstGeom prst="rect">
+              <a:avLst/>
+            </a:prstGeom>
+            <a:noFill/>
+          </p:spPr>
+          <p:txBody>
+            <a:bodyPr wrap="square" rtlCol="0">
+              <a:spAutoFit/>
+            </a:bodyPr>
+            <a:lstStyle/>
+            <a:p>
+              <a:r>
+                <a:rPr lang="en-US" dirty="0"/>
+                <a:t>Host 1</a:t>
+              </a:r>
+            </a:p>
+          </p:txBody>
+        </p:sp>
+        <p:sp>
+          <p:nvSpPr>
+            <p:cNvPr id="102" name="Rectangle 101">
+              <a:extLst>
+                <a:ext uri="{FF2B5EF4-FFF2-40B4-BE49-F238E27FC236}">
+                  <a16:creationId xmlns:a16="http://schemas.microsoft.com/office/drawing/2014/main" id="{D4757B62-3777-835F-37C3-C76AA09B27D3}"/>
+                </a:ext>
+              </a:extLst>
+            </p:cNvPr>
+            <p:cNvSpPr/>
+            <p:nvPr/>
+          </p:nvSpPr>
+          <p:spPr>
+            <a:xfrm>
+              <a:off x="1882905" y="1549622"/>
+              <a:ext cx="2222782" cy="709549"/>
+            </a:xfrm>
+            <a:prstGeom prst="rect">
+              <a:avLst/>
+            </a:prstGeom>
+            <a:solidFill>
+              <a:schemeClr val="accent1">
+                <a:lumMod val="40000"/>
+                <a:lumOff val="60000"/>
+              </a:schemeClr>
+            </a:solidFill>
+            <a:ln>
+              <a:noFill/>
+            </a:ln>
+          </p:spPr>
+          <p:style>
+            <a:lnRef idx="2">
+              <a:schemeClr val="accent1">
+                <a:shade val="50000"/>
+              </a:schemeClr>
+            </a:lnRef>
+            <a:fillRef idx="1">
+              <a:schemeClr val="accent1"/>
+            </a:fillRef>
+            <a:effectRef idx="0">
+              <a:schemeClr val="accent1"/>
+            </a:effectRef>
+            <a:fontRef idx="minor">
+              <a:schemeClr val="lt1"/>
+            </a:fontRef>
+          </p:style>
+          <p:txBody>
+            <a:bodyPr rtlCol="0" anchor="ctr"/>
+            <a:lstStyle/>
+            <a:p>
+              <a:pPr algn="ctr"/>
+              <a:endParaRPr lang="en-US" dirty="0"/>
+            </a:p>
+          </p:txBody>
+        </p:sp>
+        <p:grpSp>
+          <p:nvGrpSpPr>
+            <p:cNvPr id="103" name="Group 102">
+              <a:extLst>
+                <a:ext uri="{FF2B5EF4-FFF2-40B4-BE49-F238E27FC236}">
+                  <a16:creationId xmlns:a16="http://schemas.microsoft.com/office/drawing/2014/main" id="{ACDBD585-D734-5D7F-7AAC-C08FBF5D5ED3}"/>
+                </a:ext>
+              </a:extLst>
+            </p:cNvPr>
+            <p:cNvGrpSpPr/>
+            <p:nvPr/>
+          </p:nvGrpSpPr>
+          <p:grpSpPr>
+            <a:xfrm>
+              <a:off x="2114025" y="1801584"/>
+              <a:ext cx="1734051" cy="369332"/>
+              <a:chOff x="5223535" y="3709109"/>
+              <a:chExt cx="1734051" cy="450435"/>
+            </a:xfrm>
+          </p:grpSpPr>
+          <p:sp>
+            <p:nvSpPr>
+              <p:cNvPr id="111" name="Rectangle 110">
+                <a:extLst>
+                  <a:ext uri="{FF2B5EF4-FFF2-40B4-BE49-F238E27FC236}">
+                    <a16:creationId xmlns:a16="http://schemas.microsoft.com/office/drawing/2014/main" id="{6261EBE3-83DD-E64E-306C-95704E5E3718}"/>
+                  </a:ext>
+                </a:extLst>
+              </p:cNvPr>
+              <p:cNvSpPr/>
+              <p:nvPr/>
+            </p:nvSpPr>
+            <p:spPr>
+              <a:xfrm>
+                <a:off x="5223535" y="3717956"/>
+                <a:ext cx="1734051" cy="424003"/>
+              </a:xfrm>
+              <a:prstGeom prst="rect">
+                <a:avLst/>
+              </a:prstGeom>
+              <a:solidFill>
+                <a:schemeClr val="accent2">
+                  <a:lumMod val="75000"/>
+                </a:schemeClr>
+              </a:solidFill>
+              <a:ln>
+                <a:noFill/>
+              </a:ln>
+            </p:spPr>
+            <p:style>
+              <a:lnRef idx="2">
+                <a:schemeClr val="accent1">
+                  <a:shade val="50000"/>
+                </a:schemeClr>
+              </a:lnRef>
+              <a:fillRef idx="1">
+                <a:schemeClr val="accent1"/>
+              </a:fillRef>
+              <a:effectRef idx="0">
+                <a:schemeClr val="accent1"/>
+              </a:effectRef>
+              <a:fontRef idx="minor">
+                <a:schemeClr val="lt1"/>
+              </a:fontRef>
+            </p:style>
+            <p:txBody>
+              <a:bodyPr rtlCol="0" anchor="ctr"/>
+              <a:lstStyle/>
+              <a:p>
+                <a:endParaRPr lang="en-US" dirty="0"/>
+              </a:p>
+            </p:txBody>
+          </p:sp>
+          <p:sp>
+            <p:nvSpPr>
+              <p:cNvPr id="112" name="TextBox 111">
+                <a:extLst>
+                  <a:ext uri="{FF2B5EF4-FFF2-40B4-BE49-F238E27FC236}">
+                    <a16:creationId xmlns:a16="http://schemas.microsoft.com/office/drawing/2014/main" id="{4E330FD5-E213-76D2-473D-815B8A707FD0}"/>
+                  </a:ext>
+                </a:extLst>
+              </p:cNvPr>
+              <p:cNvSpPr txBox="1"/>
+              <p:nvPr/>
+            </p:nvSpPr>
+            <p:spPr>
+              <a:xfrm>
+                <a:off x="5478071" y="3709109"/>
+                <a:ext cx="1224979" cy="450435"/>
+              </a:xfrm>
+              <a:prstGeom prst="rect">
+                <a:avLst/>
+              </a:prstGeom>
+              <a:noFill/>
+            </p:spPr>
+            <p:txBody>
+              <a:bodyPr wrap="square" rtlCol="0">
+                <a:spAutoFit/>
+              </a:bodyPr>
+              <a:lstStyle/>
+              <a:p>
+                <a:pPr algn="ctr"/>
+                <a:r>
+                  <a:rPr lang="en-US" dirty="0">
+                    <a:solidFill>
+                      <a:schemeClr val="lt1"/>
+                    </a:solidFill>
+                  </a:rPr>
+                  <a:t>Worker</a:t>
+                </a:r>
+              </a:p>
+            </p:txBody>
+          </p:sp>
+        </p:grpSp>
+        <p:sp>
+          <p:nvSpPr>
+            <p:cNvPr id="104" name="TextBox 103">
+              <a:extLst>
+                <a:ext uri="{FF2B5EF4-FFF2-40B4-BE49-F238E27FC236}">
+                  <a16:creationId xmlns:a16="http://schemas.microsoft.com/office/drawing/2014/main" id="{43248462-9C03-4EB1-8C4C-3856FB69C88B}"/>
+                </a:ext>
+              </a:extLst>
+            </p:cNvPr>
+            <p:cNvSpPr txBox="1"/>
+            <p:nvPr/>
+          </p:nvSpPr>
+          <p:spPr>
+            <a:xfrm>
+              <a:off x="1869660" y="1515082"/>
+              <a:ext cx="1510694" cy="338554"/>
+            </a:xfrm>
+            <a:prstGeom prst="rect">
+              <a:avLst/>
+            </a:prstGeom>
+            <a:noFill/>
+          </p:spPr>
+          <p:txBody>
+            <a:bodyPr wrap="square" rtlCol="0">
+              <a:spAutoFit/>
+            </a:bodyPr>
+            <a:lstStyle/>
+            <a:p>
+              <a:r>
+                <a:rPr lang="en-US" sz="1600" dirty="0"/>
+                <a:t>Container 1</a:t>
+              </a:r>
+            </a:p>
+          </p:txBody>
+        </p:sp>
+        <p:grpSp>
+          <p:nvGrpSpPr>
+            <p:cNvPr id="105" name="Group 104">
+              <a:extLst>
+                <a:ext uri="{FF2B5EF4-FFF2-40B4-BE49-F238E27FC236}">
+                  <a16:creationId xmlns:a16="http://schemas.microsoft.com/office/drawing/2014/main" id="{A1ED502B-6490-CE30-146C-22A9C9BF7A60}"/>
+                </a:ext>
+              </a:extLst>
+            </p:cNvPr>
+            <p:cNvGrpSpPr/>
+            <p:nvPr/>
+          </p:nvGrpSpPr>
+          <p:grpSpPr>
+            <a:xfrm>
+              <a:off x="1863038" y="2334561"/>
+              <a:ext cx="2236027" cy="744089"/>
+              <a:chOff x="1863038" y="2334561"/>
+              <a:chExt cx="2236027" cy="744089"/>
+            </a:xfrm>
+          </p:grpSpPr>
+          <p:sp>
+            <p:nvSpPr>
+              <p:cNvPr id="106" name="Rectangle 105">
+                <a:extLst>
+                  <a:ext uri="{FF2B5EF4-FFF2-40B4-BE49-F238E27FC236}">
+                    <a16:creationId xmlns:a16="http://schemas.microsoft.com/office/drawing/2014/main" id="{31816D35-C7DA-16A8-BB15-07B7569A9F26}"/>
+                  </a:ext>
+                </a:extLst>
+              </p:cNvPr>
+              <p:cNvSpPr/>
+              <p:nvPr/>
+            </p:nvSpPr>
+            <p:spPr>
+              <a:xfrm>
+                <a:off x="1876283" y="2369101"/>
+                <a:ext cx="2222782" cy="709549"/>
+              </a:xfrm>
+              <a:prstGeom prst="rect">
+                <a:avLst/>
+              </a:prstGeom>
+              <a:solidFill>
+                <a:schemeClr val="accent1">
+                  <a:lumMod val="40000"/>
+                  <a:lumOff val="60000"/>
+                </a:schemeClr>
+              </a:solidFill>
+              <a:ln>
+                <a:noFill/>
+              </a:ln>
+            </p:spPr>
+            <p:style>
+              <a:lnRef idx="2">
+                <a:schemeClr val="accent1">
+                  <a:shade val="50000"/>
+                </a:schemeClr>
+              </a:lnRef>
+              <a:fillRef idx="1">
+                <a:schemeClr val="accent1"/>
+              </a:fillRef>
+              <a:effectRef idx="0">
+                <a:schemeClr val="accent1"/>
+              </a:effectRef>
+              <a:fontRef idx="minor">
+                <a:schemeClr val="lt1"/>
+              </a:fontRef>
+            </p:style>
+            <p:txBody>
+              <a:bodyPr rtlCol="0" anchor="ctr"/>
+              <a:lstStyle/>
+              <a:p>
+                <a:pPr algn="ctr"/>
+                <a:endParaRPr lang="en-US" dirty="0"/>
+              </a:p>
+            </p:txBody>
+          </p:sp>
+          <p:grpSp>
+            <p:nvGrpSpPr>
+              <p:cNvPr id="107" name="Group 106">
+                <a:extLst>
+                  <a:ext uri="{FF2B5EF4-FFF2-40B4-BE49-F238E27FC236}">
+                    <a16:creationId xmlns:a16="http://schemas.microsoft.com/office/drawing/2014/main" id="{C6239295-F569-AF2F-1B7B-CD6452711D3B}"/>
+                  </a:ext>
+                </a:extLst>
+              </p:cNvPr>
+              <p:cNvGrpSpPr/>
+              <p:nvPr/>
+            </p:nvGrpSpPr>
+            <p:grpSpPr>
+              <a:xfrm>
+                <a:off x="2107403" y="2621063"/>
+                <a:ext cx="1734051" cy="369332"/>
+                <a:chOff x="5223535" y="3709109"/>
+                <a:chExt cx="1734051" cy="450435"/>
+              </a:xfrm>
+            </p:grpSpPr>
+            <p:sp>
+              <p:nvSpPr>
+                <p:cNvPr id="109" name="Rectangle 108">
+                  <a:extLst>
+                    <a:ext uri="{FF2B5EF4-FFF2-40B4-BE49-F238E27FC236}">
+                      <a16:creationId xmlns:a16="http://schemas.microsoft.com/office/drawing/2014/main" id="{F2281B9D-AF3C-D9D5-7ADB-16148619FBD0}"/>
+                    </a:ext>
+                  </a:extLst>
+                </p:cNvPr>
+                <p:cNvSpPr/>
+                <p:nvPr/>
+              </p:nvSpPr>
+              <p:spPr>
+                <a:xfrm>
+                  <a:off x="5223535" y="3717956"/>
+                  <a:ext cx="1734051" cy="424003"/>
+                </a:xfrm>
+                <a:prstGeom prst="rect">
+                  <a:avLst/>
+                </a:prstGeom>
+                <a:solidFill>
+                  <a:schemeClr val="accent2">
+                    <a:lumMod val="75000"/>
+                  </a:schemeClr>
+                </a:solidFill>
+                <a:ln>
+                  <a:noFill/>
+                </a:ln>
+              </p:spPr>
+              <p:style>
+                <a:lnRef idx="2">
+                  <a:schemeClr val="accent1">
+                    <a:shade val="50000"/>
+                  </a:schemeClr>
+                </a:lnRef>
+                <a:fillRef idx="1">
+                  <a:schemeClr val="accent1"/>
+                </a:fillRef>
+                <a:effectRef idx="0">
+                  <a:schemeClr val="accent1"/>
+                </a:effectRef>
+                <a:fontRef idx="minor">
+                  <a:schemeClr val="lt1"/>
+                </a:fontRef>
+              </p:style>
+              <p:txBody>
+                <a:bodyPr rtlCol="0" anchor="ctr"/>
+                <a:lstStyle/>
+                <a:p>
+                  <a:endParaRPr lang="en-US" dirty="0"/>
+                </a:p>
+              </p:txBody>
+            </p:sp>
+            <p:sp>
+              <p:nvSpPr>
+                <p:cNvPr id="110" name="TextBox 109">
+                  <a:extLst>
+                    <a:ext uri="{FF2B5EF4-FFF2-40B4-BE49-F238E27FC236}">
+                      <a16:creationId xmlns:a16="http://schemas.microsoft.com/office/drawing/2014/main" id="{EDB9C295-E895-A2AA-F283-80AD1167B713}"/>
+                    </a:ext>
+                  </a:extLst>
+                </p:cNvPr>
+                <p:cNvSpPr txBox="1"/>
+                <p:nvPr/>
+              </p:nvSpPr>
+              <p:spPr>
+                <a:xfrm>
+                  <a:off x="5478071" y="3709109"/>
+                  <a:ext cx="1224979" cy="450435"/>
+                </a:xfrm>
+                <a:prstGeom prst="rect">
+                  <a:avLst/>
+                </a:prstGeom>
+                <a:noFill/>
+              </p:spPr>
+              <p:txBody>
+                <a:bodyPr wrap="square" rtlCol="0">
+                  <a:spAutoFit/>
+                </a:bodyPr>
+                <a:lstStyle/>
+                <a:p>
+                  <a:pPr algn="ctr"/>
+                  <a:r>
+                    <a:rPr lang="en-US" dirty="0">
+                      <a:solidFill>
+                        <a:schemeClr val="lt1"/>
+                      </a:solidFill>
+                    </a:rPr>
+                    <a:t>Worker</a:t>
+                  </a:r>
+                </a:p>
+              </p:txBody>
+            </p:sp>
+          </p:grpSp>
+          <p:sp>
+            <p:nvSpPr>
+              <p:cNvPr id="108" name="TextBox 107">
+                <a:extLst>
+                  <a:ext uri="{FF2B5EF4-FFF2-40B4-BE49-F238E27FC236}">
+                    <a16:creationId xmlns:a16="http://schemas.microsoft.com/office/drawing/2014/main" id="{DC616021-DFB2-4049-BA71-A03A857985ED}"/>
+                  </a:ext>
+                </a:extLst>
+              </p:cNvPr>
+              <p:cNvSpPr txBox="1"/>
+              <p:nvPr/>
+            </p:nvSpPr>
+            <p:spPr>
+              <a:xfrm>
+                <a:off x="1863038" y="2334561"/>
+                <a:ext cx="1510694" cy="338554"/>
+              </a:xfrm>
+              <a:prstGeom prst="rect">
+                <a:avLst/>
+              </a:prstGeom>
+              <a:noFill/>
+            </p:spPr>
+            <p:txBody>
+              <a:bodyPr wrap="square" rtlCol="0">
+                <a:spAutoFit/>
+              </a:bodyPr>
+              <a:lstStyle/>
+              <a:p>
+                <a:r>
+                  <a:rPr lang="en-US" sz="1600" dirty="0"/>
+                  <a:t>Container 2</a:t>
+                </a:r>
+              </a:p>
+            </p:txBody>
+          </p:sp>
+        </p:grpSp>
+      </p:grpSp>
+      <p:sp>
+        <p:nvSpPr>
+          <p:cNvPr id="118" name="TextBox 117">
+            <a:extLst>
+              <a:ext uri="{FF2B5EF4-FFF2-40B4-BE49-F238E27FC236}">
+                <a16:creationId xmlns:a16="http://schemas.microsoft.com/office/drawing/2014/main" id="{6198645C-B43C-A393-7F50-1A2DE39AEEBB}"/>
+              </a:ext>
+            </a:extLst>
+          </p:cNvPr>
+          <p:cNvSpPr txBox="1"/>
+          <p:nvPr/>
+        </p:nvSpPr>
         <p:spPr>
           <a:xfrm>
-            <a:off x="838200" y="1320006"/>
-            <a:ext cx="9211569" cy="4585494"/>
+            <a:off x="3718385" y="1101843"/>
+            <a:ext cx="4570591" cy="369332"/>
           </a:xfrm>
           <a:prstGeom prst="rect">
             <a:avLst/>
           </a:prstGeom>
+          <a:noFill/>
         </p:spPr>
-      </p:pic>
+        <p:txBody>
+          <a:bodyPr wrap="square" rtlCol="0">
+            <a:spAutoFit/>
+          </a:bodyPr>
+          <a:lstStyle/>
+          <a:p>
+            <a:r>
+              <a:rPr lang="en-US" dirty="0">
+                <a:solidFill>
+                  <a:schemeClr val="bg1"/>
+                </a:solidFill>
+              </a:rPr>
+              <a:t>Communication over Docker Swarm Network</a:t>
+            </a:r>
+          </a:p>
+        </p:txBody>
+      </p:sp>
     </p:spTree>
     <p:extLst>
       <p:ext uri="{BB962C8B-B14F-4D97-AF65-F5344CB8AC3E}">
-        <p14:creationId xmlns:p14="http://schemas.microsoft.com/office/powerpoint/2010/main" val="2682270375"/>
+        <p14:creationId xmlns:p14="http://schemas.microsoft.com/office/powerpoint/2010/main" val="1456336645"/>
       </p:ext>
     </p:extLst>
   </p:cSld>
@@ -5002,16 +8620,20 @@
             <p:ph type="title"/>
           </p:nvPr>
         </p:nvSpPr>
-        <p:spPr/>
+        <p:spPr>
+          <a:xfrm>
+            <a:off x="431800" y="0"/>
+            <a:ext cx="10515600" cy="1325563"/>
+          </a:xfrm>
+        </p:spPr>
         <p:txBody>
           <a:bodyPr/>
           <a:lstStyle/>
           <a:p>
             <a:r>
-              <a:rPr lang="en-US" dirty="0" err="1"/>
-              <a:t>Jupyter</a:t>
-            </a:r>
-            <a:endParaRPr lang="en-US" dirty="0"/>
+              <a:rPr lang="en-US" dirty="0"/>
+              <a:t>Results</a:t>
+            </a:r>
           </a:p>
         </p:txBody>
       </p:sp>
@@ -5020,7 +8642,7 @@
           <p:cNvPr id="5" name="Picture 4">
             <a:extLst>
               <a:ext uri="{FF2B5EF4-FFF2-40B4-BE49-F238E27FC236}">
-                <a16:creationId xmlns:a16="http://schemas.microsoft.com/office/drawing/2014/main" id="{8B6FFB84-4D9D-7219-DD53-0FF1CA8EBED7}"/>
+                <a16:creationId xmlns:a16="http://schemas.microsoft.com/office/drawing/2014/main" id="{FE1A6819-69C8-23D0-4A77-4A196209BCC5}"/>
               </a:ext>
             </a:extLst>
           </p:cNvPr>
@@ -5037,8 +8659,8 @@
         </p:blipFill>
         <p:spPr>
           <a:xfrm>
-            <a:off x="4546297" y="365125"/>
-            <a:ext cx="6284719" cy="3058811"/>
+            <a:off x="557924" y="1044770"/>
+            <a:ext cx="9492977" cy="3481685"/>
           </a:xfrm>
           <a:prstGeom prst="rect">
             <a:avLst/>
@@ -5047,10 +8669,10 @@
       </p:pic>
       <p:pic>
         <p:nvPicPr>
-          <p:cNvPr id="7" name="Picture 6">
-            <a:extLst>
-              <a:ext uri="{FF2B5EF4-FFF2-40B4-BE49-F238E27FC236}">
-                <a16:creationId xmlns:a16="http://schemas.microsoft.com/office/drawing/2014/main" id="{EDF8C378-9748-FEB8-5C5B-86C0EDCCA40C}"/>
+          <p:cNvPr id="9" name="Picture 8">
+            <a:extLst>
+              <a:ext uri="{FF2B5EF4-FFF2-40B4-BE49-F238E27FC236}">
+                <a16:creationId xmlns:a16="http://schemas.microsoft.com/office/drawing/2014/main" id="{8DB22542-32BB-8425-DA80-383D8F697C89}"/>
               </a:ext>
             </a:extLst>
           </p:cNvPr>
@@ -5067,8 +8689,8 @@
         </p:blipFill>
         <p:spPr>
           <a:xfrm>
-            <a:off x="4836314" y="3717964"/>
-            <a:ext cx="5994702" cy="2597111"/>
+            <a:off x="431800" y="5047254"/>
+            <a:ext cx="7632700" cy="923631"/>
           </a:xfrm>
           <a:prstGeom prst="rect">
             <a:avLst/>
@@ -5078,7 +8700,7 @@
     </p:spTree>
     <p:extLst>
       <p:ext uri="{BB962C8B-B14F-4D97-AF65-F5344CB8AC3E}">
-        <p14:creationId xmlns:p14="http://schemas.microsoft.com/office/powerpoint/2010/main" val="2343354849"/>
+        <p14:creationId xmlns:p14="http://schemas.microsoft.com/office/powerpoint/2010/main" val="1687381793"/>
       </p:ext>
     </p:extLst>
   </p:cSld>
@@ -5121,87 +8743,52 @@
             <p:ph type="title"/>
           </p:nvPr>
         </p:nvSpPr>
+        <p:spPr/>
+        <p:txBody>
+          <a:bodyPr/>
+          <a:lstStyle/>
+          <a:p>
+            <a:r>
+              <a:rPr lang="en-US" dirty="0"/>
+              <a:t>Spark UI</a:t>
+            </a:r>
+          </a:p>
+        </p:txBody>
+      </p:sp>
+      <p:pic>
+        <p:nvPicPr>
+          <p:cNvPr id="3" name="Picture 2">
+            <a:extLst>
+              <a:ext uri="{FF2B5EF4-FFF2-40B4-BE49-F238E27FC236}">
+                <a16:creationId xmlns:a16="http://schemas.microsoft.com/office/drawing/2014/main" id="{A6598981-2E53-AB0F-F7F9-1186689ED018}"/>
+              </a:ext>
+            </a:extLst>
+          </p:cNvPr>
+          <p:cNvPicPr>
+            <a:picLocks noChangeAspect="1"/>
+          </p:cNvPicPr>
+          <p:nvPr/>
+        </p:nvPicPr>
+        <p:blipFill>
+          <a:blip r:embed="rId2"/>
+          <a:stretch>
+            <a:fillRect/>
+          </a:stretch>
+        </p:blipFill>
         <p:spPr>
           <a:xfrm>
-            <a:off x="304800" y="0"/>
-            <a:ext cx="10515600" cy="1325563"/>
-          </a:xfrm>
-        </p:spPr>
-        <p:txBody>
-          <a:bodyPr/>
-          <a:lstStyle/>
-          <a:p>
-            <a:r>
-              <a:rPr lang="en-US" dirty="0"/>
-              <a:t>Big data generation: TPC-H </a:t>
-            </a:r>
-          </a:p>
-        </p:txBody>
-      </p:sp>
-      <p:sp>
-        <p:nvSpPr>
-          <p:cNvPr id="3" name="Title 1">
-            <a:extLst>
-              <a:ext uri="{FF2B5EF4-FFF2-40B4-BE49-F238E27FC236}">
-                <a16:creationId xmlns:a16="http://schemas.microsoft.com/office/drawing/2014/main" id="{7B475895-E346-AFF7-B063-94DFEB46B0C4}"/>
-              </a:ext>
-            </a:extLst>
-          </p:cNvPr>
-          <p:cNvSpPr txBox="1">
-            <a:spLocks/>
-          </p:cNvSpPr>
-          <p:nvPr/>
-        </p:nvSpPr>
-        <p:spPr>
-          <a:xfrm>
-            <a:off x="304800" y="2260600"/>
-            <a:ext cx="10515600" cy="1325563"/>
+            <a:off x="1011620" y="1690688"/>
+            <a:ext cx="9211569" cy="4585494"/>
           </a:xfrm>
           <a:prstGeom prst="rect">
             <a:avLst/>
           </a:prstGeom>
         </p:spPr>
-        <p:txBody>
-          <a:bodyPr vert="horz" lIns="91440" tIns="45720" rIns="91440" bIns="45720" rtlCol="0" anchor="ctr">
-            <a:normAutofit/>
-          </a:bodyPr>
-          <a:lstStyle>
-            <a:lvl1pPr algn="l" defTabSz="914400" rtl="0" eaLnBrk="1" latinLnBrk="0" hangingPunct="1">
-              <a:lnSpc>
-                <a:spcPct val="90000"/>
-              </a:lnSpc>
-              <a:spcBef>
-                <a:spcPct val="0"/>
-              </a:spcBef>
-              <a:buNone/>
-              <a:defRPr sz="4400" kern="1200">
-                <a:solidFill>
-                  <a:schemeClr val="tx1"/>
-                </a:solidFill>
-                <a:latin typeface="+mj-lt"/>
-                <a:ea typeface="+mj-ea"/>
-                <a:cs typeface="+mj-cs"/>
-              </a:defRPr>
-            </a:lvl1pPr>
-          </a:lstStyle>
-          <a:p>
-            <a:r>
-              <a:rPr lang="en-US" sz="2400" dirty="0"/>
-              <a:t>What is TPC-H</a:t>
-            </a:r>
-          </a:p>
-          <a:p>
-            <a:r>
-              <a:rPr lang="en-US" sz="2400" dirty="0"/>
-              <a:t>How to generate data with TPC-H ( Uniform and skewed)</a:t>
-            </a:r>
-          </a:p>
-        </p:txBody>
-      </p:sp>
+      </p:pic>
     </p:spTree>
     <p:extLst>
       <p:ext uri="{BB962C8B-B14F-4D97-AF65-F5344CB8AC3E}">
-        <p14:creationId xmlns:p14="http://schemas.microsoft.com/office/powerpoint/2010/main" val="3441731238"/>
+        <p14:creationId xmlns:p14="http://schemas.microsoft.com/office/powerpoint/2010/main" val="2682270375"/>
       </p:ext>
     </p:extLst>
   </p:cSld>
@@ -5246,6 +8833,252 @@
         </p:nvSpPr>
         <p:spPr>
           <a:xfrm>
+            <a:off x="463028" y="112877"/>
+            <a:ext cx="10515600" cy="1325563"/>
+          </a:xfrm>
+        </p:spPr>
+        <p:txBody>
+          <a:bodyPr/>
+          <a:lstStyle/>
+          <a:p>
+            <a:r>
+              <a:rPr lang="en-US" dirty="0"/>
+              <a:t>Jupyter</a:t>
+            </a:r>
+          </a:p>
+        </p:txBody>
+      </p:sp>
+      <p:pic>
+        <p:nvPicPr>
+          <p:cNvPr id="5" name="Picture 4">
+            <a:extLst>
+              <a:ext uri="{FF2B5EF4-FFF2-40B4-BE49-F238E27FC236}">
+                <a16:creationId xmlns:a16="http://schemas.microsoft.com/office/drawing/2014/main" id="{8B6FFB84-4D9D-7219-DD53-0FF1CA8EBED7}"/>
+              </a:ext>
+            </a:extLst>
+          </p:cNvPr>
+          <p:cNvPicPr>
+            <a:picLocks noChangeAspect="1"/>
+          </p:cNvPicPr>
+          <p:nvPr/>
+        </p:nvPicPr>
+        <p:blipFill>
+          <a:blip r:embed="rId2"/>
+          <a:stretch>
+            <a:fillRect/>
+          </a:stretch>
+        </p:blipFill>
+        <p:spPr>
+          <a:xfrm>
+            <a:off x="463028" y="1419976"/>
+            <a:ext cx="6284719" cy="3058811"/>
+          </a:xfrm>
+          <a:prstGeom prst="rect">
+            <a:avLst/>
+          </a:prstGeom>
+        </p:spPr>
+      </p:pic>
+      <p:pic>
+        <p:nvPicPr>
+          <p:cNvPr id="7" name="Picture 6">
+            <a:extLst>
+              <a:ext uri="{FF2B5EF4-FFF2-40B4-BE49-F238E27FC236}">
+                <a16:creationId xmlns:a16="http://schemas.microsoft.com/office/drawing/2014/main" id="{EDF8C378-9748-FEB8-5C5B-86C0EDCCA40C}"/>
+              </a:ext>
+            </a:extLst>
+          </p:cNvPr>
+          <p:cNvPicPr>
+            <a:picLocks noChangeAspect="1"/>
+          </p:cNvPicPr>
+          <p:nvPr/>
+        </p:nvPicPr>
+        <p:blipFill>
+          <a:blip r:embed="rId3"/>
+          <a:stretch>
+            <a:fillRect/>
+          </a:stretch>
+        </p:blipFill>
+        <p:spPr>
+          <a:xfrm>
+            <a:off x="6996190" y="1650825"/>
+            <a:ext cx="5994702" cy="2621630"/>
+          </a:xfrm>
+          <a:prstGeom prst="rect">
+            <a:avLst/>
+          </a:prstGeom>
+        </p:spPr>
+      </p:pic>
+    </p:spTree>
+    <p:extLst>
+      <p:ext uri="{BB962C8B-B14F-4D97-AF65-F5344CB8AC3E}">
+        <p14:creationId xmlns:p14="http://schemas.microsoft.com/office/powerpoint/2010/main" val="2343354849"/>
+      </p:ext>
+    </p:extLst>
+  </p:cSld>
+  <p:clrMapOvr>
+    <a:masterClrMapping/>
+  </p:clrMapOvr>
+</p:sld>
+</file>
+
+<file path=ppt/slides/slide17.xml><?xml version="1.0" encoding="utf-8"?>
+<p:sld xmlns:a="http://schemas.openxmlformats.org/drawingml/2006/main" xmlns:r="http://schemas.openxmlformats.org/officeDocument/2006/relationships" xmlns:p="http://schemas.openxmlformats.org/presentationml/2006/main">
+  <p:cSld>
+    <p:spTree>
+      <p:nvGrpSpPr>
+        <p:cNvPr id="1" name=""/>
+        <p:cNvGrpSpPr/>
+        <p:nvPr/>
+      </p:nvGrpSpPr>
+      <p:grpSpPr>
+        <a:xfrm>
+          <a:off x="0" y="0"/>
+          <a:ext cx="0" cy="0"/>
+          <a:chOff x="0" y="0"/>
+          <a:chExt cx="0" cy="0"/>
+        </a:xfrm>
+      </p:grpSpPr>
+      <p:sp>
+        <p:nvSpPr>
+          <p:cNvPr id="2" name="Title 1">
+            <a:extLst>
+              <a:ext uri="{FF2B5EF4-FFF2-40B4-BE49-F238E27FC236}">
+                <a16:creationId xmlns:a16="http://schemas.microsoft.com/office/drawing/2014/main" id="{182F6BDD-3DA5-A4BA-1823-18E524097C14}"/>
+              </a:ext>
+            </a:extLst>
+          </p:cNvPr>
+          <p:cNvSpPr>
+            <a:spLocks noGrp="1"/>
+          </p:cNvSpPr>
+          <p:nvPr>
+            <p:ph type="title"/>
+          </p:nvPr>
+        </p:nvSpPr>
+        <p:spPr>
+          <a:xfrm>
+            <a:off x="304800" y="0"/>
+            <a:ext cx="10515600" cy="1325563"/>
+          </a:xfrm>
+        </p:spPr>
+        <p:txBody>
+          <a:bodyPr/>
+          <a:lstStyle/>
+          <a:p>
+            <a:r>
+              <a:rPr lang="en-US" dirty="0"/>
+              <a:t>Big data generation: TPC-H </a:t>
+            </a:r>
+          </a:p>
+        </p:txBody>
+      </p:sp>
+      <p:sp>
+        <p:nvSpPr>
+          <p:cNvPr id="3" name="Title 1">
+            <a:extLst>
+              <a:ext uri="{FF2B5EF4-FFF2-40B4-BE49-F238E27FC236}">
+                <a16:creationId xmlns:a16="http://schemas.microsoft.com/office/drawing/2014/main" id="{7B475895-E346-AFF7-B063-94DFEB46B0C4}"/>
+              </a:ext>
+            </a:extLst>
+          </p:cNvPr>
+          <p:cNvSpPr txBox="1">
+            <a:spLocks/>
+          </p:cNvSpPr>
+          <p:nvPr/>
+        </p:nvSpPr>
+        <p:spPr>
+          <a:xfrm>
+            <a:off x="304800" y="2260600"/>
+            <a:ext cx="10515600" cy="1325563"/>
+          </a:xfrm>
+          <a:prstGeom prst="rect">
+            <a:avLst/>
+          </a:prstGeom>
+        </p:spPr>
+        <p:txBody>
+          <a:bodyPr vert="horz" lIns="91440" tIns="45720" rIns="91440" bIns="45720" rtlCol="0" anchor="ctr">
+            <a:normAutofit/>
+          </a:bodyPr>
+          <a:lstStyle>
+            <a:lvl1pPr algn="l" defTabSz="914400" rtl="0" eaLnBrk="1" latinLnBrk="0" hangingPunct="1">
+              <a:lnSpc>
+                <a:spcPct val="90000"/>
+              </a:lnSpc>
+              <a:spcBef>
+                <a:spcPct val="0"/>
+              </a:spcBef>
+              <a:buNone/>
+              <a:defRPr sz="4400" kern="1200">
+                <a:solidFill>
+                  <a:schemeClr val="tx1"/>
+                </a:solidFill>
+                <a:latin typeface="+mj-lt"/>
+                <a:ea typeface="+mj-ea"/>
+                <a:cs typeface="+mj-cs"/>
+              </a:defRPr>
+            </a:lvl1pPr>
+          </a:lstStyle>
+          <a:p>
+            <a:r>
+              <a:rPr lang="en-US" sz="2400" dirty="0"/>
+              <a:t>What is TPC-H</a:t>
+            </a:r>
+          </a:p>
+          <a:p>
+            <a:r>
+              <a:rPr lang="en-US" sz="2400" dirty="0"/>
+              <a:t>How to generate data with TPC-H ( Uniform and skewed)</a:t>
+            </a:r>
+          </a:p>
+        </p:txBody>
+      </p:sp>
+    </p:spTree>
+    <p:extLst>
+      <p:ext uri="{BB962C8B-B14F-4D97-AF65-F5344CB8AC3E}">
+        <p14:creationId xmlns:p14="http://schemas.microsoft.com/office/powerpoint/2010/main" val="3441731238"/>
+      </p:ext>
+    </p:extLst>
+  </p:cSld>
+  <p:clrMapOvr>
+    <a:masterClrMapping/>
+  </p:clrMapOvr>
+</p:sld>
+</file>
+
+<file path=ppt/slides/slide18.xml><?xml version="1.0" encoding="utf-8"?>
+<p:sld xmlns:a="http://schemas.openxmlformats.org/drawingml/2006/main" xmlns:r="http://schemas.openxmlformats.org/officeDocument/2006/relationships" xmlns:p="http://schemas.openxmlformats.org/presentationml/2006/main">
+  <p:cSld>
+    <p:spTree>
+      <p:nvGrpSpPr>
+        <p:cNvPr id="1" name=""/>
+        <p:cNvGrpSpPr/>
+        <p:nvPr/>
+      </p:nvGrpSpPr>
+      <p:grpSpPr>
+        <a:xfrm>
+          <a:off x="0" y="0"/>
+          <a:ext cx="0" cy="0"/>
+          <a:chOff x="0" y="0"/>
+          <a:chExt cx="0" cy="0"/>
+        </a:xfrm>
+      </p:grpSpPr>
+      <p:sp>
+        <p:nvSpPr>
+          <p:cNvPr id="2" name="Title 1">
+            <a:extLst>
+              <a:ext uri="{FF2B5EF4-FFF2-40B4-BE49-F238E27FC236}">
+                <a16:creationId xmlns:a16="http://schemas.microsoft.com/office/drawing/2014/main" id="{182F6BDD-3DA5-A4BA-1823-18E524097C14}"/>
+              </a:ext>
+            </a:extLst>
+          </p:cNvPr>
+          <p:cNvSpPr>
+            <a:spLocks noGrp="1"/>
+          </p:cNvSpPr>
+          <p:nvPr>
+            <p:ph type="title"/>
+          </p:nvPr>
+        </p:nvSpPr>
+        <p:spPr>
+          <a:xfrm>
             <a:off x="304800" y="0"/>
             <a:ext cx="10515600" cy="1325563"/>
           </a:xfrm>
@@ -5407,7 +9240,7 @@
 </p:sld>
 </file>
 
-<file path=ppt/slides/slide17.xml><?xml version="1.0" encoding="utf-8"?>
+<file path=ppt/slides/slide19.xml><?xml version="1.0" encoding="utf-8"?>
 <p:sld xmlns:a="http://schemas.openxmlformats.org/drawingml/2006/main" xmlns:r="http://schemas.openxmlformats.org/officeDocument/2006/relationships" xmlns:p="http://schemas.openxmlformats.org/presentationml/2006/main">
   <p:cSld>
     <p:spTree>
@@ -5622,250 +9455,6 @@
 </p:sld>
 </file>
 
-<file path=ppt/slides/slide18.xml><?xml version="1.0" encoding="utf-8"?>
-<p:sld xmlns:a="http://schemas.openxmlformats.org/drawingml/2006/main" xmlns:r="http://schemas.openxmlformats.org/officeDocument/2006/relationships" xmlns:p="http://schemas.openxmlformats.org/presentationml/2006/main">
-  <p:cSld>
-    <p:spTree>
-      <p:nvGrpSpPr>
-        <p:cNvPr id="1" name=""/>
-        <p:cNvGrpSpPr/>
-        <p:nvPr/>
-      </p:nvGrpSpPr>
-      <p:grpSpPr>
-        <a:xfrm>
-          <a:off x="0" y="0"/>
-          <a:ext cx="0" cy="0"/>
-          <a:chOff x="0" y="0"/>
-          <a:chExt cx="0" cy="0"/>
-        </a:xfrm>
-      </p:grpSpPr>
-      <p:sp>
-        <p:nvSpPr>
-          <p:cNvPr id="2" name="Title 1">
-            <a:extLst>
-              <a:ext uri="{FF2B5EF4-FFF2-40B4-BE49-F238E27FC236}">
-                <a16:creationId xmlns:a16="http://schemas.microsoft.com/office/drawing/2014/main" id="{182F6BDD-3DA5-A4BA-1823-18E524097C14}"/>
-              </a:ext>
-            </a:extLst>
-          </p:cNvPr>
-          <p:cNvSpPr>
-            <a:spLocks noGrp="1"/>
-          </p:cNvSpPr>
-          <p:nvPr>
-            <p:ph type="title"/>
-          </p:nvPr>
-        </p:nvSpPr>
-        <p:spPr/>
-        <p:txBody>
-          <a:bodyPr/>
-          <a:lstStyle/>
-          <a:p>
-            <a:r>
-              <a:rPr lang="en-US" dirty="0"/>
-              <a:t>Git repository &amp; hub.docker.com links</a:t>
-            </a:r>
-          </a:p>
-        </p:txBody>
-      </p:sp>
-      <p:sp>
-        <p:nvSpPr>
-          <p:cNvPr id="3" name="Content Placeholder 2">
-            <a:extLst>
-              <a:ext uri="{FF2B5EF4-FFF2-40B4-BE49-F238E27FC236}">
-                <a16:creationId xmlns:a16="http://schemas.microsoft.com/office/drawing/2014/main" id="{DB6D87E6-C3D2-F85C-4F7D-E00266D475F0}"/>
-              </a:ext>
-            </a:extLst>
-          </p:cNvPr>
-          <p:cNvSpPr>
-            <a:spLocks noGrp="1"/>
-          </p:cNvSpPr>
-          <p:nvPr>
-            <p:ph idx="1"/>
-          </p:nvPr>
-        </p:nvSpPr>
-        <p:spPr>
-          <a:xfrm>
-            <a:off x="838200" y="1457325"/>
-            <a:ext cx="10515600" cy="4351338"/>
-          </a:xfrm>
-        </p:spPr>
-        <p:txBody>
-          <a:bodyPr/>
-          <a:lstStyle/>
-          <a:p>
-            <a:pPr marL="0" marR="0">
-              <a:lnSpc>
-                <a:spcPct val="107000"/>
-              </a:lnSpc>
-              <a:spcBef>
-                <a:spcPts val="0"/>
-              </a:spcBef>
-              <a:spcAft>
-                <a:spcPts val="800"/>
-              </a:spcAft>
-            </a:pPr>
-            <a:r>
-              <a:rPr lang="en-US" sz="1800" dirty="0">
-                <a:effectLst/>
-                <a:highlight>
-                  <a:srgbClr val="FFFF00"/>
-                </a:highlight>
-                <a:latin typeface="Calibri" panose="020F0502020204030204" pitchFamily="34" charset="0"/>
-                <a:ea typeface="Calibri" panose="020F0502020204030204" pitchFamily="34" charset="0"/>
-                <a:cs typeface="Times New Roman" panose="02020603050405020304" pitchFamily="18" charset="0"/>
-                <a:hlinkClick r:id="rId2"/>
-              </a:rPr>
-              <a:t>https://github.com/gprasad09/Apache-Spark-Cluster-Project</a:t>
-            </a:r>
-            <a:endParaRPr lang="en-US" sz="1800" dirty="0">
-              <a:effectLst/>
-              <a:highlight>
-                <a:srgbClr val="FFFF00"/>
-              </a:highlight>
-              <a:latin typeface="Calibri" panose="020F0502020204030204" pitchFamily="34" charset="0"/>
-              <a:ea typeface="Calibri" panose="020F0502020204030204" pitchFamily="34" charset="0"/>
-              <a:cs typeface="Times New Roman" panose="02020603050405020304" pitchFamily="18" charset="0"/>
-            </a:endParaRPr>
-          </a:p>
-          <a:p>
-            <a:pPr marL="0" marR="0">
-              <a:lnSpc>
-                <a:spcPct val="107000"/>
-              </a:lnSpc>
-              <a:spcBef>
-                <a:spcPts val="0"/>
-              </a:spcBef>
-              <a:spcAft>
-                <a:spcPts val="800"/>
-              </a:spcAft>
-            </a:pPr>
-            <a:endParaRPr lang="en-US" sz="1800" dirty="0">
-              <a:effectLst/>
-              <a:highlight>
-                <a:srgbClr val="FFFF00"/>
-              </a:highlight>
-              <a:latin typeface="Calibri" panose="020F0502020204030204" pitchFamily="34" charset="0"/>
-              <a:ea typeface="Calibri" panose="020F0502020204030204" pitchFamily="34" charset="0"/>
-              <a:cs typeface="Times New Roman" panose="02020603050405020304" pitchFamily="18" charset="0"/>
-            </a:endParaRPr>
-          </a:p>
-        </p:txBody>
-      </p:sp>
-    </p:spTree>
-    <p:extLst>
-      <p:ext uri="{BB962C8B-B14F-4D97-AF65-F5344CB8AC3E}">
-        <p14:creationId xmlns:p14="http://schemas.microsoft.com/office/powerpoint/2010/main" val="1245715603"/>
-      </p:ext>
-    </p:extLst>
-  </p:cSld>
-  <p:clrMapOvr>
-    <a:masterClrMapping/>
-  </p:clrMapOvr>
-</p:sld>
-</file>
-
-<file path=ppt/slides/slide19.xml><?xml version="1.0" encoding="utf-8"?>
-<p:sld xmlns:a="http://schemas.openxmlformats.org/drawingml/2006/main" xmlns:r="http://schemas.openxmlformats.org/officeDocument/2006/relationships" xmlns:p="http://schemas.openxmlformats.org/presentationml/2006/main">
-  <p:cSld>
-    <p:spTree>
-      <p:nvGrpSpPr>
-        <p:cNvPr id="1" name=""/>
-        <p:cNvGrpSpPr/>
-        <p:nvPr/>
-      </p:nvGrpSpPr>
-      <p:grpSpPr>
-        <a:xfrm>
-          <a:off x="0" y="0"/>
-          <a:ext cx="0" cy="0"/>
-          <a:chOff x="0" y="0"/>
-          <a:chExt cx="0" cy="0"/>
-        </a:xfrm>
-      </p:grpSpPr>
-      <p:sp>
-        <p:nvSpPr>
-          <p:cNvPr id="2" name="Title 1">
-            <a:extLst>
-              <a:ext uri="{FF2B5EF4-FFF2-40B4-BE49-F238E27FC236}">
-                <a16:creationId xmlns:a16="http://schemas.microsoft.com/office/drawing/2014/main" id="{182F6BDD-3DA5-A4BA-1823-18E524097C14}"/>
-              </a:ext>
-            </a:extLst>
-          </p:cNvPr>
-          <p:cNvSpPr>
-            <a:spLocks noGrp="1"/>
-          </p:cNvSpPr>
-          <p:nvPr>
-            <p:ph type="title"/>
-          </p:nvPr>
-        </p:nvSpPr>
-        <p:spPr/>
-        <p:txBody>
-          <a:bodyPr/>
-          <a:lstStyle/>
-          <a:p>
-            <a:r>
-              <a:rPr lang="en-US" dirty="0"/>
-              <a:t>Challenges</a:t>
-            </a:r>
-          </a:p>
-        </p:txBody>
-      </p:sp>
-      <p:sp>
-        <p:nvSpPr>
-          <p:cNvPr id="3" name="Content Placeholder 2">
-            <a:extLst>
-              <a:ext uri="{FF2B5EF4-FFF2-40B4-BE49-F238E27FC236}">
-                <a16:creationId xmlns:a16="http://schemas.microsoft.com/office/drawing/2014/main" id="{DB6D87E6-C3D2-F85C-4F7D-E00266D475F0}"/>
-              </a:ext>
-            </a:extLst>
-          </p:cNvPr>
-          <p:cNvSpPr>
-            <a:spLocks noGrp="1"/>
-          </p:cNvSpPr>
-          <p:nvPr>
-            <p:ph idx="1"/>
-          </p:nvPr>
-        </p:nvSpPr>
-        <p:spPr/>
-        <p:txBody>
-          <a:bodyPr/>
-          <a:lstStyle/>
-          <a:p>
-            <a:pPr marL="0" marR="0">
-              <a:lnSpc>
-                <a:spcPct val="107000"/>
-              </a:lnSpc>
-              <a:spcBef>
-                <a:spcPts val="0"/>
-              </a:spcBef>
-              <a:spcAft>
-                <a:spcPts val="800"/>
-              </a:spcAft>
-            </a:pPr>
-            <a:endParaRPr lang="en-US" sz="1800" dirty="0">
-              <a:effectLst/>
-              <a:highlight>
-                <a:srgbClr val="FFFF00"/>
-              </a:highlight>
-              <a:latin typeface="Calibri" panose="020F0502020204030204" pitchFamily="34" charset="0"/>
-              <a:ea typeface="Calibri" panose="020F0502020204030204" pitchFamily="34" charset="0"/>
-              <a:cs typeface="Times New Roman" panose="02020603050405020304" pitchFamily="18" charset="0"/>
-            </a:endParaRPr>
-          </a:p>
-        </p:txBody>
-      </p:sp>
-    </p:spTree>
-    <p:extLst>
-      <p:ext uri="{BB962C8B-B14F-4D97-AF65-F5344CB8AC3E}">
-        <p14:creationId xmlns:p14="http://schemas.microsoft.com/office/powerpoint/2010/main" val="2376337768"/>
-      </p:ext>
-    </p:extLst>
-  </p:cSld>
-  <p:clrMapOvr>
-    <a:masterClrMapping/>
-  </p:clrMapOvr>
-</p:sld>
-</file>
-
 <file path=ppt/slides/slide2.xml><?xml version="1.0" encoding="utf-8"?>
 <p:sld xmlns:a="http://schemas.openxmlformats.org/drawingml/2006/main" xmlns:r="http://schemas.openxmlformats.org/officeDocument/2006/relationships" xmlns:p="http://schemas.openxmlformats.org/presentationml/2006/main">
   <p:cSld>
@@ -6040,7 +9629,7 @@
           <a:p>
             <a:r>
               <a:rPr lang="en-US" dirty="0"/>
-              <a:t>Conclusion	</a:t>
+              <a:t>Git repository &amp; hub.docker.com links</a:t>
             </a:r>
           </a:p>
         </p:txBody>
@@ -6061,66 +9650,78 @@
             <p:ph idx="1"/>
           </p:nvPr>
         </p:nvSpPr>
-        <p:spPr/>
-        <p:txBody>
-          <a:bodyPr vert="horz" lIns="91440" tIns="45720" rIns="91440" bIns="45720" rtlCol="0">
-            <a:normAutofit fontScale="70000" lnSpcReduction="20000"/>
-          </a:bodyPr>
+        <p:spPr>
+          <a:xfrm>
+            <a:off x="838200" y="1457325"/>
+            <a:ext cx="10515600" cy="4351338"/>
+          </a:xfrm>
+        </p:spPr>
+        <p:txBody>
+          <a:bodyPr/>
           <a:lstStyle/>
           <a:p>
-            <a:r>
-              <a:rPr lang="en-US" dirty="0"/>
-              <a:t>We have successfully created an Apache Spark cluster using Docker containers, which can be easily deployed and scaled on different environments. </a:t>
-            </a:r>
-          </a:p>
-          <a:p>
-            <a:endParaRPr lang="en-US" dirty="0"/>
-          </a:p>
-          <a:p>
-            <a:r>
-              <a:rPr lang="en-US" dirty="0"/>
-              <a:t>We have also automated the creation of the Spark cluster by fine-tuning docker files, images, services and shell scripts. </a:t>
-            </a:r>
-          </a:p>
-          <a:p>
-            <a:endParaRPr lang="en-US" dirty="0"/>
-          </a:p>
-          <a:p>
-            <a:r>
-              <a:rPr lang="en-US" dirty="0"/>
-              <a:t>We successfully configured the resource utilization such as CPU usages by managers and workers of the cluster.</a:t>
-            </a:r>
-          </a:p>
-          <a:p>
-            <a:pPr marL="0" indent="0">
-              <a:buNone/>
+            <a:pPr marL="0" marR="0">
+              <a:lnSpc>
+                <a:spcPct val="107000"/>
+              </a:lnSpc>
+              <a:spcBef>
+                <a:spcPts val="0"/>
+              </a:spcBef>
+              <a:spcAft>
+                <a:spcPts val="800"/>
+              </a:spcAft>
             </a:pPr>
-            <a:endParaRPr lang="en-US" dirty="0"/>
-          </a:p>
-          <a:p>
-            <a:r>
-              <a:rPr lang="en-US" dirty="0"/>
-              <a:t>Finally, we have provided a comprehensive documentation and examples that demonstrate how to use the Spark cluster for different use cases, such as data processing, machine learning, and data visualization. </a:t>
-            </a:r>
-          </a:p>
-          <a:p>
-            <a:endParaRPr lang="en-US" dirty="0"/>
-          </a:p>
-          <a:p>
-            <a:r>
-              <a:rPr lang="en-US" dirty="0"/>
-              <a:t>We believe that this project can be useful for anyone who needs to process big data using Spark, without the need for dedicated infrastructure or complex setups.</a:t>
-            </a:r>
-          </a:p>
-          <a:p>
-            <a:endParaRPr lang="en-US" dirty="0"/>
+            <a:r>
+              <a:rPr lang="en-US" sz="1800" dirty="0">
+                <a:effectLst/>
+                <a:highlight>
+                  <a:srgbClr val="FFFF00"/>
+                </a:highlight>
+                <a:latin typeface="Calibri" panose="020F0502020204030204" pitchFamily="34" charset="0"/>
+                <a:ea typeface="Calibri" panose="020F0502020204030204" pitchFamily="34" charset="0"/>
+                <a:cs typeface="Times New Roman" panose="02020603050405020304" pitchFamily="18" charset="0"/>
+                <a:hlinkClick r:id="rId2"/>
+              </a:rPr>
+              <a:t>https://github.com/gprasad09/Apache-Spark-Cluster-Project</a:t>
+            </a:r>
+            <a:endParaRPr lang="en-US" sz="1800" dirty="0">
+              <a:effectLst/>
+              <a:highlight>
+                <a:srgbClr val="FFFF00"/>
+              </a:highlight>
+              <a:latin typeface="Calibri" panose="020F0502020204030204" pitchFamily="34" charset="0"/>
+              <a:ea typeface="Calibri" panose="020F0502020204030204" pitchFamily="34" charset="0"/>
+              <a:cs typeface="Times New Roman" panose="02020603050405020304" pitchFamily="18" charset="0"/>
+            </a:endParaRPr>
+          </a:p>
+          <a:p>
+            <a:pPr marL="0" marR="0">
+              <a:lnSpc>
+                <a:spcPct val="107000"/>
+              </a:lnSpc>
+              <a:spcBef>
+                <a:spcPts val="0"/>
+              </a:spcBef>
+              <a:spcAft>
+                <a:spcPts val="800"/>
+              </a:spcAft>
+            </a:pPr>
+            <a:endParaRPr lang="en-US" sz="1800" dirty="0">
+              <a:effectLst/>
+              <a:highlight>
+                <a:srgbClr val="FFFF00"/>
+              </a:highlight>
+              <a:latin typeface="Calibri" panose="020F0502020204030204" pitchFamily="34" charset="0"/>
+              <a:ea typeface="Calibri" panose="020F0502020204030204" pitchFamily="34" charset="0"/>
+              <a:cs typeface="Times New Roman" panose="02020603050405020304" pitchFamily="18" charset="0"/>
+            </a:endParaRPr>
           </a:p>
         </p:txBody>
       </p:sp>
     </p:spTree>
     <p:extLst>
       <p:ext uri="{BB962C8B-B14F-4D97-AF65-F5344CB8AC3E}">
-        <p14:creationId xmlns:p14="http://schemas.microsoft.com/office/powerpoint/2010/main" val="3034444072"/>
+        <p14:creationId xmlns:p14="http://schemas.microsoft.com/office/powerpoint/2010/main" val="1245715603"/>
       </p:ext>
     </p:extLst>
   </p:cSld>
@@ -6169,10 +9770,9 @@
           <a:lstStyle/>
           <a:p>
             <a:r>
-              <a:rPr lang="en-US"/>
-              <a:t>References</a:t>
-            </a:r>
-            <a:endParaRPr lang="en-US" dirty="0"/>
+              <a:rPr lang="en-US" dirty="0"/>
+              <a:t>Challenges</a:t>
+            </a:r>
           </a:p>
         </p:txBody>
       </p:sp>
@@ -6194,19 +9794,36 @@
         </p:nvSpPr>
         <p:spPr/>
         <p:txBody>
-          <a:bodyPr vert="horz" lIns="91440" tIns="45720" rIns="91440" bIns="45720" rtlCol="0">
-            <a:normAutofit/>
-          </a:bodyPr>
+          <a:bodyPr/>
           <a:lstStyle/>
           <a:p>
-            <a:endParaRPr lang="en-US" dirty="0"/>
+            <a:pPr marL="0" marR="0">
+              <a:lnSpc>
+                <a:spcPct val="107000"/>
+              </a:lnSpc>
+              <a:spcBef>
+                <a:spcPts val="0"/>
+              </a:spcBef>
+              <a:spcAft>
+                <a:spcPts val="800"/>
+              </a:spcAft>
+            </a:pPr>
+            <a:endParaRPr lang="en-US" sz="1800" dirty="0">
+              <a:effectLst/>
+              <a:highlight>
+                <a:srgbClr val="FFFF00"/>
+              </a:highlight>
+              <a:latin typeface="Calibri" panose="020F0502020204030204" pitchFamily="34" charset="0"/>
+              <a:ea typeface="Calibri" panose="020F0502020204030204" pitchFamily="34" charset="0"/>
+              <a:cs typeface="Times New Roman" panose="02020603050405020304" pitchFamily="18" charset="0"/>
+            </a:endParaRPr>
           </a:p>
         </p:txBody>
       </p:sp>
     </p:spTree>
     <p:extLst>
       <p:ext uri="{BB962C8B-B14F-4D97-AF65-F5344CB8AC3E}">
-        <p14:creationId xmlns:p14="http://schemas.microsoft.com/office/powerpoint/2010/main" val="3319634625"/>
+        <p14:creationId xmlns:p14="http://schemas.microsoft.com/office/powerpoint/2010/main" val="2376337768"/>
       </p:ext>
     </p:extLst>
   </p:cSld>
@@ -6238,7 +9855,7 @@
           <p:cNvPr id="2" name="Title 1">
             <a:extLst>
               <a:ext uri="{FF2B5EF4-FFF2-40B4-BE49-F238E27FC236}">
-                <a16:creationId xmlns:a16="http://schemas.microsoft.com/office/drawing/2014/main" id="{F74B9DCF-A0CB-2AB3-21F2-539C06229AAA}"/>
+                <a16:creationId xmlns:a16="http://schemas.microsoft.com/office/drawing/2014/main" id="{182F6BDD-3DA5-A4BA-1823-18E524097C14}"/>
               </a:ext>
             </a:extLst>
           </p:cNvPr>
@@ -6246,28 +9863,183 @@
             <a:spLocks noGrp="1"/>
           </p:cNvSpPr>
           <p:nvPr>
-            <p:ph type="ctrTitle"/>
+            <p:ph type="title"/>
           </p:nvPr>
         </p:nvSpPr>
         <p:spPr/>
         <p:txBody>
-          <a:bodyPr>
-            <a:noAutofit/>
+          <a:bodyPr/>
+          <a:lstStyle/>
+          <a:p>
+            <a:r>
+              <a:rPr lang="en-US" dirty="0"/>
+              <a:t>Conclusion	</a:t>
+            </a:r>
+          </a:p>
+        </p:txBody>
+      </p:sp>
+      <p:sp>
+        <p:nvSpPr>
+          <p:cNvPr id="3" name="Content Placeholder 2">
+            <a:extLst>
+              <a:ext uri="{FF2B5EF4-FFF2-40B4-BE49-F238E27FC236}">
+                <a16:creationId xmlns:a16="http://schemas.microsoft.com/office/drawing/2014/main" id="{DB6D87E6-C3D2-F85C-4F7D-E00266D475F0}"/>
+              </a:ext>
+            </a:extLst>
+          </p:cNvPr>
+          <p:cNvSpPr>
+            <a:spLocks noGrp="1"/>
+          </p:cNvSpPr>
+          <p:nvPr>
+            <p:ph idx="1"/>
+          </p:nvPr>
+        </p:nvSpPr>
+        <p:spPr/>
+        <p:txBody>
+          <a:bodyPr vert="horz" lIns="91440" tIns="45720" rIns="91440" bIns="45720" rtlCol="0">
+            <a:normAutofit fontScale="70000" lnSpcReduction="20000"/>
           </a:bodyPr>
           <a:lstStyle/>
           <a:p>
             <a:r>
-              <a:rPr lang="en-US" sz="4000" dirty="0"/>
-              <a:t>Thank you</a:t>
-            </a:r>
-            <a:endParaRPr lang="en-US" sz="2800" dirty="0"/>
+              <a:rPr lang="en-US" dirty="0"/>
+              <a:t>We have successfully created an Apache Spark cluster using Docker containers, which can be easily deployed and scaled on different environments. </a:t>
+            </a:r>
+          </a:p>
+          <a:p>
+            <a:endParaRPr lang="en-US" dirty="0"/>
+          </a:p>
+          <a:p>
+            <a:r>
+              <a:rPr lang="en-US" dirty="0"/>
+              <a:t>We have also automated the creation of the Spark cluster by fine-tuning docker files, images, services and shell scripts. </a:t>
+            </a:r>
+          </a:p>
+          <a:p>
+            <a:endParaRPr lang="en-US" dirty="0"/>
+          </a:p>
+          <a:p>
+            <a:r>
+              <a:rPr lang="en-US" dirty="0"/>
+              <a:t>We successfully configured the resource utilization such as CPU usages by managers and workers of the cluster.</a:t>
+            </a:r>
+          </a:p>
+          <a:p>
+            <a:pPr marL="0" indent="0">
+              <a:buNone/>
+            </a:pPr>
+            <a:endParaRPr lang="en-US" dirty="0"/>
+          </a:p>
+          <a:p>
+            <a:r>
+              <a:rPr lang="en-US" dirty="0"/>
+              <a:t>Finally, we have provided a comprehensive documentation and examples that demonstrate how to use the Spark cluster for different use cases, such as data processing, machine learning, and data visualization. </a:t>
+            </a:r>
+          </a:p>
+          <a:p>
+            <a:endParaRPr lang="en-US" dirty="0"/>
+          </a:p>
+          <a:p>
+            <a:r>
+              <a:rPr lang="en-US" dirty="0"/>
+              <a:t>We believe that this project can be useful for anyone who needs to process big data using Spark, without the need for dedicated infrastructure or complex setups.</a:t>
+            </a:r>
+          </a:p>
+          <a:p>
+            <a:endParaRPr lang="en-US" dirty="0"/>
           </a:p>
         </p:txBody>
       </p:sp>
     </p:spTree>
     <p:extLst>
       <p:ext uri="{BB962C8B-B14F-4D97-AF65-F5344CB8AC3E}">
-        <p14:creationId xmlns:p14="http://schemas.microsoft.com/office/powerpoint/2010/main" val="2678080752"/>
+        <p14:creationId xmlns:p14="http://schemas.microsoft.com/office/powerpoint/2010/main" val="3034444072"/>
+      </p:ext>
+    </p:extLst>
+  </p:cSld>
+  <p:clrMapOvr>
+    <a:masterClrMapping/>
+  </p:clrMapOvr>
+</p:sld>
+</file>
+
+<file path=ppt/slides/slide23.xml><?xml version="1.0" encoding="utf-8"?>
+<p:sld xmlns:a="http://schemas.openxmlformats.org/drawingml/2006/main" xmlns:r="http://schemas.openxmlformats.org/officeDocument/2006/relationships" xmlns:p="http://schemas.openxmlformats.org/presentationml/2006/main">
+  <p:cSld>
+    <p:spTree>
+      <p:nvGrpSpPr>
+        <p:cNvPr id="1" name=""/>
+        <p:cNvGrpSpPr/>
+        <p:nvPr/>
+      </p:nvGrpSpPr>
+      <p:grpSpPr>
+        <a:xfrm>
+          <a:off x="0" y="0"/>
+          <a:ext cx="0" cy="0"/>
+          <a:chOff x="0" y="0"/>
+          <a:chExt cx="0" cy="0"/>
+        </a:xfrm>
+      </p:grpSpPr>
+      <p:sp>
+        <p:nvSpPr>
+          <p:cNvPr id="2" name="Title 1">
+            <a:extLst>
+              <a:ext uri="{FF2B5EF4-FFF2-40B4-BE49-F238E27FC236}">
+                <a16:creationId xmlns:a16="http://schemas.microsoft.com/office/drawing/2014/main" id="{182F6BDD-3DA5-A4BA-1823-18E524097C14}"/>
+              </a:ext>
+            </a:extLst>
+          </p:cNvPr>
+          <p:cNvSpPr>
+            <a:spLocks noGrp="1"/>
+          </p:cNvSpPr>
+          <p:nvPr>
+            <p:ph type="title"/>
+          </p:nvPr>
+        </p:nvSpPr>
+        <p:spPr/>
+        <p:txBody>
+          <a:bodyPr/>
+          <a:lstStyle/>
+          <a:p>
+            <a:r>
+              <a:rPr lang="en-US"/>
+              <a:t>References</a:t>
+            </a:r>
+            <a:endParaRPr lang="en-US" dirty="0"/>
+          </a:p>
+        </p:txBody>
+      </p:sp>
+      <p:sp>
+        <p:nvSpPr>
+          <p:cNvPr id="3" name="Content Placeholder 2">
+            <a:extLst>
+              <a:ext uri="{FF2B5EF4-FFF2-40B4-BE49-F238E27FC236}">
+                <a16:creationId xmlns:a16="http://schemas.microsoft.com/office/drawing/2014/main" id="{DB6D87E6-C3D2-F85C-4F7D-E00266D475F0}"/>
+              </a:ext>
+            </a:extLst>
+          </p:cNvPr>
+          <p:cNvSpPr>
+            <a:spLocks noGrp="1"/>
+          </p:cNvSpPr>
+          <p:nvPr>
+            <p:ph idx="1"/>
+          </p:nvPr>
+        </p:nvSpPr>
+        <p:spPr/>
+        <p:txBody>
+          <a:bodyPr vert="horz" lIns="91440" tIns="45720" rIns="91440" bIns="45720" rtlCol="0">
+            <a:normAutofit/>
+          </a:bodyPr>
+          <a:lstStyle/>
+          <a:p>
+            <a:endParaRPr lang="en-US" dirty="0"/>
+          </a:p>
+        </p:txBody>
+      </p:sp>
+    </p:spTree>
+    <p:extLst>
+      <p:ext uri="{BB962C8B-B14F-4D97-AF65-F5344CB8AC3E}">
+        <p14:creationId xmlns:p14="http://schemas.microsoft.com/office/powerpoint/2010/main" val="3319634625"/>
       </p:ext>
     </p:extLst>
   </p:cSld>
@@ -7415,7 +11187,7 @@
           <a:p>
             <a:r>
               <a:rPr lang="en-US" dirty="0"/>
-              <a:t>Implementation steps</a:t>
+              <a:t>Implementation: Step(1/6)</a:t>
             </a:r>
           </a:p>
         </p:txBody>
@@ -7436,10 +11208,15 @@
             <p:ph idx="1"/>
           </p:nvPr>
         </p:nvSpPr>
-        <p:spPr/>
+        <p:spPr>
+          <a:xfrm>
+            <a:off x="838201" y="1825625"/>
+            <a:ext cx="4837385" cy="4007616"/>
+          </a:xfrm>
+        </p:spPr>
         <p:txBody>
           <a:bodyPr vert="horz" lIns="91440" tIns="45720" rIns="91440" bIns="45720" rtlCol="0">
-            <a:normAutofit fontScale="92500" lnSpcReduction="20000"/>
+            <a:normAutofit lnSpcReduction="10000"/>
           </a:bodyPr>
           <a:lstStyle/>
           <a:p>
@@ -7460,141 +11237,125 @@
             </a:r>
           </a:p>
           <a:p>
-            <a:pPr lvl="1"/>
-            <a:r>
-              <a:rPr lang="en-US" dirty="0"/>
-              <a:t>Build docker images ( Base images, manager image, worker images)</a:t>
-            </a:r>
-          </a:p>
-          <a:p>
-            <a:pPr lvl="1"/>
-            <a:r>
-              <a:rPr lang="en-US" dirty="0"/>
-              <a:t>Config preparation</a:t>
-            </a:r>
-          </a:p>
-          <a:p>
-            <a:pPr lvl="1"/>
-            <a:r>
-              <a:rPr lang="en-US" dirty="0"/>
-              <a:t>Push build images to docker hub</a:t>
-            </a:r>
-          </a:p>
-          <a:p>
             <a:pPr marL="457200" lvl="1" indent="0">
               <a:buNone/>
             </a:pPr>
             <a:endParaRPr lang="en-US" dirty="0"/>
           </a:p>
           <a:p>
-            <a:pPr>
-              <a:lnSpc>
-                <a:spcPct val="107000"/>
-              </a:lnSpc>
-              <a:spcBef>
-                <a:spcPts val="0"/>
-              </a:spcBef>
-              <a:spcAft>
-                <a:spcPts val="800"/>
-              </a:spcAft>
-              <a:buFont typeface="Wingdings" panose="05000000000000000000" pitchFamily="2" charset="2"/>
-              <a:buChar char="§"/>
+            <a:pPr lvl="1"/>
+            <a:r>
+              <a:rPr lang="en-US" dirty="0"/>
+              <a:t>Build docker images </a:t>
+            </a:r>
+          </a:p>
+          <a:p>
+            <a:pPr lvl="2"/>
+            <a:r>
+              <a:rPr lang="en-US" dirty="0"/>
+              <a:t> Base images, manager image, worker images</a:t>
+            </a:r>
+          </a:p>
+          <a:p>
+            <a:pPr marL="914400" lvl="2" indent="0">
+              <a:buNone/>
             </a:pPr>
+            <a:endParaRPr lang="en-US" dirty="0"/>
+          </a:p>
+          <a:p>
+            <a:pPr lvl="1"/>
             <a:r>
               <a:rPr lang="en-US" dirty="0"/>
-              <a:t>Create docker compose file</a:t>
-            </a:r>
-          </a:p>
-          <a:p>
-            <a:pPr marL="457200" lvl="1">
-              <a:lnSpc>
-                <a:spcPct val="107000"/>
-              </a:lnSpc>
-              <a:spcBef>
-                <a:spcPts val="0"/>
-              </a:spcBef>
-              <a:spcAft>
-                <a:spcPts val="800"/>
-              </a:spcAft>
+              <a:t>Config preparation</a:t>
+            </a:r>
+          </a:p>
+          <a:p>
+            <a:pPr marL="457200" lvl="1" indent="0">
+              <a:buNone/>
             </a:pPr>
+            <a:endParaRPr lang="en-US" dirty="0"/>
+          </a:p>
+          <a:p>
+            <a:pPr lvl="1"/>
             <a:r>
               <a:rPr lang="en-US" dirty="0"/>
-              <a:t>Manager and Worker container configuration</a:t>
-            </a:r>
-          </a:p>
-          <a:p>
-            <a:pPr marL="457200" lvl="1">
-              <a:lnSpc>
-                <a:spcPct val="107000"/>
-              </a:lnSpc>
-              <a:spcBef>
-                <a:spcPts val="0"/>
-              </a:spcBef>
-              <a:spcAft>
-                <a:spcPts val="800"/>
-              </a:spcAft>
+              <a:t>Push build images to docker hub</a:t>
+            </a:r>
+          </a:p>
+          <a:p>
+            <a:pPr marL="457200" lvl="1" indent="0">
+              <a:buNone/>
             </a:pPr>
-            <a:r>
-              <a:rPr lang="en-US" dirty="0"/>
-              <a:t>Hostname configuration</a:t>
-            </a:r>
-          </a:p>
-          <a:p>
-            <a:pPr marL="457200" lvl="1">
-              <a:lnSpc>
-                <a:spcPct val="107000"/>
-              </a:lnSpc>
-              <a:spcBef>
-                <a:spcPts val="0"/>
-              </a:spcBef>
-              <a:spcAft>
-                <a:spcPts val="800"/>
-              </a:spcAft>
+            <a:endParaRPr lang="en-US" dirty="0"/>
+          </a:p>
+          <a:p>
+            <a:pPr marL="0" indent="0">
+              <a:buNone/>
             </a:pPr>
-            <a:r>
-              <a:rPr lang="en-US" dirty="0"/>
-              <a:t>Resource utilization (No of CPUs)</a:t>
-            </a:r>
-          </a:p>
-          <a:p>
-            <a:pPr marL="457200" lvl="1">
-              <a:lnSpc>
-                <a:spcPct val="107000"/>
-              </a:lnSpc>
-              <a:spcBef>
-                <a:spcPts val="0"/>
-              </a:spcBef>
-              <a:spcAft>
-                <a:spcPts val="800"/>
-              </a:spcAft>
-            </a:pPr>
-            <a:r>
-              <a:rPr lang="en-US" dirty="0"/>
-              <a:t>Port configuration</a:t>
-            </a:r>
-          </a:p>
-          <a:p>
-            <a:pPr marL="457200" lvl="1">
-              <a:lnSpc>
-                <a:spcPct val="107000"/>
-              </a:lnSpc>
-              <a:spcBef>
-                <a:spcPts val="0"/>
-              </a:spcBef>
-              <a:spcAft>
-                <a:spcPts val="800"/>
-              </a:spcAft>
-            </a:pPr>
-            <a:r>
-              <a:rPr lang="en-US" dirty="0"/>
-              <a:t>Data volume mapping</a:t>
-            </a:r>
-          </a:p>
-          <a:p>
             <a:endParaRPr lang="en-US" dirty="0"/>
           </a:p>
         </p:txBody>
       </p:sp>
+      <p:pic>
+        <p:nvPicPr>
+          <p:cNvPr id="11" name="Picture 10">
+            <a:extLst>
+              <a:ext uri="{FF2B5EF4-FFF2-40B4-BE49-F238E27FC236}">
+                <a16:creationId xmlns:a16="http://schemas.microsoft.com/office/drawing/2014/main" id="{C0163A32-B59C-4D85-DCBD-19830A92C61B}"/>
+              </a:ext>
+            </a:extLst>
+          </p:cNvPr>
+          <p:cNvPicPr>
+            <a:picLocks noChangeAspect="1"/>
+          </p:cNvPicPr>
+          <p:nvPr/>
+        </p:nvPicPr>
+        <p:blipFill>
+          <a:blip r:embed="rId2"/>
+          <a:stretch>
+            <a:fillRect/>
+          </a:stretch>
+        </p:blipFill>
+        <p:spPr>
+          <a:xfrm>
+            <a:off x="6369269" y="1690688"/>
+            <a:ext cx="4950373" cy="2075605"/>
+          </a:xfrm>
+          <a:prstGeom prst="rect">
+            <a:avLst/>
+          </a:prstGeom>
+        </p:spPr>
+      </p:pic>
+      <p:pic>
+        <p:nvPicPr>
+          <p:cNvPr id="18" name="Picture 17">
+            <a:extLst>
+              <a:ext uri="{FF2B5EF4-FFF2-40B4-BE49-F238E27FC236}">
+                <a16:creationId xmlns:a16="http://schemas.microsoft.com/office/drawing/2014/main" id="{0A8A52EA-53C6-6AC3-6F55-4D8DDD0E1293}"/>
+              </a:ext>
+            </a:extLst>
+          </p:cNvPr>
+          <p:cNvPicPr>
+            <a:picLocks noChangeAspect="1"/>
+          </p:cNvPicPr>
+          <p:nvPr/>
+        </p:nvPicPr>
+        <p:blipFill>
+          <a:blip r:embed="rId3"/>
+          <a:stretch>
+            <a:fillRect/>
+          </a:stretch>
+        </p:blipFill>
+        <p:spPr>
+          <a:xfrm>
+            <a:off x="6369269" y="4009079"/>
+            <a:ext cx="4779852" cy="2316465"/>
+          </a:xfrm>
+          <a:prstGeom prst="rect">
+            <a:avLst/>
+          </a:prstGeom>
+        </p:spPr>
+      </p:pic>
     </p:spTree>
     <p:extLst>
       <p:ext uri="{BB962C8B-B14F-4D97-AF65-F5344CB8AC3E}">
@@ -7648,7 +11409,7 @@
           <a:p>
             <a:r>
               <a:rPr lang="en-US" dirty="0"/>
-              <a:t>Implementation steps: Continue</a:t>
+              <a:t>Implementation steps (2/6)</a:t>
             </a:r>
           </a:p>
         </p:txBody>
@@ -7669,10 +11430,15 @@
             <p:ph idx="1"/>
           </p:nvPr>
         </p:nvSpPr>
-        <p:spPr/>
+        <p:spPr>
+          <a:xfrm>
+            <a:off x="838201" y="1825625"/>
+            <a:ext cx="5546834" cy="4351338"/>
+          </a:xfrm>
+        </p:spPr>
         <p:txBody>
           <a:bodyPr vert="horz" lIns="91440" tIns="45720" rIns="91440" bIns="45720" rtlCol="0">
-            <a:normAutofit fontScale="92500" lnSpcReduction="20000"/>
+            <a:normAutofit/>
           </a:bodyPr>
           <a:lstStyle/>
           <a:p>
@@ -7682,109 +11448,133 @@
             </a:pPr>
             <a:r>
               <a:rPr lang="en-US" dirty="0"/>
-              <a:t> Build manager and worker containers</a:t>
+              <a:t>Create docker compose file</a:t>
             </a:r>
           </a:p>
           <a:p>
             <a:pPr lvl="1"/>
             <a:r>
               <a:rPr lang="en-US" dirty="0"/>
-              <a:t>Docker swarm network</a:t>
-            </a:r>
-          </a:p>
-          <a:p>
-            <a:pPr lvl="1"/>
-            <a:r>
-              <a:rPr lang="en-US" dirty="0"/>
-              <a:t>Create manager and worker containers on Swarm network</a:t>
+              <a:t>Manager and Worker container configuration</a:t>
             </a:r>
           </a:p>
           <a:p>
             <a:pPr lvl="1"/>
             <a:endParaRPr lang="en-US" dirty="0"/>
+          </a:p>
+          <a:p>
+            <a:pPr lvl="1"/>
+            <a:r>
+              <a:rPr lang="en-US" dirty="0"/>
+              <a:t>Hostname configuration</a:t>
+            </a:r>
+          </a:p>
+          <a:p>
+            <a:pPr lvl="1"/>
+            <a:endParaRPr lang="en-US" dirty="0"/>
+          </a:p>
+          <a:p>
+            <a:pPr lvl="1"/>
+            <a:r>
+              <a:rPr lang="en-US" dirty="0"/>
+              <a:t>Resource utilization (No of CPUs)</a:t>
+            </a:r>
+          </a:p>
+          <a:p>
+            <a:pPr lvl="1"/>
+            <a:endParaRPr lang="en-US" dirty="0"/>
+          </a:p>
+          <a:p>
+            <a:pPr lvl="1"/>
+            <a:r>
+              <a:rPr lang="en-US" dirty="0"/>
+              <a:t>Port configuration</a:t>
+            </a:r>
+          </a:p>
+          <a:p>
+            <a:pPr lvl="1"/>
+            <a:endParaRPr lang="en-US" dirty="0"/>
+          </a:p>
+          <a:p>
+            <a:pPr lvl="1"/>
+            <a:r>
+              <a:rPr lang="en-US" dirty="0"/>
+              <a:t>Data volume mapping</a:t>
+            </a:r>
           </a:p>
           <a:p>
             <a:pPr>
               <a:buFont typeface="Wingdings" panose="05000000000000000000" pitchFamily="2" charset="2"/>
               <a:buChar char="§"/>
             </a:pPr>
-            <a:r>
-              <a:rPr lang="en-US" dirty="0"/>
-              <a:t> Configuration post containers creation</a:t>
-            </a:r>
-          </a:p>
-          <a:p>
-            <a:pPr lvl="1"/>
-            <a:r>
-              <a:rPr lang="en-US" dirty="0"/>
-              <a:t>Master container configuration ( Slaves list, Spark path)</a:t>
-            </a:r>
-          </a:p>
-          <a:p>
-            <a:pPr lvl="1"/>
-            <a:r>
-              <a:rPr lang="en-US" dirty="0"/>
-              <a:t>Library and tools installation such as </a:t>
-            </a:r>
-            <a:r>
-              <a:rPr lang="en-US" dirty="0" err="1"/>
-              <a:t>Jupyter</a:t>
-            </a:r>
-            <a:r>
-              <a:rPr lang="en-US" dirty="0"/>
-              <a:t>, matplotlib etc.</a:t>
-            </a:r>
-          </a:p>
-          <a:p>
-            <a:pPr lvl="1"/>
             <a:endParaRPr lang="en-US" dirty="0"/>
           </a:p>
-          <a:p>
-            <a:pPr>
-              <a:buFont typeface="Wingdings" panose="05000000000000000000" pitchFamily="2" charset="2"/>
-              <a:buChar char="§"/>
-            </a:pPr>
-            <a:r>
-              <a:rPr lang="en-US" dirty="0"/>
-              <a:t>Start Spark cluster</a:t>
-            </a:r>
-          </a:p>
-          <a:p>
-            <a:pPr>
-              <a:buFont typeface="Wingdings" panose="05000000000000000000" pitchFamily="2" charset="2"/>
-              <a:buChar char="§"/>
-            </a:pPr>
-            <a:r>
-              <a:rPr lang="en-US" dirty="0"/>
-              <a:t>Automate cluster creation tasks</a:t>
-            </a:r>
-          </a:p>
-          <a:p>
-            <a:pPr lvl="1">
-              <a:buFont typeface="Wingdings" panose="05000000000000000000" pitchFamily="2" charset="2"/>
-              <a:buChar char="§"/>
-            </a:pPr>
-            <a:r>
-              <a:rPr lang="en-US" dirty="0"/>
-              <a:t> Manager and workers as docker services with docker stack</a:t>
-            </a:r>
-          </a:p>
-          <a:p>
-            <a:pPr lvl="1">
-              <a:buFont typeface="Wingdings" panose="05000000000000000000" pitchFamily="2" charset="2"/>
-              <a:buChar char="§"/>
-            </a:pPr>
-            <a:r>
-              <a:rPr lang="en-US" dirty="0"/>
-              <a:t>Automate configuration with shell scripts, docker images/compose</a:t>
-            </a:r>
-          </a:p>
-        </p:txBody>
-      </p:sp>
+        </p:txBody>
+      </p:sp>
+      <p:pic>
+        <p:nvPicPr>
+          <p:cNvPr id="9" name="Picture 8">
+            <a:extLst>
+              <a:ext uri="{FF2B5EF4-FFF2-40B4-BE49-F238E27FC236}">
+                <a16:creationId xmlns:a16="http://schemas.microsoft.com/office/drawing/2014/main" id="{CC7DE4C9-E870-D163-AF6D-E210C917D55C}"/>
+              </a:ext>
+            </a:extLst>
+          </p:cNvPr>
+          <p:cNvPicPr>
+            <a:picLocks noChangeAspect="1"/>
+          </p:cNvPicPr>
+          <p:nvPr/>
+        </p:nvPicPr>
+        <p:blipFill>
+          <a:blip r:embed="rId2"/>
+          <a:stretch>
+            <a:fillRect/>
+          </a:stretch>
+        </p:blipFill>
+        <p:spPr>
+          <a:xfrm>
+            <a:off x="7101052" y="1503773"/>
+            <a:ext cx="4114800" cy="2552700"/>
+          </a:xfrm>
+          <a:prstGeom prst="rect">
+            <a:avLst/>
+          </a:prstGeom>
+        </p:spPr>
+      </p:pic>
+      <p:pic>
+        <p:nvPicPr>
+          <p:cNvPr id="13" name="Picture 12">
+            <a:extLst>
+              <a:ext uri="{FF2B5EF4-FFF2-40B4-BE49-F238E27FC236}">
+                <a16:creationId xmlns:a16="http://schemas.microsoft.com/office/drawing/2014/main" id="{C2172975-69FF-A293-3E83-C3B1F75B3512}"/>
+              </a:ext>
+            </a:extLst>
+          </p:cNvPr>
+          <p:cNvPicPr>
+            <a:picLocks noChangeAspect="1"/>
+          </p:cNvPicPr>
+          <p:nvPr/>
+        </p:nvPicPr>
+        <p:blipFill>
+          <a:blip r:embed="rId3"/>
+          <a:stretch>
+            <a:fillRect/>
+          </a:stretch>
+        </p:blipFill>
+        <p:spPr>
+          <a:xfrm>
+            <a:off x="7101052" y="4425950"/>
+            <a:ext cx="3609975" cy="2066925"/>
+          </a:xfrm>
+          <a:prstGeom prst="rect">
+            <a:avLst/>
+          </a:prstGeom>
+        </p:spPr>
+      </p:pic>
     </p:spTree>
     <p:extLst>
       <p:ext uri="{BB962C8B-B14F-4D97-AF65-F5344CB8AC3E}">
-        <p14:creationId xmlns:p14="http://schemas.microsoft.com/office/powerpoint/2010/main" val="1815147930"/>
+        <p14:creationId xmlns:p14="http://schemas.microsoft.com/office/powerpoint/2010/main" val="3344745317"/>
       </p:ext>
     </p:extLst>
   </p:cSld>

--- a/misc/ProjectReports-In progress/TermProject.pptx
+++ b/misc/ProjectReports-In progress/TermProject.pptx
@@ -530,77 +530,45 @@
           <a:bodyPr/>
           <a:lstStyle/>
           <a:p>
-            <a:pPr marL="0" marR="0" lvl="0" indent="0" algn="l" defTabSz="914400" rtl="0" eaLnBrk="1" fontAlgn="auto" latinLnBrk="0" hangingPunct="1">
-              <a:lnSpc>
-                <a:spcPct val="100000"/>
-              </a:lnSpc>
-              <a:spcBef>
-                <a:spcPts val="0"/>
-              </a:spcBef>
-              <a:spcAft>
-                <a:spcPts val="0"/>
-              </a:spcAft>
-              <a:buClrTx/>
-              <a:buSzTx/>
-              <a:buFontTx/>
+            <a:r>
+              <a:rPr lang="en-US" dirty="0"/>
+              <a:t>Objective: To create an Apache Spark cluster using Docker containers and visualize big data</a:t>
+            </a:r>
+          </a:p>
+          <a:p>
+            <a:pPr marL="0" indent="0">
               <a:buNone/>
-              <a:tabLst/>
-              <a:defRPr/>
             </a:pPr>
-            <a:r>
-              <a:rPr lang="en-US" sz="1800" dirty="0">
-                <a:effectLst/>
-                <a:latin typeface="Calibri" panose="020F0502020204030204" pitchFamily="34" charset="0"/>
-                <a:ea typeface="Calibri" panose="020F0502020204030204" pitchFamily="34" charset="0"/>
-                <a:cs typeface="Times New Roman" panose="02020603050405020304" pitchFamily="18" charset="0"/>
-              </a:rPr>
-              <a:t>Apache Spark is a distributed computing framework designed to process large datasets in parallel across multiple computers in a cluster. It is an open-source project developed by the Apache Software Foundation and is written in Scala, Java, and Python.</a:t>
-            </a:r>
-          </a:p>
-          <a:p>
-            <a:pPr marL="0" marR="0" lvl="0" indent="0" algn="l" defTabSz="914400" rtl="0" eaLnBrk="1" fontAlgn="auto" latinLnBrk="0" hangingPunct="1">
-              <a:lnSpc>
-                <a:spcPct val="100000"/>
-              </a:lnSpc>
-              <a:spcBef>
-                <a:spcPts val="0"/>
-              </a:spcBef>
-              <a:spcAft>
-                <a:spcPts val="0"/>
-              </a:spcAft>
-              <a:buClrTx/>
-              <a:buSzTx/>
-              <a:buFontTx/>
+            <a:endParaRPr lang="en-US" dirty="0"/>
+          </a:p>
+          <a:p>
+            <a:r>
+              <a:rPr lang="en-US" dirty="0"/>
+              <a:t>Apache Spark is a distributed computing framework that enables processing of large datasets in parallel across multiple machines.</a:t>
+            </a:r>
+          </a:p>
+          <a:p>
+            <a:pPr marL="0" indent="0">
               <a:buNone/>
-              <a:tabLst/>
-              <a:defRPr/>
             </a:pPr>
-            <a:r>
-              <a:rPr lang="en-US" sz="1800" dirty="0">
-                <a:effectLst/>
-                <a:latin typeface="Calibri" panose="020F0502020204030204" pitchFamily="34" charset="0"/>
-                <a:ea typeface="Calibri" panose="020F0502020204030204" pitchFamily="34" charset="0"/>
-                <a:cs typeface="Times New Roman" panose="02020603050405020304" pitchFamily="18" charset="0"/>
-              </a:rPr>
-              <a:t>There are several reasons why we use Apache Spark. One of the primary reasons is its ability to handle large datasets efficiently. Spark's in-memory processing model enables it to perform much faster than traditional big data processing frameworks like Hadoop, especially when dealing with iterative algorithms and machine learning workloads. Spark also provides a rich set of libraries, such as Spark SQL, Spark Streaming, and </a:t>
-            </a:r>
-            <a:r>
-              <a:rPr lang="en-US" sz="1800" dirty="0" err="1">
-                <a:effectLst/>
-                <a:latin typeface="Calibri" panose="020F0502020204030204" pitchFamily="34" charset="0"/>
-                <a:ea typeface="Calibri" panose="020F0502020204030204" pitchFamily="34" charset="0"/>
-                <a:cs typeface="Times New Roman" panose="02020603050405020304" pitchFamily="18" charset="0"/>
-              </a:rPr>
-              <a:t>MLlib</a:t>
-            </a:r>
-            <a:r>
-              <a:rPr lang="en-US" sz="1800" dirty="0">
-                <a:effectLst/>
-                <a:latin typeface="Calibri" panose="020F0502020204030204" pitchFamily="34" charset="0"/>
-                <a:ea typeface="Calibri" panose="020F0502020204030204" pitchFamily="34" charset="0"/>
-                <a:cs typeface="Times New Roman" panose="02020603050405020304" pitchFamily="18" charset="0"/>
-              </a:rPr>
-              <a:t>, which make it easier to work with different types of data and perform complex data processing tasks</a:t>
+            <a:endParaRPr lang="en-US" dirty="0"/>
+          </a:p>
+          <a:p>
+            <a:r>
+              <a:rPr lang="en-US" dirty="0"/>
+              <a:t>Docker is a popular platform for building, shipping, and running applications in containers. </a:t>
+            </a:r>
+          </a:p>
+          <a:p>
+            <a:pPr marL="0" indent="0">
+              <a:buNone/>
+            </a:pPr>
+            <a:endParaRPr lang="en-US" dirty="0"/>
+          </a:p>
+          <a:p>
+            <a:r>
+              <a:rPr lang="en-US" dirty="0"/>
+              <a:t>By combining these technologies, we aimed to create a scalable and portable Spark cluster that can be easily deployed on different environments.</a:t>
             </a:r>
           </a:p>
           <a:p>
@@ -625,7 +593,7 @@
           <a:p>
             <a:fld id="{C9266774-C4F8-4CB9-8AF6-5B9C8DAC2892}" type="slidenum">
               <a:rPr lang="en-US" smtClean="0"/>
-              <a:t>4</a:t>
+              <a:t>3</a:t>
             </a:fld>
             <a:endParaRPr lang="en-US"/>
           </a:p>
@@ -634,7 +602,7 @@
     </p:spTree>
     <p:extLst>
       <p:ext uri="{BB962C8B-B14F-4D97-AF65-F5344CB8AC3E}">
-        <p14:creationId xmlns:p14="http://schemas.microsoft.com/office/powerpoint/2010/main" val="3082548588"/>
+        <p14:creationId xmlns:p14="http://schemas.microsoft.com/office/powerpoint/2010/main" val="752272006"/>
       </p:ext>
     </p:extLst>
   </p:cSld>
@@ -688,16 +656,80 @@
           <a:bodyPr/>
           <a:lstStyle/>
           <a:p>
-            <a:r>
-              <a:rPr lang="en-US" b="0" i="0" dirty="0">
-                <a:solidFill>
-                  <a:srgbClr val="D1D5DB"/>
-                </a:solidFill>
+            <a:pPr marL="0" marR="0" lvl="0" indent="0" algn="l" defTabSz="914400" rtl="0" eaLnBrk="1" fontAlgn="auto" latinLnBrk="0" hangingPunct="1">
+              <a:lnSpc>
+                <a:spcPct val="100000"/>
+              </a:lnSpc>
+              <a:spcBef>
+                <a:spcPts val="0"/>
+              </a:spcBef>
+              <a:spcAft>
+                <a:spcPts val="0"/>
+              </a:spcAft>
+              <a:buClrTx/>
+              <a:buSzTx/>
+              <a:buFontTx/>
+              <a:buNone/>
+              <a:tabLst/>
+              <a:defRPr/>
+            </a:pPr>
+            <a:r>
+              <a:rPr lang="en-US" sz="1800" dirty="0">
                 <a:effectLst/>
-                <a:latin typeface="Söhne"/>
+                <a:latin typeface="Calibri" panose="020F0502020204030204" pitchFamily="34" charset="0"/>
+                <a:ea typeface="Calibri" panose="020F0502020204030204" pitchFamily="34" charset="0"/>
+                <a:cs typeface="Times New Roman" panose="02020603050405020304" pitchFamily="18" charset="0"/>
               </a:rPr>
-              <a:t>Docker is a popular platform for developing, shipping, and running applications using containerization technology. It allows developers to create a self-contained environment for their applications, where all the necessary dependencies and configurations are included in the container. This means that the application can be easily deployed and run on any machine that has Docker installed, without worrying about compatibility issues or dependencies. Docker also makes it easy to scale your application horizontally by spinning up multiple containers on different machines. Docker containers are lightweight and use fewer resources than traditional virtual machines, which means you can run more containers on a single machine.</a:t>
-            </a:r>
+              <a:t>Apache Spark is a distributed computing framework designed to process large datasets in parallel across multiple computers in a cluster. It is an open-source project developed by the Apache Software Foundation and is written in Scala, Java, and Python.</a:t>
+            </a:r>
+          </a:p>
+          <a:p>
+            <a:pPr marL="0" marR="0" lvl="0" indent="0" algn="l" defTabSz="914400" rtl="0" eaLnBrk="1" fontAlgn="auto" latinLnBrk="0" hangingPunct="1">
+              <a:lnSpc>
+                <a:spcPct val="100000"/>
+              </a:lnSpc>
+              <a:spcBef>
+                <a:spcPts val="0"/>
+              </a:spcBef>
+              <a:spcAft>
+                <a:spcPts val="0"/>
+              </a:spcAft>
+              <a:buClrTx/>
+              <a:buSzTx/>
+              <a:buFontTx/>
+              <a:buNone/>
+              <a:tabLst/>
+              <a:defRPr/>
+            </a:pPr>
+            <a:r>
+              <a:rPr lang="en-US" sz="1800" dirty="0">
+                <a:effectLst/>
+                <a:latin typeface="Calibri" panose="020F0502020204030204" pitchFamily="34" charset="0"/>
+                <a:ea typeface="Calibri" panose="020F0502020204030204" pitchFamily="34" charset="0"/>
+                <a:cs typeface="Times New Roman" panose="02020603050405020304" pitchFamily="18" charset="0"/>
+              </a:rPr>
+              <a:t>There are several reasons why we use Apache Spark. One of the primary reasons is its ability to handle large datasets efficiently. Spark's in-memory processing model enables it to perform much faster than traditional big data processing frameworks like Hadoop, especially when dealing with iterative algorithms and machine learning workloads. Spark also provides a rich set of libraries, such as Spark SQL, Spark Streaming, and </a:t>
+            </a:r>
+            <a:r>
+              <a:rPr lang="en-US" sz="1800" dirty="0" err="1">
+                <a:effectLst/>
+                <a:latin typeface="Calibri" panose="020F0502020204030204" pitchFamily="34" charset="0"/>
+                <a:ea typeface="Calibri" panose="020F0502020204030204" pitchFamily="34" charset="0"/>
+                <a:cs typeface="Times New Roman" panose="02020603050405020304" pitchFamily="18" charset="0"/>
+              </a:rPr>
+              <a:t>MLlib</a:t>
+            </a:r>
+            <a:r>
+              <a:rPr lang="en-US" sz="1800" dirty="0">
+                <a:effectLst/>
+                <a:latin typeface="Calibri" panose="020F0502020204030204" pitchFamily="34" charset="0"/>
+                <a:ea typeface="Calibri" panose="020F0502020204030204" pitchFamily="34" charset="0"/>
+                <a:cs typeface="Times New Roman" panose="02020603050405020304" pitchFamily="18" charset="0"/>
+              </a:rPr>
+              <a:t>, which make it easier to work with different types of data and perform complex data processing tasks</a:t>
+            </a:r>
+          </a:p>
+          <a:p>
             <a:endParaRPr lang="en-US" dirty="0"/>
           </a:p>
         </p:txBody>
@@ -719,7 +751,7 @@
           <a:p>
             <a:fld id="{C9266774-C4F8-4CB9-8AF6-5B9C8DAC2892}" type="slidenum">
               <a:rPr lang="en-US" smtClean="0"/>
-              <a:t>5</a:t>
+              <a:t>4</a:t>
             </a:fld>
             <a:endParaRPr lang="en-US"/>
           </a:p>
@@ -728,7 +760,7 @@
     </p:spTree>
     <p:extLst>
       <p:ext uri="{BB962C8B-B14F-4D97-AF65-F5344CB8AC3E}">
-        <p14:creationId xmlns:p14="http://schemas.microsoft.com/office/powerpoint/2010/main" val="2927164699"/>
+        <p14:creationId xmlns:p14="http://schemas.microsoft.com/office/powerpoint/2010/main" val="3082548588"/>
       </p:ext>
     </p:extLst>
   </p:cSld>
@@ -782,6 +814,100 @@
           <a:bodyPr/>
           <a:lstStyle/>
           <a:p>
+            <a:r>
+              <a:rPr lang="en-US" b="0" i="0" dirty="0">
+                <a:solidFill>
+                  <a:srgbClr val="D1D5DB"/>
+                </a:solidFill>
+                <a:effectLst/>
+                <a:latin typeface="Söhne"/>
+              </a:rPr>
+              <a:t>Docker is a popular platform for developing, shipping, and running applications using containerization technology. It allows developers to create a self-contained environment for their applications, where all the necessary dependencies and configurations are included in the container. This means that the application can be easily deployed and run on any machine that has Docker installed, without worrying about compatibility issues or dependencies. Docker also makes it easy to scale your application horizontally by spinning up multiple containers on different machines. Docker containers are lightweight and use fewer resources than traditional virtual machines, which means you can run more containers on a single machine.</a:t>
+            </a:r>
+            <a:endParaRPr lang="en-US" dirty="0"/>
+          </a:p>
+        </p:txBody>
+      </p:sp>
+      <p:sp>
+        <p:nvSpPr>
+          <p:cNvPr id="4" name="Slide Number Placeholder 3"/>
+          <p:cNvSpPr>
+            <a:spLocks noGrp="1"/>
+          </p:cNvSpPr>
+          <p:nvPr>
+            <p:ph type="sldNum" sz="quarter" idx="5"/>
+          </p:nvPr>
+        </p:nvSpPr>
+        <p:spPr/>
+        <p:txBody>
+          <a:bodyPr/>
+          <a:lstStyle/>
+          <a:p>
+            <a:fld id="{C9266774-C4F8-4CB9-8AF6-5B9C8DAC2892}" type="slidenum">
+              <a:rPr lang="en-US" smtClean="0"/>
+              <a:t>5</a:t>
+            </a:fld>
+            <a:endParaRPr lang="en-US"/>
+          </a:p>
+        </p:txBody>
+      </p:sp>
+    </p:spTree>
+    <p:extLst>
+      <p:ext uri="{BB962C8B-B14F-4D97-AF65-F5344CB8AC3E}">
+        <p14:creationId xmlns:p14="http://schemas.microsoft.com/office/powerpoint/2010/main" val="2927164699"/>
+      </p:ext>
+    </p:extLst>
+  </p:cSld>
+  <p:clrMapOvr>
+    <a:masterClrMapping/>
+  </p:clrMapOvr>
+</p:notes>
+</file>
+
+<file path=ppt/notesSlides/notesSlide4.xml><?xml version="1.0" encoding="utf-8"?>
+<p:notes xmlns:a="http://schemas.openxmlformats.org/drawingml/2006/main" xmlns:r="http://schemas.openxmlformats.org/officeDocument/2006/relationships" xmlns:p="http://schemas.openxmlformats.org/presentationml/2006/main">
+  <p:cSld>
+    <p:spTree>
+      <p:nvGrpSpPr>
+        <p:cNvPr id="1" name=""/>
+        <p:cNvGrpSpPr/>
+        <p:nvPr/>
+      </p:nvGrpSpPr>
+      <p:grpSpPr>
+        <a:xfrm>
+          <a:off x="0" y="0"/>
+          <a:ext cx="0" cy="0"/>
+          <a:chOff x="0" y="0"/>
+          <a:chExt cx="0" cy="0"/>
+        </a:xfrm>
+      </p:grpSpPr>
+      <p:sp>
+        <p:nvSpPr>
+          <p:cNvPr id="2" name="Slide Image Placeholder 1"/>
+          <p:cNvSpPr>
+            <a:spLocks noGrp="1" noRot="1" noChangeAspect="1"/>
+          </p:cNvSpPr>
+          <p:nvPr>
+            <p:ph type="sldImg"/>
+          </p:nvPr>
+        </p:nvSpPr>
+        <p:spPr/>
+      </p:sp>
+      <p:sp>
+        <p:nvSpPr>
+          <p:cNvPr id="3" name="Notes Placeholder 2"/>
+          <p:cNvSpPr>
+            <a:spLocks noGrp="1"/>
+          </p:cNvSpPr>
+          <p:nvPr>
+            <p:ph type="body" idx="1"/>
+          </p:nvPr>
+        </p:nvSpPr>
+        <p:spPr/>
+        <p:txBody>
+          <a:bodyPr/>
+          <a:lstStyle/>
+          <a:p>
             <a:pPr marL="0" marR="0">
               <a:lnSpc>
                 <a:spcPct val="107000"/>
@@ -901,6 +1027,100 @@
     <p:extLst>
       <p:ext uri="{BB962C8B-B14F-4D97-AF65-F5344CB8AC3E}">
         <p14:creationId xmlns:p14="http://schemas.microsoft.com/office/powerpoint/2010/main" val="3117904371"/>
+      </p:ext>
+    </p:extLst>
+  </p:cSld>
+  <p:clrMapOvr>
+    <a:masterClrMapping/>
+  </p:clrMapOvr>
+</p:notes>
+</file>
+
+<file path=ppt/notesSlides/notesSlide5.xml><?xml version="1.0" encoding="utf-8"?>
+<p:notes xmlns:a="http://schemas.openxmlformats.org/drawingml/2006/main" xmlns:r="http://schemas.openxmlformats.org/officeDocument/2006/relationships" xmlns:p="http://schemas.openxmlformats.org/presentationml/2006/main">
+  <p:cSld>
+    <p:spTree>
+      <p:nvGrpSpPr>
+        <p:cNvPr id="1" name=""/>
+        <p:cNvGrpSpPr/>
+        <p:nvPr/>
+      </p:nvGrpSpPr>
+      <p:grpSpPr>
+        <a:xfrm>
+          <a:off x="0" y="0"/>
+          <a:ext cx="0" cy="0"/>
+          <a:chOff x="0" y="0"/>
+          <a:chExt cx="0" cy="0"/>
+        </a:xfrm>
+      </p:grpSpPr>
+      <p:sp>
+        <p:nvSpPr>
+          <p:cNvPr id="2" name="Slide Image Placeholder 1"/>
+          <p:cNvSpPr>
+            <a:spLocks noGrp="1" noRot="1" noChangeAspect="1"/>
+          </p:cNvSpPr>
+          <p:nvPr>
+            <p:ph type="sldImg"/>
+          </p:nvPr>
+        </p:nvSpPr>
+        <p:spPr/>
+      </p:sp>
+      <p:sp>
+        <p:nvSpPr>
+          <p:cNvPr id="3" name="Notes Placeholder 2"/>
+          <p:cNvSpPr>
+            <a:spLocks noGrp="1"/>
+          </p:cNvSpPr>
+          <p:nvPr>
+            <p:ph type="body" idx="1"/>
+          </p:nvPr>
+        </p:nvSpPr>
+        <p:spPr/>
+        <p:txBody>
+          <a:bodyPr/>
+          <a:lstStyle/>
+          <a:p>
+            <a:r>
+              <a:rPr lang="en-US" b="0" i="0" dirty="0">
+                <a:solidFill>
+                  <a:srgbClr val="ECECF1"/>
+                </a:solidFill>
+                <a:effectLst/>
+                <a:latin typeface="Söhne"/>
+              </a:rPr>
+              <a:t>The TPC-H dataset provides a set of schemas to support the TPC Benchmark™ H (TPC-H). TPC-H is a database benchmark used to measure the performance of highly-complex decision support databases.</a:t>
+            </a:r>
+            <a:endParaRPr lang="en-US" dirty="0"/>
+          </a:p>
+        </p:txBody>
+      </p:sp>
+      <p:sp>
+        <p:nvSpPr>
+          <p:cNvPr id="4" name="Slide Number Placeholder 3"/>
+          <p:cNvSpPr>
+            <a:spLocks noGrp="1"/>
+          </p:cNvSpPr>
+          <p:nvPr>
+            <p:ph type="sldNum" sz="quarter" idx="5"/>
+          </p:nvPr>
+        </p:nvSpPr>
+        <p:spPr/>
+        <p:txBody>
+          <a:bodyPr/>
+          <a:lstStyle/>
+          <a:p>
+            <a:fld id="{C9266774-C4F8-4CB9-8AF6-5B9C8DAC2892}" type="slidenum">
+              <a:rPr lang="en-US" smtClean="0"/>
+              <a:t>17</a:t>
+            </a:fld>
+            <a:endParaRPr lang="en-US"/>
+          </a:p>
+        </p:txBody>
+      </p:sp>
+    </p:spTree>
+    <p:extLst>
+      <p:ext uri="{BB962C8B-B14F-4D97-AF65-F5344CB8AC3E}">
+        <p14:creationId xmlns:p14="http://schemas.microsoft.com/office/powerpoint/2010/main" val="2550372260"/>
       </p:ext>
     </p:extLst>
   </p:cSld>
@@ -4369,7 +4589,7 @@
           <a:p>
             <a:r>
               <a:rPr lang="en-US" dirty="0"/>
-              <a:t>Implementation steps: Continue</a:t>
+              <a:t>Implementation: Steps (3-5)</a:t>
             </a:r>
           </a:p>
         </p:txBody>
@@ -4819,7 +5039,7 @@
           <a:p>
             <a:r>
               <a:rPr lang="en-US" dirty="0"/>
-              <a:t>Architecture diagram</a:t>
+              <a:t>Typical Apache Spark Cluster</a:t>
             </a:r>
           </a:p>
         </p:txBody>
@@ -6494,14 +6714,13 @@
             </a:extLst>
           </p:cNvPr>
           <p:cNvCxnSpPr>
-            <a:stCxn id="13" idx="0"/>
-            <a:endCxn id="23" idx="0"/>
+            <a:cxnSpLocks/>
           </p:cNvCxnSpPr>
           <p:nvPr/>
         </p:nvCxnSpPr>
         <p:spPr>
           <a:xfrm rot="5400000" flipH="1" flipV="1">
-            <a:off x="5984649" y="-1339182"/>
+            <a:off x="6183252" y="-1419979"/>
             <a:ext cx="12700" cy="6757499"/>
           </a:xfrm>
           <a:prstGeom prst="curvedConnector3">
@@ -6579,12 +6798,12 @@
           <a:prstGeom prst="roundRect">
             <a:avLst/>
           </a:prstGeom>
-          <a:solidFill>
-            <a:srgbClr val="0070C0"/>
-          </a:solidFill>
+          <a:noFill/>
           <a:ln>
-            <a:noFill/>
-            <a:prstDash val="lgDashDot"/>
+            <a:solidFill>
+              <a:schemeClr val="tx1"/>
+            </a:solidFill>
+            <a:prstDash val="lgDashDotDot"/>
           </a:ln>
         </p:spPr>
         <p:style>
@@ -6640,7 +6859,7 @@
           <a:p>
             <a:r>
               <a:rPr lang="en-US" dirty="0"/>
-              <a:t>Architecture diagram</a:t>
+              <a:t>Solution Architecture</a:t>
             </a:r>
           </a:p>
         </p:txBody>
@@ -8564,9 +8783,11 @@
           <a:lstStyle/>
           <a:p>
             <a:r>
-              <a:rPr lang="en-US" dirty="0">
+              <a:rPr lang="en-US" b="1" dirty="0">
                 <a:solidFill>
-                  <a:schemeClr val="bg1"/>
+                  <a:schemeClr val="accent1">
+                    <a:lumMod val="75000"/>
+                  </a:schemeClr>
                 </a:solidFill>
               </a:rPr>
               <a:t>Communication over Docker Swarm Network</a:t>
@@ -8659,7 +8880,7 @@
         </p:blipFill>
         <p:spPr>
           <a:xfrm>
-            <a:off x="557924" y="1044770"/>
+            <a:off x="557924" y="1325563"/>
             <a:ext cx="9492977" cy="3481685"/>
           </a:xfrm>
           <a:prstGeom prst="rect">
@@ -8689,7 +8910,7 @@
         </p:blipFill>
         <p:spPr>
           <a:xfrm>
-            <a:off x="431800" y="5047254"/>
+            <a:off x="557924" y="5408954"/>
             <a:ext cx="7632700" cy="923631"/>
           </a:xfrm>
           <a:prstGeom prst="rect">
@@ -8833,7 +9054,7 @@
         </p:nvSpPr>
         <p:spPr>
           <a:xfrm>
-            <a:off x="463028" y="112877"/>
+            <a:off x="321138" y="2509235"/>
             <a:ext cx="10515600" cy="1325563"/>
           </a:xfrm>
         </p:spPr>
@@ -8870,7 +9091,7 @@
         </p:blipFill>
         <p:spPr>
           <a:xfrm>
-            <a:off x="463028" y="1419976"/>
+            <a:off x="5747560" y="370189"/>
             <a:ext cx="6284719" cy="3058811"/>
           </a:xfrm>
           <a:prstGeom prst="rect">
@@ -8900,7 +9121,7 @@
         </p:blipFill>
         <p:spPr>
           <a:xfrm>
-            <a:off x="6996190" y="1650825"/>
+            <a:off x="5734270" y="3968356"/>
             <a:ext cx="5994702" cy="2621630"/>
           </a:xfrm>
           <a:prstGeom prst="rect">
@@ -8987,47 +9208,183 @@
         </p:nvSpPr>
         <p:spPr>
           <a:xfrm>
-            <a:off x="304800" y="2260600"/>
-            <a:ext cx="10515600" cy="1325563"/>
+            <a:off x="304800" y="1614214"/>
+            <a:ext cx="10515600" cy="4219028"/>
           </a:xfrm>
           <a:prstGeom prst="rect">
             <a:avLst/>
           </a:prstGeom>
         </p:spPr>
         <p:txBody>
-          <a:bodyPr vert="horz" lIns="91440" tIns="45720" rIns="91440" bIns="45720" rtlCol="0" anchor="ctr">
-            <a:normAutofit/>
+          <a:bodyPr vert="horz" lIns="91440" tIns="45720" rIns="91440" bIns="45720" rtlCol="0">
+            <a:normAutofit fontScale="92500" lnSpcReduction="20000"/>
           </a:bodyPr>
           <a:lstStyle>
-            <a:lvl1pPr algn="l" defTabSz="914400" rtl="0" eaLnBrk="1" latinLnBrk="0" hangingPunct="1">
+            <a:lvl1pPr marL="228600" indent="-228600">
               <a:lnSpc>
                 <a:spcPct val="90000"/>
               </a:lnSpc>
               <a:spcBef>
-                <a:spcPct val="0"/>
+                <a:spcPts val="1000"/>
               </a:spcBef>
+              <a:buFont typeface="Wingdings" panose="05000000000000000000" pitchFamily="2" charset="2"/>
+              <a:buChar char="§"/>
+              <a:defRPr sz="2800"/>
+            </a:lvl1pPr>
+            <a:lvl2pPr marL="685800" lvl="1" indent="-228600">
+              <a:lnSpc>
+                <a:spcPct val="90000"/>
+              </a:lnSpc>
+              <a:spcBef>
+                <a:spcPts val="500"/>
+              </a:spcBef>
+              <a:buFont typeface="Arial" panose="020B0604020202020204" pitchFamily="34" charset="0"/>
+              <a:buChar char="•"/>
+              <a:defRPr sz="2900"/>
+            </a:lvl2pPr>
+            <a:lvl3pPr marL="1143000" indent="-228600">
+              <a:lnSpc>
+                <a:spcPct val="90000"/>
+              </a:lnSpc>
+              <a:spcBef>
+                <a:spcPts val="500"/>
+              </a:spcBef>
+              <a:buFont typeface="Arial" panose="020B0604020202020204" pitchFamily="34" charset="0"/>
+              <a:buChar char="•"/>
+              <a:defRPr sz="2000"/>
+            </a:lvl3pPr>
+            <a:lvl4pPr marL="1600200" indent="-228600">
+              <a:lnSpc>
+                <a:spcPct val="90000"/>
+              </a:lnSpc>
+              <a:spcBef>
+                <a:spcPts val="500"/>
+              </a:spcBef>
+              <a:buFont typeface="Arial" panose="020B0604020202020204" pitchFamily="34" charset="0"/>
+              <a:buChar char="•"/>
+            </a:lvl4pPr>
+            <a:lvl5pPr marL="2057400" indent="-228600">
+              <a:lnSpc>
+                <a:spcPct val="90000"/>
+              </a:lnSpc>
+              <a:spcBef>
+                <a:spcPts val="500"/>
+              </a:spcBef>
+              <a:buFont typeface="Arial" panose="020B0604020202020204" pitchFamily="34" charset="0"/>
+              <a:buChar char="•"/>
+            </a:lvl5pPr>
+            <a:lvl6pPr marL="2514600" indent="-228600">
+              <a:lnSpc>
+                <a:spcPct val="90000"/>
+              </a:lnSpc>
+              <a:spcBef>
+                <a:spcPts val="500"/>
+              </a:spcBef>
+              <a:buFont typeface="Arial" panose="020B0604020202020204" pitchFamily="34" charset="0"/>
+              <a:buChar char="•"/>
+            </a:lvl6pPr>
+            <a:lvl7pPr marL="2971800" indent="-228600">
+              <a:lnSpc>
+                <a:spcPct val="90000"/>
+              </a:lnSpc>
+              <a:spcBef>
+                <a:spcPts val="500"/>
+              </a:spcBef>
+              <a:buFont typeface="Arial" panose="020B0604020202020204" pitchFamily="34" charset="0"/>
+              <a:buChar char="•"/>
+            </a:lvl7pPr>
+            <a:lvl8pPr marL="3429000" indent="-228600">
+              <a:lnSpc>
+                <a:spcPct val="90000"/>
+              </a:lnSpc>
+              <a:spcBef>
+                <a:spcPts val="500"/>
+              </a:spcBef>
+              <a:buFont typeface="Arial" panose="020B0604020202020204" pitchFamily="34" charset="0"/>
+              <a:buChar char="•"/>
+            </a:lvl8pPr>
+            <a:lvl9pPr marL="3886200" indent="-228600">
+              <a:lnSpc>
+                <a:spcPct val="90000"/>
+              </a:lnSpc>
+              <a:spcBef>
+                <a:spcPts val="500"/>
+              </a:spcBef>
+              <a:buFont typeface="Arial" panose="020B0604020202020204" pitchFamily="34" charset="0"/>
+              <a:buChar char="•"/>
+            </a:lvl9pPr>
+          </a:lstStyle>
+          <a:p>
+            <a:r>
+              <a:rPr lang="en-US" dirty="0"/>
+              <a:t>TPC-H Database benchmark used to measure the performance of highly-complex decision support databases.</a:t>
+            </a:r>
+          </a:p>
+          <a:p>
+            <a:pPr marL="0" indent="0">
               <a:buNone/>
-              <a:defRPr sz="4400" kern="1200">
-                <a:solidFill>
-                  <a:schemeClr val="tx1"/>
-                </a:solidFill>
-                <a:latin typeface="+mj-lt"/>
-                <a:ea typeface="+mj-ea"/>
-                <a:cs typeface="+mj-cs"/>
-              </a:defRPr>
-            </a:lvl1pPr>
-          </a:lstStyle>
-          <a:p>
-            <a:r>
-              <a:rPr lang="en-US" sz="2400" dirty="0"/>
-              <a:t>What is TPC-H</a:t>
-            </a:r>
-          </a:p>
-          <a:p>
-            <a:r>
-              <a:rPr lang="en-US" sz="2400" dirty="0"/>
-              <a:t>How to generate data with TPC-H ( Uniform and skewed)</a:t>
-            </a:r>
+            </a:pPr>
+            <a:endParaRPr lang="en-US" dirty="0"/>
+          </a:p>
+          <a:p>
+            <a:r>
+              <a:rPr lang="en-US" dirty="0"/>
+              <a:t>Tool to generate data with large volumes</a:t>
+            </a:r>
+          </a:p>
+          <a:p>
+            <a:endParaRPr lang="en-US" dirty="0"/>
+          </a:p>
+          <a:p>
+            <a:r>
+              <a:rPr lang="en-US" dirty="0"/>
+              <a:t>Consists of a suite of queries and data sets</a:t>
+            </a:r>
+          </a:p>
+          <a:p>
+            <a:endParaRPr lang="en-US" dirty="0"/>
+          </a:p>
+          <a:p>
+            <a:r>
+              <a:rPr lang="en-US" dirty="0"/>
+              <a:t>Capable to generate uniform as well as skewed distributed data</a:t>
+            </a:r>
+          </a:p>
+          <a:p>
+            <a:endParaRPr lang="en-US" dirty="0"/>
+          </a:p>
+          <a:p>
+            <a:r>
+              <a:rPr lang="en-US" dirty="0"/>
+              <a:t>Generates data and creates 8 tables for a given data volume</a:t>
+            </a:r>
+          </a:p>
+          <a:p>
+            <a:endParaRPr lang="en-US" dirty="0"/>
+          </a:p>
+          <a:p>
+            <a:pPr marL="0" indent="0">
+              <a:buNone/>
+            </a:pPr>
+            <a:endParaRPr lang="en-US" dirty="0"/>
+          </a:p>
+          <a:p>
+            <a:endParaRPr lang="en-US" dirty="0"/>
+          </a:p>
+          <a:p>
+            <a:endParaRPr lang="en-US" dirty="0"/>
+          </a:p>
+          <a:p>
+            <a:pPr marL="0" indent="0">
+              <a:buNone/>
+            </a:pPr>
+            <a:endParaRPr lang="en-US" dirty="0"/>
+          </a:p>
+          <a:p>
+            <a:pPr marL="0" indent="0">
+              <a:buNone/>
+            </a:pPr>
+            <a:endParaRPr lang="en-US" dirty="0"/>
           </a:p>
         </p:txBody>
       </p:sp>
@@ -10123,7 +10480,7 @@
         </p:spPr>
         <p:txBody>
           <a:bodyPr vert="horz" lIns="91440" tIns="45720" rIns="91440" bIns="45720" rtlCol="0">
-            <a:normAutofit fontScale="85000" lnSpcReduction="20000"/>
+            <a:normAutofit fontScale="92500" lnSpcReduction="20000"/>
           </a:bodyPr>
           <a:lstStyle/>
           <a:p>
@@ -10144,7 +10501,7 @@
           <a:p>
             <a:r>
               <a:rPr lang="en-US" dirty="0"/>
-              <a:t>Apache Spark is a distributed computing framework that enables processing of large datasets in parallel across multiple machines.</a:t>
+              <a:t>Apache Spark for processing large datasets in parallel</a:t>
             </a:r>
           </a:p>
           <a:p>
@@ -10156,7 +10513,7 @@
           <a:p>
             <a:r>
               <a:rPr lang="en-US" dirty="0"/>
-              <a:t>Docker is a popular platform for building, shipping, and running applications in containers. </a:t>
+              <a:t>Docker for running applications in containers. </a:t>
             </a:r>
           </a:p>
           <a:p>
@@ -10211,7 +10568,7 @@
             <p:nvPr/>
           </p:nvPicPr>
           <p:blipFill>
-            <a:blip r:embed="rId2"/>
+            <a:blip r:embed="rId3"/>
             <a:stretch>
               <a:fillRect/>
             </a:stretch>
@@ -10299,7 +10656,7 @@
             <p:nvPr/>
           </p:nvPicPr>
           <p:blipFill>
-            <a:blip r:embed="rId3"/>
+            <a:blip r:embed="rId4"/>
             <a:stretch>
               <a:fillRect/>
             </a:stretch>
@@ -11187,7 +11544,7 @@
           <a:p>
             <a:r>
               <a:rPr lang="en-US" dirty="0"/>
-              <a:t>Implementation: Step(1/6)</a:t>
+              <a:t>Implementation: Step(1/5)</a:t>
             </a:r>
           </a:p>
         </p:txBody>
@@ -11298,10 +11655,10 @@
       </p:sp>
       <p:pic>
         <p:nvPicPr>
-          <p:cNvPr id="11" name="Picture 10">
-            <a:extLst>
-              <a:ext uri="{FF2B5EF4-FFF2-40B4-BE49-F238E27FC236}">
-                <a16:creationId xmlns:a16="http://schemas.microsoft.com/office/drawing/2014/main" id="{C0163A32-B59C-4D85-DCBD-19830A92C61B}"/>
+          <p:cNvPr id="18" name="Picture 17">
+            <a:extLst>
+              <a:ext uri="{FF2B5EF4-FFF2-40B4-BE49-F238E27FC236}">
+                <a16:creationId xmlns:a16="http://schemas.microsoft.com/office/drawing/2014/main" id="{0A8A52EA-53C6-6AC3-6F55-4D8DDD0E1293}"/>
               </a:ext>
             </a:extLst>
           </p:cNvPr>
@@ -11318,8 +11675,8 @@
         </p:blipFill>
         <p:spPr>
           <a:xfrm>
-            <a:off x="6369269" y="1690688"/>
-            <a:ext cx="4950373" cy="2075605"/>
+            <a:off x="6369269" y="4009079"/>
+            <a:ext cx="4779852" cy="2316465"/>
           </a:xfrm>
           <a:prstGeom prst="rect">
             <a:avLst/>
@@ -11328,10 +11685,10 @@
       </p:pic>
       <p:pic>
         <p:nvPicPr>
-          <p:cNvPr id="18" name="Picture 17">
-            <a:extLst>
-              <a:ext uri="{FF2B5EF4-FFF2-40B4-BE49-F238E27FC236}">
-                <a16:creationId xmlns:a16="http://schemas.microsoft.com/office/drawing/2014/main" id="{0A8A52EA-53C6-6AC3-6F55-4D8DDD0E1293}"/>
+          <p:cNvPr id="5" name="Picture 4">
+            <a:extLst>
+              <a:ext uri="{FF2B5EF4-FFF2-40B4-BE49-F238E27FC236}">
+                <a16:creationId xmlns:a16="http://schemas.microsoft.com/office/drawing/2014/main" id="{B9DFC22B-CB99-85EB-0F2B-2233B40F6ED1}"/>
               </a:ext>
             </a:extLst>
           </p:cNvPr>
@@ -11348,8 +11705,8 @@
         </p:blipFill>
         <p:spPr>
           <a:xfrm>
-            <a:off x="6369269" y="4009079"/>
-            <a:ext cx="4779852" cy="2316465"/>
+            <a:off x="6369269" y="1690688"/>
+            <a:ext cx="4686300" cy="2228850"/>
           </a:xfrm>
           <a:prstGeom prst="rect">
             <a:avLst/>
@@ -11409,7 +11766,7 @@
           <a:p>
             <a:r>
               <a:rPr lang="en-US" dirty="0"/>
-              <a:t>Implementation steps (2/6)</a:t>
+              <a:t>Implementation: Step (2/5)</a:t>
             </a:r>
           </a:p>
         </p:txBody>
@@ -11513,10 +11870,10 @@
       </p:sp>
       <p:pic>
         <p:nvPicPr>
-          <p:cNvPr id="9" name="Picture 8">
-            <a:extLst>
-              <a:ext uri="{FF2B5EF4-FFF2-40B4-BE49-F238E27FC236}">
-                <a16:creationId xmlns:a16="http://schemas.microsoft.com/office/drawing/2014/main" id="{CC7DE4C9-E870-D163-AF6D-E210C917D55C}"/>
+          <p:cNvPr id="5" name="Picture 4">
+            <a:extLst>
+              <a:ext uri="{FF2B5EF4-FFF2-40B4-BE49-F238E27FC236}">
+                <a16:creationId xmlns:a16="http://schemas.microsoft.com/office/drawing/2014/main" id="{3534C27A-0D0E-5A74-F380-6F59065B87CE}"/>
               </a:ext>
             </a:extLst>
           </p:cNvPr>
@@ -11533,38 +11890,8 @@
         </p:blipFill>
         <p:spPr>
           <a:xfrm>
-            <a:off x="7101052" y="1503773"/>
-            <a:ext cx="4114800" cy="2552700"/>
-          </a:xfrm>
-          <a:prstGeom prst="rect">
-            <a:avLst/>
-          </a:prstGeom>
-        </p:spPr>
-      </p:pic>
-      <p:pic>
-        <p:nvPicPr>
-          <p:cNvPr id="13" name="Picture 12">
-            <a:extLst>
-              <a:ext uri="{FF2B5EF4-FFF2-40B4-BE49-F238E27FC236}">
-                <a16:creationId xmlns:a16="http://schemas.microsoft.com/office/drawing/2014/main" id="{C2172975-69FF-A293-3E83-C3B1F75B3512}"/>
-              </a:ext>
-            </a:extLst>
-          </p:cNvPr>
-          <p:cNvPicPr>
-            <a:picLocks noChangeAspect="1"/>
-          </p:cNvPicPr>
-          <p:nvPr/>
-        </p:nvPicPr>
-        <p:blipFill>
-          <a:blip r:embed="rId3"/>
-          <a:stretch>
-            <a:fillRect/>
-          </a:stretch>
-        </p:blipFill>
-        <p:spPr>
-          <a:xfrm>
-            <a:off x="7101052" y="4425950"/>
-            <a:ext cx="3609975" cy="2066925"/>
+            <a:off x="6802163" y="1529857"/>
+            <a:ext cx="4108363" cy="5033963"/>
           </a:xfrm>
           <a:prstGeom prst="rect">
             <a:avLst/>

--- a/misc/ProjectReports-In progress/TermProject.pptx
+++ b/misc/ProjectReports-In progress/TermProject.pptx
@@ -5,7 +5,7 @@
     <p:sldMasterId id="2147483648" r:id="rId1"/>
   </p:sldMasterIdLst>
   <p:notesMasterIdLst>
-    <p:notesMasterId r:id="rId25"/>
+    <p:notesMasterId r:id="rId29"/>
   </p:notesMasterIdLst>
   <p:sldIdLst>
     <p:sldId id="256" r:id="rId2"/>
@@ -19,18 +19,22 @@
     <p:sldId id="280" r:id="rId10"/>
     <p:sldId id="270" r:id="rId11"/>
     <p:sldId id="271" r:id="rId12"/>
-    <p:sldId id="261" r:id="rId13"/>
-    <p:sldId id="281" r:id="rId14"/>
-    <p:sldId id="263" r:id="rId15"/>
-    <p:sldId id="273" r:id="rId16"/>
-    <p:sldId id="274" r:id="rId17"/>
-    <p:sldId id="277" r:id="rId18"/>
-    <p:sldId id="275" r:id="rId19"/>
-    <p:sldId id="276" r:id="rId20"/>
-    <p:sldId id="268" r:id="rId21"/>
-    <p:sldId id="278" r:id="rId22"/>
-    <p:sldId id="262" r:id="rId23"/>
-    <p:sldId id="279" r:id="rId24"/>
+    <p:sldId id="263" r:id="rId13"/>
+    <p:sldId id="284" r:id="rId14"/>
+    <p:sldId id="261" r:id="rId15"/>
+    <p:sldId id="281" r:id="rId16"/>
+    <p:sldId id="283" r:id="rId17"/>
+    <p:sldId id="282" r:id="rId18"/>
+    <p:sldId id="273" r:id="rId19"/>
+    <p:sldId id="274" r:id="rId20"/>
+    <p:sldId id="277" r:id="rId21"/>
+    <p:sldId id="275" r:id="rId22"/>
+    <p:sldId id="276" r:id="rId23"/>
+    <p:sldId id="278" r:id="rId24"/>
+    <p:sldId id="285" r:id="rId25"/>
+    <p:sldId id="262" r:id="rId26"/>
+    <p:sldId id="279" r:id="rId27"/>
+    <p:sldId id="268" r:id="rId28"/>
   </p:sldIdLst>
   <p:sldSz cx="12192000" cy="6858000"/>
   <p:notesSz cx="6858000" cy="9144000"/>
@@ -1111,7 +1115,7 @@
           <a:p>
             <a:fld id="{C9266774-C4F8-4CB9-8AF6-5B9C8DAC2892}" type="slidenum">
               <a:rPr lang="en-US" smtClean="0"/>
-              <a:t>17</a:t>
+              <a:t>20</a:t>
             </a:fld>
             <a:endParaRPr lang="en-US"/>
           </a:p>
@@ -4995,6 +4999,222 @@
 </file>
 
 <file path=ppt/slides/slide12.xml><?xml version="1.0" encoding="utf-8"?>
+<p:sld xmlns:a="http://schemas.openxmlformats.org/drawingml/2006/main" xmlns:r="http://schemas.openxmlformats.org/officeDocument/2006/relationships" xmlns:p="http://schemas.openxmlformats.org/presentationml/2006/main">
+  <p:cSld>
+    <p:spTree>
+      <p:nvGrpSpPr>
+        <p:cNvPr id="1" name=""/>
+        <p:cNvGrpSpPr/>
+        <p:nvPr/>
+      </p:nvGrpSpPr>
+      <p:grpSpPr>
+        <a:xfrm>
+          <a:off x="0" y="0"/>
+          <a:ext cx="0" cy="0"/>
+          <a:chOff x="0" y="0"/>
+          <a:chExt cx="0" cy="0"/>
+        </a:xfrm>
+      </p:grpSpPr>
+      <p:sp>
+        <p:nvSpPr>
+          <p:cNvPr id="2" name="Title 1">
+            <a:extLst>
+              <a:ext uri="{FF2B5EF4-FFF2-40B4-BE49-F238E27FC236}">
+                <a16:creationId xmlns:a16="http://schemas.microsoft.com/office/drawing/2014/main" id="{182F6BDD-3DA5-A4BA-1823-18E524097C14}"/>
+              </a:ext>
+            </a:extLst>
+          </p:cNvPr>
+          <p:cNvSpPr>
+            <a:spLocks noGrp="1"/>
+          </p:cNvSpPr>
+          <p:nvPr>
+            <p:ph type="title"/>
+          </p:nvPr>
+        </p:nvSpPr>
+        <p:spPr>
+          <a:xfrm>
+            <a:off x="431800" y="0"/>
+            <a:ext cx="10515600" cy="1325563"/>
+          </a:xfrm>
+        </p:spPr>
+        <p:txBody>
+          <a:bodyPr/>
+          <a:lstStyle/>
+          <a:p>
+            <a:r>
+              <a:rPr lang="en-US" dirty="0"/>
+              <a:t>Fine-tuned docker files</a:t>
+            </a:r>
+          </a:p>
+        </p:txBody>
+      </p:sp>
+      <p:pic>
+        <p:nvPicPr>
+          <p:cNvPr id="11" name="Picture 10">
+            <a:extLst>
+              <a:ext uri="{FF2B5EF4-FFF2-40B4-BE49-F238E27FC236}">
+                <a16:creationId xmlns:a16="http://schemas.microsoft.com/office/drawing/2014/main" id="{F8682151-88D7-DBE7-8B99-8206DBD9BEC9}"/>
+              </a:ext>
+            </a:extLst>
+          </p:cNvPr>
+          <p:cNvPicPr>
+            <a:picLocks noChangeAspect="1"/>
+          </p:cNvPicPr>
+          <p:nvPr/>
+        </p:nvPicPr>
+        <p:blipFill>
+          <a:blip r:embed="rId2"/>
+          <a:stretch>
+            <a:fillRect/>
+          </a:stretch>
+        </p:blipFill>
+        <p:spPr>
+          <a:xfrm>
+            <a:off x="1774934" y="1423309"/>
+            <a:ext cx="7829331" cy="4984674"/>
+          </a:xfrm>
+          <a:prstGeom prst="rect">
+            <a:avLst/>
+          </a:prstGeom>
+        </p:spPr>
+      </p:pic>
+    </p:spTree>
+    <p:extLst>
+      <p:ext uri="{BB962C8B-B14F-4D97-AF65-F5344CB8AC3E}">
+        <p14:creationId xmlns:p14="http://schemas.microsoft.com/office/powerpoint/2010/main" val="1687381793"/>
+      </p:ext>
+    </p:extLst>
+  </p:cSld>
+  <p:clrMapOvr>
+    <a:masterClrMapping/>
+  </p:clrMapOvr>
+</p:sld>
+</file>
+
+<file path=ppt/slides/slide13.xml><?xml version="1.0" encoding="utf-8"?>
+<p:sld xmlns:a="http://schemas.openxmlformats.org/drawingml/2006/main" xmlns:r="http://schemas.openxmlformats.org/officeDocument/2006/relationships" xmlns:p="http://schemas.openxmlformats.org/presentationml/2006/main">
+  <p:cSld>
+    <p:spTree>
+      <p:nvGrpSpPr>
+        <p:cNvPr id="1" name=""/>
+        <p:cNvGrpSpPr/>
+        <p:nvPr/>
+      </p:nvGrpSpPr>
+      <p:grpSpPr>
+        <a:xfrm>
+          <a:off x="0" y="0"/>
+          <a:ext cx="0" cy="0"/>
+          <a:chOff x="0" y="0"/>
+          <a:chExt cx="0" cy="0"/>
+        </a:xfrm>
+      </p:grpSpPr>
+      <p:sp>
+        <p:nvSpPr>
+          <p:cNvPr id="2" name="Title 1">
+            <a:extLst>
+              <a:ext uri="{FF2B5EF4-FFF2-40B4-BE49-F238E27FC236}">
+                <a16:creationId xmlns:a16="http://schemas.microsoft.com/office/drawing/2014/main" id="{182F6BDD-3DA5-A4BA-1823-18E524097C14}"/>
+              </a:ext>
+            </a:extLst>
+          </p:cNvPr>
+          <p:cNvSpPr>
+            <a:spLocks noGrp="1"/>
+          </p:cNvSpPr>
+          <p:nvPr>
+            <p:ph type="title"/>
+          </p:nvPr>
+        </p:nvSpPr>
+        <p:spPr>
+          <a:xfrm>
+            <a:off x="431800" y="0"/>
+            <a:ext cx="10515600" cy="1325563"/>
+          </a:xfrm>
+        </p:spPr>
+        <p:txBody>
+          <a:bodyPr/>
+          <a:lstStyle/>
+          <a:p>
+            <a:r>
+              <a:rPr lang="en-US" dirty="0"/>
+              <a:t>Compose files: Docker Stack</a:t>
+            </a:r>
+          </a:p>
+        </p:txBody>
+      </p:sp>
+      <p:pic>
+        <p:nvPicPr>
+          <p:cNvPr id="4" name="Picture 3">
+            <a:extLst>
+              <a:ext uri="{FF2B5EF4-FFF2-40B4-BE49-F238E27FC236}">
+                <a16:creationId xmlns:a16="http://schemas.microsoft.com/office/drawing/2014/main" id="{6CFF357A-6DCA-0AA3-56C2-37B789983BAB}"/>
+              </a:ext>
+            </a:extLst>
+          </p:cNvPr>
+          <p:cNvPicPr>
+            <a:picLocks noChangeAspect="1"/>
+          </p:cNvPicPr>
+          <p:nvPr/>
+        </p:nvPicPr>
+        <p:blipFill>
+          <a:blip r:embed="rId2"/>
+          <a:stretch>
+            <a:fillRect/>
+          </a:stretch>
+        </p:blipFill>
+        <p:spPr>
+          <a:xfrm>
+            <a:off x="6069235" y="1670488"/>
+            <a:ext cx="4748158" cy="3652429"/>
+          </a:xfrm>
+          <a:prstGeom prst="rect">
+            <a:avLst/>
+          </a:prstGeom>
+        </p:spPr>
+      </p:pic>
+      <p:pic>
+        <p:nvPicPr>
+          <p:cNvPr id="6" name="Picture 5">
+            <a:extLst>
+              <a:ext uri="{FF2B5EF4-FFF2-40B4-BE49-F238E27FC236}">
+                <a16:creationId xmlns:a16="http://schemas.microsoft.com/office/drawing/2014/main" id="{5A606668-F0E6-3064-A911-CA4B9FBCA638}"/>
+              </a:ext>
+            </a:extLst>
+          </p:cNvPr>
+          <p:cNvPicPr>
+            <a:picLocks noChangeAspect="1"/>
+          </p:cNvPicPr>
+          <p:nvPr/>
+        </p:nvPicPr>
+        <p:blipFill>
+          <a:blip r:embed="rId3"/>
+          <a:stretch>
+            <a:fillRect/>
+          </a:stretch>
+        </p:blipFill>
+        <p:spPr>
+          <a:xfrm>
+            <a:off x="1187175" y="1670488"/>
+            <a:ext cx="3952875" cy="4762500"/>
+          </a:xfrm>
+          <a:prstGeom prst="rect">
+            <a:avLst/>
+          </a:prstGeom>
+        </p:spPr>
+      </p:pic>
+    </p:spTree>
+    <p:extLst>
+      <p:ext uri="{BB962C8B-B14F-4D97-AF65-F5344CB8AC3E}">
+        <p14:creationId xmlns:p14="http://schemas.microsoft.com/office/powerpoint/2010/main" val="1055925922"/>
+      </p:ext>
+    </p:extLst>
+  </p:cSld>
+  <p:clrMapOvr>
+    <a:masterClrMapping/>
+  </p:clrMapOvr>
+</p:sld>
+</file>
+
+<file path=ppt/slides/slide14.xml><?xml version="1.0" encoding="utf-8"?>
 <p:sld xmlns:a="http://schemas.openxmlformats.org/drawingml/2006/main" xmlns:r="http://schemas.openxmlformats.org/officeDocument/2006/relationships" xmlns:p="http://schemas.openxmlformats.org/presentationml/2006/main">
   <p:cSld>
     <p:spTree>
@@ -6761,7 +6981,7 @@
 </p:sld>
 </file>
 
-<file path=ppt/slides/slide13.xml><?xml version="1.0" encoding="utf-8"?>
+<file path=ppt/slides/slide15.xml><?xml version="1.0" encoding="utf-8"?>
 <p:sld xmlns:a="http://schemas.openxmlformats.org/drawingml/2006/main" xmlns:r="http://schemas.openxmlformats.org/officeDocument/2006/relationships" xmlns:p="http://schemas.openxmlformats.org/presentationml/2006/main">
   <p:cSld>
     <p:spTree>
@@ -8808,7 +9028,7 @@
 </p:sld>
 </file>
 
-<file path=ppt/slides/slide14.xml><?xml version="1.0" encoding="utf-8"?>
+<file path=ppt/slides/slide16.xml><?xml version="1.0" encoding="utf-8"?>
 <p:sld xmlns:a="http://schemas.openxmlformats.org/drawingml/2006/main" xmlns:r="http://schemas.openxmlformats.org/officeDocument/2006/relationships" xmlns:p="http://schemas.openxmlformats.org/presentationml/2006/main">
   <p:cSld>
     <p:spTree>
@@ -8880,8 +9100,172 @@
         </p:blipFill>
         <p:spPr>
           <a:xfrm>
-            <a:off x="557924" y="1325563"/>
+            <a:off x="543226" y="2792991"/>
             <a:ext cx="9492977" cy="3481685"/>
+          </a:xfrm>
+          <a:prstGeom prst="rect">
+            <a:avLst/>
+          </a:prstGeom>
+        </p:spPr>
+      </p:pic>
+      <p:sp>
+        <p:nvSpPr>
+          <p:cNvPr id="3" name="TextBox 2">
+            <a:extLst>
+              <a:ext uri="{FF2B5EF4-FFF2-40B4-BE49-F238E27FC236}">
+                <a16:creationId xmlns:a16="http://schemas.microsoft.com/office/drawing/2014/main" id="{31734417-15CC-8B91-C968-BBA6403114E3}"/>
+              </a:ext>
+            </a:extLst>
+          </p:cNvPr>
+          <p:cNvSpPr txBox="1"/>
+          <p:nvPr/>
+        </p:nvSpPr>
+        <p:spPr>
+          <a:xfrm>
+            <a:off x="543226" y="1325563"/>
+            <a:ext cx="4871545" cy="1754326"/>
+          </a:xfrm>
+          <a:prstGeom prst="rect">
+            <a:avLst/>
+          </a:prstGeom>
+          <a:noFill/>
+        </p:spPr>
+        <p:txBody>
+          <a:bodyPr wrap="square" rtlCol="0">
+            <a:spAutoFit/>
+          </a:bodyPr>
+          <a:lstStyle/>
+          <a:p>
+            <a:r>
+              <a:rPr lang="en-US" dirty="0"/>
+              <a:t>Build and start cluster with one command</a:t>
+            </a:r>
+          </a:p>
+          <a:p>
+            <a:pPr marL="285750" indent="-285750">
+              <a:buFont typeface="Wingdings" panose="05000000000000000000" pitchFamily="2" charset="2"/>
+              <a:buChar char="§"/>
+            </a:pPr>
+            <a:r>
+              <a:rPr lang="en-US" dirty="0"/>
+              <a:t>Create stack network</a:t>
+            </a:r>
+          </a:p>
+          <a:p>
+            <a:pPr marL="285750" indent="-285750">
+              <a:buFont typeface="Wingdings" panose="05000000000000000000" pitchFamily="2" charset="2"/>
+              <a:buChar char="§"/>
+            </a:pPr>
+            <a:r>
+              <a:rPr lang="en-US" dirty="0"/>
+              <a:t>Create stack of services (containers) </a:t>
+            </a:r>
+          </a:p>
+          <a:p>
+            <a:pPr marL="285750" indent="-285750">
+              <a:buFont typeface="Wingdings" panose="05000000000000000000" pitchFamily="2" charset="2"/>
+              <a:buChar char="§"/>
+            </a:pPr>
+            <a:r>
+              <a:rPr lang="en-US" dirty="0"/>
+              <a:t>Start the cluster</a:t>
+            </a:r>
+          </a:p>
+          <a:p>
+            <a:endParaRPr lang="en-US" dirty="0"/>
+          </a:p>
+          <a:p>
+            <a:endParaRPr lang="en-US" dirty="0"/>
+          </a:p>
+        </p:txBody>
+      </p:sp>
+    </p:spTree>
+    <p:extLst>
+      <p:ext uri="{BB962C8B-B14F-4D97-AF65-F5344CB8AC3E}">
+        <p14:creationId xmlns:p14="http://schemas.microsoft.com/office/powerpoint/2010/main" val="3544092918"/>
+      </p:ext>
+    </p:extLst>
+  </p:cSld>
+  <p:clrMapOvr>
+    <a:masterClrMapping/>
+  </p:clrMapOvr>
+</p:sld>
+</file>
+
+<file path=ppt/slides/slide17.xml><?xml version="1.0" encoding="utf-8"?>
+<p:sld xmlns:a="http://schemas.openxmlformats.org/drawingml/2006/main" xmlns:r="http://schemas.openxmlformats.org/officeDocument/2006/relationships" xmlns:p="http://schemas.openxmlformats.org/presentationml/2006/main">
+  <p:cSld>
+    <p:spTree>
+      <p:nvGrpSpPr>
+        <p:cNvPr id="1" name=""/>
+        <p:cNvGrpSpPr/>
+        <p:nvPr/>
+      </p:nvGrpSpPr>
+      <p:grpSpPr>
+        <a:xfrm>
+          <a:off x="0" y="0"/>
+          <a:ext cx="0" cy="0"/>
+          <a:chOff x="0" y="0"/>
+          <a:chExt cx="0" cy="0"/>
+        </a:xfrm>
+      </p:grpSpPr>
+      <p:sp>
+        <p:nvSpPr>
+          <p:cNvPr id="2" name="Title 1">
+            <a:extLst>
+              <a:ext uri="{FF2B5EF4-FFF2-40B4-BE49-F238E27FC236}">
+                <a16:creationId xmlns:a16="http://schemas.microsoft.com/office/drawing/2014/main" id="{182F6BDD-3DA5-A4BA-1823-18E524097C14}"/>
+              </a:ext>
+            </a:extLst>
+          </p:cNvPr>
+          <p:cNvSpPr>
+            <a:spLocks noGrp="1"/>
+          </p:cNvSpPr>
+          <p:nvPr>
+            <p:ph type="title"/>
+          </p:nvPr>
+        </p:nvSpPr>
+        <p:spPr>
+          <a:xfrm>
+            <a:off x="431800" y="0"/>
+            <a:ext cx="10515600" cy="1325563"/>
+          </a:xfrm>
+        </p:spPr>
+        <p:txBody>
+          <a:bodyPr/>
+          <a:lstStyle/>
+          <a:p>
+            <a:r>
+              <a:rPr lang="en-US" dirty="0"/>
+              <a:t>Results</a:t>
+            </a:r>
+          </a:p>
+        </p:txBody>
+      </p:sp>
+      <p:pic>
+        <p:nvPicPr>
+          <p:cNvPr id="12" name="Picture 11">
+            <a:extLst>
+              <a:ext uri="{FF2B5EF4-FFF2-40B4-BE49-F238E27FC236}">
+                <a16:creationId xmlns:a16="http://schemas.microsoft.com/office/drawing/2014/main" id="{2BAD1587-2714-91A9-FF9F-28E0AEBEC8A5}"/>
+              </a:ext>
+            </a:extLst>
+          </p:cNvPr>
+          <p:cNvPicPr>
+            <a:picLocks noChangeAspect="1"/>
+          </p:cNvPicPr>
+          <p:nvPr/>
+        </p:nvPicPr>
+        <p:blipFill>
+          <a:blip r:embed="rId2"/>
+          <a:stretch>
+            <a:fillRect/>
+          </a:stretch>
+        </p:blipFill>
+        <p:spPr>
+          <a:xfrm>
+            <a:off x="542159" y="2716416"/>
+            <a:ext cx="11250448" cy="1061206"/>
           </a:xfrm>
           <a:prstGeom prst="rect">
             <a:avLst/>
@@ -8890,10 +9274,10 @@
       </p:pic>
       <p:pic>
         <p:nvPicPr>
-          <p:cNvPr id="9" name="Picture 8">
-            <a:extLst>
-              <a:ext uri="{FF2B5EF4-FFF2-40B4-BE49-F238E27FC236}">
-                <a16:creationId xmlns:a16="http://schemas.microsoft.com/office/drawing/2014/main" id="{8DB22542-32BB-8425-DA80-383D8F697C89}"/>
+          <p:cNvPr id="14" name="Picture 13">
+            <a:extLst>
+              <a:ext uri="{FF2B5EF4-FFF2-40B4-BE49-F238E27FC236}">
+                <a16:creationId xmlns:a16="http://schemas.microsoft.com/office/drawing/2014/main" id="{FEC8EDBC-D8BA-149B-6363-882F84708A2E}"/>
               </a:ext>
             </a:extLst>
           </p:cNvPr>
@@ -8910,8 +9294,68 @@
         </p:blipFill>
         <p:spPr>
           <a:xfrm>
-            <a:off x="557924" y="5408954"/>
-            <a:ext cx="7632700" cy="923631"/>
+            <a:off x="518949" y="3933064"/>
+            <a:ext cx="11250448" cy="842324"/>
+          </a:xfrm>
+          <a:prstGeom prst="rect">
+            <a:avLst/>
+          </a:prstGeom>
+        </p:spPr>
+      </p:pic>
+      <p:pic>
+        <p:nvPicPr>
+          <p:cNvPr id="16" name="Picture 15">
+            <a:extLst>
+              <a:ext uri="{FF2B5EF4-FFF2-40B4-BE49-F238E27FC236}">
+                <a16:creationId xmlns:a16="http://schemas.microsoft.com/office/drawing/2014/main" id="{518EF394-3340-62DD-383D-5B8BAC0DB6DB}"/>
+              </a:ext>
+            </a:extLst>
+          </p:cNvPr>
+          <p:cNvPicPr>
+            <a:picLocks noChangeAspect="1"/>
+          </p:cNvPicPr>
+          <p:nvPr/>
+        </p:nvPicPr>
+        <p:blipFill>
+          <a:blip r:embed="rId4"/>
+          <a:stretch>
+            <a:fillRect/>
+          </a:stretch>
+        </p:blipFill>
+        <p:spPr>
+          <a:xfrm>
+            <a:off x="518949" y="5045524"/>
+            <a:ext cx="11250448" cy="965275"/>
+          </a:xfrm>
+          <a:prstGeom prst="rect">
+            <a:avLst/>
+          </a:prstGeom>
+        </p:spPr>
+      </p:pic>
+      <p:pic>
+        <p:nvPicPr>
+          <p:cNvPr id="18" name="Picture 17">
+            <a:extLst>
+              <a:ext uri="{FF2B5EF4-FFF2-40B4-BE49-F238E27FC236}">
+                <a16:creationId xmlns:a16="http://schemas.microsoft.com/office/drawing/2014/main" id="{5F31CAFE-8588-0DF6-518B-AEF76BEF9A71}"/>
+              </a:ext>
+            </a:extLst>
+          </p:cNvPr>
+          <p:cNvPicPr>
+            <a:picLocks noChangeAspect="1"/>
+          </p:cNvPicPr>
+          <p:nvPr/>
+        </p:nvPicPr>
+        <p:blipFill>
+          <a:blip r:embed="rId5"/>
+          <a:stretch>
+            <a:fillRect/>
+          </a:stretch>
+        </p:blipFill>
+        <p:spPr>
+          <a:xfrm>
+            <a:off x="542159" y="940656"/>
+            <a:ext cx="10951396" cy="1620318"/>
           </a:xfrm>
           <a:prstGeom prst="rect">
             <a:avLst/>
@@ -8921,7 +9365,7 @@
     </p:spTree>
     <p:extLst>
       <p:ext uri="{BB962C8B-B14F-4D97-AF65-F5344CB8AC3E}">
-        <p14:creationId xmlns:p14="http://schemas.microsoft.com/office/powerpoint/2010/main" val="1687381793"/>
+        <p14:creationId xmlns:p14="http://schemas.microsoft.com/office/powerpoint/2010/main" val="1766746744"/>
       </p:ext>
     </p:extLst>
   </p:cSld>
@@ -8931,7 +9375,7 @@
 </p:sld>
 </file>
 
-<file path=ppt/slides/slide15.xml><?xml version="1.0" encoding="utf-8"?>
+<file path=ppt/slides/slide18.xml><?xml version="1.0" encoding="utf-8"?>
 <p:sld xmlns:a="http://schemas.openxmlformats.org/drawingml/2006/main" xmlns:r="http://schemas.openxmlformats.org/officeDocument/2006/relationships" xmlns:p="http://schemas.openxmlformats.org/presentationml/2006/main">
   <p:cSld>
     <p:spTree>
@@ -9019,7 +9463,7 @@
 </p:sld>
 </file>
 
-<file path=ppt/slides/slide16.xml><?xml version="1.0" encoding="utf-8"?>
+<file path=ppt/slides/slide19.xml><?xml version="1.0" encoding="utf-8"?>
 <p:sld xmlns:a="http://schemas.openxmlformats.org/drawingml/2006/main" xmlns:r="http://schemas.openxmlformats.org/officeDocument/2006/relationships" xmlns:p="http://schemas.openxmlformats.org/presentationml/2006/main">
   <p:cSld>
     <p:spTree>
@@ -9142,7 +9586,141 @@
 </p:sld>
 </file>
 
-<file path=ppt/slides/slide17.xml><?xml version="1.0" encoding="utf-8"?>
+<file path=ppt/slides/slide2.xml><?xml version="1.0" encoding="utf-8"?>
+<p:sld xmlns:a="http://schemas.openxmlformats.org/drawingml/2006/main" xmlns:r="http://schemas.openxmlformats.org/officeDocument/2006/relationships" xmlns:p="http://schemas.openxmlformats.org/presentationml/2006/main">
+  <p:cSld>
+    <p:spTree>
+      <p:nvGrpSpPr>
+        <p:cNvPr id="1" name=""/>
+        <p:cNvGrpSpPr/>
+        <p:nvPr/>
+      </p:nvGrpSpPr>
+      <p:grpSpPr>
+        <a:xfrm>
+          <a:off x="0" y="0"/>
+          <a:ext cx="0" cy="0"/>
+          <a:chOff x="0" y="0"/>
+          <a:chExt cx="0" cy="0"/>
+        </a:xfrm>
+      </p:grpSpPr>
+      <p:sp>
+        <p:nvSpPr>
+          <p:cNvPr id="2" name="Title 1">
+            <a:extLst>
+              <a:ext uri="{FF2B5EF4-FFF2-40B4-BE49-F238E27FC236}">
+                <a16:creationId xmlns:a16="http://schemas.microsoft.com/office/drawing/2014/main" id="{182F6BDD-3DA5-A4BA-1823-18E524097C14}"/>
+              </a:ext>
+            </a:extLst>
+          </p:cNvPr>
+          <p:cNvSpPr>
+            <a:spLocks noGrp="1"/>
+          </p:cNvSpPr>
+          <p:nvPr>
+            <p:ph type="title"/>
+          </p:nvPr>
+        </p:nvSpPr>
+        <p:spPr/>
+        <p:txBody>
+          <a:bodyPr/>
+          <a:lstStyle/>
+          <a:p>
+            <a:r>
+              <a:rPr lang="en-US" dirty="0"/>
+              <a:t>Agenda</a:t>
+            </a:r>
+          </a:p>
+        </p:txBody>
+      </p:sp>
+      <p:sp>
+        <p:nvSpPr>
+          <p:cNvPr id="3" name="Content Placeholder 2">
+            <a:extLst>
+              <a:ext uri="{FF2B5EF4-FFF2-40B4-BE49-F238E27FC236}">
+                <a16:creationId xmlns:a16="http://schemas.microsoft.com/office/drawing/2014/main" id="{DB6D87E6-C3D2-F85C-4F7D-E00266D475F0}"/>
+              </a:ext>
+            </a:extLst>
+          </p:cNvPr>
+          <p:cNvSpPr>
+            <a:spLocks noGrp="1"/>
+          </p:cNvSpPr>
+          <p:nvPr>
+            <p:ph idx="1"/>
+          </p:nvPr>
+        </p:nvSpPr>
+        <p:spPr/>
+        <p:txBody>
+          <a:bodyPr/>
+          <a:lstStyle/>
+          <a:p>
+            <a:r>
+              <a:rPr lang="en-US" dirty="0"/>
+              <a:t>Project summary</a:t>
+            </a:r>
+          </a:p>
+          <a:p>
+            <a:r>
+              <a:rPr lang="en-US" dirty="0"/>
+              <a:t>About Spark</a:t>
+            </a:r>
+          </a:p>
+          <a:p>
+            <a:r>
+              <a:rPr lang="en-US" dirty="0"/>
+              <a:t>About Docker</a:t>
+            </a:r>
+          </a:p>
+          <a:p>
+            <a:r>
+              <a:rPr lang="en-US" dirty="0"/>
+              <a:t>Problem statement</a:t>
+            </a:r>
+          </a:p>
+          <a:p>
+            <a:r>
+              <a:rPr lang="en-US" dirty="0"/>
+              <a:t>Goals</a:t>
+            </a:r>
+          </a:p>
+          <a:p>
+            <a:r>
+              <a:rPr lang="en-US" dirty="0"/>
+              <a:t>Implementation steps</a:t>
+            </a:r>
+          </a:p>
+          <a:p>
+            <a:r>
+              <a:rPr lang="en-US" dirty="0"/>
+              <a:t>Results</a:t>
+            </a:r>
+          </a:p>
+          <a:p>
+            <a:r>
+              <a:rPr lang="en-US" dirty="0"/>
+              <a:t>Conclusion</a:t>
+            </a:r>
+          </a:p>
+          <a:p>
+            <a:endParaRPr lang="en-US" dirty="0"/>
+          </a:p>
+          <a:p>
+            <a:endParaRPr lang="en-US" dirty="0"/>
+          </a:p>
+        </p:txBody>
+      </p:sp>
+    </p:spTree>
+    <p:extLst>
+      <p:ext uri="{BB962C8B-B14F-4D97-AF65-F5344CB8AC3E}">
+        <p14:creationId xmlns:p14="http://schemas.microsoft.com/office/powerpoint/2010/main" val="1661911319"/>
+      </p:ext>
+    </p:extLst>
+  </p:cSld>
+  <p:clrMapOvr>
+    <a:masterClrMapping/>
+  </p:clrMapOvr>
+</p:sld>
+</file>
+
+<file path=ppt/slides/slide20.xml><?xml version="1.0" encoding="utf-8"?>
 <p:sld xmlns:a="http://schemas.openxmlformats.org/drawingml/2006/main" xmlns:r="http://schemas.openxmlformats.org/officeDocument/2006/relationships" xmlns:p="http://schemas.openxmlformats.org/presentationml/2006/main">
   <p:cSld>
     <p:spTree>
@@ -9401,7 +9979,7 @@
 </p:sld>
 </file>
 
-<file path=ppt/slides/slide18.xml><?xml version="1.0" encoding="utf-8"?>
+<file path=ppt/slides/slide21.xml><?xml version="1.0" encoding="utf-8"?>
 <p:sld xmlns:a="http://schemas.openxmlformats.org/drawingml/2006/main" xmlns:r="http://schemas.openxmlformats.org/officeDocument/2006/relationships" xmlns:p="http://schemas.openxmlformats.org/presentationml/2006/main">
   <p:cSld>
     <p:spTree>
@@ -9597,7 +10175,7 @@
 </p:sld>
 </file>
 
-<file path=ppt/slides/slide19.xml><?xml version="1.0" encoding="utf-8"?>
+<file path=ppt/slides/slide22.xml><?xml version="1.0" encoding="utf-8"?>
 <p:sld xmlns:a="http://schemas.openxmlformats.org/drawingml/2006/main" xmlns:r="http://schemas.openxmlformats.org/officeDocument/2006/relationships" xmlns:p="http://schemas.openxmlformats.org/presentationml/2006/main">
   <p:cSld>
     <p:spTree>
@@ -9812,7 +10390,7 @@
 </p:sld>
 </file>
 
-<file path=ppt/slides/slide2.xml><?xml version="1.0" encoding="utf-8"?>
+<file path=ppt/slides/slide23.xml><?xml version="1.0" encoding="utf-8"?>
 <p:sld xmlns:a="http://schemas.openxmlformats.org/drawingml/2006/main" xmlns:r="http://schemas.openxmlformats.org/officeDocument/2006/relationships" xmlns:p="http://schemas.openxmlformats.org/presentationml/2006/main">
   <p:cSld>
     <p:spTree>
@@ -9852,7 +10430,7 @@
           <a:p>
             <a:r>
               <a:rPr lang="en-US" dirty="0"/>
-              <a:t>Agenda</a:t>
+              <a:t>Challenges</a:t>
             </a:r>
           </a:p>
         </p:txBody>
@@ -9877,180 +10455,6 @@
         <p:txBody>
           <a:bodyPr/>
           <a:lstStyle/>
-          <a:p>
-            <a:r>
-              <a:rPr lang="en-US" dirty="0"/>
-              <a:t>Project summary</a:t>
-            </a:r>
-          </a:p>
-          <a:p>
-            <a:r>
-              <a:rPr lang="en-US" dirty="0"/>
-              <a:t>About Spark</a:t>
-            </a:r>
-          </a:p>
-          <a:p>
-            <a:r>
-              <a:rPr lang="en-US" dirty="0"/>
-              <a:t>About Docker</a:t>
-            </a:r>
-          </a:p>
-          <a:p>
-            <a:r>
-              <a:rPr lang="en-US" dirty="0"/>
-              <a:t>Problem statement</a:t>
-            </a:r>
-          </a:p>
-          <a:p>
-            <a:r>
-              <a:rPr lang="en-US" dirty="0"/>
-              <a:t>Goals</a:t>
-            </a:r>
-          </a:p>
-          <a:p>
-            <a:r>
-              <a:rPr lang="en-US" dirty="0"/>
-              <a:t>Implementation steps</a:t>
-            </a:r>
-          </a:p>
-          <a:p>
-            <a:r>
-              <a:rPr lang="en-US" dirty="0"/>
-              <a:t>Results</a:t>
-            </a:r>
-          </a:p>
-          <a:p>
-            <a:r>
-              <a:rPr lang="en-US" dirty="0"/>
-              <a:t>Conclusion</a:t>
-            </a:r>
-          </a:p>
-          <a:p>
-            <a:endParaRPr lang="en-US" dirty="0"/>
-          </a:p>
-          <a:p>
-            <a:endParaRPr lang="en-US" dirty="0"/>
-          </a:p>
-        </p:txBody>
-      </p:sp>
-    </p:spTree>
-    <p:extLst>
-      <p:ext uri="{BB962C8B-B14F-4D97-AF65-F5344CB8AC3E}">
-        <p14:creationId xmlns:p14="http://schemas.microsoft.com/office/powerpoint/2010/main" val="1661911319"/>
-      </p:ext>
-    </p:extLst>
-  </p:cSld>
-  <p:clrMapOvr>
-    <a:masterClrMapping/>
-  </p:clrMapOvr>
-</p:sld>
-</file>
-
-<file path=ppt/slides/slide20.xml><?xml version="1.0" encoding="utf-8"?>
-<p:sld xmlns:a="http://schemas.openxmlformats.org/drawingml/2006/main" xmlns:r="http://schemas.openxmlformats.org/officeDocument/2006/relationships" xmlns:p="http://schemas.openxmlformats.org/presentationml/2006/main">
-  <p:cSld>
-    <p:spTree>
-      <p:nvGrpSpPr>
-        <p:cNvPr id="1" name=""/>
-        <p:cNvGrpSpPr/>
-        <p:nvPr/>
-      </p:nvGrpSpPr>
-      <p:grpSpPr>
-        <a:xfrm>
-          <a:off x="0" y="0"/>
-          <a:ext cx="0" cy="0"/>
-          <a:chOff x="0" y="0"/>
-          <a:chExt cx="0" cy="0"/>
-        </a:xfrm>
-      </p:grpSpPr>
-      <p:sp>
-        <p:nvSpPr>
-          <p:cNvPr id="2" name="Title 1">
-            <a:extLst>
-              <a:ext uri="{FF2B5EF4-FFF2-40B4-BE49-F238E27FC236}">
-                <a16:creationId xmlns:a16="http://schemas.microsoft.com/office/drawing/2014/main" id="{182F6BDD-3DA5-A4BA-1823-18E524097C14}"/>
-              </a:ext>
-            </a:extLst>
-          </p:cNvPr>
-          <p:cNvSpPr>
-            <a:spLocks noGrp="1"/>
-          </p:cNvSpPr>
-          <p:nvPr>
-            <p:ph type="title"/>
-          </p:nvPr>
-        </p:nvSpPr>
-        <p:spPr/>
-        <p:txBody>
-          <a:bodyPr/>
-          <a:lstStyle/>
-          <a:p>
-            <a:r>
-              <a:rPr lang="en-US" dirty="0"/>
-              <a:t>Git repository &amp; hub.docker.com links</a:t>
-            </a:r>
-          </a:p>
-        </p:txBody>
-      </p:sp>
-      <p:sp>
-        <p:nvSpPr>
-          <p:cNvPr id="3" name="Content Placeholder 2">
-            <a:extLst>
-              <a:ext uri="{FF2B5EF4-FFF2-40B4-BE49-F238E27FC236}">
-                <a16:creationId xmlns:a16="http://schemas.microsoft.com/office/drawing/2014/main" id="{DB6D87E6-C3D2-F85C-4F7D-E00266D475F0}"/>
-              </a:ext>
-            </a:extLst>
-          </p:cNvPr>
-          <p:cNvSpPr>
-            <a:spLocks noGrp="1"/>
-          </p:cNvSpPr>
-          <p:nvPr>
-            <p:ph idx="1"/>
-          </p:nvPr>
-        </p:nvSpPr>
-        <p:spPr>
-          <a:xfrm>
-            <a:off x="838200" y="1457325"/>
-            <a:ext cx="10515600" cy="4351338"/>
-          </a:xfrm>
-        </p:spPr>
-        <p:txBody>
-          <a:bodyPr/>
-          <a:lstStyle/>
-          <a:p>
-            <a:pPr marL="0" marR="0">
-              <a:lnSpc>
-                <a:spcPct val="107000"/>
-              </a:lnSpc>
-              <a:spcBef>
-                <a:spcPts val="0"/>
-              </a:spcBef>
-              <a:spcAft>
-                <a:spcPts val="800"/>
-              </a:spcAft>
-            </a:pPr>
-            <a:r>
-              <a:rPr lang="en-US" sz="1800" dirty="0">
-                <a:effectLst/>
-                <a:highlight>
-                  <a:srgbClr val="FFFF00"/>
-                </a:highlight>
-                <a:latin typeface="Calibri" panose="020F0502020204030204" pitchFamily="34" charset="0"/>
-                <a:ea typeface="Calibri" panose="020F0502020204030204" pitchFamily="34" charset="0"/>
-                <a:cs typeface="Times New Roman" panose="02020603050405020304" pitchFamily="18" charset="0"/>
-                <a:hlinkClick r:id="rId2"/>
-              </a:rPr>
-              <a:t>https://github.com/gprasad09/Apache-Spark-Cluster-Project</a:t>
-            </a:r>
-            <a:endParaRPr lang="en-US" sz="1800" dirty="0">
-              <a:effectLst/>
-              <a:highlight>
-                <a:srgbClr val="FFFF00"/>
-              </a:highlight>
-              <a:latin typeface="Calibri" panose="020F0502020204030204" pitchFamily="34" charset="0"/>
-              <a:ea typeface="Calibri" panose="020F0502020204030204" pitchFamily="34" charset="0"/>
-              <a:cs typeface="Times New Roman" panose="02020603050405020304" pitchFamily="18" charset="0"/>
-            </a:endParaRPr>
-          </a:p>
           <a:p>
             <a:pPr marL="0" marR="0">
               <a:lnSpc>
@@ -10078,7 +10482,7 @@
     </p:spTree>
     <p:extLst>
       <p:ext uri="{BB962C8B-B14F-4D97-AF65-F5344CB8AC3E}">
-        <p14:creationId xmlns:p14="http://schemas.microsoft.com/office/powerpoint/2010/main" val="1245715603"/>
+        <p14:creationId xmlns:p14="http://schemas.microsoft.com/office/powerpoint/2010/main" val="2376337768"/>
       </p:ext>
     </p:extLst>
   </p:cSld>
@@ -10088,7 +10492,7 @@
 </p:sld>
 </file>
 
-<file path=ppt/slides/slide21.xml><?xml version="1.0" encoding="utf-8"?>
+<file path=ppt/slides/slide24.xml><?xml version="1.0" encoding="utf-8"?>
 <p:sld xmlns:a="http://schemas.openxmlformats.org/drawingml/2006/main" xmlns:r="http://schemas.openxmlformats.org/officeDocument/2006/relationships" xmlns:p="http://schemas.openxmlformats.org/presentationml/2006/main">
   <p:cSld>
     <p:spTree>
@@ -10128,7 +10532,7 @@
           <a:p>
             <a:r>
               <a:rPr lang="en-US" dirty="0"/>
-              <a:t>Challenges</a:t>
+              <a:t>Possibilities for future expand</a:t>
             </a:r>
           </a:p>
         </p:txBody>
@@ -10151,8 +10555,452 @@
         </p:nvSpPr>
         <p:spPr/>
         <p:txBody>
+          <a:bodyPr>
+            <a:normAutofit fontScale="77500" lnSpcReduction="20000"/>
+          </a:bodyPr>
+          <a:lstStyle/>
+          <a:p>
+            <a:pPr marL="0" marR="0">
+              <a:lnSpc>
+                <a:spcPct val="107000"/>
+              </a:lnSpc>
+              <a:spcBef>
+                <a:spcPts val="0"/>
+              </a:spcBef>
+              <a:spcAft>
+                <a:spcPts val="800"/>
+              </a:spcAft>
+            </a:pPr>
+            <a:r>
+              <a:rPr lang="en-US" sz="4400" dirty="0">
+                <a:latin typeface="+mj-lt"/>
+                <a:ea typeface="+mj-ea"/>
+                <a:cs typeface="+mj-cs"/>
+              </a:rPr>
+              <a:t>Integration with Cloud provider</a:t>
+            </a:r>
+          </a:p>
+          <a:p>
+            <a:pPr marL="0" marR="0" indent="0">
+              <a:lnSpc>
+                <a:spcPct val="107000"/>
+              </a:lnSpc>
+              <a:spcBef>
+                <a:spcPts val="0"/>
+              </a:spcBef>
+              <a:spcAft>
+                <a:spcPts val="800"/>
+              </a:spcAft>
+              <a:buNone/>
+            </a:pPr>
+            <a:r>
+              <a:rPr lang="en-US" sz="4400" dirty="0">
+                <a:latin typeface="+mj-lt"/>
+                <a:ea typeface="+mj-ea"/>
+                <a:cs typeface="+mj-cs"/>
+              </a:rPr>
+              <a:t> </a:t>
+            </a:r>
+          </a:p>
+          <a:p>
+            <a:pPr marL="0" marR="0">
+              <a:lnSpc>
+                <a:spcPct val="107000"/>
+              </a:lnSpc>
+              <a:spcBef>
+                <a:spcPts val="0"/>
+              </a:spcBef>
+              <a:spcAft>
+                <a:spcPts val="800"/>
+              </a:spcAft>
+            </a:pPr>
+            <a:r>
+              <a:rPr lang="en-US" sz="4400" dirty="0">
+                <a:latin typeface="+mj-lt"/>
+                <a:ea typeface="+mj-ea"/>
+                <a:cs typeface="+mj-cs"/>
+              </a:rPr>
+              <a:t>Leverage the capabilities of Kubernetes as container orchestration tool</a:t>
+            </a:r>
+          </a:p>
+          <a:p>
+            <a:pPr marL="0" marR="0">
+              <a:lnSpc>
+                <a:spcPct val="107000"/>
+              </a:lnSpc>
+              <a:spcBef>
+                <a:spcPts val="0"/>
+              </a:spcBef>
+              <a:spcAft>
+                <a:spcPts val="800"/>
+              </a:spcAft>
+            </a:pPr>
+            <a:endParaRPr lang="en-US" sz="4400" dirty="0">
+              <a:latin typeface="+mj-lt"/>
+              <a:ea typeface="+mj-ea"/>
+              <a:cs typeface="+mj-cs"/>
+            </a:endParaRPr>
+          </a:p>
+          <a:p>
+            <a:pPr marL="0" marR="0">
+              <a:lnSpc>
+                <a:spcPct val="107000"/>
+              </a:lnSpc>
+              <a:spcBef>
+                <a:spcPts val="0"/>
+              </a:spcBef>
+              <a:spcAft>
+                <a:spcPts val="800"/>
+              </a:spcAft>
+            </a:pPr>
+            <a:r>
+              <a:rPr lang="en-US" sz="4400" dirty="0">
+                <a:highlight>
+                  <a:srgbClr val="FFFF00"/>
+                </a:highlight>
+                <a:latin typeface="+mj-lt"/>
+                <a:ea typeface="+mj-ea"/>
+                <a:cs typeface="+mj-cs"/>
+              </a:rPr>
+              <a:t>Additional on-demand services in separate containers which can link to the cluster such as visual source code, etc.</a:t>
+            </a:r>
+          </a:p>
+        </p:txBody>
+      </p:sp>
+    </p:spTree>
+    <p:extLst>
+      <p:ext uri="{BB962C8B-B14F-4D97-AF65-F5344CB8AC3E}">
+        <p14:creationId xmlns:p14="http://schemas.microsoft.com/office/powerpoint/2010/main" val="3511718375"/>
+      </p:ext>
+    </p:extLst>
+  </p:cSld>
+  <p:clrMapOvr>
+    <a:masterClrMapping/>
+  </p:clrMapOvr>
+</p:sld>
+</file>
+
+<file path=ppt/slides/slide25.xml><?xml version="1.0" encoding="utf-8"?>
+<p:sld xmlns:a="http://schemas.openxmlformats.org/drawingml/2006/main" xmlns:r="http://schemas.openxmlformats.org/officeDocument/2006/relationships" xmlns:p="http://schemas.openxmlformats.org/presentationml/2006/main">
+  <p:cSld>
+    <p:spTree>
+      <p:nvGrpSpPr>
+        <p:cNvPr id="1" name=""/>
+        <p:cNvGrpSpPr/>
+        <p:nvPr/>
+      </p:nvGrpSpPr>
+      <p:grpSpPr>
+        <a:xfrm>
+          <a:off x="0" y="0"/>
+          <a:ext cx="0" cy="0"/>
+          <a:chOff x="0" y="0"/>
+          <a:chExt cx="0" cy="0"/>
+        </a:xfrm>
+      </p:grpSpPr>
+      <p:sp>
+        <p:nvSpPr>
+          <p:cNvPr id="2" name="Title 1">
+            <a:extLst>
+              <a:ext uri="{FF2B5EF4-FFF2-40B4-BE49-F238E27FC236}">
+                <a16:creationId xmlns:a16="http://schemas.microsoft.com/office/drawing/2014/main" id="{182F6BDD-3DA5-A4BA-1823-18E524097C14}"/>
+              </a:ext>
+            </a:extLst>
+          </p:cNvPr>
+          <p:cNvSpPr>
+            <a:spLocks noGrp="1"/>
+          </p:cNvSpPr>
+          <p:nvPr>
+            <p:ph type="title"/>
+          </p:nvPr>
+        </p:nvSpPr>
+        <p:spPr/>
+        <p:txBody>
           <a:bodyPr/>
           <a:lstStyle/>
+          <a:p>
+            <a:r>
+              <a:rPr lang="en-US" dirty="0"/>
+              <a:t>Conclusion	</a:t>
+            </a:r>
+          </a:p>
+        </p:txBody>
+      </p:sp>
+      <p:sp>
+        <p:nvSpPr>
+          <p:cNvPr id="3" name="Content Placeholder 2">
+            <a:extLst>
+              <a:ext uri="{FF2B5EF4-FFF2-40B4-BE49-F238E27FC236}">
+                <a16:creationId xmlns:a16="http://schemas.microsoft.com/office/drawing/2014/main" id="{DB6D87E6-C3D2-F85C-4F7D-E00266D475F0}"/>
+              </a:ext>
+            </a:extLst>
+          </p:cNvPr>
+          <p:cNvSpPr>
+            <a:spLocks noGrp="1"/>
+          </p:cNvSpPr>
+          <p:nvPr>
+            <p:ph idx="1"/>
+          </p:nvPr>
+        </p:nvSpPr>
+        <p:spPr/>
+        <p:txBody>
+          <a:bodyPr vert="horz" lIns="91440" tIns="45720" rIns="91440" bIns="45720" rtlCol="0">
+            <a:normAutofit fontScale="70000" lnSpcReduction="20000"/>
+          </a:bodyPr>
+          <a:lstStyle/>
+          <a:p>
+            <a:r>
+              <a:rPr lang="en-US" dirty="0"/>
+              <a:t>We have successfully created an Apache Spark cluster using Docker containers, which can be easily deployed and scaled on different environments. </a:t>
+            </a:r>
+          </a:p>
+          <a:p>
+            <a:endParaRPr lang="en-US" dirty="0"/>
+          </a:p>
+          <a:p>
+            <a:r>
+              <a:rPr lang="en-US" dirty="0"/>
+              <a:t>We have also automated the creation of the Spark cluster by fine-tuning docker files, images, services and shell scripts. </a:t>
+            </a:r>
+          </a:p>
+          <a:p>
+            <a:endParaRPr lang="en-US" dirty="0"/>
+          </a:p>
+          <a:p>
+            <a:r>
+              <a:rPr lang="en-US" dirty="0"/>
+              <a:t>We successfully configured the resource utilization such as CPU usages by managers and workers of the cluster.</a:t>
+            </a:r>
+          </a:p>
+          <a:p>
+            <a:pPr marL="0" indent="0">
+              <a:buNone/>
+            </a:pPr>
+            <a:endParaRPr lang="en-US" dirty="0"/>
+          </a:p>
+          <a:p>
+            <a:r>
+              <a:rPr lang="en-US" dirty="0"/>
+              <a:t>Finally, we have provided a comprehensive documentation and examples that demonstrate how to use the Spark cluster for different use cases, such as data processing, machine learning, and data visualization. </a:t>
+            </a:r>
+          </a:p>
+          <a:p>
+            <a:endParaRPr lang="en-US" dirty="0"/>
+          </a:p>
+          <a:p>
+            <a:r>
+              <a:rPr lang="en-US" dirty="0"/>
+              <a:t>We believe that this project can be useful for anyone who needs to process big data using Spark, without the need for dedicated infrastructure or complex setups.</a:t>
+            </a:r>
+          </a:p>
+          <a:p>
+            <a:endParaRPr lang="en-US" dirty="0"/>
+          </a:p>
+        </p:txBody>
+      </p:sp>
+    </p:spTree>
+    <p:extLst>
+      <p:ext uri="{BB962C8B-B14F-4D97-AF65-F5344CB8AC3E}">
+        <p14:creationId xmlns:p14="http://schemas.microsoft.com/office/powerpoint/2010/main" val="3034444072"/>
+      </p:ext>
+    </p:extLst>
+  </p:cSld>
+  <p:clrMapOvr>
+    <a:masterClrMapping/>
+  </p:clrMapOvr>
+</p:sld>
+</file>
+
+<file path=ppt/slides/slide26.xml><?xml version="1.0" encoding="utf-8"?>
+<p:sld xmlns:a="http://schemas.openxmlformats.org/drawingml/2006/main" xmlns:r="http://schemas.openxmlformats.org/officeDocument/2006/relationships" xmlns:p="http://schemas.openxmlformats.org/presentationml/2006/main">
+  <p:cSld>
+    <p:spTree>
+      <p:nvGrpSpPr>
+        <p:cNvPr id="1" name=""/>
+        <p:cNvGrpSpPr/>
+        <p:nvPr/>
+      </p:nvGrpSpPr>
+      <p:grpSpPr>
+        <a:xfrm>
+          <a:off x="0" y="0"/>
+          <a:ext cx="0" cy="0"/>
+          <a:chOff x="0" y="0"/>
+          <a:chExt cx="0" cy="0"/>
+        </a:xfrm>
+      </p:grpSpPr>
+      <p:sp>
+        <p:nvSpPr>
+          <p:cNvPr id="2" name="Title 1">
+            <a:extLst>
+              <a:ext uri="{FF2B5EF4-FFF2-40B4-BE49-F238E27FC236}">
+                <a16:creationId xmlns:a16="http://schemas.microsoft.com/office/drawing/2014/main" id="{182F6BDD-3DA5-A4BA-1823-18E524097C14}"/>
+              </a:ext>
+            </a:extLst>
+          </p:cNvPr>
+          <p:cNvSpPr>
+            <a:spLocks noGrp="1"/>
+          </p:cNvSpPr>
+          <p:nvPr>
+            <p:ph type="title"/>
+          </p:nvPr>
+        </p:nvSpPr>
+        <p:spPr/>
+        <p:txBody>
+          <a:bodyPr/>
+          <a:lstStyle/>
+          <a:p>
+            <a:r>
+              <a:rPr lang="en-US"/>
+              <a:t>References</a:t>
+            </a:r>
+            <a:endParaRPr lang="en-US" dirty="0"/>
+          </a:p>
+        </p:txBody>
+      </p:sp>
+      <p:sp>
+        <p:nvSpPr>
+          <p:cNvPr id="3" name="Content Placeholder 2">
+            <a:extLst>
+              <a:ext uri="{FF2B5EF4-FFF2-40B4-BE49-F238E27FC236}">
+                <a16:creationId xmlns:a16="http://schemas.microsoft.com/office/drawing/2014/main" id="{DB6D87E6-C3D2-F85C-4F7D-E00266D475F0}"/>
+              </a:ext>
+            </a:extLst>
+          </p:cNvPr>
+          <p:cNvSpPr>
+            <a:spLocks noGrp="1"/>
+          </p:cNvSpPr>
+          <p:nvPr>
+            <p:ph idx="1"/>
+          </p:nvPr>
+        </p:nvSpPr>
+        <p:spPr/>
+        <p:txBody>
+          <a:bodyPr vert="horz" lIns="91440" tIns="45720" rIns="91440" bIns="45720" rtlCol="0">
+            <a:normAutofit/>
+          </a:bodyPr>
+          <a:lstStyle/>
+          <a:p>
+            <a:endParaRPr lang="en-US" dirty="0"/>
+          </a:p>
+        </p:txBody>
+      </p:sp>
+    </p:spTree>
+    <p:extLst>
+      <p:ext uri="{BB962C8B-B14F-4D97-AF65-F5344CB8AC3E}">
+        <p14:creationId xmlns:p14="http://schemas.microsoft.com/office/powerpoint/2010/main" val="3319634625"/>
+      </p:ext>
+    </p:extLst>
+  </p:cSld>
+  <p:clrMapOvr>
+    <a:masterClrMapping/>
+  </p:clrMapOvr>
+</p:sld>
+</file>
+
+<file path=ppt/slides/slide27.xml><?xml version="1.0" encoding="utf-8"?>
+<p:sld xmlns:a="http://schemas.openxmlformats.org/drawingml/2006/main" xmlns:r="http://schemas.openxmlformats.org/officeDocument/2006/relationships" xmlns:p="http://schemas.openxmlformats.org/presentationml/2006/main">
+  <p:cSld>
+    <p:spTree>
+      <p:nvGrpSpPr>
+        <p:cNvPr id="1" name=""/>
+        <p:cNvGrpSpPr/>
+        <p:nvPr/>
+      </p:nvGrpSpPr>
+      <p:grpSpPr>
+        <a:xfrm>
+          <a:off x="0" y="0"/>
+          <a:ext cx="0" cy="0"/>
+          <a:chOff x="0" y="0"/>
+          <a:chExt cx="0" cy="0"/>
+        </a:xfrm>
+      </p:grpSpPr>
+      <p:sp>
+        <p:nvSpPr>
+          <p:cNvPr id="2" name="Title 1">
+            <a:extLst>
+              <a:ext uri="{FF2B5EF4-FFF2-40B4-BE49-F238E27FC236}">
+                <a16:creationId xmlns:a16="http://schemas.microsoft.com/office/drawing/2014/main" id="{182F6BDD-3DA5-A4BA-1823-18E524097C14}"/>
+              </a:ext>
+            </a:extLst>
+          </p:cNvPr>
+          <p:cNvSpPr>
+            <a:spLocks noGrp="1"/>
+          </p:cNvSpPr>
+          <p:nvPr>
+            <p:ph type="title"/>
+          </p:nvPr>
+        </p:nvSpPr>
+        <p:spPr/>
+        <p:txBody>
+          <a:bodyPr/>
+          <a:lstStyle/>
+          <a:p>
+            <a:r>
+              <a:rPr lang="en-US" dirty="0"/>
+              <a:t>Git repository &amp; hub.docker.com links</a:t>
+            </a:r>
+          </a:p>
+        </p:txBody>
+      </p:sp>
+      <p:sp>
+        <p:nvSpPr>
+          <p:cNvPr id="3" name="Content Placeholder 2">
+            <a:extLst>
+              <a:ext uri="{FF2B5EF4-FFF2-40B4-BE49-F238E27FC236}">
+                <a16:creationId xmlns:a16="http://schemas.microsoft.com/office/drawing/2014/main" id="{DB6D87E6-C3D2-F85C-4F7D-E00266D475F0}"/>
+              </a:ext>
+            </a:extLst>
+          </p:cNvPr>
+          <p:cNvSpPr>
+            <a:spLocks noGrp="1"/>
+          </p:cNvSpPr>
+          <p:nvPr>
+            <p:ph idx="1"/>
+          </p:nvPr>
+        </p:nvSpPr>
+        <p:spPr>
+          <a:xfrm>
+            <a:off x="838200" y="1457325"/>
+            <a:ext cx="10515600" cy="4351338"/>
+          </a:xfrm>
+        </p:spPr>
+        <p:txBody>
+          <a:bodyPr/>
+          <a:lstStyle/>
+          <a:p>
+            <a:pPr marL="0" marR="0">
+              <a:lnSpc>
+                <a:spcPct val="107000"/>
+              </a:lnSpc>
+              <a:spcBef>
+                <a:spcPts val="0"/>
+              </a:spcBef>
+              <a:spcAft>
+                <a:spcPts val="800"/>
+              </a:spcAft>
+            </a:pPr>
+            <a:r>
+              <a:rPr lang="en-US" sz="1800" dirty="0">
+                <a:effectLst/>
+                <a:highlight>
+                  <a:srgbClr val="FFFF00"/>
+                </a:highlight>
+                <a:latin typeface="Calibri" panose="020F0502020204030204" pitchFamily="34" charset="0"/>
+                <a:ea typeface="Calibri" panose="020F0502020204030204" pitchFamily="34" charset="0"/>
+                <a:cs typeface="Times New Roman" panose="02020603050405020304" pitchFamily="18" charset="0"/>
+                <a:hlinkClick r:id="rId2"/>
+              </a:rPr>
+              <a:t>https://github.com/gprasad09/Apache-Spark-Cluster-Project</a:t>
+            </a:r>
+            <a:endParaRPr lang="en-US" sz="1800" dirty="0">
+              <a:effectLst/>
+              <a:highlight>
+                <a:srgbClr val="FFFF00"/>
+              </a:highlight>
+              <a:latin typeface="Calibri" panose="020F0502020204030204" pitchFamily="34" charset="0"/>
+              <a:ea typeface="Calibri" panose="020F0502020204030204" pitchFamily="34" charset="0"/>
+              <a:cs typeface="Times New Roman" panose="02020603050405020304" pitchFamily="18" charset="0"/>
+            </a:endParaRPr>
+          </a:p>
           <a:p>
             <a:pPr marL="0" marR="0">
               <a:lnSpc>
@@ -10180,223 +11028,7 @@
     </p:spTree>
     <p:extLst>
       <p:ext uri="{BB962C8B-B14F-4D97-AF65-F5344CB8AC3E}">
-        <p14:creationId xmlns:p14="http://schemas.microsoft.com/office/powerpoint/2010/main" val="2376337768"/>
-      </p:ext>
-    </p:extLst>
-  </p:cSld>
-  <p:clrMapOvr>
-    <a:masterClrMapping/>
-  </p:clrMapOvr>
-</p:sld>
-</file>
-
-<file path=ppt/slides/slide22.xml><?xml version="1.0" encoding="utf-8"?>
-<p:sld xmlns:a="http://schemas.openxmlformats.org/drawingml/2006/main" xmlns:r="http://schemas.openxmlformats.org/officeDocument/2006/relationships" xmlns:p="http://schemas.openxmlformats.org/presentationml/2006/main">
-  <p:cSld>
-    <p:spTree>
-      <p:nvGrpSpPr>
-        <p:cNvPr id="1" name=""/>
-        <p:cNvGrpSpPr/>
-        <p:nvPr/>
-      </p:nvGrpSpPr>
-      <p:grpSpPr>
-        <a:xfrm>
-          <a:off x="0" y="0"/>
-          <a:ext cx="0" cy="0"/>
-          <a:chOff x="0" y="0"/>
-          <a:chExt cx="0" cy="0"/>
-        </a:xfrm>
-      </p:grpSpPr>
-      <p:sp>
-        <p:nvSpPr>
-          <p:cNvPr id="2" name="Title 1">
-            <a:extLst>
-              <a:ext uri="{FF2B5EF4-FFF2-40B4-BE49-F238E27FC236}">
-                <a16:creationId xmlns:a16="http://schemas.microsoft.com/office/drawing/2014/main" id="{182F6BDD-3DA5-A4BA-1823-18E524097C14}"/>
-              </a:ext>
-            </a:extLst>
-          </p:cNvPr>
-          <p:cNvSpPr>
-            <a:spLocks noGrp="1"/>
-          </p:cNvSpPr>
-          <p:nvPr>
-            <p:ph type="title"/>
-          </p:nvPr>
-        </p:nvSpPr>
-        <p:spPr/>
-        <p:txBody>
-          <a:bodyPr/>
-          <a:lstStyle/>
-          <a:p>
-            <a:r>
-              <a:rPr lang="en-US" dirty="0"/>
-              <a:t>Conclusion	</a:t>
-            </a:r>
-          </a:p>
-        </p:txBody>
-      </p:sp>
-      <p:sp>
-        <p:nvSpPr>
-          <p:cNvPr id="3" name="Content Placeholder 2">
-            <a:extLst>
-              <a:ext uri="{FF2B5EF4-FFF2-40B4-BE49-F238E27FC236}">
-                <a16:creationId xmlns:a16="http://schemas.microsoft.com/office/drawing/2014/main" id="{DB6D87E6-C3D2-F85C-4F7D-E00266D475F0}"/>
-              </a:ext>
-            </a:extLst>
-          </p:cNvPr>
-          <p:cNvSpPr>
-            <a:spLocks noGrp="1"/>
-          </p:cNvSpPr>
-          <p:nvPr>
-            <p:ph idx="1"/>
-          </p:nvPr>
-        </p:nvSpPr>
-        <p:spPr/>
-        <p:txBody>
-          <a:bodyPr vert="horz" lIns="91440" tIns="45720" rIns="91440" bIns="45720" rtlCol="0">
-            <a:normAutofit fontScale="70000" lnSpcReduction="20000"/>
-          </a:bodyPr>
-          <a:lstStyle/>
-          <a:p>
-            <a:r>
-              <a:rPr lang="en-US" dirty="0"/>
-              <a:t>We have successfully created an Apache Spark cluster using Docker containers, which can be easily deployed and scaled on different environments. </a:t>
-            </a:r>
-          </a:p>
-          <a:p>
-            <a:endParaRPr lang="en-US" dirty="0"/>
-          </a:p>
-          <a:p>
-            <a:r>
-              <a:rPr lang="en-US" dirty="0"/>
-              <a:t>We have also automated the creation of the Spark cluster by fine-tuning docker files, images, services and shell scripts. </a:t>
-            </a:r>
-          </a:p>
-          <a:p>
-            <a:endParaRPr lang="en-US" dirty="0"/>
-          </a:p>
-          <a:p>
-            <a:r>
-              <a:rPr lang="en-US" dirty="0"/>
-              <a:t>We successfully configured the resource utilization such as CPU usages by managers and workers of the cluster.</a:t>
-            </a:r>
-          </a:p>
-          <a:p>
-            <a:pPr marL="0" indent="0">
-              <a:buNone/>
-            </a:pPr>
-            <a:endParaRPr lang="en-US" dirty="0"/>
-          </a:p>
-          <a:p>
-            <a:r>
-              <a:rPr lang="en-US" dirty="0"/>
-              <a:t>Finally, we have provided a comprehensive documentation and examples that demonstrate how to use the Spark cluster for different use cases, such as data processing, machine learning, and data visualization. </a:t>
-            </a:r>
-          </a:p>
-          <a:p>
-            <a:endParaRPr lang="en-US" dirty="0"/>
-          </a:p>
-          <a:p>
-            <a:r>
-              <a:rPr lang="en-US" dirty="0"/>
-              <a:t>We believe that this project can be useful for anyone who needs to process big data using Spark, without the need for dedicated infrastructure or complex setups.</a:t>
-            </a:r>
-          </a:p>
-          <a:p>
-            <a:endParaRPr lang="en-US" dirty="0"/>
-          </a:p>
-        </p:txBody>
-      </p:sp>
-    </p:spTree>
-    <p:extLst>
-      <p:ext uri="{BB962C8B-B14F-4D97-AF65-F5344CB8AC3E}">
-        <p14:creationId xmlns:p14="http://schemas.microsoft.com/office/powerpoint/2010/main" val="3034444072"/>
-      </p:ext>
-    </p:extLst>
-  </p:cSld>
-  <p:clrMapOvr>
-    <a:masterClrMapping/>
-  </p:clrMapOvr>
-</p:sld>
-</file>
-
-<file path=ppt/slides/slide23.xml><?xml version="1.0" encoding="utf-8"?>
-<p:sld xmlns:a="http://schemas.openxmlformats.org/drawingml/2006/main" xmlns:r="http://schemas.openxmlformats.org/officeDocument/2006/relationships" xmlns:p="http://schemas.openxmlformats.org/presentationml/2006/main">
-  <p:cSld>
-    <p:spTree>
-      <p:nvGrpSpPr>
-        <p:cNvPr id="1" name=""/>
-        <p:cNvGrpSpPr/>
-        <p:nvPr/>
-      </p:nvGrpSpPr>
-      <p:grpSpPr>
-        <a:xfrm>
-          <a:off x="0" y="0"/>
-          <a:ext cx="0" cy="0"/>
-          <a:chOff x="0" y="0"/>
-          <a:chExt cx="0" cy="0"/>
-        </a:xfrm>
-      </p:grpSpPr>
-      <p:sp>
-        <p:nvSpPr>
-          <p:cNvPr id="2" name="Title 1">
-            <a:extLst>
-              <a:ext uri="{FF2B5EF4-FFF2-40B4-BE49-F238E27FC236}">
-                <a16:creationId xmlns:a16="http://schemas.microsoft.com/office/drawing/2014/main" id="{182F6BDD-3DA5-A4BA-1823-18E524097C14}"/>
-              </a:ext>
-            </a:extLst>
-          </p:cNvPr>
-          <p:cNvSpPr>
-            <a:spLocks noGrp="1"/>
-          </p:cNvSpPr>
-          <p:nvPr>
-            <p:ph type="title"/>
-          </p:nvPr>
-        </p:nvSpPr>
-        <p:spPr/>
-        <p:txBody>
-          <a:bodyPr/>
-          <a:lstStyle/>
-          <a:p>
-            <a:r>
-              <a:rPr lang="en-US"/>
-              <a:t>References</a:t>
-            </a:r>
-            <a:endParaRPr lang="en-US" dirty="0"/>
-          </a:p>
-        </p:txBody>
-      </p:sp>
-      <p:sp>
-        <p:nvSpPr>
-          <p:cNvPr id="3" name="Content Placeholder 2">
-            <a:extLst>
-              <a:ext uri="{FF2B5EF4-FFF2-40B4-BE49-F238E27FC236}">
-                <a16:creationId xmlns:a16="http://schemas.microsoft.com/office/drawing/2014/main" id="{DB6D87E6-C3D2-F85C-4F7D-E00266D475F0}"/>
-              </a:ext>
-            </a:extLst>
-          </p:cNvPr>
-          <p:cNvSpPr>
-            <a:spLocks noGrp="1"/>
-          </p:cNvSpPr>
-          <p:nvPr>
-            <p:ph idx="1"/>
-          </p:nvPr>
-        </p:nvSpPr>
-        <p:spPr/>
-        <p:txBody>
-          <a:bodyPr vert="horz" lIns="91440" tIns="45720" rIns="91440" bIns="45720" rtlCol="0">
-            <a:normAutofit/>
-          </a:bodyPr>
-          <a:lstStyle/>
-          <a:p>
-            <a:endParaRPr lang="en-US" dirty="0"/>
-          </a:p>
-        </p:txBody>
-      </p:sp>
-    </p:spTree>
-    <p:extLst>
-      <p:ext uri="{BB962C8B-B14F-4D97-AF65-F5344CB8AC3E}">
-        <p14:creationId xmlns:p14="http://schemas.microsoft.com/office/powerpoint/2010/main" val="3319634625"/>
+        <p14:creationId xmlns:p14="http://schemas.microsoft.com/office/powerpoint/2010/main" val="1245715603"/>
       </p:ext>
     </p:extLst>
   </p:cSld>

--- a/misc/ProjectReports-In progress/TermProject.pptx
+++ b/misc/ProjectReports-In progress/TermProject.pptx
@@ -5,7 +5,7 @@
     <p:sldMasterId id="2147483648" r:id="rId1"/>
   </p:sldMasterIdLst>
   <p:notesMasterIdLst>
-    <p:notesMasterId r:id="rId29"/>
+    <p:notesMasterId r:id="rId30"/>
   </p:notesMasterIdLst>
   <p:sldIdLst>
     <p:sldId id="256" r:id="rId2"/>
@@ -28,13 +28,14 @@
     <p:sldId id="273" r:id="rId19"/>
     <p:sldId id="274" r:id="rId20"/>
     <p:sldId id="277" r:id="rId21"/>
-    <p:sldId id="275" r:id="rId22"/>
-    <p:sldId id="276" r:id="rId23"/>
-    <p:sldId id="278" r:id="rId24"/>
-    <p:sldId id="285" r:id="rId25"/>
-    <p:sldId id="262" r:id="rId26"/>
-    <p:sldId id="279" r:id="rId27"/>
-    <p:sldId id="268" r:id="rId28"/>
+    <p:sldId id="286" r:id="rId22"/>
+    <p:sldId id="287" r:id="rId23"/>
+    <p:sldId id="288" r:id="rId24"/>
+    <p:sldId id="278" r:id="rId25"/>
+    <p:sldId id="285" r:id="rId26"/>
+    <p:sldId id="262" r:id="rId27"/>
+    <p:sldId id="279" r:id="rId28"/>
+    <p:sldId id="268" r:id="rId29"/>
   </p:sldIdLst>
   <p:sldSz cx="12192000" cy="6858000"/>
   <p:notesSz cx="6858000" cy="9144000"/>
@@ -223,7 +224,7 @@
           <a:p>
             <a:fld id="{8FA2BE9F-DAE6-48F5-9E72-C32827DA6BA0}" type="datetimeFigureOut">
               <a:rPr lang="en-US" smtClean="0"/>
-              <a:t>4/3/2023</a:t>
+              <a:t>4/4/2023</a:t>
             </a:fld>
             <a:endParaRPr lang="en-US"/>
           </a:p>
@@ -1281,7 +1282,7 @@
           <a:p>
             <a:fld id="{1A3DC9A9-B6E5-4E50-9F75-EF86E7D5F96E}" type="datetimeFigureOut">
               <a:rPr lang="en-US" smtClean="0"/>
-              <a:t>4/3/2023</a:t>
+              <a:t>4/4/2023</a:t>
             </a:fld>
             <a:endParaRPr lang="en-US"/>
           </a:p>
@@ -1479,7 +1480,7 @@
           <a:p>
             <a:fld id="{1A3DC9A9-B6E5-4E50-9F75-EF86E7D5F96E}" type="datetimeFigureOut">
               <a:rPr lang="en-US" smtClean="0"/>
-              <a:t>4/3/2023</a:t>
+              <a:t>4/4/2023</a:t>
             </a:fld>
             <a:endParaRPr lang="en-US"/>
           </a:p>
@@ -1687,7 +1688,7 @@
           <a:p>
             <a:fld id="{1A3DC9A9-B6E5-4E50-9F75-EF86E7D5F96E}" type="datetimeFigureOut">
               <a:rPr lang="en-US" smtClean="0"/>
-              <a:t>4/3/2023</a:t>
+              <a:t>4/4/2023</a:t>
             </a:fld>
             <a:endParaRPr lang="en-US"/>
           </a:p>
@@ -1885,7 +1886,7 @@
           <a:p>
             <a:fld id="{1A3DC9A9-B6E5-4E50-9F75-EF86E7D5F96E}" type="datetimeFigureOut">
               <a:rPr lang="en-US" smtClean="0"/>
-              <a:t>4/3/2023</a:t>
+              <a:t>4/4/2023</a:t>
             </a:fld>
             <a:endParaRPr lang="en-US"/>
           </a:p>
@@ -2160,7 +2161,7 @@
           <a:p>
             <a:fld id="{1A3DC9A9-B6E5-4E50-9F75-EF86E7D5F96E}" type="datetimeFigureOut">
               <a:rPr lang="en-US" smtClean="0"/>
-              <a:t>4/3/2023</a:t>
+              <a:t>4/4/2023</a:t>
             </a:fld>
             <a:endParaRPr lang="en-US"/>
           </a:p>
@@ -2425,7 +2426,7 @@
           <a:p>
             <a:fld id="{1A3DC9A9-B6E5-4E50-9F75-EF86E7D5F96E}" type="datetimeFigureOut">
               <a:rPr lang="en-US" smtClean="0"/>
-              <a:t>4/3/2023</a:t>
+              <a:t>4/4/2023</a:t>
             </a:fld>
             <a:endParaRPr lang="en-US"/>
           </a:p>
@@ -2837,7 +2838,7 @@
           <a:p>
             <a:fld id="{1A3DC9A9-B6E5-4E50-9F75-EF86E7D5F96E}" type="datetimeFigureOut">
               <a:rPr lang="en-US" smtClean="0"/>
-              <a:t>4/3/2023</a:t>
+              <a:t>4/4/2023</a:t>
             </a:fld>
             <a:endParaRPr lang="en-US"/>
           </a:p>
@@ -2978,7 +2979,7 @@
           <a:p>
             <a:fld id="{1A3DC9A9-B6E5-4E50-9F75-EF86E7D5F96E}" type="datetimeFigureOut">
               <a:rPr lang="en-US" smtClean="0"/>
-              <a:t>4/3/2023</a:t>
+              <a:t>4/4/2023</a:t>
             </a:fld>
             <a:endParaRPr lang="en-US"/>
           </a:p>
@@ -3091,7 +3092,7 @@
           <a:p>
             <a:fld id="{1A3DC9A9-B6E5-4E50-9F75-EF86E7D5F96E}" type="datetimeFigureOut">
               <a:rPr lang="en-US" smtClean="0"/>
-              <a:t>4/3/2023</a:t>
+              <a:t>4/4/2023</a:t>
             </a:fld>
             <a:endParaRPr lang="en-US"/>
           </a:p>
@@ -3402,7 +3403,7 @@
           <a:p>
             <a:fld id="{1A3DC9A9-B6E5-4E50-9F75-EF86E7D5F96E}" type="datetimeFigureOut">
               <a:rPr lang="en-US" smtClean="0"/>
-              <a:t>4/3/2023</a:t>
+              <a:t>4/4/2023</a:t>
             </a:fld>
             <a:endParaRPr lang="en-US"/>
           </a:p>
@@ -3690,7 +3691,7 @@
           <a:p>
             <a:fld id="{1A3DC9A9-B6E5-4E50-9F75-EF86E7D5F96E}" type="datetimeFigureOut">
               <a:rPr lang="en-US" smtClean="0"/>
-              <a:t>4/3/2023</a:t>
+              <a:t>4/4/2023</a:t>
             </a:fld>
             <a:endParaRPr lang="en-US"/>
           </a:p>
@@ -3931,7 +3932,7 @@
           <a:p>
             <a:fld id="{1A3DC9A9-B6E5-4E50-9F75-EF86E7D5F96E}" type="datetimeFigureOut">
               <a:rPr lang="en-US" smtClean="0"/>
-              <a:t>4/3/2023</a:t>
+              <a:t>4/4/2023</a:t>
             </a:fld>
             <a:endParaRPr lang="en-US"/>
           </a:p>
@@ -4790,6 +4791,14 @@
 <file path=ppt/slides/slide11.xml><?xml version="1.0" encoding="utf-8"?>
 <p:sld xmlns:a="http://schemas.openxmlformats.org/drawingml/2006/main" xmlns:r="http://schemas.openxmlformats.org/officeDocument/2006/relationships" xmlns:p="http://schemas.openxmlformats.org/presentationml/2006/main">
   <p:cSld>
+    <p:bg>
+      <p:bgPr>
+        <a:solidFill>
+          <a:schemeClr val="bg1"/>
+        </a:solidFill>
+        <a:effectLst/>
+      </p:bgPr>
+    </p:bg>
     <p:spTree>
       <p:nvGrpSpPr>
         <p:cNvPr id="1" name=""/>
@@ -4804,6 +4813,200 @@
           <a:chExt cx="0" cy="0"/>
         </a:xfrm>
       </p:grpSpPr>
+      <p:sp useBgFill="1">
+        <p:nvSpPr>
+          <p:cNvPr id="8" name="Rectangle 7">
+            <a:extLst>
+              <a:ext uri="{FF2B5EF4-FFF2-40B4-BE49-F238E27FC236}">
+                <a16:creationId xmlns:a16="http://schemas.microsoft.com/office/drawing/2014/main" id="{907EF6B7-1338-4443-8C46-6A318D952DFD}"/>
+              </a:ext>
+              <a:ext uri="{C183D7F6-B498-43B3-948B-1728B52AA6E4}">
+                <adec:decorative xmlns:adec="http://schemas.microsoft.com/office/drawing/2017/decorative" val="1"/>
+              </a:ext>
+            </a:extLst>
+          </p:cNvPr>
+          <p:cNvSpPr>
+            <a:spLocks noGrp="1" noRot="1" noChangeAspect="1" noMove="1" noResize="1" noEditPoints="1" noAdjustHandles="1" noChangeArrowheads="1" noChangeShapeType="1" noTextEdit="1"/>
+          </p:cNvSpPr>
+          <p:nvPr>
+            <p:extLst>
+              <p:ext uri="{386F3935-93C4-4BCD-93E2-E3B085C9AB24}">
+                <p16:designElem xmlns:p16="http://schemas.microsoft.com/office/powerpoint/2015/main" val="1"/>
+              </p:ext>
+            </p:extLst>
+          </p:nvPr>
+        </p:nvSpPr>
+        <p:spPr>
+          <a:xfrm>
+            <a:off x="3048" y="0"/>
+            <a:ext cx="12188952" cy="6858000"/>
+          </a:xfrm>
+          <a:prstGeom prst="rect">
+            <a:avLst/>
+          </a:prstGeom>
+          <a:ln>
+            <a:noFill/>
+          </a:ln>
+        </p:spPr>
+        <p:style>
+          <a:lnRef idx="2">
+            <a:schemeClr val="accent1">
+              <a:shade val="50000"/>
+            </a:schemeClr>
+          </a:lnRef>
+          <a:fillRef idx="1">
+            <a:schemeClr val="accent1"/>
+          </a:fillRef>
+          <a:effectRef idx="0">
+            <a:schemeClr val="accent1"/>
+          </a:effectRef>
+          <a:fontRef idx="minor">
+            <a:schemeClr val="lt1"/>
+          </a:fontRef>
+        </p:style>
+        <p:txBody>
+          <a:bodyPr rtlCol="0" anchor="ctr"/>
+          <a:lstStyle/>
+          <a:p>
+            <a:pPr algn="ctr"/>
+            <a:endParaRPr lang="en-US"/>
+          </a:p>
+        </p:txBody>
+      </p:sp>
+      <p:sp>
+        <p:nvSpPr>
+          <p:cNvPr id="10" name="Freeform: Shape 9">
+            <a:extLst>
+              <a:ext uri="{FF2B5EF4-FFF2-40B4-BE49-F238E27FC236}">
+                <a16:creationId xmlns:a16="http://schemas.microsoft.com/office/drawing/2014/main" id="{DAAE4CDD-124C-4DCF-9584-B6033B545DD5}"/>
+              </a:ext>
+              <a:ext uri="{C183D7F6-B498-43B3-948B-1728B52AA6E4}">
+                <adec:decorative xmlns:adec="http://schemas.microsoft.com/office/drawing/2017/decorative" val="1"/>
+              </a:ext>
+            </a:extLst>
+          </p:cNvPr>
+          <p:cNvSpPr>
+            <a:spLocks noGrp="1" noRot="1" noChangeAspect="1" noMove="1" noResize="1" noEditPoints="1" noAdjustHandles="1" noChangeArrowheads="1" noChangeShapeType="1" noTextEdit="1"/>
+          </p:cNvSpPr>
+          <p:nvPr>
+            <p:extLst>
+              <p:ext uri="{386F3935-93C4-4BCD-93E2-E3B085C9AB24}">
+                <p16:designElem xmlns:p16="http://schemas.microsoft.com/office/powerpoint/2015/main" val="1"/>
+              </p:ext>
+            </p:extLst>
+          </p:nvPr>
+        </p:nvSpPr>
+        <p:spPr>
+          <a:xfrm>
+            <a:off x="1" y="0"/>
+            <a:ext cx="4167271" cy="6858000"/>
+          </a:xfrm>
+          <a:custGeom>
+            <a:avLst/>
+            <a:gdLst>
+              <a:gd name="connsiteX0" fmla="*/ 0 w 4167271"/>
+              <a:gd name="connsiteY0" fmla="*/ 0 h 6858000"/>
+              <a:gd name="connsiteX1" fmla="*/ 2259550 w 4167271"/>
+              <a:gd name="connsiteY1" fmla="*/ 0 h 6858000"/>
+              <a:gd name="connsiteX2" fmla="*/ 2387803 w 4167271"/>
+              <a:gd name="connsiteY2" fmla="*/ 82222 h 6858000"/>
+              <a:gd name="connsiteX3" fmla="*/ 4167271 w 4167271"/>
+              <a:gd name="connsiteY3" fmla="*/ 3429000 h 6858000"/>
+              <a:gd name="connsiteX4" fmla="*/ 2387803 w 4167271"/>
+              <a:gd name="connsiteY4" fmla="*/ 6775779 h 6858000"/>
+              <a:gd name="connsiteX5" fmla="*/ 2259550 w 4167271"/>
+              <a:gd name="connsiteY5" fmla="*/ 6858000 h 6858000"/>
+              <a:gd name="connsiteX6" fmla="*/ 0 w 4167271"/>
+              <a:gd name="connsiteY6" fmla="*/ 6858000 h 6858000"/>
+            </a:gdLst>
+            <a:ahLst/>
+            <a:cxnLst>
+              <a:cxn ang="0">
+                <a:pos x="connsiteX0" y="connsiteY0"/>
+              </a:cxn>
+              <a:cxn ang="0">
+                <a:pos x="connsiteX1" y="connsiteY1"/>
+              </a:cxn>
+              <a:cxn ang="0">
+                <a:pos x="connsiteX2" y="connsiteY2"/>
+              </a:cxn>
+              <a:cxn ang="0">
+                <a:pos x="connsiteX3" y="connsiteY3"/>
+              </a:cxn>
+              <a:cxn ang="0">
+                <a:pos x="connsiteX4" y="connsiteY4"/>
+              </a:cxn>
+              <a:cxn ang="0">
+                <a:pos x="connsiteX5" y="connsiteY5"/>
+              </a:cxn>
+              <a:cxn ang="0">
+                <a:pos x="connsiteX6" y="connsiteY6"/>
+              </a:cxn>
+            </a:cxnLst>
+            <a:rect l="l" t="t" r="r" b="b"/>
+            <a:pathLst>
+              <a:path w="4167271" h="6858000">
+                <a:moveTo>
+                  <a:pt x="0" y="0"/>
+                </a:moveTo>
+                <a:lnTo>
+                  <a:pt x="2259550" y="0"/>
+                </a:lnTo>
+                <a:lnTo>
+                  <a:pt x="2387803" y="82222"/>
+                </a:lnTo>
+                <a:cubicBezTo>
+                  <a:pt x="3461407" y="807534"/>
+                  <a:pt x="4167271" y="2035835"/>
+                  <a:pt x="4167271" y="3429000"/>
+                </a:cubicBezTo>
+                <a:cubicBezTo>
+                  <a:pt x="4167271" y="4822165"/>
+                  <a:pt x="3461407" y="6050467"/>
+                  <a:pt x="2387803" y="6775779"/>
+                </a:cubicBezTo>
+                <a:lnTo>
+                  <a:pt x="2259550" y="6858000"/>
+                </a:lnTo>
+                <a:lnTo>
+                  <a:pt x="0" y="6858000"/>
+                </a:lnTo>
+                <a:close/>
+              </a:path>
+            </a:pathLst>
+          </a:custGeom>
+          <a:solidFill>
+            <a:schemeClr val="accent2"/>
+          </a:solidFill>
+          <a:ln>
+            <a:noFill/>
+          </a:ln>
+        </p:spPr>
+        <p:style>
+          <a:lnRef idx="2">
+            <a:schemeClr val="accent1">
+              <a:shade val="50000"/>
+            </a:schemeClr>
+          </a:lnRef>
+          <a:fillRef idx="1">
+            <a:schemeClr val="accent1"/>
+          </a:fillRef>
+          <a:effectRef idx="0">
+            <a:schemeClr val="accent1"/>
+          </a:effectRef>
+          <a:fontRef idx="minor">
+            <a:schemeClr val="lt1"/>
+          </a:fontRef>
+        </p:style>
+        <p:txBody>
+          <a:bodyPr rtlCol="0" anchor="ctr"/>
+          <a:lstStyle/>
+          <a:p>
+            <a:pPr algn="ctr"/>
+            <a:endParaRPr lang="en-US"/>
+          </a:p>
+        </p:txBody>
+      </p:sp>
       <p:sp>
         <p:nvSpPr>
           <p:cNvPr id="2" name="Title 1">
@@ -4820,15 +5023,87 @@
             <p:ph type="title"/>
           </p:nvPr>
         </p:nvSpPr>
-        <p:spPr/>
+        <p:spPr>
+          <a:xfrm>
+            <a:off x="686834" y="1153572"/>
+            <a:ext cx="3200400" cy="4461163"/>
+          </a:xfrm>
+        </p:spPr>
         <p:txBody>
-          <a:bodyPr/>
+          <a:bodyPr>
+            <a:normAutofit/>
+          </a:bodyPr>
           <a:lstStyle/>
           <a:p>
             <a:r>
-              <a:rPr lang="en-US" dirty="0"/>
+              <a:rPr lang="en-US" sz="4100">
+                <a:solidFill>
+                  <a:srgbClr val="FFFFFF"/>
+                </a:solidFill>
+              </a:rPr>
               <a:t>Development Strategy</a:t>
             </a:r>
+          </a:p>
+        </p:txBody>
+      </p:sp>
+      <p:sp>
+        <p:nvSpPr>
+          <p:cNvPr id="12" name="Arc 11">
+            <a:extLst>
+              <a:ext uri="{FF2B5EF4-FFF2-40B4-BE49-F238E27FC236}">
+                <a16:creationId xmlns:a16="http://schemas.microsoft.com/office/drawing/2014/main" id="{081E4A58-353D-44AE-B2FC-2A74E2E400F7}"/>
+              </a:ext>
+              <a:ext uri="{C183D7F6-B498-43B3-948B-1728B52AA6E4}">
+                <adec:decorative xmlns:adec="http://schemas.microsoft.com/office/drawing/2017/decorative" val="1"/>
+              </a:ext>
+            </a:extLst>
+          </p:cNvPr>
+          <p:cNvSpPr>
+            <a:spLocks noGrp="1" noRot="1" noChangeAspect="1" noMove="1" noResize="1" noEditPoints="1" noAdjustHandles="1" noChangeArrowheads="1" noChangeShapeType="1" noTextEdit="1"/>
+          </p:cNvSpPr>
+          <p:nvPr>
+            <p:extLst>
+              <p:ext uri="{386F3935-93C4-4BCD-93E2-E3B085C9AB24}">
+                <p16:designElem xmlns:p16="http://schemas.microsoft.com/office/powerpoint/2015/main" val="1"/>
+              </p:ext>
+            </p:extLst>
+          </p:nvPr>
+        </p:nvSpPr>
+        <p:spPr>
+          <a:xfrm flipV="1">
+            <a:off x="7550402" y="2455479"/>
+            <a:ext cx="4083433" cy="4083433"/>
+          </a:xfrm>
+          <a:prstGeom prst="arc">
+            <a:avLst/>
+          </a:prstGeom>
+          <a:ln w="127000" cap="rnd">
+            <a:solidFill>
+              <a:schemeClr val="accent4"/>
+            </a:solidFill>
+            <a:prstDash val="dash"/>
+          </a:ln>
+        </p:spPr>
+        <p:style>
+          <a:lnRef idx="1">
+            <a:schemeClr val="accent1"/>
+          </a:lnRef>
+          <a:fillRef idx="0">
+            <a:schemeClr val="accent1"/>
+          </a:fillRef>
+          <a:effectRef idx="0">
+            <a:schemeClr val="accent1"/>
+          </a:effectRef>
+          <a:fontRef idx="minor">
+            <a:schemeClr val="tx1"/>
+          </a:fontRef>
+        </p:style>
+        <p:txBody>
+          <a:bodyPr rtlCol="0" anchor="ctr"/>
+          <a:lstStyle/>
+          <a:p>
+            <a:pPr algn="ctr"/>
+            <a:endParaRPr lang="en-US" dirty="0"/>
           </a:p>
         </p:txBody>
       </p:sp>
@@ -4850,24 +5125,67 @@
         </p:nvSpPr>
         <p:spPr>
           <a:xfrm>
-            <a:off x="838200" y="1434662"/>
-            <a:ext cx="10515600" cy="4821129"/>
+            <a:off x="4447308" y="591344"/>
+            <a:ext cx="6906491" cy="5585619"/>
           </a:xfrm>
         </p:spPr>
         <p:txBody>
-          <a:bodyPr vert="horz" lIns="91440" tIns="45720" rIns="91440" bIns="45720" rtlCol="0">
-            <a:normAutofit fontScale="70000" lnSpcReduction="20000"/>
+          <a:bodyPr vert="horz" lIns="91440" tIns="45720" rIns="91440" bIns="45720" rtlCol="0" anchor="ctr">
+            <a:normAutofit/>
           </a:bodyPr>
           <a:lstStyle/>
+          <a:p>
+            <a:pPr marL="0" indent="0">
+              <a:buNone/>
+            </a:pPr>
+            <a:r>
+              <a:rPr lang="en-US" sz="1100"/>
+              <a:t>Executed in 3 iterations</a:t>
+            </a:r>
+          </a:p>
           <a:p>
             <a:pPr>
               <a:buFont typeface="Wingdings" panose="05000000000000000000" pitchFamily="2" charset="2"/>
               <a:buChar char="§"/>
             </a:pPr>
             <a:r>
-              <a:rPr lang="en-US" dirty="0"/>
-              <a:t>Executed in 3 iterations</a:t>
-            </a:r>
+              <a:rPr lang="en-US" sz="1100"/>
+              <a:t>Iteration 1: Manual execution</a:t>
+            </a:r>
+          </a:p>
+          <a:p>
+            <a:pPr lvl="1"/>
+            <a:r>
+              <a:rPr lang="en-US" sz="1100"/>
+              <a:t>Manually created containers in all host machines</a:t>
+            </a:r>
+          </a:p>
+          <a:p>
+            <a:pPr lvl="1"/>
+            <a:r>
+              <a:rPr lang="en-US" sz="1100"/>
+              <a:t>Manually performed configuration on containers</a:t>
+            </a:r>
+          </a:p>
+          <a:p>
+            <a:pPr lvl="1"/>
+            <a:r>
+              <a:rPr lang="en-US" sz="1100"/>
+              <a:t>Built fully functional Spark cluster</a:t>
+            </a:r>
+          </a:p>
+          <a:p>
+            <a:pPr lvl="1"/>
+            <a:r>
+              <a:rPr lang="en-US" sz="1100"/>
+              <a:t>Observed manual activities </a:t>
+            </a:r>
+          </a:p>
+          <a:p>
+            <a:pPr marL="457200" lvl="1" indent="0">
+              <a:buNone/>
+            </a:pPr>
+            <a:endParaRPr lang="en-US" sz="1100"/>
           </a:p>
           <a:p>
             <a:pPr>
@@ -4875,43 +5193,29 @@
               <a:buChar char="§"/>
             </a:pPr>
             <a:r>
-              <a:rPr lang="en-US" dirty="0"/>
-              <a:t>Iteration 1: Manual execution</a:t>
+              <a:rPr lang="en-US" sz="1100"/>
+              <a:t>Iteration 2: Partially automated</a:t>
             </a:r>
           </a:p>
           <a:p>
             <a:pPr lvl="1"/>
             <a:r>
-              <a:rPr lang="en-US" sz="2900" dirty="0"/>
-              <a:t>Manually created containers in all host machines</a:t>
+              <a:rPr lang="en-US" sz="1100"/>
+              <a:t>	Automated container creation with docker compose</a:t>
             </a:r>
           </a:p>
           <a:p>
             <a:pPr lvl="1"/>
             <a:r>
-              <a:rPr lang="en-US" sz="2900" dirty="0"/>
-              <a:t>Manually performed configuration on containers</a:t>
-            </a:r>
-          </a:p>
-          <a:p>
-            <a:pPr lvl="1"/>
-            <a:r>
-              <a:rPr lang="en-US" sz="2900" dirty="0"/>
-              <a:t>Built fully functional Spark cluster</a:t>
-            </a:r>
-          </a:p>
-          <a:p>
-            <a:pPr lvl="1"/>
-            <a:r>
-              <a:rPr lang="en-US" sz="2900" dirty="0"/>
-              <a:t>Observed manual activities </a:t>
-            </a:r>
-          </a:p>
-          <a:p>
-            <a:pPr marL="457200" lvl="1" indent="0">
+              <a:rPr lang="en-US" sz="1100"/>
+              <a:t>	However, need to execute docker compose on each host machines</a:t>
+            </a:r>
+          </a:p>
+          <a:p>
+            <a:pPr marL="0" indent="0">
               <a:buNone/>
             </a:pPr>
-            <a:endParaRPr lang="en-US" dirty="0"/>
+            <a:endParaRPr lang="en-US" sz="1100"/>
           </a:p>
           <a:p>
             <a:pPr>
@@ -4919,67 +5223,37 @@
               <a:buChar char="§"/>
             </a:pPr>
             <a:r>
-              <a:rPr lang="en-US" dirty="0"/>
-              <a:t>Iteration 2: Partially automated</a:t>
+              <a:rPr lang="en-US" sz="1100"/>
+              <a:t> Iteration 3: Fully automated</a:t>
             </a:r>
           </a:p>
           <a:p>
             <a:pPr lvl="1"/>
             <a:r>
-              <a:rPr lang="en-US" sz="2900" dirty="0"/>
-              <a:t>	Automated container creation with docker compose</a:t>
+              <a:rPr lang="en-US" sz="1100"/>
+              <a:t>Automated configuration by including them at docker image level</a:t>
             </a:r>
           </a:p>
           <a:p>
             <a:pPr lvl="1"/>
             <a:r>
-              <a:rPr lang="en-US" sz="2900" dirty="0"/>
-              <a:t>	However, need to execute docker compose on each host machines</a:t>
+              <a:rPr lang="en-US" sz="1100"/>
+              <a:t>Automated containers creation across the host machines with docker stack services</a:t>
+            </a:r>
+          </a:p>
+          <a:p>
+            <a:pPr lvl="1"/>
+            <a:r>
+              <a:rPr lang="en-US" sz="1100"/>
+              <a:t>Goal: One command to build all the pre-configured containers and start the Spark cluster</a:t>
             </a:r>
           </a:p>
           <a:p>
             <a:pPr marL="0" indent="0">
               <a:buNone/>
             </a:pPr>
-            <a:endParaRPr lang="en-US" dirty="0"/>
-          </a:p>
-          <a:p>
-            <a:pPr>
-              <a:buFont typeface="Wingdings" panose="05000000000000000000" pitchFamily="2" charset="2"/>
-              <a:buChar char="§"/>
-            </a:pPr>
-            <a:r>
-              <a:rPr lang="en-US" dirty="0"/>
-              <a:t> Iteration 3: Fully automated</a:t>
-            </a:r>
-          </a:p>
-          <a:p>
-            <a:pPr lvl="1"/>
-            <a:r>
-              <a:rPr lang="en-US" sz="2900" dirty="0"/>
-              <a:t>Automated configuration by including them at docker image level</a:t>
-            </a:r>
-          </a:p>
-          <a:p>
-            <a:pPr lvl="1"/>
-            <a:r>
-              <a:rPr lang="en-US" sz="2900" dirty="0"/>
-              <a:t>Automated containers creation across the host machines with docker stack services</a:t>
-            </a:r>
-          </a:p>
-          <a:p>
-            <a:pPr lvl="1"/>
-            <a:r>
-              <a:rPr lang="en-US" sz="2900" dirty="0"/>
-              <a:t>Goal: One command to build all the pre-configured containers and start the Spark cluster</a:t>
-            </a:r>
-          </a:p>
-          <a:p>
-            <a:pPr marL="0" indent="0">
-              <a:buNone/>
-            </a:pPr>
-            <a:r>
-              <a:rPr lang="en-US" dirty="0"/>
+            <a:r>
+              <a:rPr lang="en-US" sz="1100"/>
               <a:t>	</a:t>
             </a:r>
           </a:p>
@@ -9625,9 +9899,10 @@
           <a:lstStyle/>
           <a:p>
             <a:r>
-              <a:rPr lang="en-US" dirty="0"/>
+              <a:rPr lang="en-US"/>
               <a:t>Agenda</a:t>
             </a:r>
+            <a:endParaRPr lang="en-US" dirty="0"/>
           </a:p>
         </p:txBody>
       </p:sp>
@@ -9653,54 +9928,54 @@
           <a:lstStyle/>
           <a:p>
             <a:r>
-              <a:rPr lang="en-US" dirty="0"/>
+              <a:rPr lang="en-US"/>
               <a:t>Project summary</a:t>
             </a:r>
           </a:p>
           <a:p>
             <a:r>
-              <a:rPr lang="en-US" dirty="0"/>
+              <a:rPr lang="en-US"/>
               <a:t>About Spark</a:t>
             </a:r>
           </a:p>
           <a:p>
             <a:r>
-              <a:rPr lang="en-US" dirty="0"/>
+              <a:rPr lang="en-US"/>
               <a:t>About Docker</a:t>
             </a:r>
           </a:p>
           <a:p>
             <a:r>
-              <a:rPr lang="en-US" dirty="0"/>
+              <a:rPr lang="en-US"/>
               <a:t>Problem statement</a:t>
             </a:r>
           </a:p>
           <a:p>
             <a:r>
-              <a:rPr lang="en-US" dirty="0"/>
+              <a:rPr lang="en-US"/>
               <a:t>Goals</a:t>
             </a:r>
           </a:p>
           <a:p>
             <a:r>
-              <a:rPr lang="en-US" dirty="0"/>
+              <a:rPr lang="en-US"/>
               <a:t>Implementation steps</a:t>
             </a:r>
           </a:p>
           <a:p>
             <a:r>
-              <a:rPr lang="en-US" dirty="0"/>
+              <a:rPr lang="en-US"/>
               <a:t>Results</a:t>
             </a:r>
           </a:p>
           <a:p>
             <a:r>
-              <a:rPr lang="en-US" dirty="0"/>
+              <a:rPr lang="en-US"/>
               <a:t>Conclusion</a:t>
             </a:r>
           </a:p>
           <a:p>
-            <a:endParaRPr lang="en-US" dirty="0"/>
+            <a:endParaRPr lang="en-US"/>
           </a:p>
           <a:p>
             <a:endParaRPr lang="en-US" dirty="0"/>
@@ -9925,7 +10200,7 @@
           <a:p>
             <a:r>
               <a:rPr lang="en-US" dirty="0"/>
-              <a:t>Capable to generate uniform as well as skewed distributed data</a:t>
+              <a:t>Capable to generate uniform as well as skewed(z value) distributed data</a:t>
             </a:r>
           </a:p>
           <a:p>
@@ -10029,96 +10304,6 @@
           </a:p>
         </p:txBody>
       </p:sp>
-      <p:pic>
-        <p:nvPicPr>
-          <p:cNvPr id="4" name="Picture 3">
-            <a:extLst>
-              <a:ext uri="{FF2B5EF4-FFF2-40B4-BE49-F238E27FC236}">
-                <a16:creationId xmlns:a16="http://schemas.microsoft.com/office/drawing/2014/main" id="{5130AF80-8B66-4552-61F4-72C8E8E4DB5E}"/>
-              </a:ext>
-            </a:extLst>
-          </p:cNvPr>
-          <p:cNvPicPr>
-            <a:picLocks noChangeAspect="1"/>
-          </p:cNvPicPr>
-          <p:nvPr/>
-        </p:nvPicPr>
-        <p:blipFill>
-          <a:blip r:embed="rId2"/>
-          <a:stretch>
-            <a:fillRect/>
-          </a:stretch>
-        </p:blipFill>
-        <p:spPr>
-          <a:xfrm>
-            <a:off x="396875" y="1506537"/>
-            <a:ext cx="3219450" cy="4200525"/>
-          </a:xfrm>
-          <a:prstGeom prst="rect">
-            <a:avLst/>
-          </a:prstGeom>
-        </p:spPr>
-      </p:pic>
-      <p:pic>
-        <p:nvPicPr>
-          <p:cNvPr id="8" name="Picture 7">
-            <a:extLst>
-              <a:ext uri="{FF2B5EF4-FFF2-40B4-BE49-F238E27FC236}">
-                <a16:creationId xmlns:a16="http://schemas.microsoft.com/office/drawing/2014/main" id="{11BA7A77-BEAC-9E1E-93F4-3D3124AC645B}"/>
-              </a:ext>
-            </a:extLst>
-          </p:cNvPr>
-          <p:cNvPicPr>
-            <a:picLocks noChangeAspect="1"/>
-          </p:cNvPicPr>
-          <p:nvPr/>
-        </p:nvPicPr>
-        <p:blipFill>
-          <a:blip r:embed="rId3"/>
-          <a:stretch>
-            <a:fillRect/>
-          </a:stretch>
-        </p:blipFill>
-        <p:spPr>
-          <a:xfrm>
-            <a:off x="3517900" y="1516062"/>
-            <a:ext cx="3276600" cy="4191000"/>
-          </a:xfrm>
-          <a:prstGeom prst="rect">
-            <a:avLst/>
-          </a:prstGeom>
-        </p:spPr>
-      </p:pic>
-      <p:pic>
-        <p:nvPicPr>
-          <p:cNvPr id="10" name="Picture 9">
-            <a:extLst>
-              <a:ext uri="{FF2B5EF4-FFF2-40B4-BE49-F238E27FC236}">
-                <a16:creationId xmlns:a16="http://schemas.microsoft.com/office/drawing/2014/main" id="{7DFD344E-46D4-5475-4621-0469737BAF6A}"/>
-              </a:ext>
-            </a:extLst>
-          </p:cNvPr>
-          <p:cNvPicPr>
-            <a:picLocks noChangeAspect="1"/>
-          </p:cNvPicPr>
-          <p:nvPr/>
-        </p:nvPicPr>
-        <p:blipFill>
-          <a:blip r:embed="rId4"/>
-          <a:stretch>
-            <a:fillRect/>
-          </a:stretch>
-        </p:blipFill>
-        <p:spPr>
-          <a:xfrm>
-            <a:off x="6910387" y="1516062"/>
-            <a:ext cx="3095625" cy="4152900"/>
-          </a:xfrm>
-          <a:prstGeom prst="rect">
-            <a:avLst/>
-          </a:prstGeom>
-        </p:spPr>
-      </p:pic>
       <p:sp>
         <p:nvSpPr>
           <p:cNvPr id="11" name="TextBox 10">
@@ -10134,7 +10319,7 @@
         <p:spPr>
           <a:xfrm>
             <a:off x="396875" y="1046718"/>
-            <a:ext cx="3452355" cy="369332"/>
+            <a:ext cx="4049001" cy="646331"/>
           </a:xfrm>
           <a:prstGeom prst="rect">
             <a:avLst/>
@@ -10142,22 +10327,205 @@
           <a:noFill/>
         </p:spPr>
         <p:txBody>
-          <a:bodyPr wrap="none" rtlCol="0">
+          <a:bodyPr wrap="square" rtlCol="0">
             <a:spAutoFit/>
           </a:bodyPr>
           <a:lstStyle/>
           <a:p>
+            <a:pPr marL="285750" indent="-285750">
+              <a:buFont typeface="Arial" panose="020B0604020202020204" pitchFamily="34" charset="0"/>
+              <a:buChar char="•"/>
+            </a:pPr>
             <a:r>
               <a:rPr lang="en-US" dirty="0"/>
-              <a:t>Uniform distributed: </a:t>
-            </a:r>
-            <a:r>
-              <a:rPr lang="en-US" dirty="0" err="1"/>
-              <a:t>lineitem</a:t>
-            </a:r>
+              <a:t>Generated 100MB data</a:t>
+            </a:r>
+          </a:p>
+          <a:p>
+            <a:pPr marL="285750" indent="-285750">
+              <a:buFont typeface="Arial" panose="020B0604020202020204" pitchFamily="34" charset="0"/>
+              <a:buChar char="•"/>
+            </a:pPr>
             <a:r>
               <a:rPr lang="en-US" dirty="0"/>
-              <a:t> table</a:t>
+              <a:t>Visualized Lineitem table</a:t>
+            </a:r>
+          </a:p>
+        </p:txBody>
+      </p:sp>
+      <p:pic>
+        <p:nvPicPr>
+          <p:cNvPr id="1036" name="Picture 12">
+            <a:extLst>
+              <a:ext uri="{FF2B5EF4-FFF2-40B4-BE49-F238E27FC236}">
+                <a16:creationId xmlns:a16="http://schemas.microsoft.com/office/drawing/2014/main" id="{6F3A3153-668F-901E-3EE2-B0DA0DA2AB89}"/>
+              </a:ext>
+            </a:extLst>
+          </p:cNvPr>
+          <p:cNvPicPr>
+            <a:picLocks noChangeAspect="1" noChangeArrowheads="1"/>
+          </p:cNvPicPr>
+          <p:nvPr/>
+        </p:nvPicPr>
+        <p:blipFill>
+          <a:blip r:embed="rId2">
+            <a:extLst>
+              <a:ext uri="{28A0092B-C50C-407E-A947-70E740481C1C}">
+                <a14:useLocalDpi xmlns:a14="http://schemas.microsoft.com/office/drawing/2010/main" val="0"/>
+              </a:ext>
+            </a:extLst>
+          </a:blip>
+          <a:srcRect/>
+          <a:stretch>
+            <a:fillRect/>
+          </a:stretch>
+        </p:blipFill>
+        <p:spPr bwMode="auto">
+          <a:xfrm>
+            <a:off x="304800" y="2626282"/>
+            <a:ext cx="3848100" cy="2514600"/>
+          </a:xfrm>
+          <a:prstGeom prst="rect">
+            <a:avLst/>
+          </a:prstGeom>
+          <a:noFill/>
+          <a:extLst>
+            <a:ext uri="{909E8E84-426E-40DD-AFC4-6F175D3DCCD1}">
+              <a14:hiddenFill xmlns:a14="http://schemas.microsoft.com/office/drawing/2010/main">
+                <a:solidFill>
+                  <a:srgbClr val="FFFFFF"/>
+                </a:solidFill>
+              </a14:hiddenFill>
+            </a:ext>
+          </a:extLst>
+        </p:spPr>
+      </p:pic>
+      <p:pic>
+        <p:nvPicPr>
+          <p:cNvPr id="1038" name="Picture 14">
+            <a:extLst>
+              <a:ext uri="{FF2B5EF4-FFF2-40B4-BE49-F238E27FC236}">
+                <a16:creationId xmlns:a16="http://schemas.microsoft.com/office/drawing/2014/main" id="{0DC2DD8D-C11A-B243-5963-172F30188689}"/>
+              </a:ext>
+            </a:extLst>
+          </p:cNvPr>
+          <p:cNvPicPr>
+            <a:picLocks noChangeAspect="1" noChangeArrowheads="1"/>
+          </p:cNvPicPr>
+          <p:nvPr/>
+        </p:nvPicPr>
+        <p:blipFill>
+          <a:blip r:embed="rId3">
+            <a:extLst>
+              <a:ext uri="{28A0092B-C50C-407E-A947-70E740481C1C}">
+                <a14:useLocalDpi xmlns:a14="http://schemas.microsoft.com/office/drawing/2010/main" val="0"/>
+              </a:ext>
+            </a:extLst>
+          </a:blip>
+          <a:srcRect/>
+          <a:stretch>
+            <a:fillRect/>
+          </a:stretch>
+        </p:blipFill>
+        <p:spPr bwMode="auto">
+          <a:xfrm>
+            <a:off x="4171950" y="2626282"/>
+            <a:ext cx="3848100" cy="2514600"/>
+          </a:xfrm>
+          <a:prstGeom prst="rect">
+            <a:avLst/>
+          </a:prstGeom>
+          <a:noFill/>
+          <a:extLst>
+            <a:ext uri="{909E8E84-426E-40DD-AFC4-6F175D3DCCD1}">
+              <a14:hiddenFill xmlns:a14="http://schemas.microsoft.com/office/drawing/2010/main">
+                <a:solidFill>
+                  <a:srgbClr val="FFFFFF"/>
+                </a:solidFill>
+              </a14:hiddenFill>
+            </a:ext>
+          </a:extLst>
+        </p:spPr>
+      </p:pic>
+      <p:pic>
+        <p:nvPicPr>
+          <p:cNvPr id="1040" name="Picture 16">
+            <a:extLst>
+              <a:ext uri="{FF2B5EF4-FFF2-40B4-BE49-F238E27FC236}">
+                <a16:creationId xmlns:a16="http://schemas.microsoft.com/office/drawing/2014/main" id="{F6A06F98-6FB6-0C00-8251-985A90B98F75}"/>
+              </a:ext>
+            </a:extLst>
+          </p:cNvPr>
+          <p:cNvPicPr>
+            <a:picLocks noChangeAspect="1" noChangeArrowheads="1"/>
+          </p:cNvPicPr>
+          <p:nvPr/>
+        </p:nvPicPr>
+        <p:blipFill>
+          <a:blip r:embed="rId4">
+            <a:extLst>
+              <a:ext uri="{28A0092B-C50C-407E-A947-70E740481C1C}">
+                <a14:useLocalDpi xmlns:a14="http://schemas.microsoft.com/office/drawing/2010/main" val="0"/>
+              </a:ext>
+            </a:extLst>
+          </a:blip>
+          <a:srcRect/>
+          <a:stretch>
+            <a:fillRect/>
+          </a:stretch>
+        </p:blipFill>
+        <p:spPr bwMode="auto">
+          <a:xfrm>
+            <a:off x="8039100" y="2626282"/>
+            <a:ext cx="3848100" cy="2514600"/>
+          </a:xfrm>
+          <a:prstGeom prst="rect">
+            <a:avLst/>
+          </a:prstGeom>
+          <a:noFill/>
+          <a:extLst>
+            <a:ext uri="{909E8E84-426E-40DD-AFC4-6F175D3DCCD1}">
+              <a14:hiddenFill xmlns:a14="http://schemas.microsoft.com/office/drawing/2010/main">
+                <a:solidFill>
+                  <a:srgbClr val="FFFFFF"/>
+                </a:solidFill>
+              </a14:hiddenFill>
+            </a:ext>
+          </a:extLst>
+        </p:spPr>
+      </p:pic>
+      <p:sp>
+        <p:nvSpPr>
+          <p:cNvPr id="12" name="TextBox 11">
+            <a:extLst>
+              <a:ext uri="{FF2B5EF4-FFF2-40B4-BE49-F238E27FC236}">
+                <a16:creationId xmlns:a16="http://schemas.microsoft.com/office/drawing/2014/main" id="{4A6DAD51-E174-D03A-0F98-7F197D373EB4}"/>
+              </a:ext>
+            </a:extLst>
+          </p:cNvPr>
+          <p:cNvSpPr txBox="1"/>
+          <p:nvPr/>
+        </p:nvSpPr>
+        <p:spPr>
+          <a:xfrm>
+            <a:off x="3255251" y="2220496"/>
+            <a:ext cx="5681498" cy="461665"/>
+          </a:xfrm>
+          <a:prstGeom prst="rect">
+            <a:avLst/>
+          </a:prstGeom>
+          <a:noFill/>
+        </p:spPr>
+        <p:txBody>
+          <a:bodyPr wrap="square" rtlCol="0">
+            <a:spAutoFit/>
+          </a:bodyPr>
+          <a:lstStyle/>
+          <a:p>
+            <a:pPr algn="ctr"/>
+            <a:r>
+              <a:rPr lang="en-US" sz="2400" dirty="0"/>
+              <a:t>Histogram for L_EXTENDEDPRICE</a:t>
             </a:r>
           </a:p>
         </p:txBody>
@@ -10165,7 +10533,7 @@
     </p:spTree>
     <p:extLst>
       <p:ext uri="{BB962C8B-B14F-4D97-AF65-F5344CB8AC3E}">
-        <p14:creationId xmlns:p14="http://schemas.microsoft.com/office/powerpoint/2010/main" val="2854730229"/>
+        <p14:creationId xmlns:p14="http://schemas.microsoft.com/office/powerpoint/2010/main" val="1405018868"/>
       </p:ext>
     </p:extLst>
   </p:cSld>
@@ -10227,10 +10595,10 @@
       </p:sp>
       <p:sp>
         <p:nvSpPr>
-          <p:cNvPr id="11" name="TextBox 10">
-            <a:extLst>
-              <a:ext uri="{FF2B5EF4-FFF2-40B4-BE49-F238E27FC236}">
-                <a16:creationId xmlns:a16="http://schemas.microsoft.com/office/drawing/2014/main" id="{F55E360D-2CC5-CFED-A0B8-5B66B9E31FF3}"/>
+          <p:cNvPr id="12" name="TextBox 11">
+            <a:extLst>
+              <a:ext uri="{FF2B5EF4-FFF2-40B4-BE49-F238E27FC236}">
+                <a16:creationId xmlns:a16="http://schemas.microsoft.com/office/drawing/2014/main" id="{4A6DAD51-E174-D03A-0F98-7F197D373EB4}"/>
               </a:ext>
             </a:extLst>
           </p:cNvPr>
@@ -10239,8 +10607,8 @@
         </p:nvSpPr>
         <p:spPr>
           <a:xfrm>
-            <a:off x="396875" y="1046718"/>
-            <a:ext cx="6923242" cy="646331"/>
+            <a:off x="3255251" y="2220496"/>
+            <a:ext cx="5681498" cy="461665"/>
           </a:xfrm>
           <a:prstGeom prst="rect">
             <a:avLst/>
@@ -10248,139 +10616,164 @@
           <a:noFill/>
         </p:spPr>
         <p:txBody>
-          <a:bodyPr wrap="none" rtlCol="0">
+          <a:bodyPr wrap="square" rtlCol="0">
             <a:spAutoFit/>
           </a:bodyPr>
           <a:lstStyle/>
           <a:p>
-            <a:r>
-              <a:rPr lang="en-US" dirty="0"/>
-              <a:t>Skewed distribution: </a:t>
-            </a:r>
-            <a:r>
-              <a:rPr lang="en-US" dirty="0" err="1"/>
-              <a:t>lineitem</a:t>
-            </a:r>
-            <a:r>
-              <a:rPr lang="en-US" dirty="0"/>
-              <a:t> table</a:t>
-            </a:r>
-          </a:p>
-          <a:p>
-            <a:r>
-              <a:rPr lang="en-US" dirty="0"/>
-              <a:t>3 fields quantity, discount , </a:t>
-            </a:r>
-            <a:r>
-              <a:rPr lang="en-US" dirty="0" err="1"/>
-              <a:t>commitdat</a:t>
-            </a:r>
-            <a:r>
-              <a:rPr lang="en-US" dirty="0"/>
-              <a:t> … slide for </a:t>
-            </a:r>
-            <a:r>
-              <a:rPr lang="en-US"/>
-              <a:t>each field…z=0 , 0.5 ,1 </a:t>
-            </a:r>
-            <a:endParaRPr lang="en-US" dirty="0"/>
+            <a:pPr algn="ctr"/>
+            <a:r>
+              <a:rPr lang="en-US" sz="2400" dirty="0"/>
+              <a:t>Histogram for L_QUANTITY</a:t>
+            </a:r>
           </a:p>
         </p:txBody>
       </p:sp>
       <p:pic>
         <p:nvPicPr>
-          <p:cNvPr id="5" name="Picture 4">
-            <a:extLst>
-              <a:ext uri="{FF2B5EF4-FFF2-40B4-BE49-F238E27FC236}">
-                <a16:creationId xmlns:a16="http://schemas.microsoft.com/office/drawing/2014/main" id="{9EAFF7ED-C075-BB14-E62A-DD502E22C130}"/>
+          <p:cNvPr id="2050" name="Picture 2">
+            <a:extLst>
+              <a:ext uri="{FF2B5EF4-FFF2-40B4-BE49-F238E27FC236}">
+                <a16:creationId xmlns:a16="http://schemas.microsoft.com/office/drawing/2014/main" id="{6BCD12A9-746F-4E59-4C98-4FC00810A64C}"/>
               </a:ext>
             </a:extLst>
           </p:cNvPr>
           <p:cNvPicPr>
-            <a:picLocks noChangeAspect="1"/>
+            <a:picLocks noChangeAspect="1" noChangeArrowheads="1"/>
           </p:cNvPicPr>
           <p:nvPr/>
         </p:nvPicPr>
         <p:blipFill>
-          <a:blip r:embed="rId2"/>
+          <a:blip r:embed="rId2">
+            <a:extLst>
+              <a:ext uri="{28A0092B-C50C-407E-A947-70E740481C1C}">
+                <a14:useLocalDpi xmlns:a14="http://schemas.microsoft.com/office/drawing/2010/main" val="0"/>
+              </a:ext>
+            </a:extLst>
+          </a:blip>
+          <a:srcRect/>
           <a:stretch>
             <a:fillRect/>
           </a:stretch>
         </p:blipFill>
-        <p:spPr>
+        <p:spPr bwMode="auto">
           <a:xfrm>
-            <a:off x="596662" y="1601232"/>
-            <a:ext cx="3057525" cy="4210050"/>
+            <a:off x="304800" y="2682161"/>
+            <a:ext cx="3695700" cy="2514600"/>
           </a:xfrm>
           <a:prstGeom prst="rect">
             <a:avLst/>
           </a:prstGeom>
+          <a:noFill/>
+          <a:extLst>
+            <a:ext uri="{909E8E84-426E-40DD-AFC4-6F175D3DCCD1}">
+              <a14:hiddenFill xmlns:a14="http://schemas.microsoft.com/office/drawing/2010/main">
+                <a:solidFill>
+                  <a:srgbClr val="FFFFFF"/>
+                </a:solidFill>
+              </a14:hiddenFill>
+            </a:ext>
+          </a:extLst>
         </p:spPr>
       </p:pic>
       <p:pic>
         <p:nvPicPr>
-          <p:cNvPr id="7" name="Picture 6">
-            <a:extLst>
-              <a:ext uri="{FF2B5EF4-FFF2-40B4-BE49-F238E27FC236}">
-                <a16:creationId xmlns:a16="http://schemas.microsoft.com/office/drawing/2014/main" id="{58D2A798-F635-8F61-46B4-B977E6F4DE93}"/>
+          <p:cNvPr id="2052" name="Picture 4">
+            <a:extLst>
+              <a:ext uri="{FF2B5EF4-FFF2-40B4-BE49-F238E27FC236}">
+                <a16:creationId xmlns:a16="http://schemas.microsoft.com/office/drawing/2014/main" id="{F228E0BB-7AC6-99F7-BF2D-F7CCD7795397}"/>
               </a:ext>
             </a:extLst>
           </p:cNvPr>
           <p:cNvPicPr>
-            <a:picLocks noChangeAspect="1"/>
+            <a:picLocks noChangeAspect="1" noChangeArrowheads="1"/>
           </p:cNvPicPr>
           <p:nvPr/>
         </p:nvPicPr>
         <p:blipFill>
-          <a:blip r:embed="rId3"/>
+          <a:blip r:embed="rId3">
+            <a:extLst>
+              <a:ext uri="{28A0092B-C50C-407E-A947-70E740481C1C}">
+                <a14:useLocalDpi xmlns:a14="http://schemas.microsoft.com/office/drawing/2010/main" val="0"/>
+              </a:ext>
+            </a:extLst>
+          </a:blip>
+          <a:srcRect/>
           <a:stretch>
             <a:fillRect/>
           </a:stretch>
         </p:blipFill>
-        <p:spPr>
+        <p:spPr bwMode="auto">
           <a:xfrm>
-            <a:off x="4019550" y="1601232"/>
-            <a:ext cx="3086100" cy="4248150"/>
+            <a:off x="4248150" y="2682161"/>
+            <a:ext cx="3695700" cy="2514600"/>
           </a:xfrm>
           <a:prstGeom prst="rect">
             <a:avLst/>
           </a:prstGeom>
+          <a:noFill/>
+          <a:extLst>
+            <a:ext uri="{909E8E84-426E-40DD-AFC4-6F175D3DCCD1}">
+              <a14:hiddenFill xmlns:a14="http://schemas.microsoft.com/office/drawing/2010/main">
+                <a:solidFill>
+                  <a:srgbClr val="FFFFFF"/>
+                </a:solidFill>
+              </a14:hiddenFill>
+            </a:ext>
+          </a:extLst>
         </p:spPr>
       </p:pic>
       <p:pic>
         <p:nvPicPr>
-          <p:cNvPr id="12" name="Picture 11">
-            <a:extLst>
-              <a:ext uri="{FF2B5EF4-FFF2-40B4-BE49-F238E27FC236}">
-                <a16:creationId xmlns:a16="http://schemas.microsoft.com/office/drawing/2014/main" id="{D31E53CC-1BB9-7C5E-997F-44E57E167104}"/>
+          <p:cNvPr id="2056" name="Picture 8">
+            <a:extLst>
+              <a:ext uri="{FF2B5EF4-FFF2-40B4-BE49-F238E27FC236}">
+                <a16:creationId xmlns:a16="http://schemas.microsoft.com/office/drawing/2014/main" id="{D4FB0426-6A8C-6644-65C1-BE25D7C6BA02}"/>
               </a:ext>
             </a:extLst>
           </p:cNvPr>
           <p:cNvPicPr>
-            <a:picLocks noChangeAspect="1"/>
+            <a:picLocks noChangeAspect="1" noChangeArrowheads="1"/>
           </p:cNvPicPr>
           <p:nvPr/>
         </p:nvPicPr>
         <p:blipFill>
-          <a:blip r:embed="rId4"/>
+          <a:blip r:embed="rId4">
+            <a:extLst>
+              <a:ext uri="{28A0092B-C50C-407E-A947-70E740481C1C}">
+                <a14:useLocalDpi xmlns:a14="http://schemas.microsoft.com/office/drawing/2010/main" val="0"/>
+              </a:ext>
+            </a:extLst>
+          </a:blip>
+          <a:srcRect/>
           <a:stretch>
             <a:fillRect/>
           </a:stretch>
         </p:blipFill>
-        <p:spPr>
+        <p:spPr bwMode="auto">
           <a:xfrm>
-            <a:off x="7471013" y="1591707"/>
-            <a:ext cx="3152775" cy="4219575"/>
+            <a:off x="8191500" y="2682161"/>
+            <a:ext cx="3695700" cy="2514600"/>
           </a:xfrm>
           <a:prstGeom prst="rect">
             <a:avLst/>
           </a:prstGeom>
+          <a:noFill/>
+          <a:extLst>
+            <a:ext uri="{909E8E84-426E-40DD-AFC4-6F175D3DCCD1}">
+              <a14:hiddenFill xmlns:a14="http://schemas.microsoft.com/office/drawing/2010/main">
+                <a:solidFill>
+                  <a:srgbClr val="FFFFFF"/>
+                </a:solidFill>
+              </a14:hiddenFill>
+            </a:ext>
+          </a:extLst>
         </p:spPr>
       </p:pic>
     </p:spTree>
     <p:extLst>
       <p:ext uri="{BB962C8B-B14F-4D97-AF65-F5344CB8AC3E}">
-        <p14:creationId xmlns:p14="http://schemas.microsoft.com/office/powerpoint/2010/main" val="3574088400"/>
+        <p14:creationId xmlns:p14="http://schemas.microsoft.com/office/powerpoint/2010/main" val="1217822532"/>
       </p:ext>
     </p:extLst>
   </p:cSld>
@@ -10423,66 +10816,204 @@
             <p:ph type="title"/>
           </p:nvPr>
         </p:nvSpPr>
-        <p:spPr/>
+        <p:spPr>
+          <a:xfrm>
+            <a:off x="304800" y="0"/>
+            <a:ext cx="10515600" cy="1325563"/>
+          </a:xfrm>
+        </p:spPr>
         <p:txBody>
           <a:bodyPr/>
           <a:lstStyle/>
           <a:p>
             <a:r>
               <a:rPr lang="en-US" dirty="0"/>
-              <a:t>Challenges</a:t>
+              <a:t>Big data visualization: TPC-H </a:t>
             </a:r>
           </a:p>
         </p:txBody>
       </p:sp>
       <p:sp>
         <p:nvSpPr>
-          <p:cNvPr id="3" name="Content Placeholder 2">
-            <a:extLst>
-              <a:ext uri="{FF2B5EF4-FFF2-40B4-BE49-F238E27FC236}">
-                <a16:creationId xmlns:a16="http://schemas.microsoft.com/office/drawing/2014/main" id="{DB6D87E6-C3D2-F85C-4F7D-E00266D475F0}"/>
-              </a:ext>
-            </a:extLst>
-          </p:cNvPr>
-          <p:cNvSpPr>
-            <a:spLocks noGrp="1"/>
-          </p:cNvSpPr>
-          <p:nvPr>
-            <p:ph idx="1"/>
-          </p:nvPr>
-        </p:nvSpPr>
-        <p:spPr/>
+          <p:cNvPr id="12" name="TextBox 11">
+            <a:extLst>
+              <a:ext uri="{FF2B5EF4-FFF2-40B4-BE49-F238E27FC236}">
+                <a16:creationId xmlns:a16="http://schemas.microsoft.com/office/drawing/2014/main" id="{4A6DAD51-E174-D03A-0F98-7F197D373EB4}"/>
+              </a:ext>
+            </a:extLst>
+          </p:cNvPr>
+          <p:cNvSpPr txBox="1"/>
+          <p:nvPr/>
+        </p:nvSpPr>
+        <p:spPr>
+          <a:xfrm>
+            <a:off x="3255251" y="2220496"/>
+            <a:ext cx="5681498" cy="461665"/>
+          </a:xfrm>
+          <a:prstGeom prst="rect">
+            <a:avLst/>
+          </a:prstGeom>
+          <a:noFill/>
+        </p:spPr>
         <p:txBody>
-          <a:bodyPr/>
+          <a:bodyPr wrap="square" rtlCol="0">
+            <a:spAutoFit/>
+          </a:bodyPr>
           <a:lstStyle/>
           <a:p>
-            <a:pPr marL="0" marR="0">
-              <a:lnSpc>
-                <a:spcPct val="107000"/>
-              </a:lnSpc>
-              <a:spcBef>
-                <a:spcPts val="0"/>
-              </a:spcBef>
-              <a:spcAft>
-                <a:spcPts val="800"/>
-              </a:spcAft>
-            </a:pPr>
-            <a:endParaRPr lang="en-US" sz="1800" dirty="0">
-              <a:effectLst/>
-              <a:highlight>
-                <a:srgbClr val="FFFF00"/>
-              </a:highlight>
-              <a:latin typeface="Calibri" panose="020F0502020204030204" pitchFamily="34" charset="0"/>
-              <a:ea typeface="Calibri" panose="020F0502020204030204" pitchFamily="34" charset="0"/>
-              <a:cs typeface="Times New Roman" panose="02020603050405020304" pitchFamily="18" charset="0"/>
-            </a:endParaRPr>
+            <a:pPr algn="ctr"/>
+            <a:r>
+              <a:rPr lang="en-US" sz="2400" dirty="0"/>
+              <a:t>Histogram for L_COMMITDATE</a:t>
+            </a:r>
           </a:p>
         </p:txBody>
       </p:sp>
+      <p:pic>
+        <p:nvPicPr>
+          <p:cNvPr id="3074" name="Picture 2">
+            <a:extLst>
+              <a:ext uri="{FF2B5EF4-FFF2-40B4-BE49-F238E27FC236}">
+                <a16:creationId xmlns:a16="http://schemas.microsoft.com/office/drawing/2014/main" id="{410B9CF1-52BA-6339-87B1-37CD90286BD3}"/>
+              </a:ext>
+            </a:extLst>
+          </p:cNvPr>
+          <p:cNvPicPr>
+            <a:picLocks noChangeAspect="1" noChangeArrowheads="1"/>
+          </p:cNvPicPr>
+          <p:nvPr/>
+        </p:nvPicPr>
+        <p:blipFill>
+          <a:blip r:embed="rId2">
+            <a:extLst>
+              <a:ext uri="{28A0092B-C50C-407E-A947-70E740481C1C}">
+                <a14:useLocalDpi xmlns:a14="http://schemas.microsoft.com/office/drawing/2010/main" val="0"/>
+              </a:ext>
+            </a:extLst>
+          </a:blip>
+          <a:srcRect/>
+          <a:stretch>
+            <a:fillRect/>
+          </a:stretch>
+        </p:blipFill>
+        <p:spPr bwMode="auto">
+          <a:xfrm>
+            <a:off x="381000" y="2896825"/>
+            <a:ext cx="3743325" cy="2514600"/>
+          </a:xfrm>
+          <a:prstGeom prst="rect">
+            <a:avLst/>
+          </a:prstGeom>
+          <a:noFill/>
+          <a:extLst>
+            <a:ext uri="{909E8E84-426E-40DD-AFC4-6F175D3DCCD1}">
+              <a14:hiddenFill xmlns:a14="http://schemas.microsoft.com/office/drawing/2010/main">
+                <a:solidFill>
+                  <a:srgbClr val="FFFFFF"/>
+                </a:solidFill>
+              </a14:hiddenFill>
+            </a:ext>
+          </a:extLst>
+        </p:spPr>
+      </p:pic>
+      <p:pic>
+        <p:nvPicPr>
+          <p:cNvPr id="3076" name="Picture 4">
+            <a:extLst>
+              <a:ext uri="{FF2B5EF4-FFF2-40B4-BE49-F238E27FC236}">
+                <a16:creationId xmlns:a16="http://schemas.microsoft.com/office/drawing/2014/main" id="{142D4036-4AD0-4254-85B8-44DE47E974AD}"/>
+              </a:ext>
+            </a:extLst>
+          </p:cNvPr>
+          <p:cNvPicPr>
+            <a:picLocks noChangeAspect="1" noChangeArrowheads="1"/>
+          </p:cNvPicPr>
+          <p:nvPr/>
+        </p:nvPicPr>
+        <p:blipFill>
+          <a:blip r:embed="rId3">
+            <a:extLst>
+              <a:ext uri="{28A0092B-C50C-407E-A947-70E740481C1C}">
+                <a14:useLocalDpi xmlns:a14="http://schemas.microsoft.com/office/drawing/2010/main" val="0"/>
+              </a:ext>
+            </a:extLst>
+          </a:blip>
+          <a:srcRect/>
+          <a:stretch>
+            <a:fillRect/>
+          </a:stretch>
+        </p:blipFill>
+        <p:spPr bwMode="auto">
+          <a:xfrm>
+            <a:off x="4307024" y="2896825"/>
+            <a:ext cx="3743325" cy="2514600"/>
+          </a:xfrm>
+          <a:prstGeom prst="rect">
+            <a:avLst/>
+          </a:prstGeom>
+          <a:noFill/>
+          <a:extLst>
+            <a:ext uri="{909E8E84-426E-40DD-AFC4-6F175D3DCCD1}">
+              <a14:hiddenFill xmlns:a14="http://schemas.microsoft.com/office/drawing/2010/main">
+                <a:solidFill>
+                  <a:srgbClr val="FFFFFF"/>
+                </a:solidFill>
+              </a14:hiddenFill>
+            </a:ext>
+          </a:extLst>
+        </p:spPr>
+      </p:pic>
+      <p:pic>
+        <p:nvPicPr>
+          <p:cNvPr id="3078" name="Picture 6">
+            <a:extLst>
+              <a:ext uri="{FF2B5EF4-FFF2-40B4-BE49-F238E27FC236}">
+                <a16:creationId xmlns:a16="http://schemas.microsoft.com/office/drawing/2014/main" id="{B7A404B7-4EC5-8C30-9B5E-C387F7096DF6}"/>
+              </a:ext>
+            </a:extLst>
+          </p:cNvPr>
+          <p:cNvPicPr>
+            <a:picLocks noChangeAspect="1" noChangeArrowheads="1"/>
+          </p:cNvPicPr>
+          <p:nvPr/>
+        </p:nvPicPr>
+        <p:blipFill>
+          <a:blip r:embed="rId4">
+            <a:extLst>
+              <a:ext uri="{28A0092B-C50C-407E-A947-70E740481C1C}">
+                <a14:useLocalDpi xmlns:a14="http://schemas.microsoft.com/office/drawing/2010/main" val="0"/>
+              </a:ext>
+            </a:extLst>
+          </a:blip>
+          <a:srcRect/>
+          <a:stretch>
+            <a:fillRect/>
+          </a:stretch>
+        </p:blipFill>
+        <p:spPr bwMode="auto">
+          <a:xfrm>
+            <a:off x="8233049" y="2896825"/>
+            <a:ext cx="3743325" cy="2514600"/>
+          </a:xfrm>
+          <a:prstGeom prst="rect">
+            <a:avLst/>
+          </a:prstGeom>
+          <a:noFill/>
+          <a:extLst>
+            <a:ext uri="{909E8E84-426E-40DD-AFC4-6F175D3DCCD1}">
+              <a14:hiddenFill xmlns:a14="http://schemas.microsoft.com/office/drawing/2010/main">
+                <a:solidFill>
+                  <a:srgbClr val="FFFFFF"/>
+                </a:solidFill>
+              </a14:hiddenFill>
+            </a:ext>
+          </a:extLst>
+        </p:spPr>
+      </p:pic>
     </p:spTree>
     <p:extLst>
       <p:ext uri="{BB962C8B-B14F-4D97-AF65-F5344CB8AC3E}">
-        <p14:creationId xmlns:p14="http://schemas.microsoft.com/office/powerpoint/2010/main" val="2376337768"/>
+        <p14:creationId xmlns:p14="http://schemas.microsoft.com/office/powerpoint/2010/main" val="1372077451"/>
       </p:ext>
     </p:extLst>
   </p:cSld>
@@ -10532,7 +11063,7 @@
           <a:p>
             <a:r>
               <a:rPr lang="en-US" dirty="0"/>
-              <a:t>Possibilities for future expand</a:t>
+              <a:t>Challenges</a:t>
             </a:r>
           </a:p>
         </p:txBody>
@@ -10555,122 +11086,77 @@
         </p:nvSpPr>
         <p:spPr/>
         <p:txBody>
-          <a:bodyPr>
-            <a:normAutofit fontScale="77500" lnSpcReduction="20000"/>
+          <a:bodyPr vert="horz" lIns="91440" tIns="45720" rIns="91440" bIns="45720" rtlCol="0">
+            <a:normAutofit/>
           </a:bodyPr>
           <a:lstStyle/>
           <a:p>
-            <a:pPr marL="0" marR="0">
-              <a:lnSpc>
-                <a:spcPct val="107000"/>
-              </a:lnSpc>
-              <a:spcBef>
-                <a:spcPts val="0"/>
-              </a:spcBef>
-              <a:spcAft>
-                <a:spcPts val="800"/>
-              </a:spcAft>
+            <a:pPr>
+              <a:buFont typeface="Wingdings" panose="05000000000000000000" pitchFamily="2" charset="2"/>
+              <a:buChar char="§"/>
             </a:pPr>
             <a:r>
-              <a:rPr lang="en-US" sz="4400" dirty="0">
-                <a:latin typeface="+mj-lt"/>
-                <a:ea typeface="+mj-ea"/>
-                <a:cs typeface="+mj-cs"/>
-              </a:rPr>
-              <a:t>Integration with Cloud provider</a:t>
-            </a:r>
-          </a:p>
-          <a:p>
-            <a:pPr marL="0" marR="0" indent="0">
-              <a:lnSpc>
-                <a:spcPct val="107000"/>
-              </a:lnSpc>
-              <a:spcBef>
-                <a:spcPts val="0"/>
-              </a:spcBef>
-              <a:spcAft>
-                <a:spcPts val="800"/>
-              </a:spcAft>
-              <a:buNone/>
+              <a:rPr lang="en-US" dirty="0"/>
+              <a:t>Faced a steep learning curve to understand the concepts and tools involved in Spark ,Docker and Linux</a:t>
+            </a:r>
+          </a:p>
+          <a:p>
+            <a:pPr>
+              <a:buFont typeface="Wingdings" panose="05000000000000000000" pitchFamily="2" charset="2"/>
+              <a:buChar char="§"/>
             </a:pPr>
-            <a:r>
-              <a:rPr lang="en-US" sz="4400" dirty="0">
-                <a:latin typeface="+mj-lt"/>
-                <a:ea typeface="+mj-ea"/>
-                <a:cs typeface="+mj-cs"/>
-              </a:rPr>
-              <a:t> </a:t>
-            </a:r>
-          </a:p>
-          <a:p>
-            <a:pPr marL="0" marR="0">
-              <a:lnSpc>
-                <a:spcPct val="107000"/>
-              </a:lnSpc>
-              <a:spcBef>
-                <a:spcPts val="0"/>
-              </a:spcBef>
-              <a:spcAft>
-                <a:spcPts val="800"/>
-              </a:spcAft>
+            <a:endParaRPr lang="en-US" dirty="0"/>
+          </a:p>
+          <a:p>
+            <a:pPr>
+              <a:buFont typeface="Wingdings" panose="05000000000000000000" pitchFamily="2" charset="2"/>
+              <a:buChar char="§"/>
             </a:pPr>
             <a:r>
-              <a:rPr lang="en-US" sz="4400" dirty="0">
-                <a:latin typeface="+mj-lt"/>
-                <a:ea typeface="+mj-ea"/>
-                <a:cs typeface="+mj-cs"/>
-              </a:rPr>
-              <a:t>Leverage the capabilities of Kubernetes as container orchestration tool</a:t>
-            </a:r>
-          </a:p>
-          <a:p>
-            <a:pPr marL="0" marR="0">
-              <a:lnSpc>
-                <a:spcPct val="107000"/>
-              </a:lnSpc>
-              <a:spcBef>
-                <a:spcPts val="0"/>
-              </a:spcBef>
-              <a:spcAft>
-                <a:spcPts val="800"/>
-              </a:spcAft>
+              <a:rPr lang="en-US" dirty="0"/>
+              <a:t>Integration with additional service such as Jupyter</a:t>
+            </a:r>
+          </a:p>
+          <a:p>
+            <a:pPr>
+              <a:buFont typeface="Wingdings" panose="05000000000000000000" pitchFamily="2" charset="2"/>
+              <a:buChar char="§"/>
             </a:pPr>
-            <a:endParaRPr lang="en-US" sz="4400" dirty="0">
-              <a:latin typeface="+mj-lt"/>
-              <a:ea typeface="+mj-ea"/>
-              <a:cs typeface="+mj-cs"/>
-            </a:endParaRPr>
-          </a:p>
-          <a:p>
-            <a:pPr marL="0" marR="0">
-              <a:lnSpc>
-                <a:spcPct val="107000"/>
-              </a:lnSpc>
-              <a:spcBef>
-                <a:spcPts val="0"/>
-              </a:spcBef>
-              <a:spcAft>
-                <a:spcPts val="800"/>
-              </a:spcAft>
+            <a:endParaRPr lang="en-US" dirty="0"/>
+          </a:p>
+          <a:p>
+            <a:pPr>
+              <a:buFont typeface="Wingdings" panose="05000000000000000000" pitchFamily="2" charset="2"/>
+              <a:buChar char="§"/>
             </a:pPr>
             <a:r>
-              <a:rPr lang="en-US" sz="4400" dirty="0">
-                <a:highlight>
-                  <a:srgbClr val="FFFF00"/>
-                </a:highlight>
-                <a:latin typeface="+mj-lt"/>
-                <a:ea typeface="+mj-ea"/>
-                <a:cs typeface="+mj-cs"/>
-              </a:rPr>
-              <a:t>Additional on-demand services in separate containers which can link to the cluster such as visual source code, etc.</a:t>
-            </a:r>
+              <a:rPr lang="en-US" dirty="0"/>
+              <a:t>Controlled environments and servers </a:t>
+            </a:r>
+          </a:p>
+          <a:p>
+            <a:pPr lvl="1">
+              <a:buFont typeface="Wingdings" panose="05000000000000000000" pitchFamily="2" charset="2"/>
+              <a:buChar char="§"/>
+            </a:pPr>
+            <a:r>
+              <a:rPr lang="en-US" dirty="0"/>
+              <a:t>Utilized git, docker hub for file edits and sharing</a:t>
+            </a:r>
+          </a:p>
+          <a:p>
+            <a:pPr>
+              <a:buFont typeface="Wingdings" panose="05000000000000000000" pitchFamily="2" charset="2"/>
+              <a:buChar char="§"/>
+            </a:pPr>
+            <a:endParaRPr lang="en-US" dirty="0"/>
           </a:p>
         </p:txBody>
       </p:sp>
     </p:spTree>
     <p:extLst>
       <p:ext uri="{BB962C8B-B14F-4D97-AF65-F5344CB8AC3E}">
-        <p14:creationId xmlns:p14="http://schemas.microsoft.com/office/powerpoint/2010/main" val="3511718375"/>
+        <p14:creationId xmlns:p14="http://schemas.microsoft.com/office/powerpoint/2010/main" val="2376337768"/>
       </p:ext>
     </p:extLst>
   </p:cSld>
@@ -10720,7 +11206,7 @@
           <a:p>
             <a:r>
               <a:rPr lang="en-US" dirty="0"/>
-              <a:t>Conclusion	</a:t>
+              <a:t>Possibilities for future expand</a:t>
             </a:r>
           </a:p>
         </p:txBody>
@@ -10743,64 +11229,119 @@
         </p:nvSpPr>
         <p:spPr/>
         <p:txBody>
-          <a:bodyPr vert="horz" lIns="91440" tIns="45720" rIns="91440" bIns="45720" rtlCol="0">
-            <a:normAutofit fontScale="70000" lnSpcReduction="20000"/>
+          <a:bodyPr>
+            <a:normAutofit fontScale="77500" lnSpcReduction="20000"/>
           </a:bodyPr>
           <a:lstStyle/>
           <a:p>
-            <a:r>
-              <a:rPr lang="en-US" dirty="0"/>
-              <a:t>We have successfully created an Apache Spark cluster using Docker containers, which can be easily deployed and scaled on different environments. </a:t>
-            </a:r>
-          </a:p>
-          <a:p>
-            <a:endParaRPr lang="en-US" dirty="0"/>
-          </a:p>
-          <a:p>
-            <a:r>
-              <a:rPr lang="en-US" dirty="0"/>
-              <a:t>We have also automated the creation of the Spark cluster by fine-tuning docker files, images, services and shell scripts. </a:t>
-            </a:r>
-          </a:p>
-          <a:p>
-            <a:endParaRPr lang="en-US" dirty="0"/>
-          </a:p>
-          <a:p>
-            <a:r>
-              <a:rPr lang="en-US" dirty="0"/>
-              <a:t>We successfully configured the resource utilization such as CPU usages by managers and workers of the cluster.</a:t>
-            </a:r>
-          </a:p>
-          <a:p>
-            <a:pPr marL="0" indent="0">
+            <a:pPr marL="0" marR="0">
+              <a:lnSpc>
+                <a:spcPct val="107000"/>
+              </a:lnSpc>
+              <a:spcBef>
+                <a:spcPts val="0"/>
+              </a:spcBef>
+              <a:spcAft>
+                <a:spcPts val="800"/>
+              </a:spcAft>
+            </a:pPr>
+            <a:r>
+              <a:rPr lang="en-US" sz="4400" dirty="0">
+                <a:latin typeface="+mj-lt"/>
+                <a:ea typeface="+mj-ea"/>
+                <a:cs typeface="+mj-cs"/>
+              </a:rPr>
+              <a:t>Integration with Cloud provider</a:t>
+            </a:r>
+          </a:p>
+          <a:p>
+            <a:pPr marL="0" marR="0" indent="0">
+              <a:lnSpc>
+                <a:spcPct val="107000"/>
+              </a:lnSpc>
+              <a:spcBef>
+                <a:spcPts val="0"/>
+              </a:spcBef>
+              <a:spcAft>
+                <a:spcPts val="800"/>
+              </a:spcAft>
               <a:buNone/>
             </a:pPr>
-            <a:endParaRPr lang="en-US" dirty="0"/>
-          </a:p>
-          <a:p>
-            <a:r>
-              <a:rPr lang="en-US" dirty="0"/>
-              <a:t>Finally, we have provided a comprehensive documentation and examples that demonstrate how to use the Spark cluster for different use cases, such as data processing, machine learning, and data visualization. </a:t>
-            </a:r>
-          </a:p>
-          <a:p>
-            <a:endParaRPr lang="en-US" dirty="0"/>
-          </a:p>
-          <a:p>
-            <a:r>
-              <a:rPr lang="en-US" dirty="0"/>
-              <a:t>We believe that this project can be useful for anyone who needs to process big data using Spark, without the need for dedicated infrastructure or complex setups.</a:t>
-            </a:r>
-          </a:p>
-          <a:p>
-            <a:endParaRPr lang="en-US" dirty="0"/>
+            <a:r>
+              <a:rPr lang="en-US" sz="4400" dirty="0">
+                <a:latin typeface="+mj-lt"/>
+                <a:ea typeface="+mj-ea"/>
+                <a:cs typeface="+mj-cs"/>
+              </a:rPr>
+              <a:t> </a:t>
+            </a:r>
+          </a:p>
+          <a:p>
+            <a:pPr marL="0" marR="0">
+              <a:lnSpc>
+                <a:spcPct val="107000"/>
+              </a:lnSpc>
+              <a:spcBef>
+                <a:spcPts val="0"/>
+              </a:spcBef>
+              <a:spcAft>
+                <a:spcPts val="800"/>
+              </a:spcAft>
+            </a:pPr>
+            <a:r>
+              <a:rPr lang="en-US" sz="4400" dirty="0">
+                <a:latin typeface="+mj-lt"/>
+                <a:ea typeface="+mj-ea"/>
+                <a:cs typeface="+mj-cs"/>
+              </a:rPr>
+              <a:t>Leverage the capabilities of Kubernetes as container orchestration tool</a:t>
+            </a:r>
+          </a:p>
+          <a:p>
+            <a:pPr marL="0" marR="0">
+              <a:lnSpc>
+                <a:spcPct val="107000"/>
+              </a:lnSpc>
+              <a:spcBef>
+                <a:spcPts val="0"/>
+              </a:spcBef>
+              <a:spcAft>
+                <a:spcPts val="800"/>
+              </a:spcAft>
+            </a:pPr>
+            <a:endParaRPr lang="en-US" sz="4400" dirty="0">
+              <a:latin typeface="+mj-lt"/>
+              <a:ea typeface="+mj-ea"/>
+              <a:cs typeface="+mj-cs"/>
+            </a:endParaRPr>
+          </a:p>
+          <a:p>
+            <a:pPr marL="0" marR="0">
+              <a:lnSpc>
+                <a:spcPct val="107000"/>
+              </a:lnSpc>
+              <a:spcBef>
+                <a:spcPts val="0"/>
+              </a:spcBef>
+              <a:spcAft>
+                <a:spcPts val="800"/>
+              </a:spcAft>
+            </a:pPr>
+            <a:r>
+              <a:rPr lang="en-US" sz="4400" dirty="0">
+                <a:latin typeface="+mj-lt"/>
+                <a:ea typeface="+mj-ea"/>
+                <a:cs typeface="+mj-cs"/>
+              </a:rPr>
+              <a:t>Additional on-demand services in separate containers which can link to the cluster such as visual source code, etc.</a:t>
+            </a:r>
           </a:p>
         </p:txBody>
       </p:sp>
     </p:spTree>
     <p:extLst>
       <p:ext uri="{BB962C8B-B14F-4D97-AF65-F5344CB8AC3E}">
-        <p14:creationId xmlns:p14="http://schemas.microsoft.com/office/powerpoint/2010/main" val="3034444072"/>
+        <p14:creationId xmlns:p14="http://schemas.microsoft.com/office/powerpoint/2010/main" val="3511718375"/>
       </p:ext>
     </p:extLst>
   </p:cSld>
@@ -10850,7 +11391,7 @@
           <a:p>
             <a:r>
               <a:rPr lang="en-US"/>
-              <a:t>References</a:t>
+              <a:t>Conclusion	</a:t>
             </a:r>
             <a:endParaRPr lang="en-US" dirty="0"/>
           </a:p>
@@ -10875,9 +11416,54 @@
         <p:spPr/>
         <p:txBody>
           <a:bodyPr vert="horz" lIns="91440" tIns="45720" rIns="91440" bIns="45720" rtlCol="0">
-            <a:normAutofit/>
+            <a:normAutofit fontScale="70000" lnSpcReduction="20000"/>
           </a:bodyPr>
           <a:lstStyle/>
+          <a:p>
+            <a:r>
+              <a:rPr lang="en-US"/>
+              <a:t>We have successfully created an Apache Spark cluster using Docker containers, which can be easily deployed and scaled on different environments. </a:t>
+            </a:r>
+          </a:p>
+          <a:p>
+            <a:endParaRPr lang="en-US"/>
+          </a:p>
+          <a:p>
+            <a:r>
+              <a:rPr lang="en-US"/>
+              <a:t>We have also automated the creation of the Spark cluster by fine-tuning docker files, images, services and shell scripts. </a:t>
+            </a:r>
+          </a:p>
+          <a:p>
+            <a:endParaRPr lang="en-US"/>
+          </a:p>
+          <a:p>
+            <a:r>
+              <a:rPr lang="en-US"/>
+              <a:t>We successfully configured the resource utilization such as CPU usages by managers and workers of the cluster.</a:t>
+            </a:r>
+          </a:p>
+          <a:p>
+            <a:pPr marL="0" indent="0">
+              <a:buNone/>
+            </a:pPr>
+            <a:endParaRPr lang="en-US"/>
+          </a:p>
+          <a:p>
+            <a:r>
+              <a:rPr lang="en-US"/>
+              <a:t>Finally, we have provided a comprehensive documentation and examples that demonstrate how to use the Spark cluster for different use cases, such as data processing, machine learning, and data visualization. </a:t>
+            </a:r>
+          </a:p>
+          <a:p>
+            <a:endParaRPr lang="en-US"/>
+          </a:p>
+          <a:p>
+            <a:r>
+              <a:rPr lang="en-US"/>
+              <a:t>We believe that this project can be useful for anyone who needs to process big data using Spark, without the need for dedicated infrastructure or complex setups.</a:t>
+            </a:r>
+          </a:p>
           <a:p>
             <a:endParaRPr lang="en-US" dirty="0"/>
           </a:p>
@@ -10886,7 +11472,7 @@
     </p:spTree>
     <p:extLst>
       <p:ext uri="{BB962C8B-B14F-4D97-AF65-F5344CB8AC3E}">
-        <p14:creationId xmlns:p14="http://schemas.microsoft.com/office/powerpoint/2010/main" val="3319634625"/>
+        <p14:creationId xmlns:p14="http://schemas.microsoft.com/office/powerpoint/2010/main" val="3034444072"/>
       </p:ext>
     </p:extLst>
   </p:cSld>
@@ -10936,7 +11522,7 @@
           <a:p>
             <a:r>
               <a:rPr lang="en-US" dirty="0"/>
-              <a:t>Git repository &amp; hub.docker.com links</a:t>
+              <a:t>References</a:t>
             </a:r>
           </a:p>
         </p:txBody>
@@ -10957,71 +11543,211 @@
             <p:ph idx="1"/>
           </p:nvPr>
         </p:nvSpPr>
+        <p:spPr/>
+        <p:txBody>
+          <a:bodyPr vert="horz" lIns="91440" tIns="45720" rIns="91440" bIns="45720" rtlCol="0">
+            <a:normAutofit/>
+          </a:bodyPr>
+          <a:lstStyle/>
+          <a:p>
+            <a:r>
+              <a:rPr lang="en-US" sz="1800" dirty="0">
+                <a:latin typeface="Slack-Lato"/>
+              </a:rPr>
+              <a:t>https://docs.docker.com/</a:t>
+            </a:r>
+          </a:p>
+          <a:p>
+            <a:endParaRPr lang="en-US" sz="1800" dirty="0">
+              <a:latin typeface="Slack-Lato"/>
+            </a:endParaRPr>
+          </a:p>
+          <a:p>
+            <a:r>
+              <a:rPr lang="en-US" sz="1800" dirty="0">
+                <a:latin typeface="Slack-Lato"/>
+              </a:rPr>
+              <a:t>https://spark.apache.org/docs/latest/quick-start.html</a:t>
+            </a:r>
+          </a:p>
+          <a:p>
+            <a:endParaRPr lang="en-US" sz="1800" dirty="0">
+              <a:latin typeface="Slack-Lato"/>
+            </a:endParaRPr>
+          </a:p>
+          <a:p>
+            <a:r>
+              <a:rPr lang="en-US" sz="1800" dirty="0">
+                <a:latin typeface="Slack-Lato"/>
+              </a:rPr>
+              <a:t>https://www.linkedin.com/pulse/setup-multi-node-hadoop-cluster-using-docker-komal-suthar/</a:t>
+            </a:r>
+          </a:p>
+          <a:p>
+            <a:endParaRPr lang="en-US" sz="1800" dirty="0">
+              <a:latin typeface="Slack-Lato"/>
+            </a:endParaRPr>
+          </a:p>
+          <a:p>
+            <a:r>
+              <a:rPr lang="en-US" sz="1800" dirty="0">
+                <a:latin typeface="Slack-Lato"/>
+              </a:rPr>
+              <a:t>https://github.com/YSU-Data-Lab/TPC-H-Skew</a:t>
+            </a:r>
+          </a:p>
+          <a:p>
+            <a:endParaRPr lang="en-US" sz="1800" dirty="0">
+              <a:latin typeface="Slack-Lato"/>
+            </a:endParaRPr>
+          </a:p>
+          <a:p>
+            <a:r>
+              <a:rPr lang="en-US" sz="1800" dirty="0">
+                <a:latin typeface="Slack-Lato"/>
+              </a:rPr>
+              <a:t>https://medium.com/sicara/get-started-pyspark-jupyter-guide-tutorial-ae2fe84f594f</a:t>
+            </a:r>
+          </a:p>
+          <a:p>
+            <a:endParaRPr lang="en-US" sz="1800" dirty="0">
+              <a:effectLst/>
+              <a:latin typeface="Calibri" panose="020F0502020204030204" pitchFamily="34" charset="0"/>
+              <a:ea typeface="Times New Roman" panose="02020603050405020304" pitchFamily="18" charset="0"/>
+              <a:cs typeface="Times New Roman" panose="02020603050405020304" pitchFamily="18" charset="0"/>
+            </a:endParaRPr>
+          </a:p>
+        </p:txBody>
+      </p:sp>
+    </p:spTree>
+    <p:extLst>
+      <p:ext uri="{BB962C8B-B14F-4D97-AF65-F5344CB8AC3E}">
+        <p14:creationId xmlns:p14="http://schemas.microsoft.com/office/powerpoint/2010/main" val="3319634625"/>
+      </p:ext>
+    </p:extLst>
+  </p:cSld>
+  <p:clrMapOvr>
+    <a:masterClrMapping/>
+  </p:clrMapOvr>
+</p:sld>
+</file>
+
+<file path=ppt/slides/slide28.xml><?xml version="1.0" encoding="utf-8"?>
+<p:sld xmlns:a="http://schemas.openxmlformats.org/drawingml/2006/main" xmlns:r="http://schemas.openxmlformats.org/officeDocument/2006/relationships" xmlns:p="http://schemas.openxmlformats.org/presentationml/2006/main">
+  <p:cSld>
+    <p:spTree>
+      <p:nvGrpSpPr>
+        <p:cNvPr id="1" name=""/>
+        <p:cNvGrpSpPr/>
+        <p:nvPr/>
+      </p:nvGrpSpPr>
+      <p:grpSpPr>
+        <a:xfrm>
+          <a:off x="0" y="0"/>
+          <a:ext cx="0" cy="0"/>
+          <a:chOff x="0" y="0"/>
+          <a:chExt cx="0" cy="0"/>
+        </a:xfrm>
+      </p:grpSpPr>
+      <p:sp>
+        <p:nvSpPr>
+          <p:cNvPr id="2" name="Title 1">
+            <a:extLst>
+              <a:ext uri="{FF2B5EF4-FFF2-40B4-BE49-F238E27FC236}">
+                <a16:creationId xmlns:a16="http://schemas.microsoft.com/office/drawing/2014/main" id="{182F6BDD-3DA5-A4BA-1823-18E524097C14}"/>
+              </a:ext>
+            </a:extLst>
+          </p:cNvPr>
+          <p:cNvSpPr>
+            <a:spLocks noGrp="1"/>
+          </p:cNvSpPr>
+          <p:nvPr>
+            <p:ph type="title"/>
+          </p:nvPr>
+        </p:nvSpPr>
+        <p:spPr/>
+        <p:txBody>
+          <a:bodyPr/>
+          <a:lstStyle/>
+          <a:p>
+            <a:r>
+              <a:rPr lang="en-US" dirty="0"/>
+              <a:t>Repositories</a:t>
+            </a:r>
+          </a:p>
+        </p:txBody>
+      </p:sp>
+      <p:sp>
+        <p:nvSpPr>
+          <p:cNvPr id="3" name="Content Placeholder 2">
+            <a:extLst>
+              <a:ext uri="{FF2B5EF4-FFF2-40B4-BE49-F238E27FC236}">
+                <a16:creationId xmlns:a16="http://schemas.microsoft.com/office/drawing/2014/main" id="{DB6D87E6-C3D2-F85C-4F7D-E00266D475F0}"/>
+              </a:ext>
+            </a:extLst>
+          </p:cNvPr>
+          <p:cNvSpPr>
+            <a:spLocks noGrp="1"/>
+          </p:cNvSpPr>
+          <p:nvPr>
+            <p:ph idx="1"/>
+          </p:nvPr>
+        </p:nvSpPr>
         <p:spPr>
           <a:xfrm>
-            <a:off x="838200" y="1457325"/>
+            <a:off x="838200" y="1867228"/>
             <a:ext cx="10515600" cy="4351338"/>
           </a:xfrm>
         </p:spPr>
         <p:txBody>
-          <a:bodyPr/>
+          <a:bodyPr vert="horz" lIns="91440" tIns="45720" rIns="91440" bIns="45720" rtlCol="0">
+            <a:normAutofit/>
+          </a:bodyPr>
           <a:lstStyle/>
           <a:p>
-            <a:pPr marL="0" marR="0">
-              <a:lnSpc>
-                <a:spcPct val="107000"/>
-              </a:lnSpc>
-              <a:spcBef>
-                <a:spcPts val="0"/>
-              </a:spcBef>
-              <a:spcAft>
-                <a:spcPts val="800"/>
-              </a:spcAft>
+            <a:pPr marL="0" indent="0">
+              <a:buNone/>
             </a:pPr>
             <a:r>
-              <a:rPr lang="en-US" sz="1800" dirty="0">
-                <a:effectLst/>
-                <a:highlight>
-                  <a:srgbClr val="FFFF00"/>
-                </a:highlight>
-                <a:latin typeface="Calibri" panose="020F0502020204030204" pitchFamily="34" charset="0"/>
-                <a:ea typeface="Calibri" panose="020F0502020204030204" pitchFamily="34" charset="0"/>
-                <a:cs typeface="Times New Roman" panose="02020603050405020304" pitchFamily="18" charset="0"/>
+              <a:rPr lang="en-US" dirty="0"/>
+              <a:t>Git Repository</a:t>
+            </a:r>
+          </a:p>
+          <a:p>
+            <a:r>
+              <a:rPr lang="en-US" dirty="0">
                 <a:hlinkClick r:id="rId2"/>
               </a:rPr>
               <a:t>https://github.com/gprasad09/Apache-Spark-Cluster-Project</a:t>
             </a:r>
-            <a:endParaRPr lang="en-US" sz="1800" dirty="0">
-              <a:effectLst/>
-              <a:highlight>
-                <a:srgbClr val="FFFF00"/>
-              </a:highlight>
-              <a:latin typeface="Calibri" panose="020F0502020204030204" pitchFamily="34" charset="0"/>
-              <a:ea typeface="Calibri" panose="020F0502020204030204" pitchFamily="34" charset="0"/>
-              <a:cs typeface="Times New Roman" panose="02020603050405020304" pitchFamily="18" charset="0"/>
-            </a:endParaRPr>
-          </a:p>
-          <a:p>
-            <a:pPr marL="0" marR="0">
-              <a:lnSpc>
-                <a:spcPct val="107000"/>
-              </a:lnSpc>
-              <a:spcBef>
-                <a:spcPts val="0"/>
-              </a:spcBef>
-              <a:spcAft>
-                <a:spcPts val="800"/>
-              </a:spcAft>
+            <a:endParaRPr lang="en-US" dirty="0"/>
+          </a:p>
+          <a:p>
+            <a:pPr marL="0" indent="0">
+              <a:buNone/>
             </a:pPr>
-            <a:endParaRPr lang="en-US" sz="1800" dirty="0">
-              <a:effectLst/>
-              <a:highlight>
-                <a:srgbClr val="FFFF00"/>
-              </a:highlight>
-              <a:latin typeface="Calibri" panose="020F0502020204030204" pitchFamily="34" charset="0"/>
-              <a:ea typeface="Calibri" panose="020F0502020204030204" pitchFamily="34" charset="0"/>
-              <a:cs typeface="Times New Roman" panose="02020603050405020304" pitchFamily="18" charset="0"/>
-            </a:endParaRPr>
+            <a:endParaRPr lang="en-US" dirty="0"/>
+          </a:p>
+          <a:p>
+            <a:pPr marL="0" indent="0">
+              <a:buNone/>
+            </a:pPr>
+            <a:r>
+              <a:rPr lang="en-US" dirty="0"/>
+              <a:t>Docker images</a:t>
+            </a:r>
+          </a:p>
+          <a:p>
+            <a:r>
+              <a:rPr lang="en-US" dirty="0">
+                <a:hlinkClick r:id="rId3"/>
+              </a:rPr>
+              <a:t>https://hub.docker.com/repositories/gprasad09</a:t>
+            </a:r>
+            <a:endParaRPr lang="en-US" dirty="0"/>
+          </a:p>
+          <a:p>
+            <a:endParaRPr lang="en-US" dirty="0"/>
           </a:p>
         </p:txBody>
       </p:sp>
@@ -11350,7 +12076,12 @@
             <p:ph type="title"/>
           </p:nvPr>
         </p:nvSpPr>
-        <p:spPr/>
+        <p:spPr>
+          <a:xfrm>
+            <a:off x="320040" y="365125"/>
+            <a:ext cx="10515600" cy="1325563"/>
+          </a:xfrm>
+        </p:spPr>
         <p:txBody>
           <a:bodyPr/>
           <a:lstStyle/>
